--- a/Presentation.pptx
+++ b/Presentation.pptx
@@ -6,7 +6,10 @@
   </p:sldMasterIdLst>
   <p:sldIdLst>
     <p:sldId id="256" r:id="rId2"/>
-    <p:sldId id="257" r:id="rId3"/>
+    <p:sldId id="260" r:id="rId3"/>
+    <p:sldId id="261" r:id="rId4"/>
+    <p:sldId id="257" r:id="rId5"/>
+    <p:sldId id="259" r:id="rId6"/>
   </p:sldIdLst>
   <p:sldSz cx="12192000" cy="6858000"/>
   <p:notesSz cx="6858000" cy="9144000"/>
@@ -105,6 +108,11 @@
       </a:defRPr>
     </a:lvl9pPr>
   </p:defaultTextStyle>
+  <p:extLst>
+    <p:ext uri="{EFAFB233-063F-42B5-8137-9DF3F51BA10A}">
+      <p15:sldGuideLst xmlns:p15="http://schemas.microsoft.com/office/powerpoint/2012/main"/>
+    </p:ext>
+  </p:extLst>
 </p:presentation>
 </file>
 
@@ -257,7 +265,7 @@
           <a:p>
             <a:fld id="{C977482C-776D-400F-AD90-26C29B7353B6}" type="datetimeFigureOut">
               <a:rPr lang="es-ES" smtClean="0"/>
-              <a:t>11/03/2024</a:t>
+              <a:t>13/03/2024</a:t>
             </a:fld>
             <a:endParaRPr lang="es-ES"/>
           </a:p>
@@ -457,7 +465,7 @@
           <a:p>
             <a:fld id="{C977482C-776D-400F-AD90-26C29B7353B6}" type="datetimeFigureOut">
               <a:rPr lang="es-ES" smtClean="0"/>
-              <a:t>11/03/2024</a:t>
+              <a:t>13/03/2024</a:t>
             </a:fld>
             <a:endParaRPr lang="es-ES"/>
           </a:p>
@@ -667,7 +675,7 @@
           <a:p>
             <a:fld id="{C977482C-776D-400F-AD90-26C29B7353B6}" type="datetimeFigureOut">
               <a:rPr lang="es-ES" smtClean="0"/>
-              <a:t>11/03/2024</a:t>
+              <a:t>13/03/2024</a:t>
             </a:fld>
             <a:endParaRPr lang="es-ES"/>
           </a:p>
@@ -867,7 +875,7 @@
           <a:p>
             <a:fld id="{C977482C-776D-400F-AD90-26C29B7353B6}" type="datetimeFigureOut">
               <a:rPr lang="es-ES" smtClean="0"/>
-              <a:t>11/03/2024</a:t>
+              <a:t>13/03/2024</a:t>
             </a:fld>
             <a:endParaRPr lang="es-ES"/>
           </a:p>
@@ -1143,7 +1151,7 @@
           <a:p>
             <a:fld id="{C977482C-776D-400F-AD90-26C29B7353B6}" type="datetimeFigureOut">
               <a:rPr lang="es-ES" smtClean="0"/>
-              <a:t>11/03/2024</a:t>
+              <a:t>13/03/2024</a:t>
             </a:fld>
             <a:endParaRPr lang="es-ES"/>
           </a:p>
@@ -1411,7 +1419,7 @@
           <a:p>
             <a:fld id="{C977482C-776D-400F-AD90-26C29B7353B6}" type="datetimeFigureOut">
               <a:rPr lang="es-ES" smtClean="0"/>
-              <a:t>11/03/2024</a:t>
+              <a:t>13/03/2024</a:t>
             </a:fld>
             <a:endParaRPr lang="es-ES"/>
           </a:p>
@@ -1826,7 +1834,7 @@
           <a:p>
             <a:fld id="{C977482C-776D-400F-AD90-26C29B7353B6}" type="datetimeFigureOut">
               <a:rPr lang="es-ES" smtClean="0"/>
-              <a:t>11/03/2024</a:t>
+              <a:t>13/03/2024</a:t>
             </a:fld>
             <a:endParaRPr lang="es-ES"/>
           </a:p>
@@ -1968,7 +1976,7 @@
           <a:p>
             <a:fld id="{C977482C-776D-400F-AD90-26C29B7353B6}" type="datetimeFigureOut">
               <a:rPr lang="es-ES" smtClean="0"/>
-              <a:t>11/03/2024</a:t>
+              <a:t>13/03/2024</a:t>
             </a:fld>
             <a:endParaRPr lang="es-ES"/>
           </a:p>
@@ -2081,7 +2089,7 @@
           <a:p>
             <a:fld id="{C977482C-776D-400F-AD90-26C29B7353B6}" type="datetimeFigureOut">
               <a:rPr lang="es-ES" smtClean="0"/>
-              <a:t>11/03/2024</a:t>
+              <a:t>13/03/2024</a:t>
             </a:fld>
             <a:endParaRPr lang="es-ES"/>
           </a:p>
@@ -2394,7 +2402,7 @@
           <a:p>
             <a:fld id="{C977482C-776D-400F-AD90-26C29B7353B6}" type="datetimeFigureOut">
               <a:rPr lang="es-ES" smtClean="0"/>
-              <a:t>11/03/2024</a:t>
+              <a:t>13/03/2024</a:t>
             </a:fld>
             <a:endParaRPr lang="es-ES"/>
           </a:p>
@@ -2683,7 +2691,7 @@
           <a:p>
             <a:fld id="{C977482C-776D-400F-AD90-26C29B7353B6}" type="datetimeFigureOut">
               <a:rPr lang="es-ES" smtClean="0"/>
-              <a:t>11/03/2024</a:t>
+              <a:t>13/03/2024</a:t>
             </a:fld>
             <a:endParaRPr lang="es-ES"/>
           </a:p>
@@ -2926,7 +2934,7 @@
           <a:p>
             <a:fld id="{C977482C-776D-400F-AD90-26C29B7353B6}" type="datetimeFigureOut">
               <a:rPr lang="es-ES" smtClean="0"/>
-              <a:t>11/03/2024</a:t>
+              <a:t>13/03/2024</a:t>
             </a:fld>
             <a:endParaRPr lang="es-ES"/>
           </a:p>
@@ -3388,6 +3396,149 @@
           </a:extLst>
         </p:spPr>
       </p:pic>
+      <p:pic>
+        <p:nvPicPr>
+          <p:cNvPr id="3" name="Picture 2">
+            <a:extLst>
+              <a:ext uri="{FF2B5EF4-FFF2-40B4-BE49-F238E27FC236}">
+                <a16:creationId xmlns:a16="http://schemas.microsoft.com/office/drawing/2014/main" id="{163FC159-0634-9D04-686C-98D67BA83B3E}"/>
+              </a:ext>
+            </a:extLst>
+          </p:cNvPr>
+          <p:cNvPicPr>
+            <a:picLocks noChangeAspect="1"/>
+          </p:cNvPicPr>
+          <p:nvPr/>
+        </p:nvPicPr>
+        <p:blipFill>
+          <a:blip r:embed="rId3">
+            <a:extLst>
+              <a:ext uri="{28A0092B-C50C-407E-A947-70E740481C1C}">
+                <a14:useLocalDpi xmlns:a14="http://schemas.microsoft.com/office/drawing/2010/main" val="0"/>
+              </a:ext>
+            </a:extLst>
+          </a:blip>
+          <a:stretch>
+            <a:fillRect/>
+          </a:stretch>
+        </p:blipFill>
+        <p:spPr>
+          <a:xfrm>
+            <a:off x="0" y="0"/>
+            <a:ext cx="6858000" cy="6858000"/>
+          </a:xfrm>
+          <a:prstGeom prst="rect">
+            <a:avLst/>
+          </a:prstGeom>
+        </p:spPr>
+      </p:pic>
+      <p:sp>
+        <p:nvSpPr>
+          <p:cNvPr id="4" name="TextBox 3">
+            <a:extLst>
+              <a:ext uri="{FF2B5EF4-FFF2-40B4-BE49-F238E27FC236}">
+                <a16:creationId xmlns:a16="http://schemas.microsoft.com/office/drawing/2014/main" id="{ED73CA00-6AAF-6613-2C79-672F7EB69CC7}"/>
+              </a:ext>
+            </a:extLst>
+          </p:cNvPr>
+          <p:cNvSpPr txBox="1"/>
+          <p:nvPr/>
+        </p:nvSpPr>
+        <p:spPr>
+          <a:xfrm>
+            <a:off x="7177314" y="2808514"/>
+            <a:ext cx="4704444" cy="707886"/>
+          </a:xfrm>
+          <a:prstGeom prst="rect">
+            <a:avLst/>
+          </a:prstGeom>
+          <a:noFill/>
+        </p:spPr>
+        <p:txBody>
+          <a:bodyPr wrap="square" rtlCol="0">
+            <a:spAutoFit/>
+          </a:bodyPr>
+          <a:lstStyle/>
+          <a:p>
+            <a:r>
+              <a:rPr lang="es-ES" sz="4000" dirty="0" err="1">
+                <a:latin typeface="Roboto" panose="02000000000000000000" pitchFamily="2" charset="0"/>
+                <a:ea typeface="Roboto" panose="02000000000000000000" pitchFamily="2" charset="0"/>
+                <a:cs typeface="Roboto" panose="02000000000000000000" pitchFamily="2" charset="0"/>
+              </a:rPr>
+              <a:t>LearnLab</a:t>
+            </a:r>
+            <a:r>
+              <a:rPr lang="es-ES" sz="4000" dirty="0">
+                <a:latin typeface="Roboto" panose="02000000000000000000" pitchFamily="2" charset="0"/>
+                <a:ea typeface="Roboto" panose="02000000000000000000" pitchFamily="2" charset="0"/>
+                <a:cs typeface="Roboto" panose="02000000000000000000" pitchFamily="2" charset="0"/>
+              </a:rPr>
+              <a:t> AI</a:t>
+            </a:r>
+          </a:p>
+        </p:txBody>
+      </p:sp>
+      <p:sp>
+        <p:nvSpPr>
+          <p:cNvPr id="5" name="TextBox 4">
+            <a:extLst>
+              <a:ext uri="{FF2B5EF4-FFF2-40B4-BE49-F238E27FC236}">
+                <a16:creationId xmlns:a16="http://schemas.microsoft.com/office/drawing/2014/main" id="{6E7FBB98-875B-B094-2B04-CD06988C91A3}"/>
+              </a:ext>
+            </a:extLst>
+          </p:cNvPr>
+          <p:cNvSpPr txBox="1"/>
+          <p:nvPr/>
+        </p:nvSpPr>
+        <p:spPr>
+          <a:xfrm>
+            <a:off x="7479392" y="3549427"/>
+            <a:ext cx="3410858" cy="369332"/>
+          </a:xfrm>
+          <a:prstGeom prst="rect">
+            <a:avLst/>
+          </a:prstGeom>
+          <a:noFill/>
+        </p:spPr>
+        <p:txBody>
+          <a:bodyPr wrap="square" rtlCol="0">
+            <a:spAutoFit/>
+          </a:bodyPr>
+          <a:lstStyle/>
+          <a:p>
+            <a:r>
+              <a:rPr lang="es-ES" dirty="0" err="1">
+                <a:latin typeface="Roboto" panose="02000000000000000000" pitchFamily="2" charset="0"/>
+                <a:ea typeface="Roboto" panose="02000000000000000000" pitchFamily="2" charset="0"/>
+                <a:cs typeface="Roboto" panose="02000000000000000000" pitchFamily="2" charset="0"/>
+              </a:rPr>
+              <a:t>By</a:t>
+            </a:r>
+            <a:r>
+              <a:rPr lang="es-ES" dirty="0">
+                <a:latin typeface="Roboto" panose="02000000000000000000" pitchFamily="2" charset="0"/>
+                <a:ea typeface="Roboto" panose="02000000000000000000" pitchFamily="2" charset="0"/>
+                <a:cs typeface="Roboto" panose="02000000000000000000" pitchFamily="2" charset="0"/>
+              </a:rPr>
+              <a:t> Rodrigo Coloma </a:t>
+            </a:r>
+            <a:r>
+              <a:rPr lang="es-ES" dirty="0" err="1">
+                <a:latin typeface="Roboto" panose="02000000000000000000" pitchFamily="2" charset="0"/>
+                <a:ea typeface="Roboto" panose="02000000000000000000" pitchFamily="2" charset="0"/>
+                <a:cs typeface="Roboto" panose="02000000000000000000" pitchFamily="2" charset="0"/>
+              </a:rPr>
+              <a:t>Gutierrez</a:t>
+            </a:r>
+            <a:endParaRPr lang="es-ES" dirty="0">
+              <a:latin typeface="Roboto" panose="02000000000000000000" pitchFamily="2" charset="0"/>
+              <a:ea typeface="Roboto" panose="02000000000000000000" pitchFamily="2" charset="0"/>
+              <a:cs typeface="Roboto" panose="02000000000000000000" pitchFamily="2" charset="0"/>
+            </a:endParaRPr>
+          </a:p>
+        </p:txBody>
+      </p:sp>
     </p:spTree>
     <p:extLst>
       <p:ext uri="{BB962C8B-B14F-4D97-AF65-F5344CB8AC3E}">
@@ -3418,12 +3569,2695 @@
           <a:chExt cx="0" cy="0"/>
         </a:xfrm>
       </p:grpSpPr>
+      <p:grpSp>
+        <p:nvGrpSpPr>
+          <p:cNvPr id="3" name="Group 3"/>
+          <p:cNvGrpSpPr/>
+          <p:nvPr/>
+        </p:nvGrpSpPr>
+        <p:grpSpPr>
+          <a:xfrm>
+            <a:off x="467022" y="381678"/>
+            <a:ext cx="1601733" cy="346133"/>
+            <a:chOff x="0" y="0"/>
+            <a:chExt cx="3203467" cy="692267"/>
+          </a:xfrm>
+        </p:grpSpPr>
+        <p:sp>
+          <p:nvSpPr>
+            <p:cNvPr id="4" name="Freeform 4"/>
+            <p:cNvSpPr/>
+            <p:nvPr/>
+          </p:nvSpPr>
+          <p:spPr>
+            <a:xfrm>
+              <a:off x="16891" y="16891"/>
+              <a:ext cx="3169666" cy="658368"/>
+            </a:xfrm>
+            <a:custGeom>
+              <a:avLst/>
+              <a:gdLst/>
+              <a:ahLst/>
+              <a:cxnLst/>
+              <a:rect l="l" t="t" r="r" b="b"/>
+              <a:pathLst>
+                <a:path w="3169666" h="658368">
+                  <a:moveTo>
+                    <a:pt x="0" y="329184"/>
+                  </a:moveTo>
+                  <a:cubicBezTo>
+                    <a:pt x="0" y="147447"/>
+                    <a:pt x="153416" y="0"/>
+                    <a:pt x="342519" y="0"/>
+                  </a:cubicBezTo>
+                  <a:lnTo>
+                    <a:pt x="2827147" y="0"/>
+                  </a:lnTo>
+                  <a:cubicBezTo>
+                    <a:pt x="3016250" y="0"/>
+                    <a:pt x="3169666" y="147447"/>
+                    <a:pt x="3169666" y="329184"/>
+                  </a:cubicBezTo>
+                  <a:cubicBezTo>
+                    <a:pt x="3169666" y="510921"/>
+                    <a:pt x="3016377" y="658368"/>
+                    <a:pt x="2827147" y="658368"/>
+                  </a:cubicBezTo>
+                  <a:lnTo>
+                    <a:pt x="342519" y="658368"/>
+                  </a:lnTo>
+                  <a:cubicBezTo>
+                    <a:pt x="153416" y="658368"/>
+                    <a:pt x="0" y="510921"/>
+                    <a:pt x="0" y="329184"/>
+                  </a:cubicBezTo>
+                  <a:close/>
+                </a:path>
+              </a:pathLst>
+            </a:custGeom>
+            <a:solidFill>
+              <a:srgbClr val="FFFFFF"/>
+            </a:solidFill>
+          </p:spPr>
+          <p:txBody>
+            <a:bodyPr/>
+            <a:lstStyle/>
+            <a:p>
+              <a:endParaRPr lang="en-NL" sz="1200"/>
+            </a:p>
+          </p:txBody>
+        </p:sp>
+        <p:sp>
+          <p:nvSpPr>
+            <p:cNvPr id="5" name="Freeform 5"/>
+            <p:cNvSpPr/>
+            <p:nvPr/>
+          </p:nvSpPr>
+          <p:spPr>
+            <a:xfrm>
+              <a:off x="0" y="0"/>
+              <a:ext cx="3203448" cy="692277"/>
+            </a:xfrm>
+            <a:custGeom>
+              <a:avLst/>
+              <a:gdLst/>
+              <a:ahLst/>
+              <a:cxnLst/>
+              <a:rect l="l" t="t" r="r" b="b"/>
+              <a:pathLst>
+                <a:path w="3203448" h="692277">
+                  <a:moveTo>
+                    <a:pt x="0" y="346075"/>
+                  </a:moveTo>
+                  <a:cubicBezTo>
+                    <a:pt x="0" y="154305"/>
+                    <a:pt x="161544" y="0"/>
+                    <a:pt x="359410" y="0"/>
+                  </a:cubicBezTo>
+                  <a:lnTo>
+                    <a:pt x="2844038" y="0"/>
+                  </a:lnTo>
+                  <a:lnTo>
+                    <a:pt x="2844038" y="16891"/>
+                  </a:lnTo>
+                  <a:lnTo>
+                    <a:pt x="2844038" y="0"/>
+                  </a:lnTo>
+                  <a:cubicBezTo>
+                    <a:pt x="3041904" y="0"/>
+                    <a:pt x="3203448" y="154305"/>
+                    <a:pt x="3203448" y="346075"/>
+                  </a:cubicBezTo>
+                  <a:lnTo>
+                    <a:pt x="3186557" y="346075"/>
+                  </a:lnTo>
+                  <a:lnTo>
+                    <a:pt x="3203448" y="346075"/>
+                  </a:lnTo>
+                  <a:lnTo>
+                    <a:pt x="3186557" y="346075"/>
+                  </a:lnTo>
+                  <a:lnTo>
+                    <a:pt x="3203448" y="346075"/>
+                  </a:lnTo>
+                  <a:cubicBezTo>
+                    <a:pt x="3203448" y="537845"/>
+                    <a:pt x="3041904" y="692150"/>
+                    <a:pt x="2844038" y="692150"/>
+                  </a:cubicBezTo>
+                  <a:lnTo>
+                    <a:pt x="2844038" y="675386"/>
+                  </a:lnTo>
+                  <a:lnTo>
+                    <a:pt x="2844038" y="692277"/>
+                  </a:lnTo>
+                  <a:lnTo>
+                    <a:pt x="359410" y="692277"/>
+                  </a:lnTo>
+                  <a:lnTo>
+                    <a:pt x="359410" y="675386"/>
+                  </a:lnTo>
+                  <a:lnTo>
+                    <a:pt x="359410" y="692277"/>
+                  </a:lnTo>
+                  <a:cubicBezTo>
+                    <a:pt x="161544" y="692277"/>
+                    <a:pt x="0" y="537972"/>
+                    <a:pt x="0" y="346075"/>
+                  </a:cubicBezTo>
+                  <a:lnTo>
+                    <a:pt x="16891" y="346075"/>
+                  </a:lnTo>
+                  <a:lnTo>
+                    <a:pt x="0" y="346075"/>
+                  </a:lnTo>
+                  <a:moveTo>
+                    <a:pt x="33909" y="346075"/>
+                  </a:moveTo>
+                  <a:lnTo>
+                    <a:pt x="16891" y="346075"/>
+                  </a:lnTo>
+                  <a:lnTo>
+                    <a:pt x="33909" y="346075"/>
+                  </a:lnTo>
+                  <a:cubicBezTo>
+                    <a:pt x="33909" y="517906"/>
+                    <a:pt x="179070" y="658368"/>
+                    <a:pt x="359410" y="658368"/>
+                  </a:cubicBezTo>
+                  <a:lnTo>
+                    <a:pt x="2844038" y="658368"/>
+                  </a:lnTo>
+                  <a:cubicBezTo>
+                    <a:pt x="3024505" y="658368"/>
+                    <a:pt x="3169539" y="517906"/>
+                    <a:pt x="3169539" y="346075"/>
+                  </a:cubicBezTo>
+                  <a:cubicBezTo>
+                    <a:pt x="3169539" y="174244"/>
+                    <a:pt x="3024505" y="33909"/>
+                    <a:pt x="2844038" y="33909"/>
+                  </a:cubicBezTo>
+                  <a:lnTo>
+                    <a:pt x="359410" y="33909"/>
+                  </a:lnTo>
+                  <a:lnTo>
+                    <a:pt x="359410" y="16891"/>
+                  </a:lnTo>
+                  <a:lnTo>
+                    <a:pt x="359410" y="33909"/>
+                  </a:lnTo>
+                  <a:cubicBezTo>
+                    <a:pt x="178943" y="33909"/>
+                    <a:pt x="33909" y="174244"/>
+                    <a:pt x="33909" y="346075"/>
+                  </a:cubicBezTo>
+                  <a:close/>
+                </a:path>
+              </a:pathLst>
+            </a:custGeom>
+            <a:solidFill>
+              <a:srgbClr val="050037"/>
+            </a:solidFill>
+          </p:spPr>
+          <p:txBody>
+            <a:bodyPr/>
+            <a:lstStyle/>
+            <a:p>
+              <a:endParaRPr lang="en-NL" sz="1200"/>
+            </a:p>
+          </p:txBody>
+        </p:sp>
+        <p:sp>
+          <p:nvSpPr>
+            <p:cNvPr id="6" name="TextBox 6"/>
+            <p:cNvSpPr txBox="1"/>
+            <p:nvPr/>
+          </p:nvSpPr>
+          <p:spPr>
+            <a:xfrm>
+              <a:off x="0" y="-19050"/>
+              <a:ext cx="3203467" cy="711317"/>
+            </a:xfrm>
+            <a:prstGeom prst="rect">
+              <a:avLst/>
+            </a:prstGeom>
+          </p:spPr>
+          <p:txBody>
+            <a:bodyPr lIns="33867" tIns="33867" rIns="33867" bIns="33867" rtlCol="0" anchor="ctr"/>
+            <a:lstStyle/>
+            <a:p>
+              <a:pPr algn="ctr">
+                <a:lnSpc>
+                  <a:spcPts val="1600"/>
+                </a:lnSpc>
+              </a:pPr>
+              <a:r>
+                <a:rPr lang="en-US" sz="1333">
+                  <a:solidFill>
+                    <a:srgbClr val="050037"/>
+                  </a:solidFill>
+                  <a:latin typeface="Roboto"/>
+                </a:rPr>
+                <a:t>Problem</a:t>
+              </a:r>
+            </a:p>
+          </p:txBody>
+        </p:sp>
+      </p:grpSp>
+      <p:sp>
+        <p:nvSpPr>
+          <p:cNvPr id="8" name="TextBox 8"/>
+          <p:cNvSpPr txBox="1"/>
+          <p:nvPr/>
+        </p:nvSpPr>
+        <p:spPr>
+          <a:xfrm>
+            <a:off x="685800" y="1012327"/>
+            <a:ext cx="11234342" cy="820738"/>
+          </a:xfrm>
+          <a:prstGeom prst="rect">
+            <a:avLst/>
+          </a:prstGeom>
+        </p:spPr>
+        <p:txBody>
+          <a:bodyPr lIns="0" tIns="0" rIns="0" bIns="0" rtlCol="0" anchor="t">
+            <a:spAutoFit/>
+          </a:bodyPr>
+          <a:lstStyle/>
+          <a:p>
+            <a:pPr algn="ctr">
+              <a:lnSpc>
+                <a:spcPts val="3200"/>
+              </a:lnSpc>
+            </a:pPr>
+            <a:r>
+              <a:rPr lang="en-US" sz="2667" dirty="0">
+                <a:solidFill>
+                  <a:srgbClr val="000000"/>
+                </a:solidFill>
+                <a:latin typeface="Arimo Bold"/>
+              </a:rPr>
+              <a:t> Creating the right Machine Learning model</a:t>
+            </a:r>
+          </a:p>
+          <a:p>
+            <a:pPr algn="ctr">
+              <a:lnSpc>
+                <a:spcPts val="3200"/>
+              </a:lnSpc>
+            </a:pPr>
+            <a:r>
+              <a:rPr lang="en-US" sz="2667" dirty="0">
+                <a:solidFill>
+                  <a:srgbClr val="000000"/>
+                </a:solidFill>
+                <a:latin typeface="Arimo Bold"/>
+              </a:rPr>
+              <a:t>takes time and coding skills</a:t>
+            </a:r>
+          </a:p>
+        </p:txBody>
+      </p:sp>
+      <p:sp>
+        <p:nvSpPr>
+          <p:cNvPr id="13" name="TextBox 13"/>
+          <p:cNvSpPr txBox="1"/>
+          <p:nvPr/>
+        </p:nvSpPr>
+        <p:spPr>
+          <a:xfrm>
+            <a:off x="11506216" y="6188517"/>
+            <a:ext cx="175775" cy="367601"/>
+          </a:xfrm>
+          <a:prstGeom prst="rect">
+            <a:avLst/>
+          </a:prstGeom>
+        </p:spPr>
+        <p:txBody>
+          <a:bodyPr lIns="0" tIns="0" rIns="0" bIns="0" rtlCol="0" anchor="t">
+            <a:spAutoFit/>
+          </a:bodyPr>
+          <a:lstStyle/>
+          <a:p>
+            <a:pPr algn="ctr">
+              <a:lnSpc>
+                <a:spcPts val="2957"/>
+              </a:lnSpc>
+            </a:pPr>
+            <a:r>
+              <a:rPr lang="en-US" sz="2465">
+                <a:solidFill>
+                  <a:srgbClr val="000000"/>
+                </a:solidFill>
+                <a:latin typeface="Roboto"/>
+              </a:rPr>
+              <a:t>1</a:t>
+            </a:r>
+          </a:p>
+        </p:txBody>
+      </p:sp>
+      <p:grpSp>
+        <p:nvGrpSpPr>
+          <p:cNvPr id="14" name="Group 6">
+            <a:extLst>
+              <a:ext uri="{FF2B5EF4-FFF2-40B4-BE49-F238E27FC236}">
+                <a16:creationId xmlns:a16="http://schemas.microsoft.com/office/drawing/2014/main" id="{D3D67B99-644A-725E-7F84-CEFD00BC84A4}"/>
+              </a:ext>
+            </a:extLst>
+          </p:cNvPr>
+          <p:cNvGrpSpPr/>
+          <p:nvPr/>
+        </p:nvGrpSpPr>
+        <p:grpSpPr>
+          <a:xfrm>
+            <a:off x="685801" y="2464686"/>
+            <a:ext cx="1674771" cy="336906"/>
+            <a:chOff x="0" y="0"/>
+            <a:chExt cx="3349543" cy="673812"/>
+          </a:xfrm>
+        </p:grpSpPr>
+        <p:sp>
+          <p:nvSpPr>
+            <p:cNvPr id="15" name="Freeform 7">
+              <a:extLst>
+                <a:ext uri="{FF2B5EF4-FFF2-40B4-BE49-F238E27FC236}">
+                  <a16:creationId xmlns:a16="http://schemas.microsoft.com/office/drawing/2014/main" id="{897197F3-ACB0-592F-A513-1695EAD6BB41}"/>
+                </a:ext>
+              </a:extLst>
+            </p:cNvPr>
+            <p:cNvSpPr/>
+            <p:nvPr/>
+          </p:nvSpPr>
+          <p:spPr>
+            <a:xfrm>
+              <a:off x="17661" y="16441"/>
+              <a:ext cx="3314201" cy="640817"/>
+            </a:xfrm>
+            <a:custGeom>
+              <a:avLst/>
+              <a:gdLst/>
+              <a:ahLst/>
+              <a:cxnLst/>
+              <a:rect l="l" t="t" r="r" b="b"/>
+              <a:pathLst>
+                <a:path w="3314201" h="640817">
+                  <a:moveTo>
+                    <a:pt x="0" y="320408"/>
+                  </a:moveTo>
+                  <a:cubicBezTo>
+                    <a:pt x="0" y="143516"/>
+                    <a:pt x="160412" y="0"/>
+                    <a:pt x="358138" y="0"/>
+                  </a:cubicBezTo>
+                  <a:lnTo>
+                    <a:pt x="2956063" y="0"/>
+                  </a:lnTo>
+                  <a:cubicBezTo>
+                    <a:pt x="3153789" y="0"/>
+                    <a:pt x="3314201" y="143516"/>
+                    <a:pt x="3314201" y="320408"/>
+                  </a:cubicBezTo>
+                  <a:cubicBezTo>
+                    <a:pt x="3314201" y="497300"/>
+                    <a:pt x="3153922" y="640817"/>
+                    <a:pt x="2956063" y="640817"/>
+                  </a:cubicBezTo>
+                  <a:lnTo>
+                    <a:pt x="358138" y="640817"/>
+                  </a:lnTo>
+                  <a:cubicBezTo>
+                    <a:pt x="160412" y="640817"/>
+                    <a:pt x="0" y="497300"/>
+                    <a:pt x="0" y="320408"/>
+                  </a:cubicBezTo>
+                  <a:close/>
+                </a:path>
+              </a:pathLst>
+            </a:custGeom>
+            <a:solidFill>
+              <a:srgbClr val="FFFFFF"/>
+            </a:solidFill>
+          </p:spPr>
+          <p:txBody>
+            <a:bodyPr/>
+            <a:lstStyle/>
+            <a:p>
+              <a:endParaRPr lang="en-NL" sz="1200"/>
+            </a:p>
+          </p:txBody>
+        </p:sp>
+        <p:sp>
+          <p:nvSpPr>
+            <p:cNvPr id="16" name="Freeform 8">
+              <a:extLst>
+                <a:ext uri="{FF2B5EF4-FFF2-40B4-BE49-F238E27FC236}">
+                  <a16:creationId xmlns:a16="http://schemas.microsoft.com/office/drawing/2014/main" id="{3B1EB6E7-9A81-C807-2F72-7C8A0BA49F38}"/>
+                </a:ext>
+              </a:extLst>
+            </p:cNvPr>
+            <p:cNvSpPr/>
+            <p:nvPr/>
+          </p:nvSpPr>
+          <p:spPr>
+            <a:xfrm>
+              <a:off x="0" y="0"/>
+              <a:ext cx="3349523" cy="673822"/>
+            </a:xfrm>
+            <a:custGeom>
+              <a:avLst/>
+              <a:gdLst/>
+              <a:ahLst/>
+              <a:cxnLst/>
+              <a:rect l="l" t="t" r="r" b="b"/>
+              <a:pathLst>
+                <a:path w="3349523" h="673822">
+                  <a:moveTo>
+                    <a:pt x="0" y="336849"/>
+                  </a:moveTo>
+                  <a:cubicBezTo>
+                    <a:pt x="0" y="150191"/>
+                    <a:pt x="168910" y="0"/>
+                    <a:pt x="375799" y="0"/>
+                  </a:cubicBezTo>
+                  <a:lnTo>
+                    <a:pt x="2973724" y="0"/>
+                  </a:lnTo>
+                  <a:lnTo>
+                    <a:pt x="2973724" y="16441"/>
+                  </a:lnTo>
+                  <a:lnTo>
+                    <a:pt x="2973724" y="0"/>
+                  </a:lnTo>
+                  <a:cubicBezTo>
+                    <a:pt x="3180613" y="0"/>
+                    <a:pt x="3349523" y="150191"/>
+                    <a:pt x="3349523" y="336849"/>
+                  </a:cubicBezTo>
+                  <a:lnTo>
+                    <a:pt x="3331862" y="336849"/>
+                  </a:lnTo>
+                  <a:lnTo>
+                    <a:pt x="3349523" y="336849"/>
+                  </a:lnTo>
+                  <a:lnTo>
+                    <a:pt x="3331862" y="336849"/>
+                  </a:lnTo>
+                  <a:lnTo>
+                    <a:pt x="3349523" y="336849"/>
+                  </a:lnTo>
+                  <a:cubicBezTo>
+                    <a:pt x="3349523" y="523507"/>
+                    <a:pt x="3180613" y="673699"/>
+                    <a:pt x="2973724" y="673699"/>
+                  </a:cubicBezTo>
+                  <a:lnTo>
+                    <a:pt x="2973724" y="657381"/>
+                  </a:lnTo>
+                  <a:lnTo>
+                    <a:pt x="2973724" y="673822"/>
+                  </a:lnTo>
+                  <a:lnTo>
+                    <a:pt x="375799" y="673822"/>
+                  </a:lnTo>
+                  <a:lnTo>
+                    <a:pt x="375799" y="657381"/>
+                  </a:lnTo>
+                  <a:lnTo>
+                    <a:pt x="375799" y="673822"/>
+                  </a:lnTo>
+                  <a:cubicBezTo>
+                    <a:pt x="168910" y="673822"/>
+                    <a:pt x="0" y="523631"/>
+                    <a:pt x="0" y="336849"/>
+                  </a:cubicBezTo>
+                  <a:lnTo>
+                    <a:pt x="17661" y="336849"/>
+                  </a:lnTo>
+                  <a:lnTo>
+                    <a:pt x="0" y="336849"/>
+                  </a:lnTo>
+                  <a:moveTo>
+                    <a:pt x="35455" y="336849"/>
+                  </a:moveTo>
+                  <a:lnTo>
+                    <a:pt x="17661" y="336849"/>
+                  </a:lnTo>
+                  <a:lnTo>
+                    <a:pt x="35455" y="336849"/>
+                  </a:lnTo>
+                  <a:cubicBezTo>
+                    <a:pt x="35455" y="504100"/>
+                    <a:pt x="187235" y="640817"/>
+                    <a:pt x="375799" y="640817"/>
+                  </a:cubicBezTo>
+                  <a:lnTo>
+                    <a:pt x="2973724" y="640817"/>
+                  </a:lnTo>
+                  <a:cubicBezTo>
+                    <a:pt x="3162421" y="640817"/>
+                    <a:pt x="3314068" y="504100"/>
+                    <a:pt x="3314068" y="336849"/>
+                  </a:cubicBezTo>
+                  <a:cubicBezTo>
+                    <a:pt x="3314068" y="169599"/>
+                    <a:pt x="3162420" y="33005"/>
+                    <a:pt x="2973724" y="33005"/>
+                  </a:cubicBezTo>
+                  <a:lnTo>
+                    <a:pt x="375799" y="33005"/>
+                  </a:lnTo>
+                  <a:lnTo>
+                    <a:pt x="375799" y="16441"/>
+                  </a:lnTo>
+                  <a:lnTo>
+                    <a:pt x="375799" y="33005"/>
+                  </a:lnTo>
+                  <a:cubicBezTo>
+                    <a:pt x="187103" y="33005"/>
+                    <a:pt x="35455" y="169599"/>
+                    <a:pt x="35455" y="336849"/>
+                  </a:cubicBezTo>
+                  <a:close/>
+                </a:path>
+              </a:pathLst>
+            </a:custGeom>
+            <a:solidFill>
+              <a:srgbClr val="050037"/>
+            </a:solidFill>
+          </p:spPr>
+          <p:txBody>
+            <a:bodyPr/>
+            <a:lstStyle/>
+            <a:p>
+              <a:endParaRPr lang="en-NL" sz="1200"/>
+            </a:p>
+          </p:txBody>
+        </p:sp>
+        <p:sp>
+          <p:nvSpPr>
+            <p:cNvPr id="17" name="TextBox 9">
+              <a:extLst>
+                <a:ext uri="{FF2B5EF4-FFF2-40B4-BE49-F238E27FC236}">
+                  <a16:creationId xmlns:a16="http://schemas.microsoft.com/office/drawing/2014/main" id="{25C150EF-A23A-E81C-219D-1BC1A919F7B8}"/>
+                </a:ext>
+              </a:extLst>
+            </p:cNvPr>
+            <p:cNvSpPr txBox="1"/>
+            <p:nvPr/>
+          </p:nvSpPr>
+          <p:spPr>
+            <a:xfrm>
+              <a:off x="0" y="-19050"/>
+              <a:ext cx="3349543" cy="692862"/>
+            </a:xfrm>
+            <a:prstGeom prst="rect">
+              <a:avLst/>
+            </a:prstGeom>
+          </p:spPr>
+          <p:txBody>
+            <a:bodyPr lIns="33867" tIns="33867" rIns="33867" bIns="33867" rtlCol="0" anchor="ctr"/>
+            <a:lstStyle/>
+            <a:p>
+              <a:pPr algn="ctr">
+                <a:lnSpc>
+                  <a:spcPts val="1600"/>
+                </a:lnSpc>
+              </a:pPr>
+              <a:r>
+                <a:rPr lang="en-US" sz="1333">
+                  <a:solidFill>
+                    <a:srgbClr val="050037"/>
+                  </a:solidFill>
+                  <a:latin typeface="Roboto"/>
+                </a:rPr>
+                <a:t>Sub-problem #1</a:t>
+              </a:r>
+            </a:p>
+          </p:txBody>
+        </p:sp>
+      </p:grpSp>
+      <p:grpSp>
+        <p:nvGrpSpPr>
+          <p:cNvPr id="18" name="Group 10">
+            <a:extLst>
+              <a:ext uri="{FF2B5EF4-FFF2-40B4-BE49-F238E27FC236}">
+                <a16:creationId xmlns:a16="http://schemas.microsoft.com/office/drawing/2014/main" id="{791790BF-F0C4-D809-6AAE-07550C9CFA03}"/>
+              </a:ext>
+            </a:extLst>
+          </p:cNvPr>
+          <p:cNvGrpSpPr/>
+          <p:nvPr/>
+        </p:nvGrpSpPr>
+        <p:grpSpPr>
+          <a:xfrm>
+            <a:off x="685801" y="3657566"/>
+            <a:ext cx="1674771" cy="336906"/>
+            <a:chOff x="0" y="0"/>
+            <a:chExt cx="3349543" cy="673812"/>
+          </a:xfrm>
+        </p:grpSpPr>
+        <p:sp>
+          <p:nvSpPr>
+            <p:cNvPr id="19" name="Freeform 11">
+              <a:extLst>
+                <a:ext uri="{FF2B5EF4-FFF2-40B4-BE49-F238E27FC236}">
+                  <a16:creationId xmlns:a16="http://schemas.microsoft.com/office/drawing/2014/main" id="{D9EB33A1-66E6-CD92-68CF-5A37A59D3D29}"/>
+                </a:ext>
+              </a:extLst>
+            </p:cNvPr>
+            <p:cNvSpPr/>
+            <p:nvPr/>
+          </p:nvSpPr>
+          <p:spPr>
+            <a:xfrm>
+              <a:off x="17661" y="16441"/>
+              <a:ext cx="3314201" cy="640817"/>
+            </a:xfrm>
+            <a:custGeom>
+              <a:avLst/>
+              <a:gdLst/>
+              <a:ahLst/>
+              <a:cxnLst/>
+              <a:rect l="l" t="t" r="r" b="b"/>
+              <a:pathLst>
+                <a:path w="3314201" h="640817">
+                  <a:moveTo>
+                    <a:pt x="0" y="320408"/>
+                  </a:moveTo>
+                  <a:cubicBezTo>
+                    <a:pt x="0" y="143516"/>
+                    <a:pt x="160412" y="0"/>
+                    <a:pt x="358138" y="0"/>
+                  </a:cubicBezTo>
+                  <a:lnTo>
+                    <a:pt x="2956063" y="0"/>
+                  </a:lnTo>
+                  <a:cubicBezTo>
+                    <a:pt x="3153789" y="0"/>
+                    <a:pt x="3314201" y="143516"/>
+                    <a:pt x="3314201" y="320408"/>
+                  </a:cubicBezTo>
+                  <a:cubicBezTo>
+                    <a:pt x="3314201" y="497300"/>
+                    <a:pt x="3153922" y="640817"/>
+                    <a:pt x="2956063" y="640817"/>
+                  </a:cubicBezTo>
+                  <a:lnTo>
+                    <a:pt x="358138" y="640817"/>
+                  </a:lnTo>
+                  <a:cubicBezTo>
+                    <a:pt x="160412" y="640817"/>
+                    <a:pt x="0" y="497300"/>
+                    <a:pt x="0" y="320408"/>
+                  </a:cubicBezTo>
+                  <a:close/>
+                </a:path>
+              </a:pathLst>
+            </a:custGeom>
+            <a:solidFill>
+              <a:srgbClr val="FFFFFF"/>
+            </a:solidFill>
+          </p:spPr>
+          <p:txBody>
+            <a:bodyPr/>
+            <a:lstStyle/>
+            <a:p>
+              <a:endParaRPr lang="en-NL" sz="1200"/>
+            </a:p>
+          </p:txBody>
+        </p:sp>
+        <p:sp>
+          <p:nvSpPr>
+            <p:cNvPr id="20" name="Freeform 12">
+              <a:extLst>
+                <a:ext uri="{FF2B5EF4-FFF2-40B4-BE49-F238E27FC236}">
+                  <a16:creationId xmlns:a16="http://schemas.microsoft.com/office/drawing/2014/main" id="{EAFC439D-C826-4695-D015-4FAB6CDE7716}"/>
+                </a:ext>
+              </a:extLst>
+            </p:cNvPr>
+            <p:cNvSpPr/>
+            <p:nvPr/>
+          </p:nvSpPr>
+          <p:spPr>
+            <a:xfrm>
+              <a:off x="0" y="0"/>
+              <a:ext cx="3349523" cy="673822"/>
+            </a:xfrm>
+            <a:custGeom>
+              <a:avLst/>
+              <a:gdLst/>
+              <a:ahLst/>
+              <a:cxnLst/>
+              <a:rect l="l" t="t" r="r" b="b"/>
+              <a:pathLst>
+                <a:path w="3349523" h="673822">
+                  <a:moveTo>
+                    <a:pt x="0" y="336849"/>
+                  </a:moveTo>
+                  <a:cubicBezTo>
+                    <a:pt x="0" y="150191"/>
+                    <a:pt x="168910" y="0"/>
+                    <a:pt x="375799" y="0"/>
+                  </a:cubicBezTo>
+                  <a:lnTo>
+                    <a:pt x="2973724" y="0"/>
+                  </a:lnTo>
+                  <a:lnTo>
+                    <a:pt x="2973724" y="16441"/>
+                  </a:lnTo>
+                  <a:lnTo>
+                    <a:pt x="2973724" y="0"/>
+                  </a:lnTo>
+                  <a:cubicBezTo>
+                    <a:pt x="3180613" y="0"/>
+                    <a:pt x="3349523" y="150191"/>
+                    <a:pt x="3349523" y="336849"/>
+                  </a:cubicBezTo>
+                  <a:lnTo>
+                    <a:pt x="3331862" y="336849"/>
+                  </a:lnTo>
+                  <a:lnTo>
+                    <a:pt x="3349523" y="336849"/>
+                  </a:lnTo>
+                  <a:lnTo>
+                    <a:pt x="3331862" y="336849"/>
+                  </a:lnTo>
+                  <a:lnTo>
+                    <a:pt x="3349523" y="336849"/>
+                  </a:lnTo>
+                  <a:cubicBezTo>
+                    <a:pt x="3349523" y="523507"/>
+                    <a:pt x="3180613" y="673699"/>
+                    <a:pt x="2973724" y="673699"/>
+                  </a:cubicBezTo>
+                  <a:lnTo>
+                    <a:pt x="2973724" y="657381"/>
+                  </a:lnTo>
+                  <a:lnTo>
+                    <a:pt x="2973724" y="673822"/>
+                  </a:lnTo>
+                  <a:lnTo>
+                    <a:pt x="375799" y="673822"/>
+                  </a:lnTo>
+                  <a:lnTo>
+                    <a:pt x="375799" y="657381"/>
+                  </a:lnTo>
+                  <a:lnTo>
+                    <a:pt x="375799" y="673822"/>
+                  </a:lnTo>
+                  <a:cubicBezTo>
+                    <a:pt x="168910" y="673822"/>
+                    <a:pt x="0" y="523631"/>
+                    <a:pt x="0" y="336849"/>
+                  </a:cubicBezTo>
+                  <a:lnTo>
+                    <a:pt x="17661" y="336849"/>
+                  </a:lnTo>
+                  <a:lnTo>
+                    <a:pt x="0" y="336849"/>
+                  </a:lnTo>
+                  <a:moveTo>
+                    <a:pt x="35455" y="336849"/>
+                  </a:moveTo>
+                  <a:lnTo>
+                    <a:pt x="17661" y="336849"/>
+                  </a:lnTo>
+                  <a:lnTo>
+                    <a:pt x="35455" y="336849"/>
+                  </a:lnTo>
+                  <a:cubicBezTo>
+                    <a:pt x="35455" y="504100"/>
+                    <a:pt x="187235" y="640817"/>
+                    <a:pt x="375799" y="640817"/>
+                  </a:cubicBezTo>
+                  <a:lnTo>
+                    <a:pt x="2973724" y="640817"/>
+                  </a:lnTo>
+                  <a:cubicBezTo>
+                    <a:pt x="3162421" y="640817"/>
+                    <a:pt x="3314068" y="504100"/>
+                    <a:pt x="3314068" y="336849"/>
+                  </a:cubicBezTo>
+                  <a:cubicBezTo>
+                    <a:pt x="3314068" y="169599"/>
+                    <a:pt x="3162420" y="33005"/>
+                    <a:pt x="2973724" y="33005"/>
+                  </a:cubicBezTo>
+                  <a:lnTo>
+                    <a:pt x="375799" y="33005"/>
+                  </a:lnTo>
+                  <a:lnTo>
+                    <a:pt x="375799" y="16441"/>
+                  </a:lnTo>
+                  <a:lnTo>
+                    <a:pt x="375799" y="33005"/>
+                  </a:lnTo>
+                  <a:cubicBezTo>
+                    <a:pt x="187103" y="33005"/>
+                    <a:pt x="35455" y="169599"/>
+                    <a:pt x="35455" y="336849"/>
+                  </a:cubicBezTo>
+                  <a:close/>
+                </a:path>
+              </a:pathLst>
+            </a:custGeom>
+            <a:solidFill>
+              <a:srgbClr val="050037"/>
+            </a:solidFill>
+          </p:spPr>
+          <p:txBody>
+            <a:bodyPr/>
+            <a:lstStyle/>
+            <a:p>
+              <a:endParaRPr lang="en-NL" sz="1200"/>
+            </a:p>
+          </p:txBody>
+        </p:sp>
+        <p:sp>
+          <p:nvSpPr>
+            <p:cNvPr id="21" name="TextBox 13">
+              <a:extLst>
+                <a:ext uri="{FF2B5EF4-FFF2-40B4-BE49-F238E27FC236}">
+                  <a16:creationId xmlns:a16="http://schemas.microsoft.com/office/drawing/2014/main" id="{C99A55AC-E690-2141-E45D-34F9A28E9AD3}"/>
+                </a:ext>
+              </a:extLst>
+            </p:cNvPr>
+            <p:cNvSpPr txBox="1"/>
+            <p:nvPr/>
+          </p:nvSpPr>
+          <p:spPr>
+            <a:xfrm>
+              <a:off x="0" y="-19050"/>
+              <a:ext cx="3349543" cy="692862"/>
+            </a:xfrm>
+            <a:prstGeom prst="rect">
+              <a:avLst/>
+            </a:prstGeom>
+          </p:spPr>
+          <p:txBody>
+            <a:bodyPr lIns="33867" tIns="33867" rIns="33867" bIns="33867" rtlCol="0" anchor="ctr"/>
+            <a:lstStyle/>
+            <a:p>
+              <a:pPr algn="ctr">
+                <a:lnSpc>
+                  <a:spcPts val="1600"/>
+                </a:lnSpc>
+              </a:pPr>
+              <a:r>
+                <a:rPr lang="en-US" sz="1333">
+                  <a:solidFill>
+                    <a:srgbClr val="050037"/>
+                  </a:solidFill>
+                  <a:latin typeface="Roboto"/>
+                </a:rPr>
+                <a:t>Sub-problem #2</a:t>
+              </a:r>
+            </a:p>
+          </p:txBody>
+        </p:sp>
+      </p:grpSp>
+      <p:grpSp>
+        <p:nvGrpSpPr>
+          <p:cNvPr id="22" name="Group 20">
+            <a:extLst>
+              <a:ext uri="{FF2B5EF4-FFF2-40B4-BE49-F238E27FC236}">
+                <a16:creationId xmlns:a16="http://schemas.microsoft.com/office/drawing/2014/main" id="{18108DC2-7847-F687-BFCF-15080566510C}"/>
+              </a:ext>
+            </a:extLst>
+          </p:cNvPr>
+          <p:cNvGrpSpPr/>
+          <p:nvPr/>
+        </p:nvGrpSpPr>
+        <p:grpSpPr>
+          <a:xfrm>
+            <a:off x="685801" y="4826170"/>
+            <a:ext cx="1674771" cy="336906"/>
+            <a:chOff x="0" y="0"/>
+            <a:chExt cx="3349543" cy="673812"/>
+          </a:xfrm>
+        </p:grpSpPr>
+        <p:sp>
+          <p:nvSpPr>
+            <p:cNvPr id="23" name="Freeform 21">
+              <a:extLst>
+                <a:ext uri="{FF2B5EF4-FFF2-40B4-BE49-F238E27FC236}">
+                  <a16:creationId xmlns:a16="http://schemas.microsoft.com/office/drawing/2014/main" id="{90352A9C-03E5-B968-0768-A0A3EEE40B71}"/>
+                </a:ext>
+              </a:extLst>
+            </p:cNvPr>
+            <p:cNvSpPr/>
+            <p:nvPr/>
+          </p:nvSpPr>
+          <p:spPr>
+            <a:xfrm>
+              <a:off x="17661" y="16441"/>
+              <a:ext cx="3314201" cy="640817"/>
+            </a:xfrm>
+            <a:custGeom>
+              <a:avLst/>
+              <a:gdLst/>
+              <a:ahLst/>
+              <a:cxnLst/>
+              <a:rect l="l" t="t" r="r" b="b"/>
+              <a:pathLst>
+                <a:path w="3314201" h="640817">
+                  <a:moveTo>
+                    <a:pt x="0" y="320408"/>
+                  </a:moveTo>
+                  <a:cubicBezTo>
+                    <a:pt x="0" y="143516"/>
+                    <a:pt x="160412" y="0"/>
+                    <a:pt x="358138" y="0"/>
+                  </a:cubicBezTo>
+                  <a:lnTo>
+                    <a:pt x="2956063" y="0"/>
+                  </a:lnTo>
+                  <a:cubicBezTo>
+                    <a:pt x="3153789" y="0"/>
+                    <a:pt x="3314201" y="143516"/>
+                    <a:pt x="3314201" y="320408"/>
+                  </a:cubicBezTo>
+                  <a:cubicBezTo>
+                    <a:pt x="3314201" y="497300"/>
+                    <a:pt x="3153922" y="640817"/>
+                    <a:pt x="2956063" y="640817"/>
+                  </a:cubicBezTo>
+                  <a:lnTo>
+                    <a:pt x="358138" y="640817"/>
+                  </a:lnTo>
+                  <a:cubicBezTo>
+                    <a:pt x="160412" y="640817"/>
+                    <a:pt x="0" y="497300"/>
+                    <a:pt x="0" y="320408"/>
+                  </a:cubicBezTo>
+                  <a:close/>
+                </a:path>
+              </a:pathLst>
+            </a:custGeom>
+            <a:solidFill>
+              <a:srgbClr val="FFFFFF"/>
+            </a:solidFill>
+          </p:spPr>
+          <p:txBody>
+            <a:bodyPr/>
+            <a:lstStyle/>
+            <a:p>
+              <a:endParaRPr lang="en-NL" sz="1200"/>
+            </a:p>
+          </p:txBody>
+        </p:sp>
+        <p:sp>
+          <p:nvSpPr>
+            <p:cNvPr id="24" name="Freeform 22">
+              <a:extLst>
+                <a:ext uri="{FF2B5EF4-FFF2-40B4-BE49-F238E27FC236}">
+                  <a16:creationId xmlns:a16="http://schemas.microsoft.com/office/drawing/2014/main" id="{DFA159AE-10CF-55A2-BD17-D54BAAF8C9E7}"/>
+                </a:ext>
+              </a:extLst>
+            </p:cNvPr>
+            <p:cNvSpPr/>
+            <p:nvPr/>
+          </p:nvSpPr>
+          <p:spPr>
+            <a:xfrm>
+              <a:off x="0" y="0"/>
+              <a:ext cx="3349523" cy="673822"/>
+            </a:xfrm>
+            <a:custGeom>
+              <a:avLst/>
+              <a:gdLst/>
+              <a:ahLst/>
+              <a:cxnLst/>
+              <a:rect l="l" t="t" r="r" b="b"/>
+              <a:pathLst>
+                <a:path w="3349523" h="673822">
+                  <a:moveTo>
+                    <a:pt x="0" y="336849"/>
+                  </a:moveTo>
+                  <a:cubicBezTo>
+                    <a:pt x="0" y="150191"/>
+                    <a:pt x="168910" y="0"/>
+                    <a:pt x="375799" y="0"/>
+                  </a:cubicBezTo>
+                  <a:lnTo>
+                    <a:pt x="2973724" y="0"/>
+                  </a:lnTo>
+                  <a:lnTo>
+                    <a:pt x="2973724" y="16441"/>
+                  </a:lnTo>
+                  <a:lnTo>
+                    <a:pt x="2973724" y="0"/>
+                  </a:lnTo>
+                  <a:cubicBezTo>
+                    <a:pt x="3180613" y="0"/>
+                    <a:pt x="3349523" y="150191"/>
+                    <a:pt x="3349523" y="336849"/>
+                  </a:cubicBezTo>
+                  <a:lnTo>
+                    <a:pt x="3331862" y="336849"/>
+                  </a:lnTo>
+                  <a:lnTo>
+                    <a:pt x="3349523" y="336849"/>
+                  </a:lnTo>
+                  <a:lnTo>
+                    <a:pt x="3331862" y="336849"/>
+                  </a:lnTo>
+                  <a:lnTo>
+                    <a:pt x="3349523" y="336849"/>
+                  </a:lnTo>
+                  <a:cubicBezTo>
+                    <a:pt x="3349523" y="523507"/>
+                    <a:pt x="3180613" y="673699"/>
+                    <a:pt x="2973724" y="673699"/>
+                  </a:cubicBezTo>
+                  <a:lnTo>
+                    <a:pt x="2973724" y="657381"/>
+                  </a:lnTo>
+                  <a:lnTo>
+                    <a:pt x="2973724" y="673822"/>
+                  </a:lnTo>
+                  <a:lnTo>
+                    <a:pt x="375799" y="673822"/>
+                  </a:lnTo>
+                  <a:lnTo>
+                    <a:pt x="375799" y="657381"/>
+                  </a:lnTo>
+                  <a:lnTo>
+                    <a:pt x="375799" y="673822"/>
+                  </a:lnTo>
+                  <a:cubicBezTo>
+                    <a:pt x="168910" y="673822"/>
+                    <a:pt x="0" y="523631"/>
+                    <a:pt x="0" y="336849"/>
+                  </a:cubicBezTo>
+                  <a:lnTo>
+                    <a:pt x="17661" y="336849"/>
+                  </a:lnTo>
+                  <a:lnTo>
+                    <a:pt x="0" y="336849"/>
+                  </a:lnTo>
+                  <a:moveTo>
+                    <a:pt x="35455" y="336849"/>
+                  </a:moveTo>
+                  <a:lnTo>
+                    <a:pt x="17661" y="336849"/>
+                  </a:lnTo>
+                  <a:lnTo>
+                    <a:pt x="35455" y="336849"/>
+                  </a:lnTo>
+                  <a:cubicBezTo>
+                    <a:pt x="35455" y="504100"/>
+                    <a:pt x="187235" y="640817"/>
+                    <a:pt x="375799" y="640817"/>
+                  </a:cubicBezTo>
+                  <a:lnTo>
+                    <a:pt x="2973724" y="640817"/>
+                  </a:lnTo>
+                  <a:cubicBezTo>
+                    <a:pt x="3162421" y="640817"/>
+                    <a:pt x="3314068" y="504100"/>
+                    <a:pt x="3314068" y="336849"/>
+                  </a:cubicBezTo>
+                  <a:cubicBezTo>
+                    <a:pt x="3314068" y="169599"/>
+                    <a:pt x="3162420" y="33005"/>
+                    <a:pt x="2973724" y="33005"/>
+                  </a:cubicBezTo>
+                  <a:lnTo>
+                    <a:pt x="375799" y="33005"/>
+                  </a:lnTo>
+                  <a:lnTo>
+                    <a:pt x="375799" y="16441"/>
+                  </a:lnTo>
+                  <a:lnTo>
+                    <a:pt x="375799" y="33005"/>
+                  </a:lnTo>
+                  <a:cubicBezTo>
+                    <a:pt x="187103" y="33005"/>
+                    <a:pt x="35455" y="169599"/>
+                    <a:pt x="35455" y="336849"/>
+                  </a:cubicBezTo>
+                  <a:close/>
+                </a:path>
+              </a:pathLst>
+            </a:custGeom>
+            <a:solidFill>
+              <a:srgbClr val="050037"/>
+            </a:solidFill>
+          </p:spPr>
+          <p:txBody>
+            <a:bodyPr/>
+            <a:lstStyle/>
+            <a:p>
+              <a:endParaRPr lang="en-NL" sz="1200"/>
+            </a:p>
+          </p:txBody>
+        </p:sp>
+        <p:sp>
+          <p:nvSpPr>
+            <p:cNvPr id="25" name="TextBox 23">
+              <a:extLst>
+                <a:ext uri="{FF2B5EF4-FFF2-40B4-BE49-F238E27FC236}">
+                  <a16:creationId xmlns:a16="http://schemas.microsoft.com/office/drawing/2014/main" id="{C53FB25D-350A-D746-5F97-54683A2CE04D}"/>
+                </a:ext>
+              </a:extLst>
+            </p:cNvPr>
+            <p:cNvSpPr txBox="1"/>
+            <p:nvPr/>
+          </p:nvSpPr>
+          <p:spPr>
+            <a:xfrm>
+              <a:off x="0" y="-19050"/>
+              <a:ext cx="3349543" cy="692862"/>
+            </a:xfrm>
+            <a:prstGeom prst="rect">
+              <a:avLst/>
+            </a:prstGeom>
+          </p:spPr>
+          <p:txBody>
+            <a:bodyPr lIns="33867" tIns="33867" rIns="33867" bIns="33867" rtlCol="0" anchor="ctr"/>
+            <a:lstStyle/>
+            <a:p>
+              <a:pPr algn="ctr">
+                <a:lnSpc>
+                  <a:spcPts val="1600"/>
+                </a:lnSpc>
+              </a:pPr>
+              <a:r>
+                <a:rPr lang="en-US" sz="1333">
+                  <a:solidFill>
+                    <a:srgbClr val="050037"/>
+                  </a:solidFill>
+                  <a:latin typeface="Roboto"/>
+                </a:rPr>
+                <a:t>Sub-problem #3</a:t>
+              </a:r>
+            </a:p>
+          </p:txBody>
+        </p:sp>
+      </p:grpSp>
+      <p:sp>
+        <p:nvSpPr>
+          <p:cNvPr id="26" name="TextBox 25">
+            <a:extLst>
+              <a:ext uri="{FF2B5EF4-FFF2-40B4-BE49-F238E27FC236}">
+                <a16:creationId xmlns:a16="http://schemas.microsoft.com/office/drawing/2014/main" id="{3A7D2504-6429-3687-3E85-11EF22F82EC4}"/>
+              </a:ext>
+            </a:extLst>
+          </p:cNvPr>
+          <p:cNvSpPr txBox="1"/>
+          <p:nvPr/>
+        </p:nvSpPr>
+        <p:spPr>
+          <a:xfrm>
+            <a:off x="847872" y="2882511"/>
+            <a:ext cx="6962628" cy="436017"/>
+          </a:xfrm>
+          <a:prstGeom prst="rect">
+            <a:avLst/>
+          </a:prstGeom>
+        </p:spPr>
+        <p:txBody>
+          <a:bodyPr wrap="square" lIns="0" tIns="0" rIns="0" bIns="0" rtlCol="0" anchor="t">
+            <a:spAutoFit/>
+          </a:bodyPr>
+          <a:lstStyle/>
+          <a:p>
+            <a:pPr>
+              <a:lnSpc>
+                <a:spcPts val="1742"/>
+              </a:lnSpc>
+              <a:spcBef>
+                <a:spcPct val="0"/>
+              </a:spcBef>
+            </a:pPr>
+            <a:r>
+              <a:rPr lang="en-US" sz="1451" dirty="0">
+                <a:solidFill>
+                  <a:srgbClr val="000000"/>
+                </a:solidFill>
+                <a:latin typeface="Roboto"/>
+              </a:rPr>
+              <a:t>A machine learning pipeline requires multiple iterations over every step of the process to find the right combination to maximize the model performance.</a:t>
+            </a:r>
+          </a:p>
+        </p:txBody>
+      </p:sp>
+      <p:sp>
+        <p:nvSpPr>
+          <p:cNvPr id="27" name="TextBox 34">
+            <a:extLst>
+              <a:ext uri="{FF2B5EF4-FFF2-40B4-BE49-F238E27FC236}">
+                <a16:creationId xmlns:a16="http://schemas.microsoft.com/office/drawing/2014/main" id="{C59E850A-3179-B40E-5A12-B5CEC5CF86D3}"/>
+              </a:ext>
+            </a:extLst>
+          </p:cNvPr>
+          <p:cNvSpPr txBox="1"/>
+          <p:nvPr/>
+        </p:nvSpPr>
+        <p:spPr>
+          <a:xfrm>
+            <a:off x="840276" y="4122625"/>
+            <a:ext cx="6379674" cy="436017"/>
+          </a:xfrm>
+          <a:prstGeom prst="rect">
+            <a:avLst/>
+          </a:prstGeom>
+        </p:spPr>
+        <p:txBody>
+          <a:bodyPr wrap="square" lIns="0" tIns="0" rIns="0" bIns="0" rtlCol="0" anchor="t">
+            <a:spAutoFit/>
+          </a:bodyPr>
+          <a:lstStyle/>
+          <a:p>
+            <a:pPr>
+              <a:lnSpc>
+                <a:spcPts val="1742"/>
+              </a:lnSpc>
+              <a:spcBef>
+                <a:spcPct val="0"/>
+              </a:spcBef>
+            </a:pPr>
+            <a:r>
+              <a:rPr lang="en-US" sz="1451" dirty="0">
+                <a:solidFill>
+                  <a:srgbClr val="000000"/>
+                </a:solidFill>
+                <a:latin typeface="Roboto"/>
+              </a:rPr>
+              <a:t>It is hard to keep track of all the modifications of the pipeline when creating a model </a:t>
+            </a:r>
+          </a:p>
+        </p:txBody>
+      </p:sp>
+      <p:sp>
+        <p:nvSpPr>
+          <p:cNvPr id="28" name="TextBox 36">
+            <a:extLst>
+              <a:ext uri="{FF2B5EF4-FFF2-40B4-BE49-F238E27FC236}">
+                <a16:creationId xmlns:a16="http://schemas.microsoft.com/office/drawing/2014/main" id="{02D777A7-4BB5-0470-F982-AFB456695DE3}"/>
+              </a:ext>
+            </a:extLst>
+          </p:cNvPr>
+          <p:cNvSpPr txBox="1"/>
+          <p:nvPr/>
+        </p:nvSpPr>
+        <p:spPr>
+          <a:xfrm>
+            <a:off x="847873" y="5250771"/>
+            <a:ext cx="6372077" cy="436017"/>
+          </a:xfrm>
+          <a:prstGeom prst="rect">
+            <a:avLst/>
+          </a:prstGeom>
+        </p:spPr>
+        <p:txBody>
+          <a:bodyPr wrap="square" lIns="0" tIns="0" rIns="0" bIns="0" rtlCol="0" anchor="t">
+            <a:spAutoFit/>
+          </a:bodyPr>
+          <a:lstStyle/>
+          <a:p>
+            <a:pPr>
+              <a:lnSpc>
+                <a:spcPts val="1742"/>
+              </a:lnSpc>
+              <a:spcBef>
+                <a:spcPct val="0"/>
+              </a:spcBef>
+            </a:pPr>
+            <a:r>
+              <a:rPr lang="en-US" sz="1451" dirty="0">
+                <a:solidFill>
+                  <a:srgbClr val="000000"/>
+                </a:solidFill>
+                <a:latin typeface="Roboto"/>
+              </a:rPr>
+              <a:t>Model creators tend to use Generative AI tools but without integration with their data</a:t>
+            </a:r>
+          </a:p>
+        </p:txBody>
+      </p:sp>
+    </p:spTree>
+  </p:cSld>
+  <p:clrMapOvr>
+    <a:masterClrMapping/>
+  </p:clrMapOvr>
+</p:sld>
+</file>
+
+<file path=ppt/slides/slide3.xml><?xml version="1.0" encoding="utf-8"?>
+<p:sld xmlns:a="http://schemas.openxmlformats.org/drawingml/2006/main" xmlns:r="http://schemas.openxmlformats.org/officeDocument/2006/relationships" xmlns:p="http://schemas.openxmlformats.org/presentationml/2006/main">
+  <p:cSld>
+    <p:spTree>
+      <p:nvGrpSpPr>
+        <p:cNvPr id="1" name=""/>
+        <p:cNvGrpSpPr/>
+        <p:nvPr/>
+      </p:nvGrpSpPr>
+      <p:grpSpPr>
+        <a:xfrm>
+          <a:off x="0" y="0"/>
+          <a:ext cx="0" cy="0"/>
+          <a:chOff x="0" y="0"/>
+          <a:chExt cx="0" cy="0"/>
+        </a:xfrm>
+      </p:grpSpPr>
+      <p:grpSp>
+        <p:nvGrpSpPr>
+          <p:cNvPr id="3" name="Group 3"/>
+          <p:cNvGrpSpPr/>
+          <p:nvPr/>
+        </p:nvGrpSpPr>
+        <p:grpSpPr>
+          <a:xfrm>
+            <a:off x="467022" y="381678"/>
+            <a:ext cx="1601733" cy="346133"/>
+            <a:chOff x="0" y="0"/>
+            <a:chExt cx="3203467" cy="692267"/>
+          </a:xfrm>
+        </p:grpSpPr>
+        <p:sp>
+          <p:nvSpPr>
+            <p:cNvPr id="4" name="Freeform 4"/>
+            <p:cNvSpPr/>
+            <p:nvPr/>
+          </p:nvSpPr>
+          <p:spPr>
+            <a:xfrm>
+              <a:off x="16891" y="16891"/>
+              <a:ext cx="3169666" cy="658368"/>
+            </a:xfrm>
+            <a:custGeom>
+              <a:avLst/>
+              <a:gdLst/>
+              <a:ahLst/>
+              <a:cxnLst/>
+              <a:rect l="l" t="t" r="r" b="b"/>
+              <a:pathLst>
+                <a:path w="3169666" h="658368">
+                  <a:moveTo>
+                    <a:pt x="0" y="329184"/>
+                  </a:moveTo>
+                  <a:cubicBezTo>
+                    <a:pt x="0" y="147447"/>
+                    <a:pt x="153416" y="0"/>
+                    <a:pt x="342519" y="0"/>
+                  </a:cubicBezTo>
+                  <a:lnTo>
+                    <a:pt x="2827147" y="0"/>
+                  </a:lnTo>
+                  <a:cubicBezTo>
+                    <a:pt x="3016250" y="0"/>
+                    <a:pt x="3169666" y="147447"/>
+                    <a:pt x="3169666" y="329184"/>
+                  </a:cubicBezTo>
+                  <a:cubicBezTo>
+                    <a:pt x="3169666" y="510921"/>
+                    <a:pt x="3016377" y="658368"/>
+                    <a:pt x="2827147" y="658368"/>
+                  </a:cubicBezTo>
+                  <a:lnTo>
+                    <a:pt x="342519" y="658368"/>
+                  </a:lnTo>
+                  <a:cubicBezTo>
+                    <a:pt x="153416" y="658368"/>
+                    <a:pt x="0" y="510921"/>
+                    <a:pt x="0" y="329184"/>
+                  </a:cubicBezTo>
+                  <a:close/>
+                </a:path>
+              </a:pathLst>
+            </a:custGeom>
+            <a:solidFill>
+              <a:srgbClr val="FFFFFF"/>
+            </a:solidFill>
+          </p:spPr>
+          <p:txBody>
+            <a:bodyPr/>
+            <a:lstStyle/>
+            <a:p>
+              <a:endParaRPr lang="en-NL" sz="1200"/>
+            </a:p>
+          </p:txBody>
+        </p:sp>
+        <p:sp>
+          <p:nvSpPr>
+            <p:cNvPr id="5" name="Freeform 5"/>
+            <p:cNvSpPr/>
+            <p:nvPr/>
+          </p:nvSpPr>
+          <p:spPr>
+            <a:xfrm>
+              <a:off x="0" y="0"/>
+              <a:ext cx="3203448" cy="692277"/>
+            </a:xfrm>
+            <a:custGeom>
+              <a:avLst/>
+              <a:gdLst/>
+              <a:ahLst/>
+              <a:cxnLst/>
+              <a:rect l="l" t="t" r="r" b="b"/>
+              <a:pathLst>
+                <a:path w="3203448" h="692277">
+                  <a:moveTo>
+                    <a:pt x="0" y="346075"/>
+                  </a:moveTo>
+                  <a:cubicBezTo>
+                    <a:pt x="0" y="154305"/>
+                    <a:pt x="161544" y="0"/>
+                    <a:pt x="359410" y="0"/>
+                  </a:cubicBezTo>
+                  <a:lnTo>
+                    <a:pt x="2844038" y="0"/>
+                  </a:lnTo>
+                  <a:lnTo>
+                    <a:pt x="2844038" y="16891"/>
+                  </a:lnTo>
+                  <a:lnTo>
+                    <a:pt x="2844038" y="0"/>
+                  </a:lnTo>
+                  <a:cubicBezTo>
+                    <a:pt x="3041904" y="0"/>
+                    <a:pt x="3203448" y="154305"/>
+                    <a:pt x="3203448" y="346075"/>
+                  </a:cubicBezTo>
+                  <a:lnTo>
+                    <a:pt x="3186557" y="346075"/>
+                  </a:lnTo>
+                  <a:lnTo>
+                    <a:pt x="3203448" y="346075"/>
+                  </a:lnTo>
+                  <a:lnTo>
+                    <a:pt x="3186557" y="346075"/>
+                  </a:lnTo>
+                  <a:lnTo>
+                    <a:pt x="3203448" y="346075"/>
+                  </a:lnTo>
+                  <a:cubicBezTo>
+                    <a:pt x="3203448" y="537845"/>
+                    <a:pt x="3041904" y="692150"/>
+                    <a:pt x="2844038" y="692150"/>
+                  </a:cubicBezTo>
+                  <a:lnTo>
+                    <a:pt x="2844038" y="675386"/>
+                  </a:lnTo>
+                  <a:lnTo>
+                    <a:pt x="2844038" y="692277"/>
+                  </a:lnTo>
+                  <a:lnTo>
+                    <a:pt x="359410" y="692277"/>
+                  </a:lnTo>
+                  <a:lnTo>
+                    <a:pt x="359410" y="675386"/>
+                  </a:lnTo>
+                  <a:lnTo>
+                    <a:pt x="359410" y="692277"/>
+                  </a:lnTo>
+                  <a:cubicBezTo>
+                    <a:pt x="161544" y="692277"/>
+                    <a:pt x="0" y="537972"/>
+                    <a:pt x="0" y="346075"/>
+                  </a:cubicBezTo>
+                  <a:lnTo>
+                    <a:pt x="16891" y="346075"/>
+                  </a:lnTo>
+                  <a:lnTo>
+                    <a:pt x="0" y="346075"/>
+                  </a:lnTo>
+                  <a:moveTo>
+                    <a:pt x="33909" y="346075"/>
+                  </a:moveTo>
+                  <a:lnTo>
+                    <a:pt x="16891" y="346075"/>
+                  </a:lnTo>
+                  <a:lnTo>
+                    <a:pt x="33909" y="346075"/>
+                  </a:lnTo>
+                  <a:cubicBezTo>
+                    <a:pt x="33909" y="517906"/>
+                    <a:pt x="179070" y="658368"/>
+                    <a:pt x="359410" y="658368"/>
+                  </a:cubicBezTo>
+                  <a:lnTo>
+                    <a:pt x="2844038" y="658368"/>
+                  </a:lnTo>
+                  <a:cubicBezTo>
+                    <a:pt x="3024505" y="658368"/>
+                    <a:pt x="3169539" y="517906"/>
+                    <a:pt x="3169539" y="346075"/>
+                  </a:cubicBezTo>
+                  <a:cubicBezTo>
+                    <a:pt x="3169539" y="174244"/>
+                    <a:pt x="3024505" y="33909"/>
+                    <a:pt x="2844038" y="33909"/>
+                  </a:cubicBezTo>
+                  <a:lnTo>
+                    <a:pt x="359410" y="33909"/>
+                  </a:lnTo>
+                  <a:lnTo>
+                    <a:pt x="359410" y="16891"/>
+                  </a:lnTo>
+                  <a:lnTo>
+                    <a:pt x="359410" y="33909"/>
+                  </a:lnTo>
+                  <a:cubicBezTo>
+                    <a:pt x="178943" y="33909"/>
+                    <a:pt x="33909" y="174244"/>
+                    <a:pt x="33909" y="346075"/>
+                  </a:cubicBezTo>
+                  <a:close/>
+                </a:path>
+              </a:pathLst>
+            </a:custGeom>
+            <a:solidFill>
+              <a:srgbClr val="050037"/>
+            </a:solidFill>
+          </p:spPr>
+          <p:txBody>
+            <a:bodyPr/>
+            <a:lstStyle/>
+            <a:p>
+              <a:endParaRPr lang="en-NL" sz="1200"/>
+            </a:p>
+          </p:txBody>
+        </p:sp>
+        <p:sp>
+          <p:nvSpPr>
+            <p:cNvPr id="6" name="TextBox 6"/>
+            <p:cNvSpPr txBox="1"/>
+            <p:nvPr/>
+          </p:nvSpPr>
+          <p:spPr>
+            <a:xfrm>
+              <a:off x="0" y="-19050"/>
+              <a:ext cx="3203467" cy="711317"/>
+            </a:xfrm>
+            <a:prstGeom prst="rect">
+              <a:avLst/>
+            </a:prstGeom>
+          </p:spPr>
+          <p:txBody>
+            <a:bodyPr lIns="33867" tIns="33867" rIns="33867" bIns="33867" rtlCol="0" anchor="ctr"/>
+            <a:lstStyle/>
+            <a:p>
+              <a:pPr algn="ctr">
+                <a:lnSpc>
+                  <a:spcPts val="1600"/>
+                </a:lnSpc>
+              </a:pPr>
+              <a:r>
+                <a:rPr lang="en-US" sz="1333">
+                  <a:solidFill>
+                    <a:srgbClr val="050037"/>
+                  </a:solidFill>
+                  <a:latin typeface="Roboto"/>
+                </a:rPr>
+                <a:t>Problem</a:t>
+              </a:r>
+            </a:p>
+          </p:txBody>
+        </p:sp>
+      </p:grpSp>
+      <p:sp>
+        <p:nvSpPr>
+          <p:cNvPr id="8" name="TextBox 8"/>
+          <p:cNvSpPr txBox="1"/>
+          <p:nvPr/>
+        </p:nvSpPr>
+        <p:spPr>
+          <a:xfrm>
+            <a:off x="685800" y="1012327"/>
+            <a:ext cx="11234342" cy="820738"/>
+          </a:xfrm>
+          <a:prstGeom prst="rect">
+            <a:avLst/>
+          </a:prstGeom>
+        </p:spPr>
+        <p:txBody>
+          <a:bodyPr lIns="0" tIns="0" rIns="0" bIns="0" rtlCol="0" anchor="t">
+            <a:spAutoFit/>
+          </a:bodyPr>
+          <a:lstStyle/>
+          <a:p>
+            <a:pPr algn="ctr">
+              <a:lnSpc>
+                <a:spcPts val="3200"/>
+              </a:lnSpc>
+            </a:pPr>
+            <a:r>
+              <a:rPr lang="en-US" sz="2667" dirty="0">
+                <a:solidFill>
+                  <a:srgbClr val="000000"/>
+                </a:solidFill>
+                <a:latin typeface="Arimo Bold"/>
+              </a:rPr>
+              <a:t> Creating the right Machine Learning model</a:t>
+            </a:r>
+          </a:p>
+          <a:p>
+            <a:pPr algn="ctr">
+              <a:lnSpc>
+                <a:spcPts val="3200"/>
+              </a:lnSpc>
+            </a:pPr>
+            <a:r>
+              <a:rPr lang="en-US" sz="2667" dirty="0">
+                <a:solidFill>
+                  <a:srgbClr val="000000"/>
+                </a:solidFill>
+                <a:latin typeface="Arimo Bold"/>
+              </a:rPr>
+              <a:t>takes time and coding skills</a:t>
+            </a:r>
+          </a:p>
+        </p:txBody>
+      </p:sp>
+      <p:sp>
+        <p:nvSpPr>
+          <p:cNvPr id="13" name="TextBox 13"/>
+          <p:cNvSpPr txBox="1"/>
+          <p:nvPr/>
+        </p:nvSpPr>
+        <p:spPr>
+          <a:xfrm>
+            <a:off x="11506216" y="6188517"/>
+            <a:ext cx="175775" cy="367601"/>
+          </a:xfrm>
+          <a:prstGeom prst="rect">
+            <a:avLst/>
+          </a:prstGeom>
+        </p:spPr>
+        <p:txBody>
+          <a:bodyPr lIns="0" tIns="0" rIns="0" bIns="0" rtlCol="0" anchor="t">
+            <a:spAutoFit/>
+          </a:bodyPr>
+          <a:lstStyle/>
+          <a:p>
+            <a:pPr algn="ctr">
+              <a:lnSpc>
+                <a:spcPts val="2957"/>
+              </a:lnSpc>
+            </a:pPr>
+            <a:r>
+              <a:rPr lang="en-US" sz="2465">
+                <a:solidFill>
+                  <a:srgbClr val="000000"/>
+                </a:solidFill>
+                <a:latin typeface="Roboto"/>
+              </a:rPr>
+              <a:t>1</a:t>
+            </a:r>
+          </a:p>
+        </p:txBody>
+      </p:sp>
+      <p:grpSp>
+        <p:nvGrpSpPr>
+          <p:cNvPr id="14" name="Group 6">
+            <a:extLst>
+              <a:ext uri="{FF2B5EF4-FFF2-40B4-BE49-F238E27FC236}">
+                <a16:creationId xmlns:a16="http://schemas.microsoft.com/office/drawing/2014/main" id="{D3D67B99-644A-725E-7F84-CEFD00BC84A4}"/>
+              </a:ext>
+            </a:extLst>
+          </p:cNvPr>
+          <p:cNvGrpSpPr/>
+          <p:nvPr/>
+        </p:nvGrpSpPr>
+        <p:grpSpPr>
+          <a:xfrm>
+            <a:off x="685801" y="2464686"/>
+            <a:ext cx="1674771" cy="336906"/>
+            <a:chOff x="0" y="0"/>
+            <a:chExt cx="3349543" cy="673812"/>
+          </a:xfrm>
+        </p:grpSpPr>
+        <p:sp>
+          <p:nvSpPr>
+            <p:cNvPr id="15" name="Freeform 7">
+              <a:extLst>
+                <a:ext uri="{FF2B5EF4-FFF2-40B4-BE49-F238E27FC236}">
+                  <a16:creationId xmlns:a16="http://schemas.microsoft.com/office/drawing/2014/main" id="{897197F3-ACB0-592F-A513-1695EAD6BB41}"/>
+                </a:ext>
+              </a:extLst>
+            </p:cNvPr>
+            <p:cNvSpPr/>
+            <p:nvPr/>
+          </p:nvSpPr>
+          <p:spPr>
+            <a:xfrm>
+              <a:off x="17661" y="16441"/>
+              <a:ext cx="3314201" cy="640817"/>
+            </a:xfrm>
+            <a:custGeom>
+              <a:avLst/>
+              <a:gdLst/>
+              <a:ahLst/>
+              <a:cxnLst/>
+              <a:rect l="l" t="t" r="r" b="b"/>
+              <a:pathLst>
+                <a:path w="3314201" h="640817">
+                  <a:moveTo>
+                    <a:pt x="0" y="320408"/>
+                  </a:moveTo>
+                  <a:cubicBezTo>
+                    <a:pt x="0" y="143516"/>
+                    <a:pt x="160412" y="0"/>
+                    <a:pt x="358138" y="0"/>
+                  </a:cubicBezTo>
+                  <a:lnTo>
+                    <a:pt x="2956063" y="0"/>
+                  </a:lnTo>
+                  <a:cubicBezTo>
+                    <a:pt x="3153789" y="0"/>
+                    <a:pt x="3314201" y="143516"/>
+                    <a:pt x="3314201" y="320408"/>
+                  </a:cubicBezTo>
+                  <a:cubicBezTo>
+                    <a:pt x="3314201" y="497300"/>
+                    <a:pt x="3153922" y="640817"/>
+                    <a:pt x="2956063" y="640817"/>
+                  </a:cubicBezTo>
+                  <a:lnTo>
+                    <a:pt x="358138" y="640817"/>
+                  </a:lnTo>
+                  <a:cubicBezTo>
+                    <a:pt x="160412" y="640817"/>
+                    <a:pt x="0" y="497300"/>
+                    <a:pt x="0" y="320408"/>
+                  </a:cubicBezTo>
+                  <a:close/>
+                </a:path>
+              </a:pathLst>
+            </a:custGeom>
+            <a:solidFill>
+              <a:srgbClr val="FFFFFF"/>
+            </a:solidFill>
+          </p:spPr>
+          <p:txBody>
+            <a:bodyPr/>
+            <a:lstStyle/>
+            <a:p>
+              <a:endParaRPr lang="en-NL" sz="1200"/>
+            </a:p>
+          </p:txBody>
+        </p:sp>
+        <p:sp>
+          <p:nvSpPr>
+            <p:cNvPr id="16" name="Freeform 8">
+              <a:extLst>
+                <a:ext uri="{FF2B5EF4-FFF2-40B4-BE49-F238E27FC236}">
+                  <a16:creationId xmlns:a16="http://schemas.microsoft.com/office/drawing/2014/main" id="{3B1EB6E7-9A81-C807-2F72-7C8A0BA49F38}"/>
+                </a:ext>
+              </a:extLst>
+            </p:cNvPr>
+            <p:cNvSpPr/>
+            <p:nvPr/>
+          </p:nvSpPr>
+          <p:spPr>
+            <a:xfrm>
+              <a:off x="0" y="0"/>
+              <a:ext cx="3349523" cy="673822"/>
+            </a:xfrm>
+            <a:custGeom>
+              <a:avLst/>
+              <a:gdLst/>
+              <a:ahLst/>
+              <a:cxnLst/>
+              <a:rect l="l" t="t" r="r" b="b"/>
+              <a:pathLst>
+                <a:path w="3349523" h="673822">
+                  <a:moveTo>
+                    <a:pt x="0" y="336849"/>
+                  </a:moveTo>
+                  <a:cubicBezTo>
+                    <a:pt x="0" y="150191"/>
+                    <a:pt x="168910" y="0"/>
+                    <a:pt x="375799" y="0"/>
+                  </a:cubicBezTo>
+                  <a:lnTo>
+                    <a:pt x="2973724" y="0"/>
+                  </a:lnTo>
+                  <a:lnTo>
+                    <a:pt x="2973724" y="16441"/>
+                  </a:lnTo>
+                  <a:lnTo>
+                    <a:pt x="2973724" y="0"/>
+                  </a:lnTo>
+                  <a:cubicBezTo>
+                    <a:pt x="3180613" y="0"/>
+                    <a:pt x="3349523" y="150191"/>
+                    <a:pt x="3349523" y="336849"/>
+                  </a:cubicBezTo>
+                  <a:lnTo>
+                    <a:pt x="3331862" y="336849"/>
+                  </a:lnTo>
+                  <a:lnTo>
+                    <a:pt x="3349523" y="336849"/>
+                  </a:lnTo>
+                  <a:lnTo>
+                    <a:pt x="3331862" y="336849"/>
+                  </a:lnTo>
+                  <a:lnTo>
+                    <a:pt x="3349523" y="336849"/>
+                  </a:lnTo>
+                  <a:cubicBezTo>
+                    <a:pt x="3349523" y="523507"/>
+                    <a:pt x="3180613" y="673699"/>
+                    <a:pt x="2973724" y="673699"/>
+                  </a:cubicBezTo>
+                  <a:lnTo>
+                    <a:pt x="2973724" y="657381"/>
+                  </a:lnTo>
+                  <a:lnTo>
+                    <a:pt x="2973724" y="673822"/>
+                  </a:lnTo>
+                  <a:lnTo>
+                    <a:pt x="375799" y="673822"/>
+                  </a:lnTo>
+                  <a:lnTo>
+                    <a:pt x="375799" y="657381"/>
+                  </a:lnTo>
+                  <a:lnTo>
+                    <a:pt x="375799" y="673822"/>
+                  </a:lnTo>
+                  <a:cubicBezTo>
+                    <a:pt x="168910" y="673822"/>
+                    <a:pt x="0" y="523631"/>
+                    <a:pt x="0" y="336849"/>
+                  </a:cubicBezTo>
+                  <a:lnTo>
+                    <a:pt x="17661" y="336849"/>
+                  </a:lnTo>
+                  <a:lnTo>
+                    <a:pt x="0" y="336849"/>
+                  </a:lnTo>
+                  <a:moveTo>
+                    <a:pt x="35455" y="336849"/>
+                  </a:moveTo>
+                  <a:lnTo>
+                    <a:pt x="17661" y="336849"/>
+                  </a:lnTo>
+                  <a:lnTo>
+                    <a:pt x="35455" y="336849"/>
+                  </a:lnTo>
+                  <a:cubicBezTo>
+                    <a:pt x="35455" y="504100"/>
+                    <a:pt x="187235" y="640817"/>
+                    <a:pt x="375799" y="640817"/>
+                  </a:cubicBezTo>
+                  <a:lnTo>
+                    <a:pt x="2973724" y="640817"/>
+                  </a:lnTo>
+                  <a:cubicBezTo>
+                    <a:pt x="3162421" y="640817"/>
+                    <a:pt x="3314068" y="504100"/>
+                    <a:pt x="3314068" y="336849"/>
+                  </a:cubicBezTo>
+                  <a:cubicBezTo>
+                    <a:pt x="3314068" y="169599"/>
+                    <a:pt x="3162420" y="33005"/>
+                    <a:pt x="2973724" y="33005"/>
+                  </a:cubicBezTo>
+                  <a:lnTo>
+                    <a:pt x="375799" y="33005"/>
+                  </a:lnTo>
+                  <a:lnTo>
+                    <a:pt x="375799" y="16441"/>
+                  </a:lnTo>
+                  <a:lnTo>
+                    <a:pt x="375799" y="33005"/>
+                  </a:lnTo>
+                  <a:cubicBezTo>
+                    <a:pt x="187103" y="33005"/>
+                    <a:pt x="35455" y="169599"/>
+                    <a:pt x="35455" y="336849"/>
+                  </a:cubicBezTo>
+                  <a:close/>
+                </a:path>
+              </a:pathLst>
+            </a:custGeom>
+            <a:solidFill>
+              <a:srgbClr val="050037"/>
+            </a:solidFill>
+          </p:spPr>
+          <p:txBody>
+            <a:bodyPr/>
+            <a:lstStyle/>
+            <a:p>
+              <a:endParaRPr lang="en-NL" sz="1200"/>
+            </a:p>
+          </p:txBody>
+        </p:sp>
+        <p:sp>
+          <p:nvSpPr>
+            <p:cNvPr id="17" name="TextBox 9">
+              <a:extLst>
+                <a:ext uri="{FF2B5EF4-FFF2-40B4-BE49-F238E27FC236}">
+                  <a16:creationId xmlns:a16="http://schemas.microsoft.com/office/drawing/2014/main" id="{25C150EF-A23A-E81C-219D-1BC1A919F7B8}"/>
+                </a:ext>
+              </a:extLst>
+            </p:cNvPr>
+            <p:cNvSpPr txBox="1"/>
+            <p:nvPr/>
+          </p:nvSpPr>
+          <p:spPr>
+            <a:xfrm>
+              <a:off x="0" y="-19050"/>
+              <a:ext cx="3349543" cy="692862"/>
+            </a:xfrm>
+            <a:prstGeom prst="rect">
+              <a:avLst/>
+            </a:prstGeom>
+          </p:spPr>
+          <p:txBody>
+            <a:bodyPr lIns="33867" tIns="33867" rIns="33867" bIns="33867" rtlCol="0" anchor="ctr"/>
+            <a:lstStyle/>
+            <a:p>
+              <a:pPr algn="ctr">
+                <a:lnSpc>
+                  <a:spcPts val="1600"/>
+                </a:lnSpc>
+              </a:pPr>
+              <a:r>
+                <a:rPr lang="en-US" sz="1333">
+                  <a:solidFill>
+                    <a:srgbClr val="050037"/>
+                  </a:solidFill>
+                  <a:latin typeface="Roboto"/>
+                </a:rPr>
+                <a:t>Sub-problem #1</a:t>
+              </a:r>
+            </a:p>
+          </p:txBody>
+        </p:sp>
+      </p:grpSp>
+      <p:grpSp>
+        <p:nvGrpSpPr>
+          <p:cNvPr id="18" name="Group 10">
+            <a:extLst>
+              <a:ext uri="{FF2B5EF4-FFF2-40B4-BE49-F238E27FC236}">
+                <a16:creationId xmlns:a16="http://schemas.microsoft.com/office/drawing/2014/main" id="{791790BF-F0C4-D809-6AAE-07550C9CFA03}"/>
+              </a:ext>
+            </a:extLst>
+          </p:cNvPr>
+          <p:cNvGrpSpPr/>
+          <p:nvPr/>
+        </p:nvGrpSpPr>
+        <p:grpSpPr>
+          <a:xfrm>
+            <a:off x="685801" y="3657566"/>
+            <a:ext cx="1674771" cy="336906"/>
+            <a:chOff x="0" y="0"/>
+            <a:chExt cx="3349543" cy="673812"/>
+          </a:xfrm>
+        </p:grpSpPr>
+        <p:sp>
+          <p:nvSpPr>
+            <p:cNvPr id="19" name="Freeform 11">
+              <a:extLst>
+                <a:ext uri="{FF2B5EF4-FFF2-40B4-BE49-F238E27FC236}">
+                  <a16:creationId xmlns:a16="http://schemas.microsoft.com/office/drawing/2014/main" id="{D9EB33A1-66E6-CD92-68CF-5A37A59D3D29}"/>
+                </a:ext>
+              </a:extLst>
+            </p:cNvPr>
+            <p:cNvSpPr/>
+            <p:nvPr/>
+          </p:nvSpPr>
+          <p:spPr>
+            <a:xfrm>
+              <a:off x="17661" y="16441"/>
+              <a:ext cx="3314201" cy="640817"/>
+            </a:xfrm>
+            <a:custGeom>
+              <a:avLst/>
+              <a:gdLst/>
+              <a:ahLst/>
+              <a:cxnLst/>
+              <a:rect l="l" t="t" r="r" b="b"/>
+              <a:pathLst>
+                <a:path w="3314201" h="640817">
+                  <a:moveTo>
+                    <a:pt x="0" y="320408"/>
+                  </a:moveTo>
+                  <a:cubicBezTo>
+                    <a:pt x="0" y="143516"/>
+                    <a:pt x="160412" y="0"/>
+                    <a:pt x="358138" y="0"/>
+                  </a:cubicBezTo>
+                  <a:lnTo>
+                    <a:pt x="2956063" y="0"/>
+                  </a:lnTo>
+                  <a:cubicBezTo>
+                    <a:pt x="3153789" y="0"/>
+                    <a:pt x="3314201" y="143516"/>
+                    <a:pt x="3314201" y="320408"/>
+                  </a:cubicBezTo>
+                  <a:cubicBezTo>
+                    <a:pt x="3314201" y="497300"/>
+                    <a:pt x="3153922" y="640817"/>
+                    <a:pt x="2956063" y="640817"/>
+                  </a:cubicBezTo>
+                  <a:lnTo>
+                    <a:pt x="358138" y="640817"/>
+                  </a:lnTo>
+                  <a:cubicBezTo>
+                    <a:pt x="160412" y="640817"/>
+                    <a:pt x="0" y="497300"/>
+                    <a:pt x="0" y="320408"/>
+                  </a:cubicBezTo>
+                  <a:close/>
+                </a:path>
+              </a:pathLst>
+            </a:custGeom>
+            <a:solidFill>
+              <a:srgbClr val="FFFFFF"/>
+            </a:solidFill>
+          </p:spPr>
+          <p:txBody>
+            <a:bodyPr/>
+            <a:lstStyle/>
+            <a:p>
+              <a:endParaRPr lang="en-NL" sz="1200"/>
+            </a:p>
+          </p:txBody>
+        </p:sp>
+        <p:sp>
+          <p:nvSpPr>
+            <p:cNvPr id="20" name="Freeform 12">
+              <a:extLst>
+                <a:ext uri="{FF2B5EF4-FFF2-40B4-BE49-F238E27FC236}">
+                  <a16:creationId xmlns:a16="http://schemas.microsoft.com/office/drawing/2014/main" id="{EAFC439D-C826-4695-D015-4FAB6CDE7716}"/>
+                </a:ext>
+              </a:extLst>
+            </p:cNvPr>
+            <p:cNvSpPr/>
+            <p:nvPr/>
+          </p:nvSpPr>
+          <p:spPr>
+            <a:xfrm>
+              <a:off x="0" y="0"/>
+              <a:ext cx="3349523" cy="673822"/>
+            </a:xfrm>
+            <a:custGeom>
+              <a:avLst/>
+              <a:gdLst/>
+              <a:ahLst/>
+              <a:cxnLst/>
+              <a:rect l="l" t="t" r="r" b="b"/>
+              <a:pathLst>
+                <a:path w="3349523" h="673822">
+                  <a:moveTo>
+                    <a:pt x="0" y="336849"/>
+                  </a:moveTo>
+                  <a:cubicBezTo>
+                    <a:pt x="0" y="150191"/>
+                    <a:pt x="168910" y="0"/>
+                    <a:pt x="375799" y="0"/>
+                  </a:cubicBezTo>
+                  <a:lnTo>
+                    <a:pt x="2973724" y="0"/>
+                  </a:lnTo>
+                  <a:lnTo>
+                    <a:pt x="2973724" y="16441"/>
+                  </a:lnTo>
+                  <a:lnTo>
+                    <a:pt x="2973724" y="0"/>
+                  </a:lnTo>
+                  <a:cubicBezTo>
+                    <a:pt x="3180613" y="0"/>
+                    <a:pt x="3349523" y="150191"/>
+                    <a:pt x="3349523" y="336849"/>
+                  </a:cubicBezTo>
+                  <a:lnTo>
+                    <a:pt x="3331862" y="336849"/>
+                  </a:lnTo>
+                  <a:lnTo>
+                    <a:pt x="3349523" y="336849"/>
+                  </a:lnTo>
+                  <a:lnTo>
+                    <a:pt x="3331862" y="336849"/>
+                  </a:lnTo>
+                  <a:lnTo>
+                    <a:pt x="3349523" y="336849"/>
+                  </a:lnTo>
+                  <a:cubicBezTo>
+                    <a:pt x="3349523" y="523507"/>
+                    <a:pt x="3180613" y="673699"/>
+                    <a:pt x="2973724" y="673699"/>
+                  </a:cubicBezTo>
+                  <a:lnTo>
+                    <a:pt x="2973724" y="657381"/>
+                  </a:lnTo>
+                  <a:lnTo>
+                    <a:pt x="2973724" y="673822"/>
+                  </a:lnTo>
+                  <a:lnTo>
+                    <a:pt x="375799" y="673822"/>
+                  </a:lnTo>
+                  <a:lnTo>
+                    <a:pt x="375799" y="657381"/>
+                  </a:lnTo>
+                  <a:lnTo>
+                    <a:pt x="375799" y="673822"/>
+                  </a:lnTo>
+                  <a:cubicBezTo>
+                    <a:pt x="168910" y="673822"/>
+                    <a:pt x="0" y="523631"/>
+                    <a:pt x="0" y="336849"/>
+                  </a:cubicBezTo>
+                  <a:lnTo>
+                    <a:pt x="17661" y="336849"/>
+                  </a:lnTo>
+                  <a:lnTo>
+                    <a:pt x="0" y="336849"/>
+                  </a:lnTo>
+                  <a:moveTo>
+                    <a:pt x="35455" y="336849"/>
+                  </a:moveTo>
+                  <a:lnTo>
+                    <a:pt x="17661" y="336849"/>
+                  </a:lnTo>
+                  <a:lnTo>
+                    <a:pt x="35455" y="336849"/>
+                  </a:lnTo>
+                  <a:cubicBezTo>
+                    <a:pt x="35455" y="504100"/>
+                    <a:pt x="187235" y="640817"/>
+                    <a:pt x="375799" y="640817"/>
+                  </a:cubicBezTo>
+                  <a:lnTo>
+                    <a:pt x="2973724" y="640817"/>
+                  </a:lnTo>
+                  <a:cubicBezTo>
+                    <a:pt x="3162421" y="640817"/>
+                    <a:pt x="3314068" y="504100"/>
+                    <a:pt x="3314068" y="336849"/>
+                  </a:cubicBezTo>
+                  <a:cubicBezTo>
+                    <a:pt x="3314068" y="169599"/>
+                    <a:pt x="3162420" y="33005"/>
+                    <a:pt x="2973724" y="33005"/>
+                  </a:cubicBezTo>
+                  <a:lnTo>
+                    <a:pt x="375799" y="33005"/>
+                  </a:lnTo>
+                  <a:lnTo>
+                    <a:pt x="375799" y="16441"/>
+                  </a:lnTo>
+                  <a:lnTo>
+                    <a:pt x="375799" y="33005"/>
+                  </a:lnTo>
+                  <a:cubicBezTo>
+                    <a:pt x="187103" y="33005"/>
+                    <a:pt x="35455" y="169599"/>
+                    <a:pt x="35455" y="336849"/>
+                  </a:cubicBezTo>
+                  <a:close/>
+                </a:path>
+              </a:pathLst>
+            </a:custGeom>
+            <a:solidFill>
+              <a:srgbClr val="050037"/>
+            </a:solidFill>
+          </p:spPr>
+          <p:txBody>
+            <a:bodyPr/>
+            <a:lstStyle/>
+            <a:p>
+              <a:endParaRPr lang="en-NL" sz="1200"/>
+            </a:p>
+          </p:txBody>
+        </p:sp>
+        <p:sp>
+          <p:nvSpPr>
+            <p:cNvPr id="21" name="TextBox 13">
+              <a:extLst>
+                <a:ext uri="{FF2B5EF4-FFF2-40B4-BE49-F238E27FC236}">
+                  <a16:creationId xmlns:a16="http://schemas.microsoft.com/office/drawing/2014/main" id="{C99A55AC-E690-2141-E45D-34F9A28E9AD3}"/>
+                </a:ext>
+              </a:extLst>
+            </p:cNvPr>
+            <p:cNvSpPr txBox="1"/>
+            <p:nvPr/>
+          </p:nvSpPr>
+          <p:spPr>
+            <a:xfrm>
+              <a:off x="0" y="-19050"/>
+              <a:ext cx="3349543" cy="692862"/>
+            </a:xfrm>
+            <a:prstGeom prst="rect">
+              <a:avLst/>
+            </a:prstGeom>
+          </p:spPr>
+          <p:txBody>
+            <a:bodyPr lIns="33867" tIns="33867" rIns="33867" bIns="33867" rtlCol="0" anchor="ctr"/>
+            <a:lstStyle/>
+            <a:p>
+              <a:pPr algn="ctr">
+                <a:lnSpc>
+                  <a:spcPts val="1600"/>
+                </a:lnSpc>
+              </a:pPr>
+              <a:r>
+                <a:rPr lang="en-US" sz="1333">
+                  <a:solidFill>
+                    <a:srgbClr val="050037"/>
+                  </a:solidFill>
+                  <a:latin typeface="Roboto"/>
+                </a:rPr>
+                <a:t>Sub-problem #2</a:t>
+              </a:r>
+            </a:p>
+          </p:txBody>
+        </p:sp>
+      </p:grpSp>
+      <p:grpSp>
+        <p:nvGrpSpPr>
+          <p:cNvPr id="22" name="Group 20">
+            <a:extLst>
+              <a:ext uri="{FF2B5EF4-FFF2-40B4-BE49-F238E27FC236}">
+                <a16:creationId xmlns:a16="http://schemas.microsoft.com/office/drawing/2014/main" id="{18108DC2-7847-F687-BFCF-15080566510C}"/>
+              </a:ext>
+            </a:extLst>
+          </p:cNvPr>
+          <p:cNvGrpSpPr/>
+          <p:nvPr/>
+        </p:nvGrpSpPr>
+        <p:grpSpPr>
+          <a:xfrm>
+            <a:off x="685801" y="4826170"/>
+            <a:ext cx="1674771" cy="336906"/>
+            <a:chOff x="0" y="0"/>
+            <a:chExt cx="3349543" cy="673812"/>
+          </a:xfrm>
+        </p:grpSpPr>
+        <p:sp>
+          <p:nvSpPr>
+            <p:cNvPr id="23" name="Freeform 21">
+              <a:extLst>
+                <a:ext uri="{FF2B5EF4-FFF2-40B4-BE49-F238E27FC236}">
+                  <a16:creationId xmlns:a16="http://schemas.microsoft.com/office/drawing/2014/main" id="{90352A9C-03E5-B968-0768-A0A3EEE40B71}"/>
+                </a:ext>
+              </a:extLst>
+            </p:cNvPr>
+            <p:cNvSpPr/>
+            <p:nvPr/>
+          </p:nvSpPr>
+          <p:spPr>
+            <a:xfrm>
+              <a:off x="17661" y="16441"/>
+              <a:ext cx="3314201" cy="640817"/>
+            </a:xfrm>
+            <a:custGeom>
+              <a:avLst/>
+              <a:gdLst/>
+              <a:ahLst/>
+              <a:cxnLst/>
+              <a:rect l="l" t="t" r="r" b="b"/>
+              <a:pathLst>
+                <a:path w="3314201" h="640817">
+                  <a:moveTo>
+                    <a:pt x="0" y="320408"/>
+                  </a:moveTo>
+                  <a:cubicBezTo>
+                    <a:pt x="0" y="143516"/>
+                    <a:pt x="160412" y="0"/>
+                    <a:pt x="358138" y="0"/>
+                  </a:cubicBezTo>
+                  <a:lnTo>
+                    <a:pt x="2956063" y="0"/>
+                  </a:lnTo>
+                  <a:cubicBezTo>
+                    <a:pt x="3153789" y="0"/>
+                    <a:pt x="3314201" y="143516"/>
+                    <a:pt x="3314201" y="320408"/>
+                  </a:cubicBezTo>
+                  <a:cubicBezTo>
+                    <a:pt x="3314201" y="497300"/>
+                    <a:pt x="3153922" y="640817"/>
+                    <a:pt x="2956063" y="640817"/>
+                  </a:cubicBezTo>
+                  <a:lnTo>
+                    <a:pt x="358138" y="640817"/>
+                  </a:lnTo>
+                  <a:cubicBezTo>
+                    <a:pt x="160412" y="640817"/>
+                    <a:pt x="0" y="497300"/>
+                    <a:pt x="0" y="320408"/>
+                  </a:cubicBezTo>
+                  <a:close/>
+                </a:path>
+              </a:pathLst>
+            </a:custGeom>
+            <a:solidFill>
+              <a:srgbClr val="FFFFFF"/>
+            </a:solidFill>
+          </p:spPr>
+          <p:txBody>
+            <a:bodyPr/>
+            <a:lstStyle/>
+            <a:p>
+              <a:endParaRPr lang="en-NL" sz="1200"/>
+            </a:p>
+          </p:txBody>
+        </p:sp>
+        <p:sp>
+          <p:nvSpPr>
+            <p:cNvPr id="24" name="Freeform 22">
+              <a:extLst>
+                <a:ext uri="{FF2B5EF4-FFF2-40B4-BE49-F238E27FC236}">
+                  <a16:creationId xmlns:a16="http://schemas.microsoft.com/office/drawing/2014/main" id="{DFA159AE-10CF-55A2-BD17-D54BAAF8C9E7}"/>
+                </a:ext>
+              </a:extLst>
+            </p:cNvPr>
+            <p:cNvSpPr/>
+            <p:nvPr/>
+          </p:nvSpPr>
+          <p:spPr>
+            <a:xfrm>
+              <a:off x="0" y="0"/>
+              <a:ext cx="3349523" cy="673822"/>
+            </a:xfrm>
+            <a:custGeom>
+              <a:avLst/>
+              <a:gdLst/>
+              <a:ahLst/>
+              <a:cxnLst/>
+              <a:rect l="l" t="t" r="r" b="b"/>
+              <a:pathLst>
+                <a:path w="3349523" h="673822">
+                  <a:moveTo>
+                    <a:pt x="0" y="336849"/>
+                  </a:moveTo>
+                  <a:cubicBezTo>
+                    <a:pt x="0" y="150191"/>
+                    <a:pt x="168910" y="0"/>
+                    <a:pt x="375799" y="0"/>
+                  </a:cubicBezTo>
+                  <a:lnTo>
+                    <a:pt x="2973724" y="0"/>
+                  </a:lnTo>
+                  <a:lnTo>
+                    <a:pt x="2973724" y="16441"/>
+                  </a:lnTo>
+                  <a:lnTo>
+                    <a:pt x="2973724" y="0"/>
+                  </a:lnTo>
+                  <a:cubicBezTo>
+                    <a:pt x="3180613" y="0"/>
+                    <a:pt x="3349523" y="150191"/>
+                    <a:pt x="3349523" y="336849"/>
+                  </a:cubicBezTo>
+                  <a:lnTo>
+                    <a:pt x="3331862" y="336849"/>
+                  </a:lnTo>
+                  <a:lnTo>
+                    <a:pt x="3349523" y="336849"/>
+                  </a:lnTo>
+                  <a:lnTo>
+                    <a:pt x="3331862" y="336849"/>
+                  </a:lnTo>
+                  <a:lnTo>
+                    <a:pt x="3349523" y="336849"/>
+                  </a:lnTo>
+                  <a:cubicBezTo>
+                    <a:pt x="3349523" y="523507"/>
+                    <a:pt x="3180613" y="673699"/>
+                    <a:pt x="2973724" y="673699"/>
+                  </a:cubicBezTo>
+                  <a:lnTo>
+                    <a:pt x="2973724" y="657381"/>
+                  </a:lnTo>
+                  <a:lnTo>
+                    <a:pt x="2973724" y="673822"/>
+                  </a:lnTo>
+                  <a:lnTo>
+                    <a:pt x="375799" y="673822"/>
+                  </a:lnTo>
+                  <a:lnTo>
+                    <a:pt x="375799" y="657381"/>
+                  </a:lnTo>
+                  <a:lnTo>
+                    <a:pt x="375799" y="673822"/>
+                  </a:lnTo>
+                  <a:cubicBezTo>
+                    <a:pt x="168910" y="673822"/>
+                    <a:pt x="0" y="523631"/>
+                    <a:pt x="0" y="336849"/>
+                  </a:cubicBezTo>
+                  <a:lnTo>
+                    <a:pt x="17661" y="336849"/>
+                  </a:lnTo>
+                  <a:lnTo>
+                    <a:pt x="0" y="336849"/>
+                  </a:lnTo>
+                  <a:moveTo>
+                    <a:pt x="35455" y="336849"/>
+                  </a:moveTo>
+                  <a:lnTo>
+                    <a:pt x="17661" y="336849"/>
+                  </a:lnTo>
+                  <a:lnTo>
+                    <a:pt x="35455" y="336849"/>
+                  </a:lnTo>
+                  <a:cubicBezTo>
+                    <a:pt x="35455" y="504100"/>
+                    <a:pt x="187235" y="640817"/>
+                    <a:pt x="375799" y="640817"/>
+                  </a:cubicBezTo>
+                  <a:lnTo>
+                    <a:pt x="2973724" y="640817"/>
+                  </a:lnTo>
+                  <a:cubicBezTo>
+                    <a:pt x="3162421" y="640817"/>
+                    <a:pt x="3314068" y="504100"/>
+                    <a:pt x="3314068" y="336849"/>
+                  </a:cubicBezTo>
+                  <a:cubicBezTo>
+                    <a:pt x="3314068" y="169599"/>
+                    <a:pt x="3162420" y="33005"/>
+                    <a:pt x="2973724" y="33005"/>
+                  </a:cubicBezTo>
+                  <a:lnTo>
+                    <a:pt x="375799" y="33005"/>
+                  </a:lnTo>
+                  <a:lnTo>
+                    <a:pt x="375799" y="16441"/>
+                  </a:lnTo>
+                  <a:lnTo>
+                    <a:pt x="375799" y="33005"/>
+                  </a:lnTo>
+                  <a:cubicBezTo>
+                    <a:pt x="187103" y="33005"/>
+                    <a:pt x="35455" y="169599"/>
+                    <a:pt x="35455" y="336849"/>
+                  </a:cubicBezTo>
+                  <a:close/>
+                </a:path>
+              </a:pathLst>
+            </a:custGeom>
+            <a:solidFill>
+              <a:srgbClr val="050037"/>
+            </a:solidFill>
+          </p:spPr>
+          <p:txBody>
+            <a:bodyPr/>
+            <a:lstStyle/>
+            <a:p>
+              <a:endParaRPr lang="en-NL" sz="1200"/>
+            </a:p>
+          </p:txBody>
+        </p:sp>
+        <p:sp>
+          <p:nvSpPr>
+            <p:cNvPr id="25" name="TextBox 23">
+              <a:extLst>
+                <a:ext uri="{FF2B5EF4-FFF2-40B4-BE49-F238E27FC236}">
+                  <a16:creationId xmlns:a16="http://schemas.microsoft.com/office/drawing/2014/main" id="{C53FB25D-350A-D746-5F97-54683A2CE04D}"/>
+                </a:ext>
+              </a:extLst>
+            </p:cNvPr>
+            <p:cNvSpPr txBox="1"/>
+            <p:nvPr/>
+          </p:nvSpPr>
+          <p:spPr>
+            <a:xfrm>
+              <a:off x="0" y="-19050"/>
+              <a:ext cx="3349543" cy="692862"/>
+            </a:xfrm>
+            <a:prstGeom prst="rect">
+              <a:avLst/>
+            </a:prstGeom>
+          </p:spPr>
+          <p:txBody>
+            <a:bodyPr lIns="33867" tIns="33867" rIns="33867" bIns="33867" rtlCol="0" anchor="ctr"/>
+            <a:lstStyle/>
+            <a:p>
+              <a:pPr algn="ctr">
+                <a:lnSpc>
+                  <a:spcPts val="1600"/>
+                </a:lnSpc>
+              </a:pPr>
+              <a:r>
+                <a:rPr lang="en-US" sz="1333">
+                  <a:solidFill>
+                    <a:srgbClr val="050037"/>
+                  </a:solidFill>
+                  <a:latin typeface="Roboto"/>
+                </a:rPr>
+                <a:t>Sub-problem #3</a:t>
+              </a:r>
+            </a:p>
+          </p:txBody>
+        </p:sp>
+      </p:grpSp>
+      <p:sp>
+        <p:nvSpPr>
+          <p:cNvPr id="26" name="TextBox 25">
+            <a:extLst>
+              <a:ext uri="{FF2B5EF4-FFF2-40B4-BE49-F238E27FC236}">
+                <a16:creationId xmlns:a16="http://schemas.microsoft.com/office/drawing/2014/main" id="{3A7D2504-6429-3687-3E85-11EF22F82EC4}"/>
+              </a:ext>
+            </a:extLst>
+          </p:cNvPr>
+          <p:cNvSpPr txBox="1"/>
+          <p:nvPr/>
+        </p:nvSpPr>
+        <p:spPr>
+          <a:xfrm>
+            <a:off x="847873" y="2882511"/>
+            <a:ext cx="5197328" cy="654025"/>
+          </a:xfrm>
+          <a:prstGeom prst="rect">
+            <a:avLst/>
+          </a:prstGeom>
+        </p:spPr>
+        <p:txBody>
+          <a:bodyPr wrap="square" lIns="0" tIns="0" rIns="0" bIns="0" rtlCol="0" anchor="t">
+            <a:spAutoFit/>
+          </a:bodyPr>
+          <a:lstStyle/>
+          <a:p>
+            <a:pPr>
+              <a:lnSpc>
+                <a:spcPts val="1742"/>
+              </a:lnSpc>
+              <a:spcBef>
+                <a:spcPct val="0"/>
+              </a:spcBef>
+            </a:pPr>
+            <a:r>
+              <a:rPr lang="en-US" sz="1451" dirty="0">
+                <a:solidFill>
+                  <a:srgbClr val="000000"/>
+                </a:solidFill>
+                <a:latin typeface="Roboto"/>
+              </a:rPr>
+              <a:t>A machine learning pipeline requires multiple iterations over every step of the process to find the right combination to maximize the model performance.</a:t>
+            </a:r>
+          </a:p>
+        </p:txBody>
+      </p:sp>
+      <p:sp>
+        <p:nvSpPr>
+          <p:cNvPr id="27" name="TextBox 34">
+            <a:extLst>
+              <a:ext uri="{FF2B5EF4-FFF2-40B4-BE49-F238E27FC236}">
+                <a16:creationId xmlns:a16="http://schemas.microsoft.com/office/drawing/2014/main" id="{C59E850A-3179-B40E-5A12-B5CEC5CF86D3}"/>
+              </a:ext>
+            </a:extLst>
+          </p:cNvPr>
+          <p:cNvSpPr txBox="1"/>
+          <p:nvPr/>
+        </p:nvSpPr>
+        <p:spPr>
+          <a:xfrm>
+            <a:off x="840276" y="4122625"/>
+            <a:ext cx="5001724" cy="436017"/>
+          </a:xfrm>
+          <a:prstGeom prst="rect">
+            <a:avLst/>
+          </a:prstGeom>
+        </p:spPr>
+        <p:txBody>
+          <a:bodyPr wrap="square" lIns="0" tIns="0" rIns="0" bIns="0" rtlCol="0" anchor="t">
+            <a:spAutoFit/>
+          </a:bodyPr>
+          <a:lstStyle/>
+          <a:p>
+            <a:pPr>
+              <a:lnSpc>
+                <a:spcPts val="1742"/>
+              </a:lnSpc>
+              <a:spcBef>
+                <a:spcPct val="0"/>
+              </a:spcBef>
+            </a:pPr>
+            <a:r>
+              <a:rPr lang="en-US" sz="1451" dirty="0">
+                <a:solidFill>
+                  <a:srgbClr val="000000"/>
+                </a:solidFill>
+                <a:latin typeface="Roboto"/>
+              </a:rPr>
+              <a:t>It is hard to keep track of all the modifications of the pipeline when creating a model </a:t>
+            </a:r>
+          </a:p>
+        </p:txBody>
+      </p:sp>
+      <p:sp>
+        <p:nvSpPr>
+          <p:cNvPr id="28" name="TextBox 36">
+            <a:extLst>
+              <a:ext uri="{FF2B5EF4-FFF2-40B4-BE49-F238E27FC236}">
+                <a16:creationId xmlns:a16="http://schemas.microsoft.com/office/drawing/2014/main" id="{02D777A7-4BB5-0470-F982-AFB456695DE3}"/>
+              </a:ext>
+            </a:extLst>
+          </p:cNvPr>
+          <p:cNvSpPr txBox="1"/>
+          <p:nvPr/>
+        </p:nvSpPr>
+        <p:spPr>
+          <a:xfrm>
+            <a:off x="847873" y="5250771"/>
+            <a:ext cx="5095728" cy="436017"/>
+          </a:xfrm>
+          <a:prstGeom prst="rect">
+            <a:avLst/>
+          </a:prstGeom>
+        </p:spPr>
+        <p:txBody>
+          <a:bodyPr wrap="square" lIns="0" tIns="0" rIns="0" bIns="0" rtlCol="0" anchor="t">
+            <a:spAutoFit/>
+          </a:bodyPr>
+          <a:lstStyle/>
+          <a:p>
+            <a:pPr>
+              <a:lnSpc>
+                <a:spcPts val="1742"/>
+              </a:lnSpc>
+              <a:spcBef>
+                <a:spcPct val="0"/>
+              </a:spcBef>
+            </a:pPr>
+            <a:r>
+              <a:rPr lang="en-US" sz="1451" dirty="0">
+                <a:solidFill>
+                  <a:srgbClr val="000000"/>
+                </a:solidFill>
+                <a:latin typeface="Roboto"/>
+              </a:rPr>
+              <a:t>Model creators tend to use Generative AI tools but without integration with their data</a:t>
+            </a:r>
+          </a:p>
+        </p:txBody>
+      </p:sp>
       <p:pic>
         <p:nvPicPr>
-          <p:cNvPr id="1028" name="Picture 4" descr="Ironhack - All Iron">
-            <a:extLst>
-              <a:ext uri="{FF2B5EF4-FFF2-40B4-BE49-F238E27FC236}">
-                <a16:creationId xmlns:a16="http://schemas.microsoft.com/office/drawing/2014/main" id="{14B08E7C-C4EC-C9DD-A444-88A20E5FA72E}"/>
+          <p:cNvPr id="1028" name="Picture 4" descr="What is Machine Learning Course| Its Importance and Types-FORE">
+            <a:extLst>
+              <a:ext uri="{FF2B5EF4-FFF2-40B4-BE49-F238E27FC236}">
+                <a16:creationId xmlns:a16="http://schemas.microsoft.com/office/drawing/2014/main" id="{8BBD41C4-7645-31DF-024A-8D229A2378CD}"/>
               </a:ext>
             </a:extLst>
           </p:cNvPr>
@@ -3432,7 +6266,7 @@
           </p:cNvPicPr>
           <p:nvPr/>
         </p:nvPicPr>
-        <p:blipFill rotWithShape="1">
+        <p:blipFill>
           <a:blip r:embed="rId2">
             <a:extLst>
               <a:ext uri="{28A0092B-C50C-407E-A947-70E740481C1C}">
@@ -3440,13 +6274,15 @@
               </a:ext>
             </a:extLst>
           </a:blip>
-          <a:srcRect l="19693" t="23077" r="21538" b="21846"/>
-          <a:stretch/>
+          <a:srcRect/>
+          <a:stretch>
+            <a:fillRect/>
+          </a:stretch>
         </p:blipFill>
         <p:spPr bwMode="auto">
           <a:xfrm>
-            <a:off x="10912222" y="231444"/>
-            <a:ext cx="916910" cy="859302"/>
+            <a:off x="5994400" y="2597746"/>
+            <a:ext cx="5511800" cy="3373222"/>
           </a:xfrm>
           <a:prstGeom prst="rect">
             <a:avLst/>
@@ -3463,6 +6299,76 @@
           </a:extLst>
         </p:spPr>
       </p:pic>
+    </p:spTree>
+  </p:cSld>
+  <p:clrMapOvr>
+    <a:masterClrMapping/>
+  </p:clrMapOvr>
+</p:sld>
+</file>
+
+<file path=ppt/slides/slide4.xml><?xml version="1.0" encoding="utf-8"?>
+<p:sld xmlns:a="http://schemas.openxmlformats.org/drawingml/2006/main" xmlns:r="http://schemas.openxmlformats.org/officeDocument/2006/relationships" xmlns:p="http://schemas.openxmlformats.org/presentationml/2006/main">
+  <p:cSld>
+    <p:spTree>
+      <p:nvGrpSpPr>
+        <p:cNvPr id="1" name=""/>
+        <p:cNvGrpSpPr/>
+        <p:nvPr/>
+      </p:nvGrpSpPr>
+      <p:grpSpPr>
+        <a:xfrm>
+          <a:off x="0" y="0"/>
+          <a:ext cx="0" cy="0"/>
+          <a:chOff x="0" y="0"/>
+          <a:chExt cx="0" cy="0"/>
+        </a:xfrm>
+      </p:grpSpPr>
+      <p:pic>
+        <p:nvPicPr>
+          <p:cNvPr id="1028" name="Picture 4" descr="Ironhack - All Iron">
+            <a:extLst>
+              <a:ext uri="{FF2B5EF4-FFF2-40B4-BE49-F238E27FC236}">
+                <a16:creationId xmlns:a16="http://schemas.microsoft.com/office/drawing/2014/main" id="{14B08E7C-C4EC-C9DD-A444-88A20E5FA72E}"/>
+              </a:ext>
+            </a:extLst>
+          </p:cNvPr>
+          <p:cNvPicPr>
+            <a:picLocks noChangeAspect="1" noChangeArrowheads="1"/>
+          </p:cNvPicPr>
+          <p:nvPr/>
+        </p:nvPicPr>
+        <p:blipFill rotWithShape="1">
+          <a:blip r:embed="rId2">
+            <a:extLst>
+              <a:ext uri="{28A0092B-C50C-407E-A947-70E740481C1C}">
+                <a14:useLocalDpi xmlns:a14="http://schemas.microsoft.com/office/drawing/2010/main" val="0"/>
+              </a:ext>
+            </a:extLst>
+          </a:blip>
+          <a:srcRect l="19693" t="23077" r="21538" b="21846"/>
+          <a:stretch/>
+        </p:blipFill>
+        <p:spPr bwMode="auto">
+          <a:xfrm>
+            <a:off x="10479314" y="231443"/>
+            <a:ext cx="1349818" cy="1265011"/>
+          </a:xfrm>
+          <a:prstGeom prst="rect">
+            <a:avLst/>
+          </a:prstGeom>
+          <a:noFill/>
+          <a:extLst>
+            <a:ext uri="{909E8E84-426E-40DD-AFC4-6F175D3DCCD1}">
+              <a14:hiddenFill xmlns:a14="http://schemas.microsoft.com/office/drawing/2010/main">
+                <a:solidFill>
+                  <a:srgbClr val="FFFFFF"/>
+                </a:solidFill>
+              </a14:hiddenFill>
+            </a:ext>
+          </a:extLst>
+        </p:spPr>
+      </p:pic>
       <p:sp>
         <p:nvSpPr>
           <p:cNvPr id="2" name="Rectangle: Rounded Corners 1">
@@ -3477,15 +6383,15 @@
         </p:nvSpPr>
         <p:spPr>
           <a:xfrm>
-            <a:off x="734786" y="1612996"/>
-            <a:ext cx="10223348" cy="3024318"/>
+            <a:off x="2603066" y="2351500"/>
+            <a:ext cx="6690341" cy="2006329"/>
           </a:xfrm>
           <a:prstGeom prst="roundRect">
             <a:avLst/>
           </a:prstGeom>
           <a:noFill/>
           <a:ln>
-            <a:prstDash val="sysDash"/>
+            <a:prstDash val="solid"/>
           </a:ln>
         </p:spPr>
         <p:style>
@@ -3527,7 +6433,7 @@
         </p:nvSpPr>
         <p:spPr>
           <a:xfrm>
-            <a:off x="3953040" y="273318"/>
+            <a:off x="4583604" y="313238"/>
             <a:ext cx="2729264" cy="800472"/>
           </a:xfrm>
           <a:prstGeom prst="roundRect">
@@ -3535,7 +6441,7 @@
           </a:prstGeom>
           <a:noFill/>
           <a:ln>
-            <a:prstDash val="sysDash"/>
+            <a:prstDash val="solid"/>
           </a:ln>
         </p:spPr>
         <p:style>
@@ -3577,8 +6483,8 @@
         </p:nvSpPr>
         <p:spPr>
           <a:xfrm>
-            <a:off x="2351314" y="5426527"/>
-            <a:ext cx="7396844" cy="996044"/>
+            <a:off x="1310120" y="5313745"/>
+            <a:ext cx="5575099" cy="1157818"/>
           </a:xfrm>
           <a:prstGeom prst="roundRect">
             <a:avLst/>
@@ -3609,7 +6515,7 @@
           <a:lstStyle/>
           <a:p>
             <a:pPr algn="ctr"/>
-            <a:endParaRPr lang="es-ES"/>
+            <a:endParaRPr lang="es-ES" dirty="0"/>
           </a:p>
         </p:txBody>
       </p:sp>
@@ -3642,8 +6548,8 @@
         </p:blipFill>
         <p:spPr bwMode="auto">
           <a:xfrm>
-            <a:off x="2564719" y="5600771"/>
-            <a:ext cx="1835786" cy="869848"/>
+            <a:off x="2062608" y="5681571"/>
+            <a:ext cx="1420070" cy="672870"/>
           </a:xfrm>
           <a:prstGeom prst="rect">
             <a:avLst/>
@@ -3712,10 +6618,10 @@
       </p:sp>
       <p:sp>
         <p:nvSpPr>
-          <p:cNvPr id="7" name="Rectangle: Rounded Corners 6">
-            <a:extLst>
-              <a:ext uri="{FF2B5EF4-FFF2-40B4-BE49-F238E27FC236}">
-                <a16:creationId xmlns:a16="http://schemas.microsoft.com/office/drawing/2014/main" id="{9C6C577C-DD66-3205-0A76-0CD3AC055395}"/>
+          <p:cNvPr id="11" name="Rectangle: Rounded Corners 10">
+            <a:extLst>
+              <a:ext uri="{FF2B5EF4-FFF2-40B4-BE49-F238E27FC236}">
+                <a16:creationId xmlns:a16="http://schemas.microsoft.com/office/drawing/2014/main" id="{27E11335-0BFE-6979-52DC-9755A041EA79}"/>
               </a:ext>
             </a:extLst>
           </p:cNvPr>
@@ -3724,8 +6630,8 @@
         </p:nvSpPr>
         <p:spPr>
           <a:xfrm>
-            <a:off x="2902374" y="2349487"/>
-            <a:ext cx="1132718" cy="2001182"/>
+            <a:off x="9576406" y="2281712"/>
+            <a:ext cx="1132718" cy="2076118"/>
           </a:xfrm>
           <a:prstGeom prst="roundRect">
             <a:avLst/>
@@ -3760,12 +6666,568 @@
           </a:p>
         </p:txBody>
       </p:sp>
-      <p:sp>
-        <p:nvSpPr>
-          <p:cNvPr id="8" name="Rectangle: Rounded Corners 7">
-            <a:extLst>
-              <a:ext uri="{FF2B5EF4-FFF2-40B4-BE49-F238E27FC236}">
-                <a16:creationId xmlns:a16="http://schemas.microsoft.com/office/drawing/2014/main" id="{9CCD748E-B4B2-C2CE-C072-E62A7F33DC50}"/>
+      <p:pic>
+        <p:nvPicPr>
+          <p:cNvPr id="2056" name="Picture 8" descr="OpenAI Logo PNG vector in SVG, PDF, AI, CDR format">
+            <a:extLst>
+              <a:ext uri="{FF2B5EF4-FFF2-40B4-BE49-F238E27FC236}">
+                <a16:creationId xmlns:a16="http://schemas.microsoft.com/office/drawing/2014/main" id="{24986B89-F872-0075-3BC1-38AC8DC9AD36}"/>
+              </a:ext>
+            </a:extLst>
+          </p:cNvPr>
+          <p:cNvPicPr>
+            <a:picLocks noChangeAspect="1" noChangeArrowheads="1"/>
+          </p:cNvPicPr>
+          <p:nvPr/>
+        </p:nvPicPr>
+        <p:blipFill rotWithShape="1">
+          <a:blip r:embed="rId4">
+            <a:extLst>
+              <a:ext uri="{28A0092B-C50C-407E-A947-70E740481C1C}">
+                <a14:useLocalDpi xmlns:a14="http://schemas.microsoft.com/office/drawing/2010/main" val="0"/>
+              </a:ext>
+            </a:extLst>
+          </a:blip>
+          <a:srcRect l="14566" t="40505" r="14302" b="40769"/>
+          <a:stretch/>
+        </p:blipFill>
+        <p:spPr bwMode="auto">
+          <a:xfrm>
+            <a:off x="7216096" y="5536897"/>
+            <a:ext cx="3011634" cy="595065"/>
+          </a:xfrm>
+          <a:prstGeom prst="rect">
+            <a:avLst/>
+          </a:prstGeom>
+          <a:noFill/>
+          <a:extLst>
+            <a:ext uri="{909E8E84-426E-40DD-AFC4-6F175D3DCCD1}">
+              <a14:hiddenFill xmlns:a14="http://schemas.microsoft.com/office/drawing/2010/main">
+                <a:solidFill>
+                  <a:srgbClr val="FFFFFF"/>
+                </a:solidFill>
+              </a14:hiddenFill>
+            </a:ext>
+          </a:extLst>
+        </p:spPr>
+      </p:pic>
+      <p:pic>
+        <p:nvPicPr>
+          <p:cNvPr id="2058" name="Picture 10" descr="Streamlit • A faster way to build and share data apps">
+            <a:extLst>
+              <a:ext uri="{FF2B5EF4-FFF2-40B4-BE49-F238E27FC236}">
+                <a16:creationId xmlns:a16="http://schemas.microsoft.com/office/drawing/2014/main" id="{57B7DF15-3576-5849-EEBF-3E06E48C35C0}"/>
+              </a:ext>
+            </a:extLst>
+          </p:cNvPr>
+          <p:cNvPicPr>
+            <a:picLocks noChangeAspect="1" noChangeArrowheads="1"/>
+          </p:cNvPicPr>
+          <p:nvPr/>
+        </p:nvPicPr>
+        <p:blipFill>
+          <a:blip r:embed="rId5">
+            <a:extLst>
+              <a:ext uri="{28A0092B-C50C-407E-A947-70E740481C1C}">
+                <a14:useLocalDpi xmlns:a14="http://schemas.microsoft.com/office/drawing/2010/main" val="0"/>
+              </a:ext>
+            </a:extLst>
+          </a:blip>
+          <a:srcRect/>
+          <a:stretch>
+            <a:fillRect/>
+          </a:stretch>
+        </p:blipFill>
+        <p:spPr bwMode="auto">
+          <a:xfrm>
+            <a:off x="1164771" y="1678611"/>
+            <a:ext cx="1796726" cy="498780"/>
+          </a:xfrm>
+          <a:prstGeom prst="rect">
+            <a:avLst/>
+          </a:prstGeom>
+          <a:noFill/>
+          <a:extLst>
+            <a:ext uri="{909E8E84-426E-40DD-AFC4-6F175D3DCCD1}">
+              <a14:hiddenFill xmlns:a14="http://schemas.microsoft.com/office/drawing/2010/main">
+                <a:solidFill>
+                  <a:srgbClr val="FFFFFF"/>
+                </a:solidFill>
+              </a14:hiddenFill>
+            </a:ext>
+          </a:extLst>
+        </p:spPr>
+      </p:pic>
+      <p:pic>
+        <p:nvPicPr>
+          <p:cNvPr id="2060" name="Picture 12" descr="pandas - Python Data Analysis Library">
+            <a:extLst>
+              <a:ext uri="{FF2B5EF4-FFF2-40B4-BE49-F238E27FC236}">
+                <a16:creationId xmlns:a16="http://schemas.microsoft.com/office/drawing/2014/main" id="{4C62CA79-8E46-01DD-DF99-37AA4679142D}"/>
+              </a:ext>
+            </a:extLst>
+          </p:cNvPr>
+          <p:cNvPicPr>
+            <a:picLocks noChangeAspect="1" noChangeArrowheads="1"/>
+          </p:cNvPicPr>
+          <p:nvPr/>
+        </p:nvPicPr>
+        <p:blipFill>
+          <a:blip r:embed="rId6">
+            <a:extLst>
+              <a:ext uri="{28A0092B-C50C-407E-A947-70E740481C1C}">
+                <a14:useLocalDpi xmlns:a14="http://schemas.microsoft.com/office/drawing/2010/main" val="0"/>
+              </a:ext>
+            </a:extLst>
+          </a:blip>
+          <a:srcRect/>
+          <a:stretch>
+            <a:fillRect/>
+          </a:stretch>
+        </p:blipFill>
+        <p:spPr bwMode="auto">
+          <a:xfrm>
+            <a:off x="1433397" y="2944375"/>
+            <a:ext cx="751346" cy="531853"/>
+          </a:xfrm>
+          <a:prstGeom prst="rect">
+            <a:avLst/>
+          </a:prstGeom>
+          <a:noFill/>
+          <a:extLst>
+            <a:ext uri="{909E8E84-426E-40DD-AFC4-6F175D3DCCD1}">
+              <a14:hiddenFill xmlns:a14="http://schemas.microsoft.com/office/drawing/2010/main">
+                <a:solidFill>
+                  <a:srgbClr val="FFFFFF"/>
+                </a:solidFill>
+              </a14:hiddenFill>
+            </a:ext>
+          </a:extLst>
+        </p:spPr>
+      </p:pic>
+      <p:pic>
+        <p:nvPicPr>
+          <p:cNvPr id="14" name="Picture 12" descr="pandas - Python Data Analysis Library">
+            <a:extLst>
+              <a:ext uri="{FF2B5EF4-FFF2-40B4-BE49-F238E27FC236}">
+                <a16:creationId xmlns:a16="http://schemas.microsoft.com/office/drawing/2014/main" id="{6C4CC7F2-8BE9-CBE9-BF1C-E6D118511B78}"/>
+              </a:ext>
+            </a:extLst>
+          </p:cNvPr>
+          <p:cNvPicPr>
+            <a:picLocks noChangeAspect="1" noChangeArrowheads="1"/>
+          </p:cNvPicPr>
+          <p:nvPr/>
+        </p:nvPicPr>
+        <p:blipFill>
+          <a:blip r:embed="rId6">
+            <a:extLst>
+              <a:ext uri="{28A0092B-C50C-407E-A947-70E740481C1C}">
+                <a14:useLocalDpi xmlns:a14="http://schemas.microsoft.com/office/drawing/2010/main" val="0"/>
+              </a:ext>
+            </a:extLst>
+          </a:blip>
+          <a:srcRect/>
+          <a:stretch>
+            <a:fillRect/>
+          </a:stretch>
+        </p:blipFill>
+        <p:spPr bwMode="auto">
+          <a:xfrm>
+            <a:off x="5292791" y="2973379"/>
+            <a:ext cx="685850" cy="485491"/>
+          </a:xfrm>
+          <a:prstGeom prst="rect">
+            <a:avLst/>
+          </a:prstGeom>
+          <a:noFill/>
+          <a:extLst>
+            <a:ext uri="{909E8E84-426E-40DD-AFC4-6F175D3DCCD1}">
+              <a14:hiddenFill xmlns:a14="http://schemas.microsoft.com/office/drawing/2010/main">
+                <a:solidFill>
+                  <a:srgbClr val="FFFFFF"/>
+                </a:solidFill>
+              </a14:hiddenFill>
+            </a:ext>
+          </a:extLst>
+        </p:spPr>
+      </p:pic>
+      <p:pic>
+        <p:nvPicPr>
+          <p:cNvPr id="2062" name="Picture 14" descr="x sqlite3&quot; Icon - Download for free – Iconduck">
+            <a:extLst>
+              <a:ext uri="{FF2B5EF4-FFF2-40B4-BE49-F238E27FC236}">
+                <a16:creationId xmlns:a16="http://schemas.microsoft.com/office/drawing/2014/main" id="{7555E4A0-0670-B6C4-5BF4-6F3CD2863596}"/>
+              </a:ext>
+            </a:extLst>
+          </p:cNvPr>
+          <p:cNvPicPr>
+            <a:picLocks noChangeAspect="1" noChangeArrowheads="1"/>
+          </p:cNvPicPr>
+          <p:nvPr/>
+        </p:nvPicPr>
+        <p:blipFill>
+          <a:blip r:embed="rId7">
+            <a:extLst>
+              <a:ext uri="{28A0092B-C50C-407E-A947-70E740481C1C}">
+                <a14:useLocalDpi xmlns:a14="http://schemas.microsoft.com/office/drawing/2010/main" val="0"/>
+              </a:ext>
+            </a:extLst>
+          </a:blip>
+          <a:srcRect/>
+          <a:stretch>
+            <a:fillRect/>
+          </a:stretch>
+        </p:blipFill>
+        <p:spPr bwMode="auto">
+          <a:xfrm>
+            <a:off x="1522130" y="3603922"/>
+            <a:ext cx="575733" cy="672224"/>
+          </a:xfrm>
+          <a:prstGeom prst="rect">
+            <a:avLst/>
+          </a:prstGeom>
+          <a:noFill/>
+          <a:extLst>
+            <a:ext uri="{909E8E84-426E-40DD-AFC4-6F175D3DCCD1}">
+              <a14:hiddenFill xmlns:a14="http://schemas.microsoft.com/office/drawing/2010/main">
+                <a:solidFill>
+                  <a:srgbClr val="FFFFFF"/>
+                </a:solidFill>
+              </a14:hiddenFill>
+            </a:ext>
+          </a:extLst>
+        </p:spPr>
+      </p:pic>
+      <p:pic>
+        <p:nvPicPr>
+          <p:cNvPr id="15" name="Picture 12" descr="pandas - Python Data Analysis Library">
+            <a:extLst>
+              <a:ext uri="{FF2B5EF4-FFF2-40B4-BE49-F238E27FC236}">
+                <a16:creationId xmlns:a16="http://schemas.microsoft.com/office/drawing/2014/main" id="{2DBDF48C-13B8-42A3-3BF5-582F053DE575}"/>
+              </a:ext>
+            </a:extLst>
+          </p:cNvPr>
+          <p:cNvPicPr>
+            <a:picLocks noChangeAspect="1" noChangeArrowheads="1"/>
+          </p:cNvPicPr>
+          <p:nvPr/>
+        </p:nvPicPr>
+        <p:blipFill>
+          <a:blip r:embed="rId6">
+            <a:extLst>
+              <a:ext uri="{28A0092B-C50C-407E-A947-70E740481C1C}">
+                <a14:useLocalDpi xmlns:a14="http://schemas.microsoft.com/office/drawing/2010/main" val="0"/>
+              </a:ext>
+            </a:extLst>
+          </a:blip>
+          <a:srcRect/>
+          <a:stretch>
+            <a:fillRect/>
+          </a:stretch>
+        </p:blipFill>
+        <p:spPr bwMode="auto">
+          <a:xfrm>
+            <a:off x="3145207" y="2982627"/>
+            <a:ext cx="659723" cy="466995"/>
+          </a:xfrm>
+          <a:prstGeom prst="rect">
+            <a:avLst/>
+          </a:prstGeom>
+          <a:noFill/>
+          <a:extLst>
+            <a:ext uri="{909E8E84-426E-40DD-AFC4-6F175D3DCCD1}">
+              <a14:hiddenFill xmlns:a14="http://schemas.microsoft.com/office/drawing/2010/main">
+                <a:solidFill>
+                  <a:srgbClr val="FFFFFF"/>
+                </a:solidFill>
+              </a14:hiddenFill>
+            </a:ext>
+          </a:extLst>
+        </p:spPr>
+      </p:pic>
+      <p:sp>
+        <p:nvSpPr>
+          <p:cNvPr id="16" name="AutoShape 16" descr="Citing and logo — seaborn 0.13.2 documentation">
+            <a:extLst>
+              <a:ext uri="{FF2B5EF4-FFF2-40B4-BE49-F238E27FC236}">
+                <a16:creationId xmlns:a16="http://schemas.microsoft.com/office/drawing/2014/main" id="{0B447746-AE36-DF61-2B5A-334993794364}"/>
+              </a:ext>
+            </a:extLst>
+          </p:cNvPr>
+          <p:cNvSpPr>
+            <a:spLocks noChangeAspect="1" noChangeArrowheads="1"/>
+          </p:cNvSpPr>
+          <p:nvPr/>
+        </p:nvSpPr>
+        <p:spPr bwMode="auto">
+          <a:xfrm>
+            <a:off x="5943600" y="3276600"/>
+            <a:ext cx="304800" cy="304800"/>
+          </a:xfrm>
+          <a:prstGeom prst="rect">
+            <a:avLst/>
+          </a:prstGeom>
+          <a:noFill/>
+          <a:extLst>
+            <a:ext uri="{909E8E84-426E-40DD-AFC4-6F175D3DCCD1}">
+              <a14:hiddenFill xmlns:a14="http://schemas.microsoft.com/office/drawing/2010/main">
+                <a:solidFill>
+                  <a:srgbClr val="FFFFFF"/>
+                </a:solidFill>
+              </a14:hiddenFill>
+            </a:ext>
+          </a:extLst>
+        </p:spPr>
+        <p:txBody>
+          <a:bodyPr vert="horz" wrap="square" lIns="91440" tIns="45720" rIns="91440" bIns="45720" numCol="1" anchor="t" anchorCtr="0" compatLnSpc="1">
+            <a:prstTxWarp prst="textNoShape">
+              <a:avLst/>
+            </a:prstTxWarp>
+          </a:bodyPr>
+          <a:lstStyle/>
+          <a:p>
+            <a:endParaRPr lang="es-ES"/>
+          </a:p>
+        </p:txBody>
+      </p:sp>
+      <p:pic>
+        <p:nvPicPr>
+          <p:cNvPr id="18" name="Graphic 17">
+            <a:extLst>
+              <a:ext uri="{FF2B5EF4-FFF2-40B4-BE49-F238E27FC236}">
+                <a16:creationId xmlns:a16="http://schemas.microsoft.com/office/drawing/2014/main" id="{D1C0E6B7-D276-413D-71E4-F91C71B13132}"/>
+              </a:ext>
+            </a:extLst>
+          </p:cNvPr>
+          <p:cNvPicPr>
+            <a:picLocks noChangeAspect="1"/>
+          </p:cNvPicPr>
+          <p:nvPr/>
+        </p:nvPicPr>
+        <p:blipFill>
+          <a:blip r:embed="rId8">
+            <a:extLst>
+              <a:ext uri="{28A0092B-C50C-407E-A947-70E740481C1C}">
+                <a14:useLocalDpi xmlns:a14="http://schemas.microsoft.com/office/drawing/2010/main" val="0"/>
+              </a:ext>
+              <a:ext uri="{96DAC541-7B7A-43D3-8B79-37D633B846F1}">
+                <asvg:svgBlip xmlns:asvg="http://schemas.microsoft.com/office/drawing/2016/SVG/main" r:embed="rId9"/>
+              </a:ext>
+            </a:extLst>
+          </a:blip>
+          <a:stretch>
+            <a:fillRect/>
+          </a:stretch>
+        </p:blipFill>
+        <p:spPr>
+          <a:xfrm>
+            <a:off x="4525021" y="2927631"/>
+            <a:ext cx="479309" cy="576986"/>
+          </a:xfrm>
+          <a:prstGeom prst="rect">
+            <a:avLst/>
+          </a:prstGeom>
+        </p:spPr>
+      </p:pic>
+      <p:pic>
+        <p:nvPicPr>
+          <p:cNvPr id="22" name="Picture 21">
+            <a:extLst>
+              <a:ext uri="{FF2B5EF4-FFF2-40B4-BE49-F238E27FC236}">
+                <a16:creationId xmlns:a16="http://schemas.microsoft.com/office/drawing/2014/main" id="{A7E21205-42EB-7D20-4F61-568793A29193}"/>
+              </a:ext>
+            </a:extLst>
+          </p:cNvPr>
+          <p:cNvPicPr>
+            <a:picLocks noChangeAspect="1"/>
+          </p:cNvPicPr>
+          <p:nvPr/>
+        </p:nvPicPr>
+        <p:blipFill>
+          <a:blip r:embed="rId10">
+            <a:extLst>
+              <a:ext uri="{BEBA8EAE-BF5A-486C-A8C5-ECC9F3942E4B}">
+                <a14:imgProps xmlns:a14="http://schemas.microsoft.com/office/drawing/2010/main">
+                  <a14:imgLayer r:embed="rId11">
+                    <a14:imgEffect>
+                      <a14:backgroundRemoval t="10000" b="90000" l="10000" r="90000">
+                        <a14:foregroundMark x1="20000" y1="59583" x2="20000" y2="59583"/>
+                        <a14:foregroundMark x1="25000" y1="60417" x2="25000" y2="60417"/>
+                        <a14:foregroundMark x1="22917" y1="54583" x2="22917" y2="54583"/>
+                      </a14:backgroundRemoval>
+                    </a14:imgEffect>
+                  </a14:imgLayer>
+                </a14:imgProps>
+              </a:ext>
+              <a:ext uri="{28A0092B-C50C-407E-A947-70E740481C1C}">
+                <a14:useLocalDpi xmlns:a14="http://schemas.microsoft.com/office/drawing/2010/main" val="0"/>
+              </a:ext>
+            </a:extLst>
+          </a:blip>
+          <a:stretch>
+            <a:fillRect/>
+          </a:stretch>
+        </p:blipFill>
+        <p:spPr>
+          <a:xfrm>
+            <a:off x="6562947" y="2920581"/>
+            <a:ext cx="591086" cy="591086"/>
+          </a:xfrm>
+          <a:prstGeom prst="rect">
+            <a:avLst/>
+          </a:prstGeom>
+        </p:spPr>
+      </p:pic>
+      <p:pic>
+        <p:nvPicPr>
+          <p:cNvPr id="24" name="Picture 23">
+            <a:extLst>
+              <a:ext uri="{FF2B5EF4-FFF2-40B4-BE49-F238E27FC236}">
+                <a16:creationId xmlns:a16="http://schemas.microsoft.com/office/drawing/2014/main" id="{0F7A930C-2F7B-17E7-95FB-57A4A5F53AA3}"/>
+              </a:ext>
+            </a:extLst>
+          </p:cNvPr>
+          <p:cNvPicPr>
+            <a:picLocks noChangeAspect="1"/>
+          </p:cNvPicPr>
+          <p:nvPr/>
+        </p:nvPicPr>
+        <p:blipFill>
+          <a:blip r:embed="rId10">
+            <a:extLst>
+              <a:ext uri="{BEBA8EAE-BF5A-486C-A8C5-ECC9F3942E4B}">
+                <a14:imgProps xmlns:a14="http://schemas.microsoft.com/office/drawing/2010/main">
+                  <a14:imgLayer r:embed="rId11">
+                    <a14:imgEffect>
+                      <a14:backgroundRemoval t="10000" b="90000" l="10000" r="90000">
+                        <a14:foregroundMark x1="20000" y1="59583" x2="20000" y2="59583"/>
+                        <a14:foregroundMark x1="25000" y1="60417" x2="25000" y2="60417"/>
+                        <a14:foregroundMark x1="22917" y1="54583" x2="22917" y2="54583"/>
+                      </a14:backgroundRemoval>
+                    </a14:imgEffect>
+                  </a14:imgLayer>
+                </a14:imgProps>
+              </a:ext>
+              <a:ext uri="{28A0092B-C50C-407E-A947-70E740481C1C}">
+                <a14:useLocalDpi xmlns:a14="http://schemas.microsoft.com/office/drawing/2010/main" val="0"/>
+              </a:ext>
+            </a:extLst>
+          </a:blip>
+          <a:stretch>
+            <a:fillRect/>
+          </a:stretch>
+        </p:blipFill>
+        <p:spPr>
+          <a:xfrm>
+            <a:off x="8136857" y="2951393"/>
+            <a:ext cx="529462" cy="529462"/>
+          </a:xfrm>
+          <a:prstGeom prst="rect">
+            <a:avLst/>
+          </a:prstGeom>
+        </p:spPr>
+      </p:pic>
+      <p:pic>
+        <p:nvPicPr>
+          <p:cNvPr id="2072" name="Picture 24">
+            <a:extLst>
+              <a:ext uri="{FF2B5EF4-FFF2-40B4-BE49-F238E27FC236}">
+                <a16:creationId xmlns:a16="http://schemas.microsoft.com/office/drawing/2014/main" id="{A18B987A-9869-C710-A986-8BBA3D9DEDC2}"/>
+              </a:ext>
+            </a:extLst>
+          </p:cNvPr>
+          <p:cNvPicPr>
+            <a:picLocks noChangeAspect="1" noChangeArrowheads="1"/>
+          </p:cNvPicPr>
+          <p:nvPr/>
+        </p:nvPicPr>
+        <p:blipFill>
+          <a:blip r:embed="rId12">
+            <a:extLst>
+              <a:ext uri="{28A0092B-C50C-407E-A947-70E740481C1C}">
+                <a14:useLocalDpi xmlns:a14="http://schemas.microsoft.com/office/drawing/2010/main" val="0"/>
+              </a:ext>
+            </a:extLst>
+          </a:blip>
+          <a:srcRect/>
+          <a:stretch>
+            <a:fillRect/>
+          </a:stretch>
+        </p:blipFill>
+        <p:spPr bwMode="auto">
+          <a:xfrm>
+            <a:off x="4991785" y="305289"/>
+            <a:ext cx="816368" cy="816368"/>
+          </a:xfrm>
+          <a:prstGeom prst="rect">
+            <a:avLst/>
+          </a:prstGeom>
+          <a:noFill/>
+          <a:extLst>
+            <a:ext uri="{909E8E84-426E-40DD-AFC4-6F175D3DCCD1}">
+              <a14:hiddenFill xmlns:a14="http://schemas.microsoft.com/office/drawing/2010/main">
+                <a:solidFill>
+                  <a:srgbClr val="FFFFFF"/>
+                </a:solidFill>
+              </a14:hiddenFill>
+            </a:ext>
+          </a:extLst>
+        </p:spPr>
+      </p:pic>
+      <p:pic>
+        <p:nvPicPr>
+          <p:cNvPr id="2074" name="Picture 26" descr="Web Icon Logo PNG Vector (EPS) Free Download">
+            <a:extLst>
+              <a:ext uri="{FF2B5EF4-FFF2-40B4-BE49-F238E27FC236}">
+                <a16:creationId xmlns:a16="http://schemas.microsoft.com/office/drawing/2014/main" id="{0B4D4FF1-63F4-376B-6079-7F9BDCDB1298}"/>
+              </a:ext>
+            </a:extLst>
+          </p:cNvPr>
+          <p:cNvPicPr>
+            <a:picLocks noChangeAspect="1" noChangeArrowheads="1"/>
+          </p:cNvPicPr>
+          <p:nvPr/>
+        </p:nvPicPr>
+        <p:blipFill>
+          <a:blip r:embed="rId13">
+            <a:extLst>
+              <a:ext uri="{28A0092B-C50C-407E-A947-70E740481C1C}">
+                <a14:useLocalDpi xmlns:a14="http://schemas.microsoft.com/office/drawing/2010/main" val="0"/>
+              </a:ext>
+            </a:extLst>
+          </a:blip>
+          <a:srcRect/>
+          <a:stretch>
+            <a:fillRect/>
+          </a:stretch>
+        </p:blipFill>
+        <p:spPr bwMode="auto">
+          <a:xfrm>
+            <a:off x="6213762" y="398093"/>
+            <a:ext cx="630761" cy="630761"/>
+          </a:xfrm>
+          <a:prstGeom prst="rect">
+            <a:avLst/>
+          </a:prstGeom>
+          <a:noFill/>
+          <a:extLst>
+            <a:ext uri="{909E8E84-426E-40DD-AFC4-6F175D3DCCD1}">
+              <a14:hiddenFill xmlns:a14="http://schemas.microsoft.com/office/drawing/2010/main">
+                <a:solidFill>
+                  <a:srgbClr val="FFFFFF"/>
+                </a:solidFill>
+              </a14:hiddenFill>
+            </a:ext>
+          </a:extLst>
+        </p:spPr>
+      </p:pic>
+      <p:sp>
+        <p:nvSpPr>
+          <p:cNvPr id="4" name="Rectangle: Rounded Corners 3">
+            <a:extLst>
+              <a:ext uri="{FF2B5EF4-FFF2-40B4-BE49-F238E27FC236}">
+                <a16:creationId xmlns:a16="http://schemas.microsoft.com/office/drawing/2014/main" id="{70D75A45-BE64-8D1F-B9F7-CE8D054CBB4B}"/>
               </a:ext>
             </a:extLst>
           </p:cNvPr>
@@ -3774,8 +7236,8 @@
         </p:nvSpPr>
         <p:spPr>
           <a:xfrm>
-            <a:off x="4570882" y="2337240"/>
-            <a:ext cx="1132718" cy="2001182"/>
+            <a:off x="869244" y="1676478"/>
+            <a:ext cx="10157985" cy="3074836"/>
           </a:xfrm>
           <a:prstGeom prst="roundRect">
             <a:avLst/>
@@ -3812,10 +7274,1594 @@
       </p:sp>
       <p:sp>
         <p:nvSpPr>
-          <p:cNvPr id="9" name="Rectangle: Rounded Corners 8">
-            <a:extLst>
-              <a:ext uri="{FF2B5EF4-FFF2-40B4-BE49-F238E27FC236}">
-                <a16:creationId xmlns:a16="http://schemas.microsoft.com/office/drawing/2014/main" id="{75D1616D-8355-D9FB-4C38-763E244FAC44}"/>
+          <p:cNvPr id="12" name="TextBox 11">
+            <a:extLst>
+              <a:ext uri="{FF2B5EF4-FFF2-40B4-BE49-F238E27FC236}">
+                <a16:creationId xmlns:a16="http://schemas.microsoft.com/office/drawing/2014/main" id="{646C1D15-BF48-1665-E5D5-18A20A99801E}"/>
+              </a:ext>
+            </a:extLst>
+          </p:cNvPr>
+          <p:cNvSpPr txBox="1"/>
+          <p:nvPr/>
+        </p:nvSpPr>
+        <p:spPr>
+          <a:xfrm>
+            <a:off x="2918911" y="3555103"/>
+            <a:ext cx="1132718" cy="584775"/>
+          </a:xfrm>
+          <a:prstGeom prst="rect">
+            <a:avLst/>
+          </a:prstGeom>
+          <a:noFill/>
+          <a:ln>
+            <a:solidFill>
+              <a:schemeClr val="bg2">
+                <a:lumMod val="10000"/>
+              </a:schemeClr>
+            </a:solidFill>
+          </a:ln>
+        </p:spPr>
+        <p:txBody>
+          <a:bodyPr wrap="square" rtlCol="0">
+            <a:spAutoFit/>
+          </a:bodyPr>
+          <a:lstStyle/>
+          <a:p>
+            <a:pPr algn="ctr"/>
+            <a:r>
+              <a:rPr lang="es-ES" sz="1600" b="1" dirty="0"/>
+              <a:t>Data </a:t>
+            </a:r>
+            <a:r>
+              <a:rPr lang="es-ES" sz="1600" b="1" dirty="0" err="1"/>
+              <a:t>Ingestion</a:t>
+            </a:r>
+            <a:endParaRPr lang="es-ES" sz="1600" b="1" dirty="0"/>
+          </a:p>
+        </p:txBody>
+      </p:sp>
+      <p:sp>
+        <p:nvSpPr>
+          <p:cNvPr id="13" name="TextBox 12">
+            <a:extLst>
+              <a:ext uri="{FF2B5EF4-FFF2-40B4-BE49-F238E27FC236}">
+                <a16:creationId xmlns:a16="http://schemas.microsoft.com/office/drawing/2014/main" id="{EF30969C-9533-F3BA-69E9-150AA8CB41D8}"/>
+              </a:ext>
+            </a:extLst>
+          </p:cNvPr>
+          <p:cNvSpPr txBox="1"/>
+          <p:nvPr/>
+        </p:nvSpPr>
+        <p:spPr>
+          <a:xfrm>
+            <a:off x="4450358" y="3555103"/>
+            <a:ext cx="1494175" cy="584775"/>
+          </a:xfrm>
+          <a:prstGeom prst="rect">
+            <a:avLst/>
+          </a:prstGeom>
+          <a:noFill/>
+          <a:ln>
+            <a:solidFill>
+              <a:schemeClr val="bg2">
+                <a:lumMod val="10000"/>
+              </a:schemeClr>
+            </a:solidFill>
+          </a:ln>
+        </p:spPr>
+        <p:txBody>
+          <a:bodyPr wrap="square" rtlCol="0">
+            <a:spAutoFit/>
+          </a:bodyPr>
+          <a:lstStyle/>
+          <a:p>
+            <a:pPr algn="ctr"/>
+            <a:r>
+              <a:rPr lang="es-ES" sz="1600" b="1" dirty="0"/>
+              <a:t>EDA &amp; </a:t>
+            </a:r>
+            <a:r>
+              <a:rPr lang="es-ES" sz="1600" b="1" dirty="0" err="1"/>
+              <a:t>Prepprocessing</a:t>
+            </a:r>
+            <a:endParaRPr lang="es-ES" sz="1600" b="1" dirty="0"/>
+          </a:p>
+        </p:txBody>
+      </p:sp>
+      <p:sp>
+        <p:nvSpPr>
+          <p:cNvPr id="17" name="TextBox 16">
+            <a:extLst>
+              <a:ext uri="{FF2B5EF4-FFF2-40B4-BE49-F238E27FC236}">
+                <a16:creationId xmlns:a16="http://schemas.microsoft.com/office/drawing/2014/main" id="{6067639E-44F3-9E7E-2282-94D946ECE718}"/>
+              </a:ext>
+            </a:extLst>
+          </p:cNvPr>
+          <p:cNvSpPr txBox="1"/>
+          <p:nvPr/>
+        </p:nvSpPr>
+        <p:spPr>
+          <a:xfrm>
+            <a:off x="6343262" y="3555103"/>
+            <a:ext cx="1132719" cy="584775"/>
+          </a:xfrm>
+          <a:prstGeom prst="rect">
+            <a:avLst/>
+          </a:prstGeom>
+          <a:noFill/>
+          <a:ln>
+            <a:solidFill>
+              <a:schemeClr val="bg2">
+                <a:lumMod val="10000"/>
+              </a:schemeClr>
+            </a:solidFill>
+          </a:ln>
+        </p:spPr>
+        <p:txBody>
+          <a:bodyPr wrap="square" rtlCol="0">
+            <a:spAutoFit/>
+          </a:bodyPr>
+          <a:lstStyle/>
+          <a:p>
+            <a:pPr algn="ctr"/>
+            <a:r>
+              <a:rPr lang="es-ES" sz="1600" b="1" dirty="0" err="1"/>
+              <a:t>Model</a:t>
+            </a:r>
+            <a:r>
+              <a:rPr lang="es-ES" sz="1600" b="1" dirty="0"/>
+              <a:t> </a:t>
+            </a:r>
+            <a:r>
+              <a:rPr lang="es-ES" sz="1600" b="1" dirty="0" err="1"/>
+              <a:t>Selection</a:t>
+            </a:r>
+            <a:endParaRPr lang="es-ES" sz="1600" b="1" dirty="0"/>
+          </a:p>
+        </p:txBody>
+      </p:sp>
+      <p:sp>
+        <p:nvSpPr>
+          <p:cNvPr id="20" name="TextBox 19">
+            <a:extLst>
+              <a:ext uri="{FF2B5EF4-FFF2-40B4-BE49-F238E27FC236}">
+                <a16:creationId xmlns:a16="http://schemas.microsoft.com/office/drawing/2014/main" id="{D75C7BF1-C825-69DE-5014-CE021DFD86CD}"/>
+              </a:ext>
+            </a:extLst>
+          </p:cNvPr>
+          <p:cNvSpPr txBox="1"/>
+          <p:nvPr/>
+        </p:nvSpPr>
+        <p:spPr>
+          <a:xfrm>
+            <a:off x="7874710" y="3555103"/>
+            <a:ext cx="1132719" cy="584775"/>
+          </a:xfrm>
+          <a:prstGeom prst="rect">
+            <a:avLst/>
+          </a:prstGeom>
+          <a:noFill/>
+          <a:ln>
+            <a:solidFill>
+              <a:schemeClr val="bg2">
+                <a:lumMod val="10000"/>
+              </a:schemeClr>
+            </a:solidFill>
+          </a:ln>
+        </p:spPr>
+        <p:txBody>
+          <a:bodyPr wrap="square" rtlCol="0">
+            <a:spAutoFit/>
+          </a:bodyPr>
+          <a:lstStyle/>
+          <a:p>
+            <a:pPr algn="ctr"/>
+            <a:r>
+              <a:rPr lang="es-ES" sz="1600" b="1" dirty="0" err="1"/>
+              <a:t>Model</a:t>
+            </a:r>
+            <a:endParaRPr lang="es-ES" sz="1600" b="1" dirty="0"/>
+          </a:p>
+          <a:p>
+            <a:pPr algn="ctr"/>
+            <a:r>
+              <a:rPr lang="es-ES" sz="1600" b="1" dirty="0" err="1"/>
+              <a:t>Testing</a:t>
+            </a:r>
+            <a:endParaRPr lang="es-ES" sz="1600" b="1" dirty="0"/>
+          </a:p>
+        </p:txBody>
+      </p:sp>
+      <p:sp>
+        <p:nvSpPr>
+          <p:cNvPr id="21" name="TextBox 20">
+            <a:extLst>
+              <a:ext uri="{FF2B5EF4-FFF2-40B4-BE49-F238E27FC236}">
+                <a16:creationId xmlns:a16="http://schemas.microsoft.com/office/drawing/2014/main" id="{DA7229C9-11C8-6D6B-4758-24AD07E6F74D}"/>
+              </a:ext>
+            </a:extLst>
+          </p:cNvPr>
+          <p:cNvSpPr txBox="1"/>
+          <p:nvPr/>
+        </p:nvSpPr>
+        <p:spPr>
+          <a:xfrm>
+            <a:off x="9582741" y="2469436"/>
+            <a:ext cx="1132719" cy="338554"/>
+          </a:xfrm>
+          <a:prstGeom prst="rect">
+            <a:avLst/>
+          </a:prstGeom>
+          <a:noFill/>
+          <a:ln>
+            <a:noFill/>
+          </a:ln>
+        </p:spPr>
+        <p:txBody>
+          <a:bodyPr wrap="square" rtlCol="0">
+            <a:spAutoFit/>
+          </a:bodyPr>
+          <a:lstStyle/>
+          <a:p>
+            <a:pPr algn="ctr"/>
+            <a:r>
+              <a:rPr lang="es-ES" sz="1600" b="1" dirty="0"/>
+              <a:t>CHATBOT</a:t>
+            </a:r>
+          </a:p>
+        </p:txBody>
+      </p:sp>
+      <p:sp>
+        <p:nvSpPr>
+          <p:cNvPr id="23" name="TextBox 22">
+            <a:extLst>
+              <a:ext uri="{FF2B5EF4-FFF2-40B4-BE49-F238E27FC236}">
+                <a16:creationId xmlns:a16="http://schemas.microsoft.com/office/drawing/2014/main" id="{143E5409-991C-5E22-4782-50D8F1ED48C8}"/>
+              </a:ext>
+            </a:extLst>
+          </p:cNvPr>
+          <p:cNvSpPr txBox="1"/>
+          <p:nvPr/>
+        </p:nvSpPr>
+        <p:spPr>
+          <a:xfrm>
+            <a:off x="1247764" y="2351500"/>
+            <a:ext cx="1132719" cy="577081"/>
+          </a:xfrm>
+          <a:prstGeom prst="rect">
+            <a:avLst/>
+          </a:prstGeom>
+          <a:noFill/>
+          <a:ln>
+            <a:noFill/>
+          </a:ln>
+        </p:spPr>
+        <p:txBody>
+          <a:bodyPr wrap="square" rtlCol="0">
+            <a:spAutoFit/>
+          </a:bodyPr>
+          <a:lstStyle/>
+          <a:p>
+            <a:pPr algn="ctr"/>
+            <a:r>
+              <a:rPr lang="es-ES" sz="1050" b="1" dirty="0"/>
+              <a:t>USER &amp; PROJECTS</a:t>
+            </a:r>
+          </a:p>
+          <a:p>
+            <a:pPr algn="ctr"/>
+            <a:r>
+              <a:rPr lang="es-ES" sz="1050" b="1" dirty="0"/>
+              <a:t>MANAGEMENT</a:t>
+            </a:r>
+          </a:p>
+        </p:txBody>
+      </p:sp>
+      <p:pic>
+        <p:nvPicPr>
+          <p:cNvPr id="1026" name="Picture 2" descr="Python logo and symbol, meaning, history, PNG">
+            <a:extLst>
+              <a:ext uri="{FF2B5EF4-FFF2-40B4-BE49-F238E27FC236}">
+                <a16:creationId xmlns:a16="http://schemas.microsoft.com/office/drawing/2014/main" id="{FBD398B5-12AD-BAC8-882C-0EA3EB99C701}"/>
+              </a:ext>
+            </a:extLst>
+          </p:cNvPr>
+          <p:cNvPicPr>
+            <a:picLocks noChangeAspect="1" noChangeArrowheads="1"/>
+          </p:cNvPicPr>
+          <p:nvPr/>
+        </p:nvPicPr>
+        <p:blipFill rotWithShape="1">
+          <a:blip r:embed="rId14">
+            <a:extLst>
+              <a:ext uri="{28A0092B-C50C-407E-A947-70E740481C1C}">
+                <a14:useLocalDpi xmlns:a14="http://schemas.microsoft.com/office/drawing/2010/main" val="0"/>
+              </a:ext>
+            </a:extLst>
+          </a:blip>
+          <a:srcRect t="25450" b="27282"/>
+          <a:stretch/>
+        </p:blipFill>
+        <p:spPr bwMode="auto">
+          <a:xfrm>
+            <a:off x="2973341" y="2409815"/>
+            <a:ext cx="924308" cy="273065"/>
+          </a:xfrm>
+          <a:prstGeom prst="rect">
+            <a:avLst/>
+          </a:prstGeom>
+          <a:noFill/>
+          <a:extLst>
+            <a:ext uri="{909E8E84-426E-40DD-AFC4-6F175D3DCCD1}">
+              <a14:hiddenFill xmlns:a14="http://schemas.microsoft.com/office/drawing/2010/main">
+                <a:solidFill>
+                  <a:srgbClr val="FFFFFF"/>
+                </a:solidFill>
+              </a14:hiddenFill>
+            </a:ext>
+          </a:extLst>
+        </p:spPr>
+      </p:pic>
+      <p:sp>
+        <p:nvSpPr>
+          <p:cNvPr id="25" name="TextBox 24">
+            <a:extLst>
+              <a:ext uri="{FF2B5EF4-FFF2-40B4-BE49-F238E27FC236}">
+                <a16:creationId xmlns:a16="http://schemas.microsoft.com/office/drawing/2014/main" id="{E19415E9-F053-4FD0-5D38-4D035BB89DA9}"/>
+              </a:ext>
+            </a:extLst>
+          </p:cNvPr>
+          <p:cNvSpPr txBox="1"/>
+          <p:nvPr/>
+        </p:nvSpPr>
+        <p:spPr>
+          <a:xfrm>
+            <a:off x="4329150" y="2334867"/>
+            <a:ext cx="3238172" cy="338554"/>
+          </a:xfrm>
+          <a:prstGeom prst="rect">
+            <a:avLst/>
+          </a:prstGeom>
+          <a:noFill/>
+          <a:ln>
+            <a:noFill/>
+          </a:ln>
+        </p:spPr>
+        <p:txBody>
+          <a:bodyPr wrap="square" rtlCol="0">
+            <a:spAutoFit/>
+          </a:bodyPr>
+          <a:lstStyle/>
+          <a:p>
+            <a:pPr algn="ctr"/>
+            <a:r>
+              <a:rPr lang="es-ES" sz="1600" b="1" dirty="0">
+                <a:solidFill>
+                  <a:srgbClr val="1FB35B"/>
+                </a:solidFill>
+              </a:rPr>
+              <a:t>ML LEARNING PIPELINE</a:t>
+            </a:r>
+          </a:p>
+        </p:txBody>
+      </p:sp>
+      <p:pic>
+        <p:nvPicPr>
+          <p:cNvPr id="26" name="Picture 4" descr="Chatbot - Free technology icons">
+            <a:extLst>
+              <a:ext uri="{FF2B5EF4-FFF2-40B4-BE49-F238E27FC236}">
+                <a16:creationId xmlns:a16="http://schemas.microsoft.com/office/drawing/2014/main" id="{A7D499FA-2B87-E570-17CE-B3C41122F678}"/>
+              </a:ext>
+            </a:extLst>
+          </p:cNvPr>
+          <p:cNvPicPr>
+            <a:picLocks noChangeAspect="1" noChangeArrowheads="1"/>
+          </p:cNvPicPr>
+          <p:nvPr/>
+        </p:nvPicPr>
+        <p:blipFill>
+          <a:blip r:embed="rId15">
+            <a:extLst>
+              <a:ext uri="{28A0092B-C50C-407E-A947-70E740481C1C}">
+                <a14:useLocalDpi xmlns:a14="http://schemas.microsoft.com/office/drawing/2010/main" val="0"/>
+              </a:ext>
+            </a:extLst>
+          </a:blip>
+          <a:srcRect/>
+          <a:stretch>
+            <a:fillRect/>
+          </a:stretch>
+        </p:blipFill>
+        <p:spPr bwMode="auto">
+          <a:xfrm>
+            <a:off x="9609252" y="2996661"/>
+            <a:ext cx="1012371" cy="1012371"/>
+          </a:xfrm>
+          <a:prstGeom prst="rect">
+            <a:avLst/>
+          </a:prstGeom>
+          <a:noFill/>
+          <a:extLst>
+            <a:ext uri="{909E8E84-426E-40DD-AFC4-6F175D3DCCD1}">
+              <a14:hiddenFill xmlns:a14="http://schemas.microsoft.com/office/drawing/2010/main">
+                <a:solidFill>
+                  <a:srgbClr val="FFFFFF"/>
+                </a:solidFill>
+              </a14:hiddenFill>
+            </a:ext>
+          </a:extLst>
+        </p:spPr>
+      </p:pic>
+      <p:pic>
+        <p:nvPicPr>
+          <p:cNvPr id="1030" name="Picture 6" descr="Csv - Free files and folders icons">
+            <a:extLst>
+              <a:ext uri="{FF2B5EF4-FFF2-40B4-BE49-F238E27FC236}">
+                <a16:creationId xmlns:a16="http://schemas.microsoft.com/office/drawing/2014/main" id="{4B00B249-2032-2758-B58A-C7C76A4DEDBC}"/>
+              </a:ext>
+            </a:extLst>
+          </p:cNvPr>
+          <p:cNvPicPr>
+            <a:picLocks noChangeAspect="1" noChangeArrowheads="1"/>
+          </p:cNvPicPr>
+          <p:nvPr/>
+        </p:nvPicPr>
+        <p:blipFill>
+          <a:blip r:embed="rId16">
+            <a:extLst>
+              <a:ext uri="{28A0092B-C50C-407E-A947-70E740481C1C}">
+                <a14:useLocalDpi xmlns:a14="http://schemas.microsoft.com/office/drawing/2010/main" val="0"/>
+              </a:ext>
+            </a:extLst>
+          </a:blip>
+          <a:srcRect/>
+          <a:stretch>
+            <a:fillRect/>
+          </a:stretch>
+        </p:blipFill>
+        <p:spPr bwMode="auto">
+          <a:xfrm>
+            <a:off x="4580084" y="5693377"/>
+            <a:ext cx="649259" cy="649259"/>
+          </a:xfrm>
+          <a:prstGeom prst="rect">
+            <a:avLst/>
+          </a:prstGeom>
+          <a:noFill/>
+          <a:extLst>
+            <a:ext uri="{909E8E84-426E-40DD-AFC4-6F175D3DCCD1}">
+              <a14:hiddenFill xmlns:a14="http://schemas.microsoft.com/office/drawing/2010/main">
+                <a:solidFill>
+                  <a:srgbClr val="FFFFFF"/>
+                </a:solidFill>
+              </a14:hiddenFill>
+            </a:ext>
+          </a:extLst>
+        </p:spPr>
+      </p:pic>
+      <p:sp>
+        <p:nvSpPr>
+          <p:cNvPr id="28" name="TextBox 27">
+            <a:extLst>
+              <a:ext uri="{FF2B5EF4-FFF2-40B4-BE49-F238E27FC236}">
+                <a16:creationId xmlns:a16="http://schemas.microsoft.com/office/drawing/2014/main" id="{BBEBF47C-21EF-D8AE-7F33-52C5C1AC9959}"/>
+              </a:ext>
+            </a:extLst>
+          </p:cNvPr>
+          <p:cNvSpPr txBox="1"/>
+          <p:nvPr/>
+        </p:nvSpPr>
+        <p:spPr>
+          <a:xfrm>
+            <a:off x="5198450" y="5802563"/>
+            <a:ext cx="1244982" cy="430887"/>
+          </a:xfrm>
+          <a:prstGeom prst="rect">
+            <a:avLst/>
+          </a:prstGeom>
+          <a:noFill/>
+          <a:ln>
+            <a:noFill/>
+          </a:ln>
+        </p:spPr>
+        <p:txBody>
+          <a:bodyPr wrap="square" rtlCol="0">
+            <a:spAutoFit/>
+          </a:bodyPr>
+          <a:lstStyle/>
+          <a:p>
+            <a:pPr marL="171450" indent="-171450">
+              <a:buFont typeface="Arial" panose="020B0604020202020204" pitchFamily="34" charset="0"/>
+              <a:buChar char="•"/>
+            </a:pPr>
+            <a:r>
+              <a:rPr lang="es-ES" sz="1100" b="1" dirty="0"/>
+              <a:t>Raw </a:t>
+            </a:r>
+            <a:r>
+              <a:rPr lang="es-ES" sz="1100" b="1" dirty="0" err="1"/>
+              <a:t>Dataset</a:t>
+            </a:r>
+            <a:endParaRPr lang="es-ES" sz="1100" b="1" dirty="0"/>
+          </a:p>
+          <a:p>
+            <a:pPr marL="171450" indent="-171450">
+              <a:buFont typeface="Arial" panose="020B0604020202020204" pitchFamily="34" charset="0"/>
+              <a:buChar char="•"/>
+            </a:pPr>
+            <a:r>
+              <a:rPr lang="es-ES" sz="1100" b="1" dirty="0" err="1"/>
+              <a:t>Processed</a:t>
+            </a:r>
+            <a:r>
+              <a:rPr lang="es-ES" sz="1100" b="1" dirty="0"/>
+              <a:t> Data</a:t>
+            </a:r>
+          </a:p>
+        </p:txBody>
+      </p:sp>
+      <p:sp>
+        <p:nvSpPr>
+          <p:cNvPr id="29" name="TextBox 28">
+            <a:extLst>
+              <a:ext uri="{FF2B5EF4-FFF2-40B4-BE49-F238E27FC236}">
+                <a16:creationId xmlns:a16="http://schemas.microsoft.com/office/drawing/2014/main" id="{2D47D9C2-8A07-EE0D-140E-21F8ECB495E4}"/>
+              </a:ext>
+            </a:extLst>
+          </p:cNvPr>
+          <p:cNvSpPr txBox="1"/>
+          <p:nvPr/>
+        </p:nvSpPr>
+        <p:spPr>
+          <a:xfrm>
+            <a:off x="3482678" y="5717924"/>
+            <a:ext cx="1244982" cy="600164"/>
+          </a:xfrm>
+          <a:prstGeom prst="rect">
+            <a:avLst/>
+          </a:prstGeom>
+          <a:noFill/>
+          <a:ln>
+            <a:noFill/>
+          </a:ln>
+        </p:spPr>
+        <p:txBody>
+          <a:bodyPr wrap="square" rtlCol="0">
+            <a:spAutoFit/>
+          </a:bodyPr>
+          <a:lstStyle/>
+          <a:p>
+            <a:pPr marL="171450" indent="-171450">
+              <a:buFont typeface="Arial" panose="020B0604020202020204" pitchFamily="34" charset="0"/>
+              <a:buChar char="•"/>
+            </a:pPr>
+            <a:r>
+              <a:rPr lang="es-ES" sz="1100" b="1" dirty="0" err="1"/>
+              <a:t>Users</a:t>
+            </a:r>
+            <a:endParaRPr lang="es-ES" sz="1100" b="1" dirty="0"/>
+          </a:p>
+          <a:p>
+            <a:pPr marL="171450" indent="-171450">
+              <a:buFont typeface="Arial" panose="020B0604020202020204" pitchFamily="34" charset="0"/>
+              <a:buChar char="•"/>
+            </a:pPr>
+            <a:r>
+              <a:rPr lang="es-ES" sz="1100" b="1" dirty="0" err="1"/>
+              <a:t>Projects</a:t>
+            </a:r>
+            <a:endParaRPr lang="es-ES" sz="1100" b="1" dirty="0"/>
+          </a:p>
+          <a:p>
+            <a:pPr marL="171450" indent="-171450">
+              <a:buFont typeface="Arial" panose="020B0604020202020204" pitchFamily="34" charset="0"/>
+              <a:buChar char="•"/>
+            </a:pPr>
+            <a:r>
+              <a:rPr lang="es-ES" sz="1100" b="1" dirty="0" err="1"/>
+              <a:t>Models</a:t>
+            </a:r>
+            <a:endParaRPr lang="es-ES" sz="1100" b="1" dirty="0"/>
+          </a:p>
+        </p:txBody>
+      </p:sp>
+      <p:cxnSp>
+        <p:nvCxnSpPr>
+          <p:cNvPr id="31" name="Straight Arrow Connector 30">
+            <a:extLst>
+              <a:ext uri="{FF2B5EF4-FFF2-40B4-BE49-F238E27FC236}">
+                <a16:creationId xmlns:a16="http://schemas.microsoft.com/office/drawing/2014/main" id="{711789E1-64BA-BDB7-8A73-FEB530DB113A}"/>
+              </a:ext>
+            </a:extLst>
+          </p:cNvPr>
+          <p:cNvCxnSpPr>
+            <a:stCxn id="12" idx="3"/>
+            <a:endCxn id="13" idx="1"/>
+          </p:cNvCxnSpPr>
+          <p:nvPr/>
+        </p:nvCxnSpPr>
+        <p:spPr>
+          <a:xfrm>
+            <a:off x="4051629" y="3847491"/>
+            <a:ext cx="398729" cy="0"/>
+          </a:xfrm>
+          <a:prstGeom prst="straightConnector1">
+            <a:avLst/>
+          </a:prstGeom>
+          <a:ln w="12700">
+            <a:solidFill>
+              <a:schemeClr val="tx1">
+                <a:lumMod val="95000"/>
+                <a:lumOff val="5000"/>
+              </a:schemeClr>
+            </a:solidFill>
+            <a:tailEnd type="triangle"/>
+          </a:ln>
+        </p:spPr>
+        <p:style>
+          <a:lnRef idx="1">
+            <a:schemeClr val="accent1"/>
+          </a:lnRef>
+          <a:fillRef idx="0">
+            <a:schemeClr val="accent1"/>
+          </a:fillRef>
+          <a:effectRef idx="0">
+            <a:schemeClr val="accent1"/>
+          </a:effectRef>
+          <a:fontRef idx="minor">
+            <a:schemeClr val="tx1"/>
+          </a:fontRef>
+        </p:style>
+      </p:cxnSp>
+      <p:cxnSp>
+        <p:nvCxnSpPr>
+          <p:cNvPr id="32" name="Straight Arrow Connector 31">
+            <a:extLst>
+              <a:ext uri="{FF2B5EF4-FFF2-40B4-BE49-F238E27FC236}">
+                <a16:creationId xmlns:a16="http://schemas.microsoft.com/office/drawing/2014/main" id="{8838A32C-770A-6EC3-1F89-B4C65637A16C}"/>
+              </a:ext>
+            </a:extLst>
+          </p:cNvPr>
+          <p:cNvCxnSpPr/>
+          <p:nvPr/>
+        </p:nvCxnSpPr>
+        <p:spPr>
+          <a:xfrm>
+            <a:off x="5943600" y="3847490"/>
+            <a:ext cx="398729" cy="0"/>
+          </a:xfrm>
+          <a:prstGeom prst="straightConnector1">
+            <a:avLst/>
+          </a:prstGeom>
+          <a:ln w="12700">
+            <a:solidFill>
+              <a:schemeClr val="tx1">
+                <a:lumMod val="95000"/>
+                <a:lumOff val="5000"/>
+              </a:schemeClr>
+            </a:solidFill>
+            <a:tailEnd type="triangle"/>
+          </a:ln>
+        </p:spPr>
+        <p:style>
+          <a:lnRef idx="1">
+            <a:schemeClr val="accent1"/>
+          </a:lnRef>
+          <a:fillRef idx="0">
+            <a:schemeClr val="accent1"/>
+          </a:fillRef>
+          <a:effectRef idx="0">
+            <a:schemeClr val="accent1"/>
+          </a:effectRef>
+          <a:fontRef idx="minor">
+            <a:schemeClr val="tx1"/>
+          </a:fontRef>
+        </p:style>
+      </p:cxnSp>
+      <p:cxnSp>
+        <p:nvCxnSpPr>
+          <p:cNvPr id="33" name="Straight Arrow Connector 32">
+            <a:extLst>
+              <a:ext uri="{FF2B5EF4-FFF2-40B4-BE49-F238E27FC236}">
+                <a16:creationId xmlns:a16="http://schemas.microsoft.com/office/drawing/2014/main" id="{AF70A478-B448-4D77-6071-EC75401A2183}"/>
+              </a:ext>
+            </a:extLst>
+          </p:cNvPr>
+          <p:cNvCxnSpPr>
+            <a:cxnSpLocks/>
+            <a:stCxn id="17" idx="3"/>
+          </p:cNvCxnSpPr>
+          <p:nvPr/>
+        </p:nvCxnSpPr>
+        <p:spPr>
+          <a:xfrm flipV="1">
+            <a:off x="7475981" y="3847490"/>
+            <a:ext cx="398729" cy="1"/>
+          </a:xfrm>
+          <a:prstGeom prst="straightConnector1">
+            <a:avLst/>
+          </a:prstGeom>
+          <a:ln w="12700">
+            <a:solidFill>
+              <a:schemeClr val="tx1">
+                <a:lumMod val="95000"/>
+                <a:lumOff val="5000"/>
+              </a:schemeClr>
+            </a:solidFill>
+            <a:tailEnd type="triangle"/>
+          </a:ln>
+        </p:spPr>
+        <p:style>
+          <a:lnRef idx="1">
+            <a:schemeClr val="accent1"/>
+          </a:lnRef>
+          <a:fillRef idx="0">
+            <a:schemeClr val="accent1"/>
+          </a:fillRef>
+          <a:effectRef idx="0">
+            <a:schemeClr val="accent1"/>
+          </a:effectRef>
+          <a:fontRef idx="minor">
+            <a:schemeClr val="tx1"/>
+          </a:fontRef>
+        </p:style>
+      </p:cxnSp>
+      <p:cxnSp>
+        <p:nvCxnSpPr>
+          <p:cNvPr id="36" name="Connector: Elbow 35">
+            <a:extLst>
+              <a:ext uri="{FF2B5EF4-FFF2-40B4-BE49-F238E27FC236}">
+                <a16:creationId xmlns:a16="http://schemas.microsoft.com/office/drawing/2014/main" id="{619A9F08-CB44-E08A-9845-4E920DFC4853}"/>
+              </a:ext>
+            </a:extLst>
+          </p:cNvPr>
+          <p:cNvCxnSpPr>
+            <a:stCxn id="3" idx="1"/>
+          </p:cNvCxnSpPr>
+          <p:nvPr/>
+        </p:nvCxnSpPr>
+        <p:spPr>
+          <a:xfrm rot="10800000" flipV="1">
+            <a:off x="3325586" y="713474"/>
+            <a:ext cx="1258018" cy="963004"/>
+          </a:xfrm>
+          <a:prstGeom prst="bentConnector3">
+            <a:avLst>
+              <a:gd name="adj1" fmla="val 100620"/>
+            </a:avLst>
+          </a:prstGeom>
+          <a:ln w="12700">
+            <a:solidFill>
+              <a:srgbClr val="C00000"/>
+            </a:solidFill>
+            <a:prstDash val="sysDash"/>
+            <a:tailEnd type="triangle"/>
+          </a:ln>
+        </p:spPr>
+        <p:style>
+          <a:lnRef idx="1">
+            <a:schemeClr val="accent1"/>
+          </a:lnRef>
+          <a:fillRef idx="0">
+            <a:schemeClr val="accent1"/>
+          </a:fillRef>
+          <a:effectRef idx="0">
+            <a:schemeClr val="accent1"/>
+          </a:effectRef>
+          <a:fontRef idx="minor">
+            <a:schemeClr val="tx1"/>
+          </a:fontRef>
+        </p:style>
+      </p:cxnSp>
+      <p:cxnSp>
+        <p:nvCxnSpPr>
+          <p:cNvPr id="37" name="Connector: Elbow 36">
+            <a:extLst>
+              <a:ext uri="{FF2B5EF4-FFF2-40B4-BE49-F238E27FC236}">
+                <a16:creationId xmlns:a16="http://schemas.microsoft.com/office/drawing/2014/main" id="{21212613-BBD2-19D8-28F7-4653C01E6FFF}"/>
+              </a:ext>
+            </a:extLst>
+          </p:cNvPr>
+          <p:cNvCxnSpPr>
+            <a:cxnSpLocks/>
+            <a:endCxn id="3" idx="3"/>
+          </p:cNvCxnSpPr>
+          <p:nvPr/>
+        </p:nvCxnSpPr>
+        <p:spPr>
+          <a:xfrm rot="10800000">
+            <a:off x="7312868" y="713474"/>
+            <a:ext cx="971162" cy="965178"/>
+          </a:xfrm>
+          <a:prstGeom prst="bentConnector3">
+            <a:avLst>
+              <a:gd name="adj1" fmla="val -30634"/>
+            </a:avLst>
+          </a:prstGeom>
+          <a:ln w="12700">
+            <a:solidFill>
+              <a:srgbClr val="C00000"/>
+            </a:solidFill>
+            <a:prstDash val="sysDash"/>
+            <a:tailEnd type="triangle"/>
+          </a:ln>
+        </p:spPr>
+        <p:style>
+          <a:lnRef idx="1">
+            <a:schemeClr val="accent1"/>
+          </a:lnRef>
+          <a:fillRef idx="0">
+            <a:schemeClr val="accent1"/>
+          </a:fillRef>
+          <a:effectRef idx="0">
+            <a:schemeClr val="accent1"/>
+          </a:effectRef>
+          <a:fontRef idx="minor">
+            <a:schemeClr val="tx1"/>
+          </a:fontRef>
+        </p:style>
+      </p:cxnSp>
+      <p:pic>
+        <p:nvPicPr>
+          <p:cNvPr id="43" name="Picture 6" descr="Csv - Free files and folders icons">
+            <a:extLst>
+              <a:ext uri="{FF2B5EF4-FFF2-40B4-BE49-F238E27FC236}">
+                <a16:creationId xmlns:a16="http://schemas.microsoft.com/office/drawing/2014/main" id="{FF3E1090-02D6-96D5-601E-12F1B2A0D99C}"/>
+              </a:ext>
+            </a:extLst>
+          </p:cNvPr>
+          <p:cNvPicPr>
+            <a:picLocks noChangeAspect="1" noChangeArrowheads="1"/>
+          </p:cNvPicPr>
+          <p:nvPr/>
+        </p:nvPicPr>
+        <p:blipFill>
+          <a:blip r:embed="rId16">
+            <a:extLst>
+              <a:ext uri="{28A0092B-C50C-407E-A947-70E740481C1C}">
+                <a14:useLocalDpi xmlns:a14="http://schemas.microsoft.com/office/drawing/2010/main" val="0"/>
+              </a:ext>
+            </a:extLst>
+          </a:blip>
+          <a:srcRect/>
+          <a:stretch>
+            <a:fillRect/>
+          </a:stretch>
+        </p:blipFill>
+        <p:spPr bwMode="auto">
+          <a:xfrm>
+            <a:off x="3155197" y="1135761"/>
+            <a:ext cx="324630" cy="324630"/>
+          </a:xfrm>
+          <a:prstGeom prst="rect">
+            <a:avLst/>
+          </a:prstGeom>
+          <a:noFill/>
+          <a:extLst>
+            <a:ext uri="{909E8E84-426E-40DD-AFC4-6F175D3DCCD1}">
+              <a14:hiddenFill xmlns:a14="http://schemas.microsoft.com/office/drawing/2010/main">
+                <a:solidFill>
+                  <a:srgbClr val="FFFFFF"/>
+                </a:solidFill>
+              </a14:hiddenFill>
+            </a:ext>
+          </a:extLst>
+        </p:spPr>
+      </p:pic>
+      <p:pic>
+        <p:nvPicPr>
+          <p:cNvPr id="1032" name="Picture 8" descr="How To Generate Parquet Files in Java | The ContactSunny Blog">
+            <a:extLst>
+              <a:ext uri="{FF2B5EF4-FFF2-40B4-BE49-F238E27FC236}">
+                <a16:creationId xmlns:a16="http://schemas.microsoft.com/office/drawing/2014/main" id="{8931742A-BFAA-B10A-D6C0-F4F85A0C1429}"/>
+              </a:ext>
+            </a:extLst>
+          </p:cNvPr>
+          <p:cNvPicPr>
+            <a:picLocks noChangeAspect="1" noChangeArrowheads="1"/>
+          </p:cNvPicPr>
+          <p:nvPr/>
+        </p:nvPicPr>
+        <p:blipFill rotWithShape="1">
+          <a:blip r:embed="rId17">
+            <a:extLst>
+              <a:ext uri="{28A0092B-C50C-407E-A947-70E740481C1C}">
+                <a14:useLocalDpi xmlns:a14="http://schemas.microsoft.com/office/drawing/2010/main" val="0"/>
+              </a:ext>
+            </a:extLst>
+          </a:blip>
+          <a:srcRect l="4574" t="12384" r="5906" b="11368"/>
+          <a:stretch/>
+        </p:blipFill>
+        <p:spPr bwMode="auto">
+          <a:xfrm>
+            <a:off x="3163271" y="816525"/>
+            <a:ext cx="324630" cy="276502"/>
+          </a:xfrm>
+          <a:prstGeom prst="rect">
+            <a:avLst/>
+          </a:prstGeom>
+          <a:noFill/>
+          <a:extLst>
+            <a:ext uri="{909E8E84-426E-40DD-AFC4-6F175D3DCCD1}">
+              <a14:hiddenFill xmlns:a14="http://schemas.microsoft.com/office/drawing/2010/main">
+                <a:solidFill>
+                  <a:srgbClr val="FFFFFF"/>
+                </a:solidFill>
+              </a14:hiddenFill>
+            </a:ext>
+          </a:extLst>
+        </p:spPr>
+      </p:pic>
+      <p:pic>
+        <p:nvPicPr>
+          <p:cNvPr id="45" name="Picture 6" descr="Csv - Free files and folders icons">
+            <a:extLst>
+              <a:ext uri="{FF2B5EF4-FFF2-40B4-BE49-F238E27FC236}">
+                <a16:creationId xmlns:a16="http://schemas.microsoft.com/office/drawing/2014/main" id="{A82A51F5-1FEB-F17E-8965-59DCDDEE6108}"/>
+              </a:ext>
+            </a:extLst>
+          </p:cNvPr>
+          <p:cNvPicPr>
+            <a:picLocks noChangeAspect="1" noChangeArrowheads="1"/>
+          </p:cNvPicPr>
+          <p:nvPr/>
+        </p:nvPicPr>
+        <p:blipFill>
+          <a:blip r:embed="rId16">
+            <a:extLst>
+              <a:ext uri="{28A0092B-C50C-407E-A947-70E740481C1C}">
+                <a14:useLocalDpi xmlns:a14="http://schemas.microsoft.com/office/drawing/2010/main" val="0"/>
+              </a:ext>
+            </a:extLst>
+          </a:blip>
+          <a:srcRect/>
+          <a:stretch>
+            <a:fillRect/>
+          </a:stretch>
+        </p:blipFill>
+        <p:spPr bwMode="auto">
+          <a:xfrm>
+            <a:off x="8441069" y="954776"/>
+            <a:ext cx="324630" cy="324630"/>
+          </a:xfrm>
+          <a:prstGeom prst="rect">
+            <a:avLst/>
+          </a:prstGeom>
+          <a:noFill/>
+          <a:extLst>
+            <a:ext uri="{909E8E84-426E-40DD-AFC4-6F175D3DCCD1}">
+              <a14:hiddenFill xmlns:a14="http://schemas.microsoft.com/office/drawing/2010/main">
+                <a:solidFill>
+                  <a:srgbClr val="FFFFFF"/>
+                </a:solidFill>
+              </a14:hiddenFill>
+            </a:ext>
+          </a:extLst>
+        </p:spPr>
+      </p:pic>
+      <p:sp>
+        <p:nvSpPr>
+          <p:cNvPr id="46" name="TextBox 45">
+            <a:extLst>
+              <a:ext uri="{FF2B5EF4-FFF2-40B4-BE49-F238E27FC236}">
+                <a16:creationId xmlns:a16="http://schemas.microsoft.com/office/drawing/2014/main" id="{D0BE87A2-57A6-EF39-5F97-A021E1113EFA}"/>
+              </a:ext>
+            </a:extLst>
+          </p:cNvPr>
+          <p:cNvSpPr txBox="1"/>
+          <p:nvPr/>
+        </p:nvSpPr>
+        <p:spPr>
+          <a:xfrm>
+            <a:off x="2929765" y="442513"/>
+            <a:ext cx="855217" cy="261610"/>
+          </a:xfrm>
+          <a:prstGeom prst="rect">
+            <a:avLst/>
+          </a:prstGeom>
+          <a:noFill/>
+          <a:ln>
+            <a:noFill/>
+          </a:ln>
+        </p:spPr>
+        <p:txBody>
+          <a:bodyPr wrap="square" rtlCol="0">
+            <a:spAutoFit/>
+          </a:bodyPr>
+          <a:lstStyle/>
+          <a:p>
+            <a:r>
+              <a:rPr lang="es-ES" sz="1100" b="1" dirty="0"/>
+              <a:t>Data Input</a:t>
+            </a:r>
+          </a:p>
+        </p:txBody>
+      </p:sp>
+      <p:sp>
+        <p:nvSpPr>
+          <p:cNvPr id="47" name="TextBox 46">
+            <a:extLst>
+              <a:ext uri="{FF2B5EF4-FFF2-40B4-BE49-F238E27FC236}">
+                <a16:creationId xmlns:a16="http://schemas.microsoft.com/office/drawing/2014/main" id="{BAE56147-027F-30ED-A6EF-B71C02B66056}"/>
+              </a:ext>
+            </a:extLst>
+          </p:cNvPr>
+          <p:cNvSpPr txBox="1"/>
+          <p:nvPr/>
+        </p:nvSpPr>
+        <p:spPr>
+          <a:xfrm>
+            <a:off x="8114821" y="464428"/>
+            <a:ext cx="917425" cy="261610"/>
+          </a:xfrm>
+          <a:prstGeom prst="rect">
+            <a:avLst/>
+          </a:prstGeom>
+          <a:noFill/>
+          <a:ln>
+            <a:noFill/>
+          </a:ln>
+        </p:spPr>
+        <p:txBody>
+          <a:bodyPr wrap="square" rtlCol="0">
+            <a:spAutoFit/>
+          </a:bodyPr>
+          <a:lstStyle/>
+          <a:p>
+            <a:r>
+              <a:rPr lang="es-ES" sz="1100" b="1" dirty="0"/>
+              <a:t>Data Output</a:t>
+            </a:r>
+          </a:p>
+        </p:txBody>
+      </p:sp>
+      <p:pic>
+        <p:nvPicPr>
+          <p:cNvPr id="1034" name="Picture 10" descr="GitHub Logo and symbol, meaning, history, PNG, brand">
+            <a:extLst>
+              <a:ext uri="{FF2B5EF4-FFF2-40B4-BE49-F238E27FC236}">
+                <a16:creationId xmlns:a16="http://schemas.microsoft.com/office/drawing/2014/main" id="{65E92381-E2CA-F091-91A7-4475BF8B4017}"/>
+              </a:ext>
+            </a:extLst>
+          </p:cNvPr>
+          <p:cNvPicPr>
+            <a:picLocks noChangeAspect="1" noChangeArrowheads="1"/>
+          </p:cNvPicPr>
+          <p:nvPr/>
+        </p:nvPicPr>
+        <p:blipFill>
+          <a:blip r:embed="rId18">
+            <a:extLst>
+              <a:ext uri="{28A0092B-C50C-407E-A947-70E740481C1C}">
+                <a14:useLocalDpi xmlns:a14="http://schemas.microsoft.com/office/drawing/2010/main" val="0"/>
+              </a:ext>
+            </a:extLst>
+          </a:blip>
+          <a:srcRect/>
+          <a:stretch>
+            <a:fillRect/>
+          </a:stretch>
+        </p:blipFill>
+        <p:spPr bwMode="auto">
+          <a:xfrm>
+            <a:off x="1315805" y="5416384"/>
+            <a:ext cx="745671" cy="419440"/>
+          </a:xfrm>
+          <a:prstGeom prst="rect">
+            <a:avLst/>
+          </a:prstGeom>
+          <a:noFill/>
+          <a:extLst>
+            <a:ext uri="{909E8E84-426E-40DD-AFC4-6F175D3DCCD1}">
+              <a14:hiddenFill xmlns:a14="http://schemas.microsoft.com/office/drawing/2010/main">
+                <a:solidFill>
+                  <a:srgbClr val="FFFFFF"/>
+                </a:solidFill>
+              </a14:hiddenFill>
+            </a:ext>
+          </a:extLst>
+        </p:spPr>
+      </p:pic>
+      <p:cxnSp>
+        <p:nvCxnSpPr>
+          <p:cNvPr id="7" name="Connector: Elbow 6">
+            <a:extLst>
+              <a:ext uri="{FF2B5EF4-FFF2-40B4-BE49-F238E27FC236}">
+                <a16:creationId xmlns:a16="http://schemas.microsoft.com/office/drawing/2014/main" id="{70A85098-0431-149F-C5C1-ED27354DEBD3}"/>
+              </a:ext>
+            </a:extLst>
+          </p:cNvPr>
+          <p:cNvCxnSpPr>
+            <a:cxnSpLocks/>
+            <a:stCxn id="5" idx="0"/>
+          </p:cNvCxnSpPr>
+          <p:nvPr/>
+        </p:nvCxnSpPr>
+        <p:spPr>
+          <a:xfrm rot="5400000" flipH="1" flipV="1">
+            <a:off x="3816455" y="5032530"/>
+            <a:ext cx="562431" cy="1"/>
+          </a:xfrm>
+          <a:prstGeom prst="bentConnector3">
+            <a:avLst>
+              <a:gd name="adj1" fmla="val 50000"/>
+            </a:avLst>
+          </a:prstGeom>
+          <a:ln w="12700">
+            <a:solidFill>
+              <a:srgbClr val="C00000"/>
+            </a:solidFill>
+            <a:prstDash val="sysDash"/>
+            <a:headEnd type="triangle" w="med" len="med"/>
+            <a:tailEnd type="triangle" w="med" len="med"/>
+          </a:ln>
+        </p:spPr>
+        <p:style>
+          <a:lnRef idx="1">
+            <a:schemeClr val="accent1"/>
+          </a:lnRef>
+          <a:fillRef idx="0">
+            <a:schemeClr val="accent1"/>
+          </a:fillRef>
+          <a:effectRef idx="0">
+            <a:schemeClr val="accent1"/>
+          </a:effectRef>
+          <a:fontRef idx="minor">
+            <a:schemeClr val="tx1"/>
+          </a:fontRef>
+        </p:style>
+      </p:cxnSp>
+      <p:sp>
+        <p:nvSpPr>
+          <p:cNvPr id="27" name="TextBox 26">
+            <a:extLst>
+              <a:ext uri="{FF2B5EF4-FFF2-40B4-BE49-F238E27FC236}">
+                <a16:creationId xmlns:a16="http://schemas.microsoft.com/office/drawing/2014/main" id="{6A0F5B28-ECD9-A9AE-68C6-DE427C357CF3}"/>
+              </a:ext>
+            </a:extLst>
+          </p:cNvPr>
+          <p:cNvSpPr txBox="1"/>
+          <p:nvPr/>
+        </p:nvSpPr>
+        <p:spPr>
+          <a:xfrm>
+            <a:off x="3204983" y="4899872"/>
+            <a:ext cx="1024585" cy="261610"/>
+          </a:xfrm>
+          <a:prstGeom prst="rect">
+            <a:avLst/>
+          </a:prstGeom>
+          <a:noFill/>
+          <a:ln>
+            <a:noFill/>
+          </a:ln>
+        </p:spPr>
+        <p:txBody>
+          <a:bodyPr wrap="square" rtlCol="0">
+            <a:spAutoFit/>
+          </a:bodyPr>
+          <a:lstStyle/>
+          <a:p>
+            <a:r>
+              <a:rPr lang="es-ES" sz="1100" b="1" dirty="0"/>
+              <a:t>Data </a:t>
+            </a:r>
+            <a:r>
+              <a:rPr lang="es-ES" sz="1100" b="1" dirty="0" err="1"/>
+              <a:t>Sharing</a:t>
+            </a:r>
+            <a:endParaRPr lang="es-ES" sz="1100" b="1" dirty="0"/>
+          </a:p>
+        </p:txBody>
+      </p:sp>
+      <p:cxnSp>
+        <p:nvCxnSpPr>
+          <p:cNvPr id="30" name="Connector: Elbow 29">
+            <a:extLst>
+              <a:ext uri="{FF2B5EF4-FFF2-40B4-BE49-F238E27FC236}">
+                <a16:creationId xmlns:a16="http://schemas.microsoft.com/office/drawing/2014/main" id="{92DEC871-4BF1-898B-D477-FC9F2D5E9490}"/>
+              </a:ext>
+            </a:extLst>
+          </p:cNvPr>
+          <p:cNvCxnSpPr>
+            <a:cxnSpLocks/>
+            <a:stCxn id="2056" idx="0"/>
+            <a:endCxn id="20" idx="2"/>
+          </p:cNvCxnSpPr>
+          <p:nvPr/>
+        </p:nvCxnSpPr>
+        <p:spPr>
+          <a:xfrm rot="16200000" flipV="1">
+            <a:off x="7882983" y="4697966"/>
+            <a:ext cx="1397019" cy="280843"/>
+          </a:xfrm>
+          <a:prstGeom prst="bentConnector3">
+            <a:avLst>
+              <a:gd name="adj1" fmla="val 50000"/>
+            </a:avLst>
+          </a:prstGeom>
+          <a:ln w="12700">
+            <a:solidFill>
+              <a:srgbClr val="C00000"/>
+            </a:solidFill>
+            <a:prstDash val="dash"/>
+            <a:tailEnd type="triangle"/>
+          </a:ln>
+        </p:spPr>
+        <p:style>
+          <a:lnRef idx="1">
+            <a:schemeClr val="accent1"/>
+          </a:lnRef>
+          <a:fillRef idx="0">
+            <a:schemeClr val="accent1"/>
+          </a:fillRef>
+          <a:effectRef idx="0">
+            <a:schemeClr val="accent1"/>
+          </a:effectRef>
+          <a:fontRef idx="minor">
+            <a:schemeClr val="tx1"/>
+          </a:fontRef>
+        </p:style>
+      </p:cxnSp>
+      <p:cxnSp>
+        <p:nvCxnSpPr>
+          <p:cNvPr id="38" name="Connector: Elbow 37">
+            <a:extLst>
+              <a:ext uri="{FF2B5EF4-FFF2-40B4-BE49-F238E27FC236}">
+                <a16:creationId xmlns:a16="http://schemas.microsoft.com/office/drawing/2014/main" id="{6E3026F8-855B-E341-83AC-DF2E4E7A2712}"/>
+              </a:ext>
+            </a:extLst>
+          </p:cNvPr>
+          <p:cNvCxnSpPr>
+            <a:cxnSpLocks/>
+            <a:stCxn id="2056" idx="0"/>
+            <a:endCxn id="17" idx="2"/>
+          </p:cNvCxnSpPr>
+          <p:nvPr/>
+        </p:nvCxnSpPr>
+        <p:spPr>
+          <a:xfrm rot="16200000" flipV="1">
+            <a:off x="7117259" y="3932242"/>
+            <a:ext cx="1397019" cy="1812291"/>
+          </a:xfrm>
+          <a:prstGeom prst="bentConnector3">
+            <a:avLst>
+              <a:gd name="adj1" fmla="val 50000"/>
+            </a:avLst>
+          </a:prstGeom>
+          <a:ln w="12700">
+            <a:solidFill>
+              <a:srgbClr val="C00000"/>
+            </a:solidFill>
+            <a:prstDash val="dash"/>
+            <a:tailEnd type="triangle"/>
+          </a:ln>
+        </p:spPr>
+        <p:style>
+          <a:lnRef idx="1">
+            <a:schemeClr val="accent1"/>
+          </a:lnRef>
+          <a:fillRef idx="0">
+            <a:schemeClr val="accent1"/>
+          </a:fillRef>
+          <a:effectRef idx="0">
+            <a:schemeClr val="accent1"/>
+          </a:effectRef>
+          <a:fontRef idx="minor">
+            <a:schemeClr val="tx1"/>
+          </a:fontRef>
+        </p:style>
+      </p:cxnSp>
+      <p:cxnSp>
+        <p:nvCxnSpPr>
+          <p:cNvPr id="54" name="Connector: Elbow 53">
+            <a:extLst>
+              <a:ext uri="{FF2B5EF4-FFF2-40B4-BE49-F238E27FC236}">
+                <a16:creationId xmlns:a16="http://schemas.microsoft.com/office/drawing/2014/main" id="{1FFFCEAD-9C9D-1D29-BEF4-72488AA31321}"/>
+              </a:ext>
+            </a:extLst>
+          </p:cNvPr>
+          <p:cNvCxnSpPr>
+            <a:cxnSpLocks/>
+            <a:stCxn id="2056" idx="0"/>
+            <a:endCxn id="11" idx="2"/>
+          </p:cNvCxnSpPr>
+          <p:nvPr/>
+        </p:nvCxnSpPr>
+        <p:spPr>
+          <a:xfrm rot="5400000" flipH="1" flipV="1">
+            <a:off x="8842806" y="4236938"/>
+            <a:ext cx="1179067" cy="1420852"/>
+          </a:xfrm>
+          <a:prstGeom prst="bentConnector3">
+            <a:avLst>
+              <a:gd name="adj1" fmla="val 58887"/>
+            </a:avLst>
+          </a:prstGeom>
+          <a:ln w="12700">
+            <a:solidFill>
+              <a:srgbClr val="C00000"/>
+            </a:solidFill>
+            <a:prstDash val="dash"/>
+            <a:headEnd type="triangle" w="med" len="med"/>
+            <a:tailEnd type="triangle" w="med" len="med"/>
+          </a:ln>
+        </p:spPr>
+        <p:style>
+          <a:lnRef idx="1">
+            <a:schemeClr val="accent1"/>
+          </a:lnRef>
+          <a:fillRef idx="0">
+            <a:schemeClr val="accent1"/>
+          </a:fillRef>
+          <a:effectRef idx="0">
+            <a:schemeClr val="accent1"/>
+          </a:effectRef>
+          <a:fontRef idx="minor">
+            <a:schemeClr val="tx1"/>
+          </a:fontRef>
+        </p:style>
+      </p:cxnSp>
+      <p:sp>
+        <p:nvSpPr>
+          <p:cNvPr id="60" name="TextBox 59">
+            <a:extLst>
+              <a:ext uri="{FF2B5EF4-FFF2-40B4-BE49-F238E27FC236}">
+                <a16:creationId xmlns:a16="http://schemas.microsoft.com/office/drawing/2014/main" id="{8FE65A2F-BF5B-7CEF-5697-8E53902C2DA2}"/>
+              </a:ext>
+            </a:extLst>
+          </p:cNvPr>
+          <p:cNvSpPr txBox="1"/>
+          <p:nvPr/>
+        </p:nvSpPr>
+        <p:spPr>
+          <a:xfrm>
+            <a:off x="8182392" y="5013300"/>
+            <a:ext cx="1079045" cy="261610"/>
+          </a:xfrm>
+          <a:prstGeom prst="rect">
+            <a:avLst/>
+          </a:prstGeom>
+          <a:solidFill>
+            <a:schemeClr val="bg1"/>
+          </a:solidFill>
+          <a:ln>
+            <a:noFill/>
+          </a:ln>
+        </p:spPr>
+        <p:txBody>
+          <a:bodyPr wrap="square" rtlCol="0">
+            <a:spAutoFit/>
+          </a:bodyPr>
+          <a:lstStyle/>
+          <a:p>
+            <a:r>
+              <a:rPr lang="es-ES" sz="1100" b="1" dirty="0"/>
+              <a:t>API </a:t>
+            </a:r>
+            <a:r>
+              <a:rPr lang="es-ES" sz="1100" b="1" dirty="0" err="1"/>
+              <a:t>Integration</a:t>
+            </a:r>
+            <a:endParaRPr lang="es-ES" sz="1100" b="1" dirty="0"/>
+          </a:p>
+        </p:txBody>
+      </p:sp>
+      <p:sp>
+        <p:nvSpPr>
+          <p:cNvPr id="1024" name="TextBox 1023">
+            <a:extLst>
+              <a:ext uri="{FF2B5EF4-FFF2-40B4-BE49-F238E27FC236}">
+                <a16:creationId xmlns:a16="http://schemas.microsoft.com/office/drawing/2014/main" id="{5547652E-65AF-EBF2-A1EA-94FEC048656B}"/>
+              </a:ext>
+            </a:extLst>
+          </p:cNvPr>
+          <p:cNvSpPr txBox="1"/>
+          <p:nvPr/>
+        </p:nvSpPr>
+        <p:spPr>
+          <a:xfrm>
+            <a:off x="132120" y="37928"/>
+            <a:ext cx="4347029" cy="523220"/>
+          </a:xfrm>
+          <a:prstGeom prst="rect">
+            <a:avLst/>
+          </a:prstGeom>
+          <a:noFill/>
+        </p:spPr>
+        <p:txBody>
+          <a:bodyPr wrap="square" rtlCol="0">
+            <a:spAutoFit/>
+          </a:bodyPr>
+          <a:lstStyle/>
+          <a:p>
+            <a:r>
+              <a:rPr lang="es-ES" sz="2800" u="sng" dirty="0" err="1">
+                <a:latin typeface="+mj-lt"/>
+              </a:rPr>
+              <a:t>Architecture</a:t>
+            </a:r>
+            <a:endParaRPr lang="es-ES" sz="2800" u="sng" dirty="0">
+              <a:latin typeface="+mj-lt"/>
+            </a:endParaRPr>
+          </a:p>
+        </p:txBody>
+      </p:sp>
+    </p:spTree>
+    <p:extLst>
+      <p:ext uri="{BB962C8B-B14F-4D97-AF65-F5344CB8AC3E}">
+        <p14:creationId xmlns:p14="http://schemas.microsoft.com/office/powerpoint/2010/main" val="2333165448"/>
+      </p:ext>
+    </p:extLst>
+  </p:cSld>
+  <p:clrMapOvr>
+    <a:masterClrMapping/>
+  </p:clrMapOvr>
+</p:sld>
+</file>
+
+<file path=ppt/slides/slide5.xml><?xml version="1.0" encoding="utf-8"?>
+<p:sld xmlns:a="http://schemas.openxmlformats.org/drawingml/2006/main" xmlns:r="http://schemas.openxmlformats.org/officeDocument/2006/relationships" xmlns:p="http://schemas.openxmlformats.org/presentationml/2006/main">
+  <p:cSld>
+    <p:spTree>
+      <p:nvGrpSpPr>
+        <p:cNvPr id="1" name=""/>
+        <p:cNvGrpSpPr/>
+        <p:nvPr/>
+      </p:nvGrpSpPr>
+      <p:grpSpPr>
+        <a:xfrm>
+          <a:off x="0" y="0"/>
+          <a:ext cx="0" cy="0"/>
+          <a:chOff x="0" y="0"/>
+          <a:chExt cx="0" cy="0"/>
+        </a:xfrm>
+      </p:grpSpPr>
+      <p:cxnSp>
+        <p:nvCxnSpPr>
+          <p:cNvPr id="36" name="Connector: Elbow 35">
+            <a:extLst>
+              <a:ext uri="{FF2B5EF4-FFF2-40B4-BE49-F238E27FC236}">
+                <a16:creationId xmlns:a16="http://schemas.microsoft.com/office/drawing/2014/main" id="{619A9F08-CB44-E08A-9845-4E920DFC4853}"/>
+              </a:ext>
+            </a:extLst>
+          </p:cNvPr>
+          <p:cNvCxnSpPr>
+            <a:cxnSpLocks/>
+          </p:cNvCxnSpPr>
+          <p:nvPr/>
+        </p:nvCxnSpPr>
+        <p:spPr>
+          <a:xfrm rot="5400000">
+            <a:off x="3354477" y="1217101"/>
+            <a:ext cx="2314069" cy="1306814"/>
+          </a:xfrm>
+          <a:prstGeom prst="bentConnector3">
+            <a:avLst>
+              <a:gd name="adj1" fmla="val 136"/>
+            </a:avLst>
+          </a:prstGeom>
+          <a:ln w="12700">
+            <a:solidFill>
+              <a:srgbClr val="C00000"/>
+            </a:solidFill>
+            <a:prstDash val="sysDash"/>
+            <a:tailEnd type="triangle"/>
+          </a:ln>
+        </p:spPr>
+        <p:style>
+          <a:lnRef idx="1">
+            <a:schemeClr val="accent1"/>
+          </a:lnRef>
+          <a:fillRef idx="0">
+            <a:schemeClr val="accent1"/>
+          </a:fillRef>
+          <a:effectRef idx="0">
+            <a:schemeClr val="accent1"/>
+          </a:effectRef>
+          <a:fontRef idx="minor">
+            <a:schemeClr val="tx1"/>
+          </a:fontRef>
+        </p:style>
+      </p:cxnSp>
+      <p:cxnSp>
+        <p:nvCxnSpPr>
+          <p:cNvPr id="37" name="Connector: Elbow 36">
+            <a:extLst>
+              <a:ext uri="{FF2B5EF4-FFF2-40B4-BE49-F238E27FC236}">
+                <a16:creationId xmlns:a16="http://schemas.microsoft.com/office/drawing/2014/main" id="{21212613-BBD2-19D8-28F7-4653C01E6FFF}"/>
+              </a:ext>
+            </a:extLst>
+          </p:cNvPr>
+          <p:cNvCxnSpPr>
+            <a:cxnSpLocks/>
+            <a:endCxn id="3" idx="3"/>
+          </p:cNvCxnSpPr>
+          <p:nvPr/>
+        </p:nvCxnSpPr>
+        <p:spPr>
+          <a:xfrm rot="16200000" flipV="1">
+            <a:off x="7388520" y="1257612"/>
+            <a:ext cx="2295100" cy="1206823"/>
+          </a:xfrm>
+          <a:prstGeom prst="bentConnector2">
+            <a:avLst/>
+          </a:prstGeom>
+          <a:ln w="12700">
+            <a:solidFill>
+              <a:srgbClr val="C00000"/>
+            </a:solidFill>
+            <a:prstDash val="sysDash"/>
+            <a:tailEnd type="triangle"/>
+          </a:ln>
+        </p:spPr>
+        <p:style>
+          <a:lnRef idx="1">
+            <a:schemeClr val="accent1"/>
+          </a:lnRef>
+          <a:fillRef idx="0">
+            <a:schemeClr val="accent1"/>
+          </a:fillRef>
+          <a:effectRef idx="0">
+            <a:schemeClr val="accent1"/>
+          </a:effectRef>
+          <a:fontRef idx="minor">
+            <a:schemeClr val="tx1"/>
+          </a:fontRef>
+        </p:style>
+      </p:cxnSp>
+      <p:pic>
+        <p:nvPicPr>
+          <p:cNvPr id="1028" name="Picture 4" descr="Ironhack - All Iron">
+            <a:extLst>
+              <a:ext uri="{FF2B5EF4-FFF2-40B4-BE49-F238E27FC236}">
+                <a16:creationId xmlns:a16="http://schemas.microsoft.com/office/drawing/2014/main" id="{14B08E7C-C4EC-C9DD-A444-88A20E5FA72E}"/>
+              </a:ext>
+            </a:extLst>
+          </p:cNvPr>
+          <p:cNvPicPr>
+            <a:picLocks noChangeAspect="1" noChangeArrowheads="1"/>
+          </p:cNvPicPr>
+          <p:nvPr/>
+        </p:nvPicPr>
+        <p:blipFill rotWithShape="1">
+          <a:blip r:embed="rId2">
+            <a:extLst>
+              <a:ext uri="{28A0092B-C50C-407E-A947-70E740481C1C}">
+                <a14:useLocalDpi xmlns:a14="http://schemas.microsoft.com/office/drawing/2010/main" val="0"/>
+              </a:ext>
+            </a:extLst>
+          </a:blip>
+          <a:srcRect l="19693" t="23077" r="21538" b="21846"/>
+          <a:stretch/>
+        </p:blipFill>
+        <p:spPr bwMode="auto">
+          <a:xfrm>
+            <a:off x="10479314" y="231443"/>
+            <a:ext cx="1349818" cy="1265011"/>
+          </a:xfrm>
+          <a:prstGeom prst="rect">
+            <a:avLst/>
+          </a:prstGeom>
+          <a:noFill/>
+          <a:extLst>
+            <a:ext uri="{909E8E84-426E-40DD-AFC4-6F175D3DCCD1}">
+              <a14:hiddenFill xmlns:a14="http://schemas.microsoft.com/office/drawing/2010/main">
+                <a:solidFill>
+                  <a:srgbClr val="FFFFFF"/>
+                </a:solidFill>
+              </a14:hiddenFill>
+            </a:ext>
+          </a:extLst>
+        </p:spPr>
+      </p:pic>
+      <p:sp>
+        <p:nvSpPr>
+          <p:cNvPr id="2" name="Rectangle: Rounded Corners 1">
+            <a:extLst>
+              <a:ext uri="{FF2B5EF4-FFF2-40B4-BE49-F238E27FC236}">
+                <a16:creationId xmlns:a16="http://schemas.microsoft.com/office/drawing/2014/main" id="{0078C757-91C6-80C5-8AEA-2065191A6FF0}"/>
               </a:ext>
             </a:extLst>
           </p:cNvPr>
@@ -3824,15 +8870,15 @@
         </p:nvSpPr>
         <p:spPr>
           <a:xfrm>
-            <a:off x="6239390" y="2337240"/>
-            <a:ext cx="1132718" cy="2001182"/>
+            <a:off x="3305623" y="3033668"/>
+            <a:ext cx="6524807" cy="2006329"/>
           </a:xfrm>
           <a:prstGeom prst="roundRect">
             <a:avLst/>
           </a:prstGeom>
           <a:noFill/>
           <a:ln>
-            <a:prstDash val="sysDash"/>
+            <a:prstDash val="solid"/>
           </a:ln>
         </p:spPr>
         <p:style>
@@ -3856,16 +8902,16 @@
           <a:lstStyle/>
           <a:p>
             <a:pPr algn="ctr"/>
-            <a:endParaRPr lang="es-ES" dirty="0"/>
-          </a:p>
-        </p:txBody>
-      </p:sp>
-      <p:sp>
-        <p:nvSpPr>
-          <p:cNvPr id="10" name="Rectangle: Rounded Corners 9">
-            <a:extLst>
-              <a:ext uri="{FF2B5EF4-FFF2-40B4-BE49-F238E27FC236}">
-                <a16:creationId xmlns:a16="http://schemas.microsoft.com/office/drawing/2014/main" id="{3C1BE99D-0ECE-C3CC-9928-ABBFEC5409D5}"/>
+            <a:endParaRPr lang="es-ES"/>
+          </a:p>
+        </p:txBody>
+      </p:sp>
+      <p:sp>
+        <p:nvSpPr>
+          <p:cNvPr id="3" name="Rectangle: Rounded Corners 2">
+            <a:extLst>
+              <a:ext uri="{FF2B5EF4-FFF2-40B4-BE49-F238E27FC236}">
+                <a16:creationId xmlns:a16="http://schemas.microsoft.com/office/drawing/2014/main" id="{CA3547B8-521F-4A64-C9D5-62D04EBBA1FC}"/>
               </a:ext>
             </a:extLst>
           </p:cNvPr>
@@ -3874,15 +8920,15 @@
         </p:nvSpPr>
         <p:spPr>
           <a:xfrm>
-            <a:off x="7907898" y="2259233"/>
-            <a:ext cx="1132718" cy="1332606"/>
+            <a:off x="5203394" y="313238"/>
+            <a:ext cx="2729264" cy="800472"/>
           </a:xfrm>
           <a:prstGeom prst="roundRect">
             <a:avLst/>
           </a:prstGeom>
           <a:noFill/>
           <a:ln>
-            <a:prstDash val="sysDash"/>
+            <a:prstDash val="solid"/>
           </a:ln>
         </p:spPr>
         <p:style>
@@ -3912,10 +8958,10 @@
       </p:sp>
       <p:sp>
         <p:nvSpPr>
-          <p:cNvPr id="11" name="Rectangle: Rounded Corners 10">
-            <a:extLst>
-              <a:ext uri="{FF2B5EF4-FFF2-40B4-BE49-F238E27FC236}">
-                <a16:creationId xmlns:a16="http://schemas.microsoft.com/office/drawing/2014/main" id="{27E11335-0BFE-6979-52DC-9755A041EA79}"/>
+          <p:cNvPr id="5" name="Rectangle: Rounded Corners 4">
+            <a:extLst>
+              <a:ext uri="{FF2B5EF4-FFF2-40B4-BE49-F238E27FC236}">
+                <a16:creationId xmlns:a16="http://schemas.microsoft.com/office/drawing/2014/main" id="{00FA9BCC-603D-2E9F-CF45-CAE7EE6C3BA6}"/>
               </a:ext>
             </a:extLst>
           </p:cNvPr>
@@ -3924,8 +8970,8 @@
         </p:nvSpPr>
         <p:spPr>
           <a:xfrm>
-            <a:off x="9576406" y="2281712"/>
-            <a:ext cx="1132718" cy="1312138"/>
+            <a:off x="435007" y="1533292"/>
+            <a:ext cx="1693483" cy="4078091"/>
           </a:xfrm>
           <a:prstGeom prst="roundRect">
             <a:avLst/>
@@ -3956,16 +9002,16 @@
           <a:lstStyle/>
           <a:p>
             <a:pPr algn="ctr"/>
-            <a:endParaRPr lang="es-ES"/>
+            <a:endParaRPr lang="es-ES" dirty="0"/>
           </a:p>
         </p:txBody>
       </p:sp>
       <p:pic>
         <p:nvPicPr>
-          <p:cNvPr id="2056" name="Picture 8" descr="OpenAI Logo PNG vector in SVG, PDF, AI, CDR format">
-            <a:extLst>
-              <a:ext uri="{FF2B5EF4-FFF2-40B4-BE49-F238E27FC236}">
-                <a16:creationId xmlns:a16="http://schemas.microsoft.com/office/drawing/2014/main" id="{24986B89-F872-0075-3BC1-38AC8DC9AD36}"/>
+          <p:cNvPr id="2050" name="Picture 2">
+            <a:extLst>
+              <a:ext uri="{FF2B5EF4-FFF2-40B4-BE49-F238E27FC236}">
+                <a16:creationId xmlns:a16="http://schemas.microsoft.com/office/drawing/2014/main" id="{A041A1B4-4D24-74FB-E575-99EC0D22C12B}"/>
               </a:ext>
             </a:extLst>
           </p:cNvPr>
@@ -3974,21 +9020,23 @@
           </p:cNvPicPr>
           <p:nvPr/>
         </p:nvPicPr>
-        <p:blipFill rotWithShape="1">
-          <a:blip r:embed="rId4">
+        <p:blipFill>
+          <a:blip r:embed="rId3">
             <a:extLst>
               <a:ext uri="{28A0092B-C50C-407E-A947-70E740481C1C}">
                 <a14:useLocalDpi xmlns:a14="http://schemas.microsoft.com/office/drawing/2010/main" val="0"/>
               </a:ext>
             </a:extLst>
           </a:blip>
-          <a:srcRect l="14566" t="40505" r="14302" b="40769"/>
-          <a:stretch/>
+          <a:srcRect/>
+          <a:stretch>
+            <a:fillRect/>
+          </a:stretch>
         </p:blipFill>
         <p:spPr bwMode="auto">
           <a:xfrm>
-            <a:off x="8003892" y="4033492"/>
-            <a:ext cx="2619876" cy="517658"/>
+            <a:off x="579427" y="2138834"/>
+            <a:ext cx="1420070" cy="672870"/>
           </a:xfrm>
           <a:prstGeom prst="rect">
             <a:avLst/>
@@ -4005,12 +9053,114 @@
           </a:extLst>
         </p:spPr>
       </p:pic>
+      <p:sp>
+        <p:nvSpPr>
+          <p:cNvPr id="6" name="Rectangle: Rounded Corners 5">
+            <a:extLst>
+              <a:ext uri="{FF2B5EF4-FFF2-40B4-BE49-F238E27FC236}">
+                <a16:creationId xmlns:a16="http://schemas.microsoft.com/office/drawing/2014/main" id="{61B9BF89-D072-2F4C-03E2-CE43DB2E124C}"/>
+              </a:ext>
+            </a:extLst>
+          </p:cNvPr>
+          <p:cNvSpPr/>
+          <p:nvPr/>
+        </p:nvSpPr>
+        <p:spPr>
+          <a:xfrm>
+            <a:off x="3305623" y="2122224"/>
+            <a:ext cx="7940524" cy="631192"/>
+          </a:xfrm>
+          <a:prstGeom prst="roundRect">
+            <a:avLst/>
+          </a:prstGeom>
+          <a:solidFill>
+            <a:schemeClr val="bg1"/>
+          </a:solidFill>
+          <a:ln>
+            <a:prstDash val="sysDash"/>
+          </a:ln>
+        </p:spPr>
+        <p:style>
+          <a:lnRef idx="2">
+            <a:schemeClr val="accent1">
+              <a:shade val="15000"/>
+            </a:schemeClr>
+          </a:lnRef>
+          <a:fillRef idx="1">
+            <a:schemeClr val="accent1"/>
+          </a:fillRef>
+          <a:effectRef idx="0">
+            <a:schemeClr val="accent1"/>
+          </a:effectRef>
+          <a:fontRef idx="minor">
+            <a:schemeClr val="lt1"/>
+          </a:fontRef>
+        </p:style>
+        <p:txBody>
+          <a:bodyPr rtlCol="0" anchor="ctr"/>
+          <a:lstStyle/>
+          <a:p>
+            <a:pPr algn="ctr"/>
+            <a:endParaRPr lang="es-ES"/>
+          </a:p>
+        </p:txBody>
+      </p:sp>
+      <p:sp>
+        <p:nvSpPr>
+          <p:cNvPr id="11" name="Rectangle: Rounded Corners 10">
+            <a:extLst>
+              <a:ext uri="{FF2B5EF4-FFF2-40B4-BE49-F238E27FC236}">
+                <a16:creationId xmlns:a16="http://schemas.microsoft.com/office/drawing/2014/main" id="{27E11335-0BFE-6979-52DC-9755A041EA79}"/>
+              </a:ext>
+            </a:extLst>
+          </p:cNvPr>
+          <p:cNvSpPr/>
+          <p:nvPr/>
+        </p:nvSpPr>
+        <p:spPr>
+          <a:xfrm>
+            <a:off x="10113429" y="3036769"/>
+            <a:ext cx="1132718" cy="1988715"/>
+          </a:xfrm>
+          <a:prstGeom prst="roundRect">
+            <a:avLst/>
+          </a:prstGeom>
+          <a:noFill/>
+          <a:ln>
+            <a:prstDash val="sysDash"/>
+          </a:ln>
+        </p:spPr>
+        <p:style>
+          <a:lnRef idx="2">
+            <a:schemeClr val="accent1">
+              <a:shade val="15000"/>
+            </a:schemeClr>
+          </a:lnRef>
+          <a:fillRef idx="1">
+            <a:schemeClr val="accent1"/>
+          </a:fillRef>
+          <a:effectRef idx="0">
+            <a:schemeClr val="accent1"/>
+          </a:effectRef>
+          <a:fontRef idx="minor">
+            <a:schemeClr val="lt1"/>
+          </a:fontRef>
+        </p:style>
+        <p:txBody>
+          <a:bodyPr rtlCol="0" anchor="ctr"/>
+          <a:lstStyle/>
+          <a:p>
+            <a:pPr algn="ctr"/>
+            <a:endParaRPr lang="es-ES"/>
+          </a:p>
+        </p:txBody>
+      </p:sp>
       <p:pic>
         <p:nvPicPr>
-          <p:cNvPr id="2058" name="Picture 10" descr="Streamlit • A faster way to build and share data apps">
-            <a:extLst>
-              <a:ext uri="{FF2B5EF4-FFF2-40B4-BE49-F238E27FC236}">
-                <a16:creationId xmlns:a16="http://schemas.microsoft.com/office/drawing/2014/main" id="{57B7DF15-3576-5849-EEBF-3E06E48C35C0}"/>
+          <p:cNvPr id="2056" name="Picture 8" descr="OpenAI Logo PNG vector in SVG, PDF, AI, CDR format">
+            <a:extLst>
+              <a:ext uri="{FF2B5EF4-FFF2-40B4-BE49-F238E27FC236}">
+                <a16:creationId xmlns:a16="http://schemas.microsoft.com/office/drawing/2014/main" id="{24986B89-F872-0075-3BC1-38AC8DC9AD36}"/>
               </a:ext>
             </a:extLst>
           </p:cNvPr>
@@ -4019,23 +9169,21 @@
           </p:cNvPicPr>
           <p:nvPr/>
         </p:nvPicPr>
-        <p:blipFill>
-          <a:blip r:embed="rId5">
+        <p:blipFill rotWithShape="1">
+          <a:blip r:embed="rId4">
             <a:extLst>
               <a:ext uri="{28A0092B-C50C-407E-A947-70E740481C1C}">
                 <a14:useLocalDpi xmlns:a14="http://schemas.microsoft.com/office/drawing/2010/main" val="0"/>
               </a:ext>
             </a:extLst>
           </a:blip>
-          <a:srcRect/>
-          <a:stretch>
-            <a:fillRect/>
-          </a:stretch>
+          <a:srcRect l="14566" t="40505" r="14302" b="40769"/>
+          <a:stretch/>
         </p:blipFill>
         <p:spPr bwMode="auto">
           <a:xfrm>
-            <a:off x="901862" y="1181443"/>
-            <a:ext cx="1796726" cy="498780"/>
+            <a:off x="8412827" y="6103535"/>
+            <a:ext cx="2378662" cy="469998"/>
           </a:xfrm>
           <a:prstGeom prst="rect">
             <a:avLst/>
@@ -4054,10 +9202,10 @@
       </p:pic>
       <p:pic>
         <p:nvPicPr>
-          <p:cNvPr id="2060" name="Picture 12" descr="pandas - Python Data Analysis Library">
-            <a:extLst>
-              <a:ext uri="{FF2B5EF4-FFF2-40B4-BE49-F238E27FC236}">
-                <a16:creationId xmlns:a16="http://schemas.microsoft.com/office/drawing/2014/main" id="{4C62CA79-8E46-01DD-DF99-37AA4679142D}"/>
+          <p:cNvPr id="2058" name="Picture 10" descr="Streamlit • A faster way to build and share data apps">
+            <a:extLst>
+              <a:ext uri="{FF2B5EF4-FFF2-40B4-BE49-F238E27FC236}">
+                <a16:creationId xmlns:a16="http://schemas.microsoft.com/office/drawing/2014/main" id="{57B7DF15-3576-5849-EEBF-3E06E48C35C0}"/>
               </a:ext>
             </a:extLst>
           </p:cNvPr>
@@ -4067,7 +9215,7 @@
           <p:nvPr/>
         </p:nvPicPr>
         <p:blipFill>
-          <a:blip r:embed="rId6">
+          <a:blip r:embed="rId5">
             <a:extLst>
               <a:ext uri="{28A0092B-C50C-407E-A947-70E740481C1C}">
                 <a14:useLocalDpi xmlns:a14="http://schemas.microsoft.com/office/drawing/2010/main" val="0"/>
@@ -4081,8 +9229,8 @@
         </p:blipFill>
         <p:spPr bwMode="auto">
           <a:xfrm>
-            <a:off x="1265052" y="2469436"/>
-            <a:ext cx="1070346" cy="757662"/>
+            <a:off x="5822654" y="1574639"/>
+            <a:ext cx="1490744" cy="413838"/>
           </a:xfrm>
           <a:prstGeom prst="rect">
             <a:avLst/>
@@ -4101,10 +9249,10 @@
       </p:pic>
       <p:pic>
         <p:nvPicPr>
-          <p:cNvPr id="14" name="Picture 12" descr="pandas - Python Data Analysis Library">
-            <a:extLst>
-              <a:ext uri="{FF2B5EF4-FFF2-40B4-BE49-F238E27FC236}">
-                <a16:creationId xmlns:a16="http://schemas.microsoft.com/office/drawing/2014/main" id="{6C4CC7F2-8BE9-CBE9-BF1C-E6D118511B78}"/>
+          <p:cNvPr id="2060" name="Picture 12" descr="pandas - Python Data Analysis Library">
+            <a:extLst>
+              <a:ext uri="{FF2B5EF4-FFF2-40B4-BE49-F238E27FC236}">
+                <a16:creationId xmlns:a16="http://schemas.microsoft.com/office/drawing/2014/main" id="{4C62CA79-8E46-01DD-DF99-37AA4679142D}"/>
               </a:ext>
             </a:extLst>
           </p:cNvPr>
@@ -4128,8 +9276,8 @@
         </p:blipFill>
         <p:spPr bwMode="auto">
           <a:xfrm>
-            <a:off x="4602068" y="2481974"/>
-            <a:ext cx="1070346" cy="757662"/>
+            <a:off x="7545707" y="2171893"/>
+            <a:ext cx="751346" cy="531853"/>
           </a:xfrm>
           <a:prstGeom prst="rect">
             <a:avLst/>
@@ -4148,10 +9296,10 @@
       </p:pic>
       <p:pic>
         <p:nvPicPr>
-          <p:cNvPr id="2062" name="Picture 14" descr="x sqlite3&quot; Icon - Download for free – Iconduck">
-            <a:extLst>
-              <a:ext uri="{FF2B5EF4-FFF2-40B4-BE49-F238E27FC236}">
-                <a16:creationId xmlns:a16="http://schemas.microsoft.com/office/drawing/2014/main" id="{7555E4A0-0670-B6C4-5BF4-6F3CD2863596}"/>
+          <p:cNvPr id="14" name="Picture 12" descr="pandas - Python Data Analysis Library">
+            <a:extLst>
+              <a:ext uri="{FF2B5EF4-FFF2-40B4-BE49-F238E27FC236}">
+                <a16:creationId xmlns:a16="http://schemas.microsoft.com/office/drawing/2014/main" id="{6C4CC7F2-8BE9-CBE9-BF1C-E6D118511B78}"/>
               </a:ext>
             </a:extLst>
           </p:cNvPr>
@@ -4161,7 +9309,7 @@
           <p:nvPr/>
         </p:nvPicPr>
         <p:blipFill>
-          <a:blip r:embed="rId7">
+          <a:blip r:embed="rId6">
             <a:extLst>
               <a:ext uri="{28A0092B-C50C-407E-A947-70E740481C1C}">
                 <a14:useLocalDpi xmlns:a14="http://schemas.microsoft.com/office/drawing/2010/main" val="0"/>
@@ -4175,8 +9323,8 @@
         </p:blipFill>
         <p:spPr bwMode="auto">
           <a:xfrm>
-            <a:off x="1461014" y="3367634"/>
-            <a:ext cx="751796" cy="877795"/>
+            <a:off x="5829814" y="3655547"/>
+            <a:ext cx="685850" cy="485491"/>
           </a:xfrm>
           <a:prstGeom prst="rect">
             <a:avLst/>
@@ -4195,10 +9343,10 @@
       </p:pic>
       <p:pic>
         <p:nvPicPr>
-          <p:cNvPr id="15" name="Picture 12" descr="pandas - Python Data Analysis Library">
-            <a:extLst>
-              <a:ext uri="{FF2B5EF4-FFF2-40B4-BE49-F238E27FC236}">
-                <a16:creationId xmlns:a16="http://schemas.microsoft.com/office/drawing/2014/main" id="{2DBDF48C-13B8-42A3-3BF5-582F053DE575}"/>
+          <p:cNvPr id="2062" name="Picture 14" descr="x sqlite3&quot; Icon - Download for free – Iconduck">
+            <a:extLst>
+              <a:ext uri="{FF2B5EF4-FFF2-40B4-BE49-F238E27FC236}">
+                <a16:creationId xmlns:a16="http://schemas.microsoft.com/office/drawing/2014/main" id="{7555E4A0-0670-B6C4-5BF4-6F3CD2863596}"/>
               </a:ext>
             </a:extLst>
           </p:cNvPr>
@@ -4208,7 +9356,7 @@
           <p:nvPr/>
         </p:nvPicPr>
         <p:blipFill>
-          <a:blip r:embed="rId6">
+          <a:blip r:embed="rId7">
             <a:extLst>
               <a:ext uri="{28A0092B-C50C-407E-A947-70E740481C1C}">
                 <a14:useLocalDpi xmlns:a14="http://schemas.microsoft.com/office/drawing/2010/main" val="0"/>
@@ -4222,8 +9370,8 @@
         </p:blipFill>
         <p:spPr bwMode="auto">
           <a:xfrm>
-            <a:off x="2933560" y="2481974"/>
-            <a:ext cx="1070346" cy="757662"/>
+            <a:off x="5217624" y="2182082"/>
+            <a:ext cx="405063" cy="472950"/>
           </a:xfrm>
           <a:prstGeom prst="rect">
             <a:avLst/>
@@ -4240,24 +9388,37 @@
           </a:extLst>
         </p:spPr>
       </p:pic>
-      <p:sp>
-        <p:nvSpPr>
-          <p:cNvPr id="16" name="AutoShape 16" descr="Citing and logo — seaborn 0.13.2 documentation">
-            <a:extLst>
-              <a:ext uri="{FF2B5EF4-FFF2-40B4-BE49-F238E27FC236}">
-                <a16:creationId xmlns:a16="http://schemas.microsoft.com/office/drawing/2014/main" id="{0B447746-AE36-DF61-2B5A-334993794364}"/>
-              </a:ext>
-            </a:extLst>
-          </p:cNvPr>
-          <p:cNvSpPr>
-            <a:spLocks noChangeAspect="1" noChangeArrowheads="1"/>
-          </p:cNvSpPr>
-          <p:nvPr/>
-        </p:nvSpPr>
+      <p:pic>
+        <p:nvPicPr>
+          <p:cNvPr id="15" name="Picture 12" descr="pandas - Python Data Analysis Library">
+            <a:extLst>
+              <a:ext uri="{FF2B5EF4-FFF2-40B4-BE49-F238E27FC236}">
+                <a16:creationId xmlns:a16="http://schemas.microsoft.com/office/drawing/2014/main" id="{2DBDF48C-13B8-42A3-3BF5-582F053DE575}"/>
+              </a:ext>
+            </a:extLst>
+          </p:cNvPr>
+          <p:cNvPicPr>
+            <a:picLocks noChangeAspect="1" noChangeArrowheads="1"/>
+          </p:cNvPicPr>
+          <p:nvPr/>
+        </p:nvPicPr>
+        <p:blipFill>
+          <a:blip r:embed="rId6">
+            <a:extLst>
+              <a:ext uri="{28A0092B-C50C-407E-A947-70E740481C1C}">
+                <a14:useLocalDpi xmlns:a14="http://schemas.microsoft.com/office/drawing/2010/main" val="0"/>
+              </a:ext>
+            </a:extLst>
+          </a:blip>
+          <a:srcRect/>
+          <a:stretch>
+            <a:fillRect/>
+          </a:stretch>
+        </p:blipFill>
         <p:spPr bwMode="auto">
           <a:xfrm>
-            <a:off x="5943600" y="3276600"/>
-            <a:ext cx="304800" cy="304800"/>
+            <a:off x="3682230" y="3664795"/>
+            <a:ext cx="659723" cy="466995"/>
           </a:xfrm>
           <a:prstGeom prst="rect">
             <a:avLst/>
@@ -4273,88 +9434,25 @@
             </a:ext>
           </a:extLst>
         </p:spPr>
-        <p:txBody>
-          <a:bodyPr vert="horz" wrap="square" lIns="91440" tIns="45720" rIns="91440" bIns="45720" numCol="1" anchor="t" anchorCtr="0" compatLnSpc="1">
-            <a:prstTxWarp prst="textNoShape">
-              <a:avLst/>
-            </a:prstTxWarp>
-          </a:bodyPr>
-          <a:lstStyle/>
-          <a:p>
-            <a:endParaRPr lang="es-ES"/>
-          </a:p>
-        </p:txBody>
-      </p:sp>
-      <p:pic>
-        <p:nvPicPr>
-          <p:cNvPr id="18" name="Graphic 17">
-            <a:extLst>
-              <a:ext uri="{FF2B5EF4-FFF2-40B4-BE49-F238E27FC236}">
-                <a16:creationId xmlns:a16="http://schemas.microsoft.com/office/drawing/2014/main" id="{D1C0E6B7-D276-413D-71E4-F91C71B13132}"/>
-              </a:ext>
-            </a:extLst>
-          </p:cNvPr>
-          <p:cNvPicPr>
-            <a:picLocks noChangeAspect="1"/>
-          </p:cNvPicPr>
-          <p:nvPr/>
-        </p:nvPicPr>
-        <p:blipFill>
-          <a:blip r:embed="rId8">
-            <a:extLst>
-              <a:ext uri="{28A0092B-C50C-407E-A947-70E740481C1C}">
-                <a14:useLocalDpi xmlns:a14="http://schemas.microsoft.com/office/drawing/2010/main" val="0"/>
-              </a:ext>
-              <a:ext uri="{96DAC541-7B7A-43D3-8B79-37D633B846F1}">
-                <asvg:svgBlip xmlns:asvg="http://schemas.microsoft.com/office/drawing/2016/SVG/main" r:embed="rId9"/>
-              </a:ext>
-            </a:extLst>
-          </a:blip>
-          <a:stretch>
-            <a:fillRect/>
-          </a:stretch>
-        </p:blipFill>
-        <p:spPr>
-          <a:xfrm>
-            <a:off x="4679271" y="3255231"/>
-            <a:ext cx="915939" cy="1102599"/>
-          </a:xfrm>
-          <a:prstGeom prst="rect">
-            <a:avLst/>
-          </a:prstGeom>
-        </p:spPr>
       </p:pic>
-      <p:pic>
-        <p:nvPicPr>
-          <p:cNvPr id="19" name="Picture 12" descr="pandas - Python Data Analysis Library">
-            <a:extLst>
-              <a:ext uri="{FF2B5EF4-FFF2-40B4-BE49-F238E27FC236}">
-                <a16:creationId xmlns:a16="http://schemas.microsoft.com/office/drawing/2014/main" id="{A8EEDDCC-2868-9385-1DB9-8EC3F920A1E9}"/>
-              </a:ext>
-            </a:extLst>
-          </p:cNvPr>
-          <p:cNvPicPr>
-            <a:picLocks noChangeAspect="1" noChangeArrowheads="1"/>
-          </p:cNvPicPr>
-          <p:nvPr/>
-        </p:nvPicPr>
-        <p:blipFill>
-          <a:blip r:embed="rId6">
-            <a:extLst>
-              <a:ext uri="{28A0092B-C50C-407E-A947-70E740481C1C}">
-                <a14:useLocalDpi xmlns:a14="http://schemas.microsoft.com/office/drawing/2010/main" val="0"/>
-              </a:ext>
-            </a:extLst>
-          </a:blip>
-          <a:srcRect/>
-          <a:stretch>
-            <a:fillRect/>
-          </a:stretch>
-        </p:blipFill>
+      <p:sp>
+        <p:nvSpPr>
+          <p:cNvPr id="16" name="AutoShape 16" descr="Citing and logo — seaborn 0.13.2 documentation">
+            <a:extLst>
+              <a:ext uri="{FF2B5EF4-FFF2-40B4-BE49-F238E27FC236}">
+                <a16:creationId xmlns:a16="http://schemas.microsoft.com/office/drawing/2014/main" id="{0B447746-AE36-DF61-2B5A-334993794364}"/>
+              </a:ext>
+            </a:extLst>
+          </p:cNvPr>
+          <p:cNvSpPr>
+            <a:spLocks noChangeAspect="1" noChangeArrowheads="1"/>
+          </p:cNvSpPr>
+          <p:nvPr/>
+        </p:nvSpPr>
         <p:spPr bwMode="auto">
           <a:xfrm>
-            <a:off x="6275409" y="2469436"/>
-            <a:ext cx="1070346" cy="757662"/>
+            <a:off x="6480623" y="3958768"/>
+            <a:ext cx="304800" cy="304800"/>
           </a:xfrm>
           <a:prstGeom prst="rect">
             <a:avLst/>
@@ -4369,6 +9467,56 @@
               </a14:hiddenFill>
             </a:ext>
           </a:extLst>
+        </p:spPr>
+        <p:txBody>
+          <a:bodyPr vert="horz" wrap="square" lIns="91440" tIns="45720" rIns="91440" bIns="45720" numCol="1" anchor="t" anchorCtr="0" compatLnSpc="1">
+            <a:prstTxWarp prst="textNoShape">
+              <a:avLst/>
+            </a:prstTxWarp>
+          </a:bodyPr>
+          <a:lstStyle/>
+          <a:p>
+            <a:endParaRPr lang="es-ES"/>
+          </a:p>
+        </p:txBody>
+      </p:sp>
+      <p:pic>
+        <p:nvPicPr>
+          <p:cNvPr id="18" name="Graphic 17">
+            <a:extLst>
+              <a:ext uri="{FF2B5EF4-FFF2-40B4-BE49-F238E27FC236}">
+                <a16:creationId xmlns:a16="http://schemas.microsoft.com/office/drawing/2014/main" id="{D1C0E6B7-D276-413D-71E4-F91C71B13132}"/>
+              </a:ext>
+            </a:extLst>
+          </p:cNvPr>
+          <p:cNvPicPr>
+            <a:picLocks noChangeAspect="1"/>
+          </p:cNvPicPr>
+          <p:nvPr/>
+        </p:nvPicPr>
+        <p:blipFill>
+          <a:blip r:embed="rId8">
+            <a:extLst>
+              <a:ext uri="{28A0092B-C50C-407E-A947-70E740481C1C}">
+                <a14:useLocalDpi xmlns:a14="http://schemas.microsoft.com/office/drawing/2010/main" val="0"/>
+              </a:ext>
+              <a:ext uri="{96DAC541-7B7A-43D3-8B79-37D633B846F1}">
+                <asvg:svgBlip xmlns:asvg="http://schemas.microsoft.com/office/drawing/2016/SVG/main" r:embed="rId9"/>
+              </a:ext>
+            </a:extLst>
+          </a:blip>
+          <a:stretch>
+            <a:fillRect/>
+          </a:stretch>
+        </p:blipFill>
+        <p:spPr>
+          <a:xfrm>
+            <a:off x="5062044" y="3609799"/>
+            <a:ext cx="479309" cy="576986"/>
+          </a:xfrm>
+          <a:prstGeom prst="rect">
+            <a:avLst/>
+          </a:prstGeom>
         </p:spPr>
       </p:pic>
       <p:pic>
@@ -4412,8 +9560,8 @@
         </p:blipFill>
         <p:spPr>
           <a:xfrm>
-            <a:off x="6284419" y="3199576"/>
-            <a:ext cx="1022302" cy="1022302"/>
+            <a:off x="7099970" y="3602749"/>
+            <a:ext cx="591086" cy="591086"/>
           </a:xfrm>
           <a:prstGeom prst="rect">
             <a:avLst/>
@@ -4461,8 +9609,8 @@
         </p:blipFill>
         <p:spPr>
           <a:xfrm>
-            <a:off x="7963106" y="2406698"/>
-            <a:ext cx="1022302" cy="1022302"/>
+            <a:off x="8673880" y="3633561"/>
+            <a:ext cx="529462" cy="529462"/>
           </a:xfrm>
           <a:prstGeom prst="rect">
             <a:avLst/>
@@ -4498,7 +9646,7 @@
         </p:blipFill>
         <p:spPr bwMode="auto">
           <a:xfrm>
-            <a:off x="4501304" y="273318"/>
+            <a:off x="5543331" y="305289"/>
             <a:ext cx="816368" cy="816368"/>
           </a:xfrm>
           <a:prstGeom prst="rect">
@@ -4545,7 +9693,7 @@
         </p:blipFill>
         <p:spPr bwMode="auto">
           <a:xfrm>
-            <a:off x="5357033" y="374249"/>
+            <a:off x="6765308" y="398093"/>
             <a:ext cx="630761" cy="630761"/>
           </a:xfrm>
           <a:prstGeom prst="rect">
@@ -4563,10 +9711,1514 @@
           </a:extLst>
         </p:spPr>
       </p:pic>
+      <p:sp>
+        <p:nvSpPr>
+          <p:cNvPr id="4" name="Rectangle: Rounded Corners 3">
+            <a:extLst>
+              <a:ext uri="{FF2B5EF4-FFF2-40B4-BE49-F238E27FC236}">
+                <a16:creationId xmlns:a16="http://schemas.microsoft.com/office/drawing/2014/main" id="{70D75A45-BE64-8D1F-B9F7-CE8D054CBB4B}"/>
+              </a:ext>
+            </a:extLst>
+          </p:cNvPr>
+          <p:cNvSpPr/>
+          <p:nvPr/>
+        </p:nvSpPr>
+        <p:spPr>
+          <a:xfrm>
+            <a:off x="2988658" y="1569577"/>
+            <a:ext cx="8575594" cy="4078091"/>
+          </a:xfrm>
+          <a:prstGeom prst="roundRect">
+            <a:avLst/>
+          </a:prstGeom>
+          <a:noFill/>
+          <a:ln>
+            <a:prstDash val="sysDash"/>
+          </a:ln>
+        </p:spPr>
+        <p:style>
+          <a:lnRef idx="2">
+            <a:schemeClr val="accent1">
+              <a:shade val="15000"/>
+            </a:schemeClr>
+          </a:lnRef>
+          <a:fillRef idx="1">
+            <a:schemeClr val="accent1"/>
+          </a:fillRef>
+          <a:effectRef idx="0">
+            <a:schemeClr val="accent1"/>
+          </a:effectRef>
+          <a:fontRef idx="minor">
+            <a:schemeClr val="lt1"/>
+          </a:fontRef>
+        </p:style>
+        <p:txBody>
+          <a:bodyPr rtlCol="0" anchor="ctr"/>
+          <a:lstStyle/>
+          <a:p>
+            <a:pPr algn="ctr"/>
+            <a:endParaRPr lang="es-ES"/>
+          </a:p>
+        </p:txBody>
+      </p:sp>
+      <p:sp>
+        <p:nvSpPr>
+          <p:cNvPr id="12" name="TextBox 11">
+            <a:extLst>
+              <a:ext uri="{FF2B5EF4-FFF2-40B4-BE49-F238E27FC236}">
+                <a16:creationId xmlns:a16="http://schemas.microsoft.com/office/drawing/2014/main" id="{646C1D15-BF48-1665-E5D5-18A20A99801E}"/>
+              </a:ext>
+            </a:extLst>
+          </p:cNvPr>
+          <p:cNvSpPr txBox="1"/>
+          <p:nvPr/>
+        </p:nvSpPr>
+        <p:spPr>
+          <a:xfrm>
+            <a:off x="3455934" y="4237271"/>
+            <a:ext cx="1132718" cy="584775"/>
+          </a:xfrm>
+          <a:prstGeom prst="rect">
+            <a:avLst/>
+          </a:prstGeom>
+          <a:noFill/>
+          <a:ln>
+            <a:solidFill>
+              <a:schemeClr val="bg2">
+                <a:lumMod val="10000"/>
+              </a:schemeClr>
+            </a:solidFill>
+          </a:ln>
+        </p:spPr>
+        <p:txBody>
+          <a:bodyPr wrap="square" rtlCol="0">
+            <a:spAutoFit/>
+          </a:bodyPr>
+          <a:lstStyle/>
+          <a:p>
+            <a:pPr algn="ctr"/>
+            <a:r>
+              <a:rPr lang="es-ES" sz="1600" b="1" dirty="0"/>
+              <a:t>Data </a:t>
+            </a:r>
+            <a:r>
+              <a:rPr lang="es-ES" sz="1600" b="1" dirty="0" err="1"/>
+              <a:t>Ingestion</a:t>
+            </a:r>
+            <a:endParaRPr lang="es-ES" sz="1600" b="1" dirty="0"/>
+          </a:p>
+        </p:txBody>
+      </p:sp>
+      <p:sp>
+        <p:nvSpPr>
+          <p:cNvPr id="13" name="TextBox 12">
+            <a:extLst>
+              <a:ext uri="{FF2B5EF4-FFF2-40B4-BE49-F238E27FC236}">
+                <a16:creationId xmlns:a16="http://schemas.microsoft.com/office/drawing/2014/main" id="{EF30969C-9533-F3BA-69E9-150AA8CB41D8}"/>
+              </a:ext>
+            </a:extLst>
+          </p:cNvPr>
+          <p:cNvSpPr txBox="1"/>
+          <p:nvPr/>
+        </p:nvSpPr>
+        <p:spPr>
+          <a:xfrm>
+            <a:off x="4987381" y="4237271"/>
+            <a:ext cx="1494175" cy="584775"/>
+          </a:xfrm>
+          <a:prstGeom prst="rect">
+            <a:avLst/>
+          </a:prstGeom>
+          <a:noFill/>
+          <a:ln>
+            <a:solidFill>
+              <a:schemeClr val="bg2">
+                <a:lumMod val="10000"/>
+              </a:schemeClr>
+            </a:solidFill>
+          </a:ln>
+        </p:spPr>
+        <p:txBody>
+          <a:bodyPr wrap="square" rtlCol="0">
+            <a:spAutoFit/>
+          </a:bodyPr>
+          <a:lstStyle/>
+          <a:p>
+            <a:pPr algn="ctr"/>
+            <a:r>
+              <a:rPr lang="es-ES" sz="1600" b="1" dirty="0"/>
+              <a:t>EDA &amp; </a:t>
+            </a:r>
+            <a:r>
+              <a:rPr lang="es-ES" sz="1600" b="1" dirty="0" err="1"/>
+              <a:t>Prepprocessing</a:t>
+            </a:r>
+            <a:endParaRPr lang="es-ES" sz="1600" b="1" dirty="0"/>
+          </a:p>
+        </p:txBody>
+      </p:sp>
+      <p:sp>
+        <p:nvSpPr>
+          <p:cNvPr id="17" name="TextBox 16">
+            <a:extLst>
+              <a:ext uri="{FF2B5EF4-FFF2-40B4-BE49-F238E27FC236}">
+                <a16:creationId xmlns:a16="http://schemas.microsoft.com/office/drawing/2014/main" id="{6067639E-44F3-9E7E-2282-94D946ECE718}"/>
+              </a:ext>
+            </a:extLst>
+          </p:cNvPr>
+          <p:cNvSpPr txBox="1"/>
+          <p:nvPr/>
+        </p:nvSpPr>
+        <p:spPr>
+          <a:xfrm>
+            <a:off x="6880285" y="4237271"/>
+            <a:ext cx="1132719" cy="584775"/>
+          </a:xfrm>
+          <a:prstGeom prst="rect">
+            <a:avLst/>
+          </a:prstGeom>
+          <a:noFill/>
+          <a:ln>
+            <a:solidFill>
+              <a:schemeClr val="bg2">
+                <a:lumMod val="10000"/>
+              </a:schemeClr>
+            </a:solidFill>
+          </a:ln>
+        </p:spPr>
+        <p:txBody>
+          <a:bodyPr wrap="square" rtlCol="0">
+            <a:spAutoFit/>
+          </a:bodyPr>
+          <a:lstStyle/>
+          <a:p>
+            <a:pPr algn="ctr"/>
+            <a:r>
+              <a:rPr lang="es-ES" sz="1600" b="1" dirty="0" err="1"/>
+              <a:t>Model</a:t>
+            </a:r>
+            <a:r>
+              <a:rPr lang="es-ES" sz="1600" b="1" dirty="0"/>
+              <a:t> </a:t>
+            </a:r>
+            <a:r>
+              <a:rPr lang="es-ES" sz="1600" b="1" dirty="0" err="1"/>
+              <a:t>Selection</a:t>
+            </a:r>
+            <a:endParaRPr lang="es-ES" sz="1600" b="1" dirty="0"/>
+          </a:p>
+        </p:txBody>
+      </p:sp>
+      <p:sp>
+        <p:nvSpPr>
+          <p:cNvPr id="20" name="TextBox 19">
+            <a:extLst>
+              <a:ext uri="{FF2B5EF4-FFF2-40B4-BE49-F238E27FC236}">
+                <a16:creationId xmlns:a16="http://schemas.microsoft.com/office/drawing/2014/main" id="{D75C7BF1-C825-69DE-5014-CE021DFD86CD}"/>
+              </a:ext>
+            </a:extLst>
+          </p:cNvPr>
+          <p:cNvSpPr txBox="1"/>
+          <p:nvPr/>
+        </p:nvSpPr>
+        <p:spPr>
+          <a:xfrm>
+            <a:off x="8411733" y="4237271"/>
+            <a:ext cx="1132719" cy="584775"/>
+          </a:xfrm>
+          <a:prstGeom prst="rect">
+            <a:avLst/>
+          </a:prstGeom>
+          <a:noFill/>
+          <a:ln>
+            <a:solidFill>
+              <a:schemeClr val="bg2">
+                <a:lumMod val="10000"/>
+              </a:schemeClr>
+            </a:solidFill>
+          </a:ln>
+        </p:spPr>
+        <p:txBody>
+          <a:bodyPr wrap="square" rtlCol="0">
+            <a:spAutoFit/>
+          </a:bodyPr>
+          <a:lstStyle/>
+          <a:p>
+            <a:pPr algn="ctr"/>
+            <a:r>
+              <a:rPr lang="es-ES" sz="1600" b="1" dirty="0" err="1"/>
+              <a:t>Model</a:t>
+            </a:r>
+            <a:endParaRPr lang="es-ES" sz="1600" b="1" dirty="0"/>
+          </a:p>
+          <a:p>
+            <a:pPr algn="ctr"/>
+            <a:r>
+              <a:rPr lang="es-ES" sz="1600" b="1" dirty="0" err="1"/>
+              <a:t>Testing</a:t>
+            </a:r>
+            <a:endParaRPr lang="es-ES" sz="1600" b="1" dirty="0"/>
+          </a:p>
+        </p:txBody>
+      </p:sp>
+      <p:sp>
+        <p:nvSpPr>
+          <p:cNvPr id="21" name="TextBox 20">
+            <a:extLst>
+              <a:ext uri="{FF2B5EF4-FFF2-40B4-BE49-F238E27FC236}">
+                <a16:creationId xmlns:a16="http://schemas.microsoft.com/office/drawing/2014/main" id="{DA7229C9-11C8-6D6B-4758-24AD07E6F74D}"/>
+              </a:ext>
+            </a:extLst>
+          </p:cNvPr>
+          <p:cNvSpPr txBox="1"/>
+          <p:nvPr/>
+        </p:nvSpPr>
+        <p:spPr>
+          <a:xfrm>
+            <a:off x="10119764" y="3137091"/>
+            <a:ext cx="1132719" cy="338554"/>
+          </a:xfrm>
+          <a:prstGeom prst="rect">
+            <a:avLst/>
+          </a:prstGeom>
+          <a:noFill/>
+          <a:ln>
+            <a:noFill/>
+          </a:ln>
+        </p:spPr>
+        <p:txBody>
+          <a:bodyPr wrap="square" rtlCol="0">
+            <a:spAutoFit/>
+          </a:bodyPr>
+          <a:lstStyle/>
+          <a:p>
+            <a:pPr algn="ctr"/>
+            <a:r>
+              <a:rPr lang="es-ES" sz="1600" b="1" dirty="0"/>
+              <a:t>CHATBOT</a:t>
+            </a:r>
+          </a:p>
+        </p:txBody>
+      </p:sp>
+      <p:sp>
+        <p:nvSpPr>
+          <p:cNvPr id="23" name="TextBox 22">
+            <a:extLst>
+              <a:ext uri="{FF2B5EF4-FFF2-40B4-BE49-F238E27FC236}">
+                <a16:creationId xmlns:a16="http://schemas.microsoft.com/office/drawing/2014/main" id="{143E5409-991C-5E22-4782-50D8F1ED48C8}"/>
+              </a:ext>
+            </a:extLst>
+          </p:cNvPr>
+          <p:cNvSpPr txBox="1"/>
+          <p:nvPr/>
+        </p:nvSpPr>
+        <p:spPr>
+          <a:xfrm>
+            <a:off x="5754498" y="2175925"/>
+            <a:ext cx="1728878" cy="461665"/>
+          </a:xfrm>
+          <a:prstGeom prst="rect">
+            <a:avLst/>
+          </a:prstGeom>
+          <a:noFill/>
+          <a:ln>
+            <a:noFill/>
+          </a:ln>
+        </p:spPr>
+        <p:txBody>
+          <a:bodyPr wrap="square" rtlCol="0">
+            <a:spAutoFit/>
+          </a:bodyPr>
+          <a:lstStyle/>
+          <a:p>
+            <a:pPr algn="ctr"/>
+            <a:r>
+              <a:rPr lang="es-ES" sz="1200" b="1" dirty="0"/>
+              <a:t>USER &amp; PROJECTS</a:t>
+            </a:r>
+          </a:p>
+          <a:p>
+            <a:pPr algn="ctr"/>
+            <a:r>
+              <a:rPr lang="es-ES" sz="1200" b="1" dirty="0"/>
+              <a:t>MANAGEMENT LAYER</a:t>
+            </a:r>
+          </a:p>
+        </p:txBody>
+      </p:sp>
+      <p:pic>
+        <p:nvPicPr>
+          <p:cNvPr id="1026" name="Picture 2" descr="Python logo and symbol, meaning, history, PNG">
+            <a:extLst>
+              <a:ext uri="{FF2B5EF4-FFF2-40B4-BE49-F238E27FC236}">
+                <a16:creationId xmlns:a16="http://schemas.microsoft.com/office/drawing/2014/main" id="{FBD398B5-12AD-BAC8-882C-0EA3EB99C701}"/>
+              </a:ext>
+            </a:extLst>
+          </p:cNvPr>
+          <p:cNvPicPr>
+            <a:picLocks noChangeAspect="1" noChangeArrowheads="1"/>
+          </p:cNvPicPr>
+          <p:nvPr/>
+        </p:nvPicPr>
+        <p:blipFill rotWithShape="1">
+          <a:blip r:embed="rId14">
+            <a:extLst>
+              <a:ext uri="{28A0092B-C50C-407E-A947-70E740481C1C}">
+                <a14:useLocalDpi xmlns:a14="http://schemas.microsoft.com/office/drawing/2010/main" val="0"/>
+              </a:ext>
+            </a:extLst>
+          </a:blip>
+          <a:srcRect t="25450" b="27282"/>
+          <a:stretch/>
+        </p:blipFill>
+        <p:spPr bwMode="auto">
+          <a:xfrm>
+            <a:off x="3510364" y="3091983"/>
+            <a:ext cx="924308" cy="273065"/>
+          </a:xfrm>
+          <a:prstGeom prst="rect">
+            <a:avLst/>
+          </a:prstGeom>
+          <a:noFill/>
+          <a:extLst>
+            <a:ext uri="{909E8E84-426E-40DD-AFC4-6F175D3DCCD1}">
+              <a14:hiddenFill xmlns:a14="http://schemas.microsoft.com/office/drawing/2010/main">
+                <a:solidFill>
+                  <a:srgbClr val="FFFFFF"/>
+                </a:solidFill>
+              </a14:hiddenFill>
+            </a:ext>
+          </a:extLst>
+        </p:spPr>
+      </p:pic>
+      <p:sp>
+        <p:nvSpPr>
+          <p:cNvPr id="25" name="TextBox 24">
+            <a:extLst>
+              <a:ext uri="{FF2B5EF4-FFF2-40B4-BE49-F238E27FC236}">
+                <a16:creationId xmlns:a16="http://schemas.microsoft.com/office/drawing/2014/main" id="{E19415E9-F053-4FD0-5D38-4D035BB89DA9}"/>
+              </a:ext>
+            </a:extLst>
+          </p:cNvPr>
+          <p:cNvSpPr txBox="1"/>
+          <p:nvPr/>
+        </p:nvSpPr>
+        <p:spPr>
+          <a:xfrm>
+            <a:off x="4948940" y="3017035"/>
+            <a:ext cx="3238172" cy="338554"/>
+          </a:xfrm>
+          <a:prstGeom prst="rect">
+            <a:avLst/>
+          </a:prstGeom>
+          <a:noFill/>
+          <a:ln>
+            <a:noFill/>
+          </a:ln>
+        </p:spPr>
+        <p:txBody>
+          <a:bodyPr wrap="square" rtlCol="0">
+            <a:spAutoFit/>
+          </a:bodyPr>
+          <a:lstStyle/>
+          <a:p>
+            <a:pPr algn="ctr"/>
+            <a:r>
+              <a:rPr lang="es-ES" sz="1600" b="1" dirty="0">
+                <a:solidFill>
+                  <a:srgbClr val="1FB35B"/>
+                </a:solidFill>
+              </a:rPr>
+              <a:t>ML LEARNING PIPELINE</a:t>
+            </a:r>
+          </a:p>
+        </p:txBody>
+      </p:sp>
+      <p:pic>
+        <p:nvPicPr>
+          <p:cNvPr id="26" name="Picture 4" descr="Chatbot - Free technology icons">
+            <a:extLst>
+              <a:ext uri="{FF2B5EF4-FFF2-40B4-BE49-F238E27FC236}">
+                <a16:creationId xmlns:a16="http://schemas.microsoft.com/office/drawing/2014/main" id="{A7D499FA-2B87-E570-17CE-B3C41122F678}"/>
+              </a:ext>
+            </a:extLst>
+          </p:cNvPr>
+          <p:cNvPicPr>
+            <a:picLocks noChangeAspect="1" noChangeArrowheads="1"/>
+          </p:cNvPicPr>
+          <p:nvPr/>
+        </p:nvPicPr>
+        <p:blipFill>
+          <a:blip r:embed="rId15">
+            <a:extLst>
+              <a:ext uri="{28A0092B-C50C-407E-A947-70E740481C1C}">
+                <a14:useLocalDpi xmlns:a14="http://schemas.microsoft.com/office/drawing/2010/main" val="0"/>
+              </a:ext>
+            </a:extLst>
+          </a:blip>
+          <a:srcRect/>
+          <a:stretch>
+            <a:fillRect/>
+          </a:stretch>
+        </p:blipFill>
+        <p:spPr bwMode="auto">
+          <a:xfrm>
+            <a:off x="10146275" y="3664316"/>
+            <a:ext cx="1012371" cy="1012371"/>
+          </a:xfrm>
+          <a:prstGeom prst="rect">
+            <a:avLst/>
+          </a:prstGeom>
+          <a:noFill/>
+          <a:extLst>
+            <a:ext uri="{909E8E84-426E-40DD-AFC4-6F175D3DCCD1}">
+              <a14:hiddenFill xmlns:a14="http://schemas.microsoft.com/office/drawing/2010/main">
+                <a:solidFill>
+                  <a:srgbClr val="FFFFFF"/>
+                </a:solidFill>
+              </a14:hiddenFill>
+            </a:ext>
+          </a:extLst>
+        </p:spPr>
+      </p:pic>
+      <p:pic>
+        <p:nvPicPr>
+          <p:cNvPr id="1030" name="Picture 6" descr="Csv - Free files and folders icons">
+            <a:extLst>
+              <a:ext uri="{FF2B5EF4-FFF2-40B4-BE49-F238E27FC236}">
+                <a16:creationId xmlns:a16="http://schemas.microsoft.com/office/drawing/2014/main" id="{4B00B249-2032-2758-B58A-C7C76A4DEDBC}"/>
+              </a:ext>
+            </a:extLst>
+          </p:cNvPr>
+          <p:cNvPicPr>
+            <a:picLocks noChangeAspect="1" noChangeArrowheads="1"/>
+          </p:cNvPicPr>
+          <p:nvPr/>
+        </p:nvPicPr>
+        <p:blipFill>
+          <a:blip r:embed="rId16">
+            <a:extLst>
+              <a:ext uri="{28A0092B-C50C-407E-A947-70E740481C1C}">
+                <a14:useLocalDpi xmlns:a14="http://schemas.microsoft.com/office/drawing/2010/main" val="0"/>
+              </a:ext>
+            </a:extLst>
+          </a:blip>
+          <a:srcRect/>
+          <a:stretch>
+            <a:fillRect/>
+          </a:stretch>
+        </p:blipFill>
+        <p:spPr bwMode="auto">
+          <a:xfrm>
+            <a:off x="548824" y="3555000"/>
+            <a:ext cx="649259" cy="649259"/>
+          </a:xfrm>
+          <a:prstGeom prst="rect">
+            <a:avLst/>
+          </a:prstGeom>
+          <a:noFill/>
+          <a:extLst>
+            <a:ext uri="{909E8E84-426E-40DD-AFC4-6F175D3DCCD1}">
+              <a14:hiddenFill xmlns:a14="http://schemas.microsoft.com/office/drawing/2010/main">
+                <a:solidFill>
+                  <a:srgbClr val="FFFFFF"/>
+                </a:solidFill>
+              </a14:hiddenFill>
+            </a:ext>
+          </a:extLst>
+        </p:spPr>
+      </p:pic>
+      <p:sp>
+        <p:nvSpPr>
+          <p:cNvPr id="28" name="TextBox 27">
+            <a:extLst>
+              <a:ext uri="{FF2B5EF4-FFF2-40B4-BE49-F238E27FC236}">
+                <a16:creationId xmlns:a16="http://schemas.microsoft.com/office/drawing/2014/main" id="{BBEBF47C-21EF-D8AE-7F33-52C5C1AC9959}"/>
+              </a:ext>
+            </a:extLst>
+          </p:cNvPr>
+          <p:cNvSpPr txBox="1"/>
+          <p:nvPr/>
+        </p:nvSpPr>
+        <p:spPr>
+          <a:xfrm>
+            <a:off x="759351" y="4279028"/>
+            <a:ext cx="1244982" cy="430887"/>
+          </a:xfrm>
+          <a:prstGeom prst="rect">
+            <a:avLst/>
+          </a:prstGeom>
+          <a:noFill/>
+          <a:ln>
+            <a:noFill/>
+          </a:ln>
+        </p:spPr>
+        <p:txBody>
+          <a:bodyPr wrap="square" rtlCol="0">
+            <a:spAutoFit/>
+          </a:bodyPr>
+          <a:lstStyle/>
+          <a:p>
+            <a:pPr marL="171450" indent="-171450">
+              <a:buFont typeface="Arial" panose="020B0604020202020204" pitchFamily="34" charset="0"/>
+              <a:buChar char="•"/>
+            </a:pPr>
+            <a:r>
+              <a:rPr lang="es-ES" sz="1100" b="1" dirty="0"/>
+              <a:t>Raw Data</a:t>
+            </a:r>
+          </a:p>
+          <a:p>
+            <a:pPr marL="171450" indent="-171450">
+              <a:buFont typeface="Arial" panose="020B0604020202020204" pitchFamily="34" charset="0"/>
+              <a:buChar char="•"/>
+            </a:pPr>
+            <a:r>
+              <a:rPr lang="es-ES" sz="1100" b="1" dirty="0" err="1"/>
+              <a:t>Processed</a:t>
+            </a:r>
+            <a:r>
+              <a:rPr lang="es-ES" sz="1100" b="1" dirty="0"/>
+              <a:t> Data</a:t>
+            </a:r>
+          </a:p>
+        </p:txBody>
+      </p:sp>
+      <p:sp>
+        <p:nvSpPr>
+          <p:cNvPr id="29" name="TextBox 28">
+            <a:extLst>
+              <a:ext uri="{FF2B5EF4-FFF2-40B4-BE49-F238E27FC236}">
+                <a16:creationId xmlns:a16="http://schemas.microsoft.com/office/drawing/2014/main" id="{2D47D9C2-8A07-EE0D-140E-21F8ECB495E4}"/>
+              </a:ext>
+            </a:extLst>
+          </p:cNvPr>
+          <p:cNvSpPr txBox="1"/>
+          <p:nvPr/>
+        </p:nvSpPr>
+        <p:spPr>
+          <a:xfrm>
+            <a:off x="802601" y="2792551"/>
+            <a:ext cx="1244982" cy="600164"/>
+          </a:xfrm>
+          <a:prstGeom prst="rect">
+            <a:avLst/>
+          </a:prstGeom>
+          <a:noFill/>
+          <a:ln>
+            <a:noFill/>
+          </a:ln>
+        </p:spPr>
+        <p:txBody>
+          <a:bodyPr wrap="square" rtlCol="0">
+            <a:spAutoFit/>
+          </a:bodyPr>
+          <a:lstStyle/>
+          <a:p>
+            <a:pPr marL="171450" indent="-171450">
+              <a:buFont typeface="Arial" panose="020B0604020202020204" pitchFamily="34" charset="0"/>
+              <a:buChar char="•"/>
+            </a:pPr>
+            <a:r>
+              <a:rPr lang="es-ES" sz="1100" b="1" dirty="0" err="1"/>
+              <a:t>Users</a:t>
+            </a:r>
+            <a:endParaRPr lang="es-ES" sz="1100" b="1" dirty="0"/>
+          </a:p>
+          <a:p>
+            <a:pPr marL="171450" indent="-171450">
+              <a:buFont typeface="Arial" panose="020B0604020202020204" pitchFamily="34" charset="0"/>
+              <a:buChar char="•"/>
+            </a:pPr>
+            <a:r>
+              <a:rPr lang="es-ES" sz="1100" b="1" dirty="0" err="1"/>
+              <a:t>Projects</a:t>
+            </a:r>
+            <a:endParaRPr lang="es-ES" sz="1100" b="1" dirty="0"/>
+          </a:p>
+          <a:p>
+            <a:pPr marL="171450" indent="-171450">
+              <a:buFont typeface="Arial" panose="020B0604020202020204" pitchFamily="34" charset="0"/>
+              <a:buChar char="•"/>
+            </a:pPr>
+            <a:r>
+              <a:rPr lang="es-ES" sz="1100" b="1" dirty="0" err="1"/>
+              <a:t>Models</a:t>
+            </a:r>
+            <a:endParaRPr lang="es-ES" sz="1100" b="1" dirty="0"/>
+          </a:p>
+        </p:txBody>
+      </p:sp>
+      <p:cxnSp>
+        <p:nvCxnSpPr>
+          <p:cNvPr id="31" name="Straight Arrow Connector 30">
+            <a:extLst>
+              <a:ext uri="{FF2B5EF4-FFF2-40B4-BE49-F238E27FC236}">
+                <a16:creationId xmlns:a16="http://schemas.microsoft.com/office/drawing/2014/main" id="{711789E1-64BA-BDB7-8A73-FEB530DB113A}"/>
+              </a:ext>
+            </a:extLst>
+          </p:cNvPr>
+          <p:cNvCxnSpPr>
+            <a:stCxn id="12" idx="3"/>
+            <a:endCxn id="13" idx="1"/>
+          </p:cNvCxnSpPr>
+          <p:nvPr/>
+        </p:nvCxnSpPr>
+        <p:spPr>
+          <a:xfrm>
+            <a:off x="4588652" y="4529659"/>
+            <a:ext cx="398729" cy="0"/>
+          </a:xfrm>
+          <a:prstGeom prst="straightConnector1">
+            <a:avLst/>
+          </a:prstGeom>
+          <a:ln w="12700">
+            <a:solidFill>
+              <a:schemeClr val="tx1">
+                <a:lumMod val="95000"/>
+                <a:lumOff val="5000"/>
+              </a:schemeClr>
+            </a:solidFill>
+            <a:tailEnd type="triangle"/>
+          </a:ln>
+        </p:spPr>
+        <p:style>
+          <a:lnRef idx="1">
+            <a:schemeClr val="accent1"/>
+          </a:lnRef>
+          <a:fillRef idx="0">
+            <a:schemeClr val="accent1"/>
+          </a:fillRef>
+          <a:effectRef idx="0">
+            <a:schemeClr val="accent1"/>
+          </a:effectRef>
+          <a:fontRef idx="minor">
+            <a:schemeClr val="tx1"/>
+          </a:fontRef>
+        </p:style>
+      </p:cxnSp>
+      <p:cxnSp>
+        <p:nvCxnSpPr>
+          <p:cNvPr id="32" name="Straight Arrow Connector 31">
+            <a:extLst>
+              <a:ext uri="{FF2B5EF4-FFF2-40B4-BE49-F238E27FC236}">
+                <a16:creationId xmlns:a16="http://schemas.microsoft.com/office/drawing/2014/main" id="{8838A32C-770A-6EC3-1F89-B4C65637A16C}"/>
+              </a:ext>
+            </a:extLst>
+          </p:cNvPr>
+          <p:cNvCxnSpPr/>
+          <p:nvPr/>
+        </p:nvCxnSpPr>
+        <p:spPr>
+          <a:xfrm>
+            <a:off x="6480623" y="4529658"/>
+            <a:ext cx="398729" cy="0"/>
+          </a:xfrm>
+          <a:prstGeom prst="straightConnector1">
+            <a:avLst/>
+          </a:prstGeom>
+          <a:ln w="12700">
+            <a:solidFill>
+              <a:schemeClr val="tx1">
+                <a:lumMod val="95000"/>
+                <a:lumOff val="5000"/>
+              </a:schemeClr>
+            </a:solidFill>
+            <a:tailEnd type="triangle"/>
+          </a:ln>
+        </p:spPr>
+        <p:style>
+          <a:lnRef idx="1">
+            <a:schemeClr val="accent1"/>
+          </a:lnRef>
+          <a:fillRef idx="0">
+            <a:schemeClr val="accent1"/>
+          </a:fillRef>
+          <a:effectRef idx="0">
+            <a:schemeClr val="accent1"/>
+          </a:effectRef>
+          <a:fontRef idx="minor">
+            <a:schemeClr val="tx1"/>
+          </a:fontRef>
+        </p:style>
+      </p:cxnSp>
+      <p:cxnSp>
+        <p:nvCxnSpPr>
+          <p:cNvPr id="33" name="Straight Arrow Connector 32">
+            <a:extLst>
+              <a:ext uri="{FF2B5EF4-FFF2-40B4-BE49-F238E27FC236}">
+                <a16:creationId xmlns:a16="http://schemas.microsoft.com/office/drawing/2014/main" id="{AF70A478-B448-4D77-6071-EC75401A2183}"/>
+              </a:ext>
+            </a:extLst>
+          </p:cNvPr>
+          <p:cNvCxnSpPr>
+            <a:cxnSpLocks/>
+            <a:stCxn id="17" idx="3"/>
+          </p:cNvCxnSpPr>
+          <p:nvPr/>
+        </p:nvCxnSpPr>
+        <p:spPr>
+          <a:xfrm flipV="1">
+            <a:off x="8013004" y="4529658"/>
+            <a:ext cx="398729" cy="1"/>
+          </a:xfrm>
+          <a:prstGeom prst="straightConnector1">
+            <a:avLst/>
+          </a:prstGeom>
+          <a:ln w="12700">
+            <a:solidFill>
+              <a:schemeClr val="tx1">
+                <a:lumMod val="95000"/>
+                <a:lumOff val="5000"/>
+              </a:schemeClr>
+            </a:solidFill>
+            <a:tailEnd type="triangle"/>
+          </a:ln>
+        </p:spPr>
+        <p:style>
+          <a:lnRef idx="1">
+            <a:schemeClr val="accent1"/>
+          </a:lnRef>
+          <a:fillRef idx="0">
+            <a:schemeClr val="accent1"/>
+          </a:fillRef>
+          <a:effectRef idx="0">
+            <a:schemeClr val="accent1"/>
+          </a:effectRef>
+          <a:fontRef idx="minor">
+            <a:schemeClr val="tx1"/>
+          </a:fontRef>
+        </p:style>
+      </p:cxnSp>
+      <p:pic>
+        <p:nvPicPr>
+          <p:cNvPr id="43" name="Picture 6" descr="Csv - Free files and folders icons">
+            <a:extLst>
+              <a:ext uri="{FF2B5EF4-FFF2-40B4-BE49-F238E27FC236}">
+                <a16:creationId xmlns:a16="http://schemas.microsoft.com/office/drawing/2014/main" id="{FF3E1090-02D6-96D5-601E-12F1B2A0D99C}"/>
+              </a:ext>
+            </a:extLst>
+          </p:cNvPr>
+          <p:cNvPicPr>
+            <a:picLocks noChangeAspect="1" noChangeArrowheads="1"/>
+          </p:cNvPicPr>
+          <p:nvPr/>
+        </p:nvPicPr>
+        <p:blipFill>
+          <a:blip r:embed="rId16">
+            <a:extLst>
+              <a:ext uri="{28A0092B-C50C-407E-A947-70E740481C1C}">
+                <a14:useLocalDpi xmlns:a14="http://schemas.microsoft.com/office/drawing/2010/main" val="0"/>
+              </a:ext>
+            </a:extLst>
+          </a:blip>
+          <a:srcRect/>
+          <a:stretch>
+            <a:fillRect/>
+          </a:stretch>
+        </p:blipFill>
+        <p:spPr bwMode="auto">
+          <a:xfrm>
+            <a:off x="3706743" y="1135761"/>
+            <a:ext cx="324630" cy="324630"/>
+          </a:xfrm>
+          <a:prstGeom prst="rect">
+            <a:avLst/>
+          </a:prstGeom>
+          <a:noFill/>
+          <a:extLst>
+            <a:ext uri="{909E8E84-426E-40DD-AFC4-6F175D3DCCD1}">
+              <a14:hiddenFill xmlns:a14="http://schemas.microsoft.com/office/drawing/2010/main">
+                <a:solidFill>
+                  <a:srgbClr val="FFFFFF"/>
+                </a:solidFill>
+              </a14:hiddenFill>
+            </a:ext>
+          </a:extLst>
+        </p:spPr>
+      </p:pic>
+      <p:pic>
+        <p:nvPicPr>
+          <p:cNvPr id="1032" name="Picture 8" descr="How To Generate Parquet Files in Java | The ContactSunny Blog">
+            <a:extLst>
+              <a:ext uri="{FF2B5EF4-FFF2-40B4-BE49-F238E27FC236}">
+                <a16:creationId xmlns:a16="http://schemas.microsoft.com/office/drawing/2014/main" id="{8931742A-BFAA-B10A-D6C0-F4F85A0C1429}"/>
+              </a:ext>
+            </a:extLst>
+          </p:cNvPr>
+          <p:cNvPicPr>
+            <a:picLocks noChangeAspect="1" noChangeArrowheads="1"/>
+          </p:cNvPicPr>
+          <p:nvPr/>
+        </p:nvPicPr>
+        <p:blipFill rotWithShape="1">
+          <a:blip r:embed="rId17">
+            <a:extLst>
+              <a:ext uri="{28A0092B-C50C-407E-A947-70E740481C1C}">
+                <a14:useLocalDpi xmlns:a14="http://schemas.microsoft.com/office/drawing/2010/main" val="0"/>
+              </a:ext>
+            </a:extLst>
+          </a:blip>
+          <a:srcRect l="4574" t="12384" r="5906" b="11368"/>
+          <a:stretch/>
+        </p:blipFill>
+        <p:spPr bwMode="auto">
+          <a:xfrm>
+            <a:off x="3714817" y="816525"/>
+            <a:ext cx="324630" cy="276502"/>
+          </a:xfrm>
+          <a:prstGeom prst="rect">
+            <a:avLst/>
+          </a:prstGeom>
+          <a:noFill/>
+          <a:extLst>
+            <a:ext uri="{909E8E84-426E-40DD-AFC4-6F175D3DCCD1}">
+              <a14:hiddenFill xmlns:a14="http://schemas.microsoft.com/office/drawing/2010/main">
+                <a:solidFill>
+                  <a:srgbClr val="FFFFFF"/>
+                </a:solidFill>
+              </a14:hiddenFill>
+            </a:ext>
+          </a:extLst>
+        </p:spPr>
+      </p:pic>
+      <p:pic>
+        <p:nvPicPr>
+          <p:cNvPr id="45" name="Picture 6" descr="Csv - Free files and folders icons">
+            <a:extLst>
+              <a:ext uri="{FF2B5EF4-FFF2-40B4-BE49-F238E27FC236}">
+                <a16:creationId xmlns:a16="http://schemas.microsoft.com/office/drawing/2014/main" id="{A82A51F5-1FEB-F17E-8965-59DCDDEE6108}"/>
+              </a:ext>
+            </a:extLst>
+          </p:cNvPr>
+          <p:cNvPicPr>
+            <a:picLocks noChangeAspect="1" noChangeArrowheads="1"/>
+          </p:cNvPicPr>
+          <p:nvPr/>
+        </p:nvPicPr>
+        <p:blipFill>
+          <a:blip r:embed="rId16">
+            <a:extLst>
+              <a:ext uri="{28A0092B-C50C-407E-A947-70E740481C1C}">
+                <a14:useLocalDpi xmlns:a14="http://schemas.microsoft.com/office/drawing/2010/main" val="0"/>
+              </a:ext>
+            </a:extLst>
+          </a:blip>
+          <a:srcRect/>
+          <a:stretch>
+            <a:fillRect/>
+          </a:stretch>
+        </p:blipFill>
+        <p:spPr bwMode="auto">
+          <a:xfrm>
+            <a:off x="8992615" y="954776"/>
+            <a:ext cx="324630" cy="324630"/>
+          </a:xfrm>
+          <a:prstGeom prst="rect">
+            <a:avLst/>
+          </a:prstGeom>
+          <a:noFill/>
+          <a:extLst>
+            <a:ext uri="{909E8E84-426E-40DD-AFC4-6F175D3DCCD1}">
+              <a14:hiddenFill xmlns:a14="http://schemas.microsoft.com/office/drawing/2010/main">
+                <a:solidFill>
+                  <a:srgbClr val="FFFFFF"/>
+                </a:solidFill>
+              </a14:hiddenFill>
+            </a:ext>
+          </a:extLst>
+        </p:spPr>
+      </p:pic>
+      <p:sp>
+        <p:nvSpPr>
+          <p:cNvPr id="46" name="TextBox 45">
+            <a:extLst>
+              <a:ext uri="{FF2B5EF4-FFF2-40B4-BE49-F238E27FC236}">
+                <a16:creationId xmlns:a16="http://schemas.microsoft.com/office/drawing/2014/main" id="{D0BE87A2-57A6-EF39-5F97-A021E1113EFA}"/>
+              </a:ext>
+            </a:extLst>
+          </p:cNvPr>
+          <p:cNvSpPr txBox="1"/>
+          <p:nvPr/>
+        </p:nvSpPr>
+        <p:spPr>
+          <a:xfrm>
+            <a:off x="3481311" y="442513"/>
+            <a:ext cx="855217" cy="261610"/>
+          </a:xfrm>
+          <a:prstGeom prst="rect">
+            <a:avLst/>
+          </a:prstGeom>
+          <a:noFill/>
+          <a:ln>
+            <a:noFill/>
+          </a:ln>
+        </p:spPr>
+        <p:txBody>
+          <a:bodyPr wrap="square" rtlCol="0">
+            <a:spAutoFit/>
+          </a:bodyPr>
+          <a:lstStyle/>
+          <a:p>
+            <a:r>
+              <a:rPr lang="es-ES" sz="1100" b="1" dirty="0"/>
+              <a:t>Data Input</a:t>
+            </a:r>
+          </a:p>
+        </p:txBody>
+      </p:sp>
+      <p:sp>
+        <p:nvSpPr>
+          <p:cNvPr id="47" name="TextBox 46">
+            <a:extLst>
+              <a:ext uri="{FF2B5EF4-FFF2-40B4-BE49-F238E27FC236}">
+                <a16:creationId xmlns:a16="http://schemas.microsoft.com/office/drawing/2014/main" id="{BAE56147-027F-30ED-A6EF-B71C02B66056}"/>
+              </a:ext>
+            </a:extLst>
+          </p:cNvPr>
+          <p:cNvSpPr txBox="1"/>
+          <p:nvPr/>
+        </p:nvSpPr>
+        <p:spPr>
+          <a:xfrm>
+            <a:off x="8666367" y="464428"/>
+            <a:ext cx="917425" cy="261610"/>
+          </a:xfrm>
+          <a:prstGeom prst="rect">
+            <a:avLst/>
+          </a:prstGeom>
+          <a:noFill/>
+          <a:ln>
+            <a:noFill/>
+          </a:ln>
+        </p:spPr>
+        <p:txBody>
+          <a:bodyPr wrap="square" rtlCol="0">
+            <a:spAutoFit/>
+          </a:bodyPr>
+          <a:lstStyle/>
+          <a:p>
+            <a:r>
+              <a:rPr lang="es-ES" sz="1100" b="1" dirty="0"/>
+              <a:t>Data Output</a:t>
+            </a:r>
+          </a:p>
+        </p:txBody>
+      </p:sp>
+      <p:pic>
+        <p:nvPicPr>
+          <p:cNvPr id="1034" name="Picture 10" descr="GitHub Logo and symbol, meaning, history, PNG, brand">
+            <a:extLst>
+              <a:ext uri="{FF2B5EF4-FFF2-40B4-BE49-F238E27FC236}">
+                <a16:creationId xmlns:a16="http://schemas.microsoft.com/office/drawing/2014/main" id="{65E92381-E2CA-F091-91A7-4475BF8B4017}"/>
+              </a:ext>
+            </a:extLst>
+          </p:cNvPr>
+          <p:cNvPicPr>
+            <a:picLocks noChangeAspect="1" noChangeArrowheads="1"/>
+          </p:cNvPicPr>
+          <p:nvPr/>
+        </p:nvPicPr>
+        <p:blipFill>
+          <a:blip r:embed="rId18">
+            <a:extLst>
+              <a:ext uri="{28A0092B-C50C-407E-A947-70E740481C1C}">
+                <a14:useLocalDpi xmlns:a14="http://schemas.microsoft.com/office/drawing/2010/main" val="0"/>
+              </a:ext>
+            </a:extLst>
+          </a:blip>
+          <a:srcRect/>
+          <a:stretch>
+            <a:fillRect/>
+          </a:stretch>
+        </p:blipFill>
+        <p:spPr bwMode="auto">
+          <a:xfrm>
+            <a:off x="908912" y="4963324"/>
+            <a:ext cx="745671" cy="419440"/>
+          </a:xfrm>
+          <a:prstGeom prst="rect">
+            <a:avLst/>
+          </a:prstGeom>
+          <a:noFill/>
+          <a:extLst>
+            <a:ext uri="{909E8E84-426E-40DD-AFC4-6F175D3DCCD1}">
+              <a14:hiddenFill xmlns:a14="http://schemas.microsoft.com/office/drawing/2010/main">
+                <a:solidFill>
+                  <a:srgbClr val="FFFFFF"/>
+                </a:solidFill>
+              </a14:hiddenFill>
+            </a:ext>
+          </a:extLst>
+        </p:spPr>
+      </p:pic>
+      <p:cxnSp>
+        <p:nvCxnSpPr>
+          <p:cNvPr id="7" name="Connector: Elbow 6">
+            <a:extLst>
+              <a:ext uri="{FF2B5EF4-FFF2-40B4-BE49-F238E27FC236}">
+                <a16:creationId xmlns:a16="http://schemas.microsoft.com/office/drawing/2014/main" id="{70A85098-0431-149F-C5C1-ED27354DEBD3}"/>
+              </a:ext>
+            </a:extLst>
+          </p:cNvPr>
+          <p:cNvCxnSpPr>
+            <a:cxnSpLocks/>
+            <a:endCxn id="6" idx="1"/>
+          </p:cNvCxnSpPr>
+          <p:nvPr/>
+        </p:nvCxnSpPr>
+        <p:spPr>
+          <a:xfrm flipV="1">
+            <a:off x="2116931" y="2437820"/>
+            <a:ext cx="1188692" cy="580"/>
+          </a:xfrm>
+          <a:prstGeom prst="bentConnector3">
+            <a:avLst>
+              <a:gd name="adj1" fmla="val 50000"/>
+            </a:avLst>
+          </a:prstGeom>
+          <a:ln w="12700">
+            <a:solidFill>
+              <a:srgbClr val="C00000"/>
+            </a:solidFill>
+            <a:prstDash val="sysDash"/>
+            <a:headEnd type="triangle" w="med" len="med"/>
+            <a:tailEnd type="triangle" w="med" len="med"/>
+          </a:ln>
+        </p:spPr>
+        <p:style>
+          <a:lnRef idx="1">
+            <a:schemeClr val="accent1"/>
+          </a:lnRef>
+          <a:fillRef idx="0">
+            <a:schemeClr val="accent1"/>
+          </a:fillRef>
+          <a:effectRef idx="0">
+            <a:schemeClr val="accent1"/>
+          </a:effectRef>
+          <a:fontRef idx="minor">
+            <a:schemeClr val="tx1"/>
+          </a:fontRef>
+        </p:style>
+      </p:cxnSp>
+      <p:sp>
+        <p:nvSpPr>
+          <p:cNvPr id="27" name="TextBox 26">
+            <a:extLst>
+              <a:ext uri="{FF2B5EF4-FFF2-40B4-BE49-F238E27FC236}">
+                <a16:creationId xmlns:a16="http://schemas.microsoft.com/office/drawing/2014/main" id="{6A0F5B28-ECD9-A9AE-68C6-DE427C357CF3}"/>
+              </a:ext>
+            </a:extLst>
+          </p:cNvPr>
+          <p:cNvSpPr txBox="1"/>
+          <p:nvPr/>
+        </p:nvSpPr>
+        <p:spPr>
+          <a:xfrm>
+            <a:off x="2272910" y="2210538"/>
+            <a:ext cx="618211" cy="430887"/>
+          </a:xfrm>
+          <a:prstGeom prst="rect">
+            <a:avLst/>
+          </a:prstGeom>
+          <a:noFill/>
+          <a:ln>
+            <a:noFill/>
+          </a:ln>
+        </p:spPr>
+        <p:txBody>
+          <a:bodyPr wrap="square" rtlCol="0">
+            <a:spAutoFit/>
+          </a:bodyPr>
+          <a:lstStyle/>
+          <a:p>
+            <a:pPr algn="ctr"/>
+            <a:r>
+              <a:rPr lang="es-ES" sz="1100" b="1" dirty="0"/>
+              <a:t>Data </a:t>
+            </a:r>
+          </a:p>
+          <a:p>
+            <a:pPr algn="ctr"/>
+            <a:r>
+              <a:rPr lang="es-ES" sz="1100" b="1" dirty="0" err="1"/>
+              <a:t>Sharing</a:t>
+            </a:r>
+            <a:endParaRPr lang="es-ES" sz="1100" b="1" dirty="0"/>
+          </a:p>
+        </p:txBody>
+      </p:sp>
+      <p:cxnSp>
+        <p:nvCxnSpPr>
+          <p:cNvPr id="30" name="Connector: Elbow 29">
+            <a:extLst>
+              <a:ext uri="{FF2B5EF4-FFF2-40B4-BE49-F238E27FC236}">
+                <a16:creationId xmlns:a16="http://schemas.microsoft.com/office/drawing/2014/main" id="{92DEC871-4BF1-898B-D477-FC9F2D5E9490}"/>
+              </a:ext>
+            </a:extLst>
+          </p:cNvPr>
+          <p:cNvCxnSpPr>
+            <a:cxnSpLocks/>
+            <a:stCxn id="2056" idx="0"/>
+            <a:endCxn id="20" idx="2"/>
+          </p:cNvCxnSpPr>
+          <p:nvPr/>
+        </p:nvCxnSpPr>
+        <p:spPr>
+          <a:xfrm rot="16200000" flipV="1">
+            <a:off x="8649382" y="5150758"/>
+            <a:ext cx="1281489" cy="624065"/>
+          </a:xfrm>
+          <a:prstGeom prst="bentConnector3">
+            <a:avLst>
+              <a:gd name="adj1" fmla="val 50000"/>
+            </a:avLst>
+          </a:prstGeom>
+          <a:ln w="12700">
+            <a:solidFill>
+              <a:srgbClr val="C00000"/>
+            </a:solidFill>
+            <a:prstDash val="dash"/>
+            <a:tailEnd type="triangle"/>
+          </a:ln>
+        </p:spPr>
+        <p:style>
+          <a:lnRef idx="1">
+            <a:schemeClr val="accent1"/>
+          </a:lnRef>
+          <a:fillRef idx="0">
+            <a:schemeClr val="accent1"/>
+          </a:fillRef>
+          <a:effectRef idx="0">
+            <a:schemeClr val="accent1"/>
+          </a:effectRef>
+          <a:fontRef idx="minor">
+            <a:schemeClr val="tx1"/>
+          </a:fontRef>
+        </p:style>
+      </p:cxnSp>
+      <p:cxnSp>
+        <p:nvCxnSpPr>
+          <p:cNvPr id="38" name="Connector: Elbow 37">
+            <a:extLst>
+              <a:ext uri="{FF2B5EF4-FFF2-40B4-BE49-F238E27FC236}">
+                <a16:creationId xmlns:a16="http://schemas.microsoft.com/office/drawing/2014/main" id="{6E3026F8-855B-E341-83AC-DF2E4E7A2712}"/>
+              </a:ext>
+            </a:extLst>
+          </p:cNvPr>
+          <p:cNvCxnSpPr>
+            <a:cxnSpLocks/>
+            <a:stCxn id="2056" idx="0"/>
+            <a:endCxn id="17" idx="2"/>
+          </p:cNvCxnSpPr>
+          <p:nvPr/>
+        </p:nvCxnSpPr>
+        <p:spPr>
+          <a:xfrm rot="16200000" flipV="1">
+            <a:off x="7883658" y="4385034"/>
+            <a:ext cx="1281489" cy="2155513"/>
+          </a:xfrm>
+          <a:prstGeom prst="bentConnector3">
+            <a:avLst>
+              <a:gd name="adj1" fmla="val 50000"/>
+            </a:avLst>
+          </a:prstGeom>
+          <a:ln w="12700">
+            <a:solidFill>
+              <a:srgbClr val="C00000"/>
+            </a:solidFill>
+            <a:prstDash val="dash"/>
+            <a:tailEnd type="triangle"/>
+          </a:ln>
+        </p:spPr>
+        <p:style>
+          <a:lnRef idx="1">
+            <a:schemeClr val="accent1"/>
+          </a:lnRef>
+          <a:fillRef idx="0">
+            <a:schemeClr val="accent1"/>
+          </a:fillRef>
+          <a:effectRef idx="0">
+            <a:schemeClr val="accent1"/>
+          </a:effectRef>
+          <a:fontRef idx="minor">
+            <a:schemeClr val="tx1"/>
+          </a:fontRef>
+        </p:style>
+      </p:cxnSp>
+      <p:cxnSp>
+        <p:nvCxnSpPr>
+          <p:cNvPr id="54" name="Connector: Elbow 53">
+            <a:extLst>
+              <a:ext uri="{FF2B5EF4-FFF2-40B4-BE49-F238E27FC236}">
+                <a16:creationId xmlns:a16="http://schemas.microsoft.com/office/drawing/2014/main" id="{1FFFCEAD-9C9D-1D29-BEF4-72488AA31321}"/>
+              </a:ext>
+            </a:extLst>
+          </p:cNvPr>
+          <p:cNvCxnSpPr>
+            <a:cxnSpLocks/>
+            <a:stCxn id="2056" idx="0"/>
+            <a:endCxn id="11" idx="2"/>
+          </p:cNvCxnSpPr>
+          <p:nvPr/>
+        </p:nvCxnSpPr>
+        <p:spPr>
+          <a:xfrm rot="5400000" flipH="1" flipV="1">
+            <a:off x="9601948" y="5025695"/>
+            <a:ext cx="1078051" cy="1077630"/>
+          </a:xfrm>
+          <a:prstGeom prst="bentConnector3">
+            <a:avLst>
+              <a:gd name="adj1" fmla="val 59424"/>
+            </a:avLst>
+          </a:prstGeom>
+          <a:ln w="12700">
+            <a:solidFill>
+              <a:srgbClr val="C00000"/>
+            </a:solidFill>
+            <a:prstDash val="dash"/>
+            <a:headEnd type="triangle" w="med" len="med"/>
+            <a:tailEnd type="triangle" w="med" len="med"/>
+          </a:ln>
+        </p:spPr>
+        <p:style>
+          <a:lnRef idx="1">
+            <a:schemeClr val="accent1"/>
+          </a:lnRef>
+          <a:fillRef idx="0">
+            <a:schemeClr val="accent1"/>
+          </a:fillRef>
+          <a:effectRef idx="0">
+            <a:schemeClr val="accent1"/>
+          </a:effectRef>
+          <a:fontRef idx="minor">
+            <a:schemeClr val="tx1"/>
+          </a:fontRef>
+        </p:style>
+      </p:cxnSp>
+      <p:sp>
+        <p:nvSpPr>
+          <p:cNvPr id="60" name="TextBox 59">
+            <a:extLst>
+              <a:ext uri="{FF2B5EF4-FFF2-40B4-BE49-F238E27FC236}">
+                <a16:creationId xmlns:a16="http://schemas.microsoft.com/office/drawing/2014/main" id="{8FE65A2F-BF5B-7CEF-5697-8E53902C2DA2}"/>
+              </a:ext>
+            </a:extLst>
+          </p:cNvPr>
+          <p:cNvSpPr txBox="1"/>
+          <p:nvPr/>
+        </p:nvSpPr>
+        <p:spPr>
+          <a:xfrm>
+            <a:off x="9029746" y="5680477"/>
+            <a:ext cx="1079045" cy="261610"/>
+          </a:xfrm>
+          <a:prstGeom prst="rect">
+            <a:avLst/>
+          </a:prstGeom>
+          <a:solidFill>
+            <a:schemeClr val="bg1"/>
+          </a:solidFill>
+          <a:ln>
+            <a:noFill/>
+          </a:ln>
+        </p:spPr>
+        <p:txBody>
+          <a:bodyPr wrap="square" rtlCol="0">
+            <a:spAutoFit/>
+          </a:bodyPr>
+          <a:lstStyle/>
+          <a:p>
+            <a:r>
+              <a:rPr lang="es-ES" sz="1100" b="1" dirty="0"/>
+              <a:t>API </a:t>
+            </a:r>
+            <a:r>
+              <a:rPr lang="es-ES" sz="1100" b="1" dirty="0" err="1"/>
+              <a:t>Integration</a:t>
+            </a:r>
+            <a:endParaRPr lang="es-ES" sz="1100" b="1" dirty="0"/>
+          </a:p>
+        </p:txBody>
+      </p:sp>
+      <p:sp>
+        <p:nvSpPr>
+          <p:cNvPr id="1024" name="TextBox 1023">
+            <a:extLst>
+              <a:ext uri="{FF2B5EF4-FFF2-40B4-BE49-F238E27FC236}">
+                <a16:creationId xmlns:a16="http://schemas.microsoft.com/office/drawing/2014/main" id="{5547652E-65AF-EBF2-A1EA-94FEC048656B}"/>
+              </a:ext>
+            </a:extLst>
+          </p:cNvPr>
+          <p:cNvSpPr txBox="1"/>
+          <p:nvPr/>
+        </p:nvSpPr>
+        <p:spPr>
+          <a:xfrm>
+            <a:off x="251354" y="73954"/>
+            <a:ext cx="4347029" cy="523220"/>
+          </a:xfrm>
+          <a:prstGeom prst="rect">
+            <a:avLst/>
+          </a:prstGeom>
+          <a:noFill/>
+        </p:spPr>
+        <p:txBody>
+          <a:bodyPr wrap="square" rtlCol="0">
+            <a:spAutoFit/>
+          </a:bodyPr>
+          <a:lstStyle/>
+          <a:p>
+            <a:r>
+              <a:rPr lang="es-ES" sz="2800" u="sng" dirty="0" err="1">
+                <a:latin typeface="+mj-lt"/>
+              </a:rPr>
+              <a:t>Architecture</a:t>
+            </a:r>
+            <a:endParaRPr lang="es-ES" sz="2800" u="sng" dirty="0">
+              <a:latin typeface="+mj-lt"/>
+            </a:endParaRPr>
+          </a:p>
+        </p:txBody>
+      </p:sp>
+      <p:sp>
+        <p:nvSpPr>
+          <p:cNvPr id="59" name="TextBox 58">
+            <a:extLst>
+              <a:ext uri="{FF2B5EF4-FFF2-40B4-BE49-F238E27FC236}">
+                <a16:creationId xmlns:a16="http://schemas.microsoft.com/office/drawing/2014/main" id="{2E7E76B9-8B76-03BE-F325-2DA5050AE381}"/>
+              </a:ext>
+            </a:extLst>
+          </p:cNvPr>
+          <p:cNvSpPr txBox="1"/>
+          <p:nvPr/>
+        </p:nvSpPr>
+        <p:spPr>
+          <a:xfrm>
+            <a:off x="351141" y="1681279"/>
+            <a:ext cx="1728878" cy="276999"/>
+          </a:xfrm>
+          <a:prstGeom prst="rect">
+            <a:avLst/>
+          </a:prstGeom>
+          <a:noFill/>
+          <a:ln>
+            <a:noFill/>
+          </a:ln>
+        </p:spPr>
+        <p:txBody>
+          <a:bodyPr wrap="square" rtlCol="0">
+            <a:spAutoFit/>
+          </a:bodyPr>
+          <a:lstStyle/>
+          <a:p>
+            <a:pPr algn="ctr"/>
+            <a:r>
+              <a:rPr lang="es-ES" sz="1200" b="1" dirty="0"/>
+              <a:t>REPOSITORY</a:t>
+            </a:r>
+          </a:p>
+        </p:txBody>
+      </p:sp>
+      <p:cxnSp>
+        <p:nvCxnSpPr>
+          <p:cNvPr id="1043" name="Connector: Elbow 1042">
+            <a:extLst>
+              <a:ext uri="{FF2B5EF4-FFF2-40B4-BE49-F238E27FC236}">
+                <a16:creationId xmlns:a16="http://schemas.microsoft.com/office/drawing/2014/main" id="{E028A77A-FF34-392B-9CD6-C94DF0C79ED8}"/>
+              </a:ext>
+            </a:extLst>
+          </p:cNvPr>
+          <p:cNvCxnSpPr>
+            <a:cxnSpLocks/>
+          </p:cNvCxnSpPr>
+          <p:nvPr/>
+        </p:nvCxnSpPr>
+        <p:spPr>
+          <a:xfrm flipV="1">
+            <a:off x="2141996" y="4075423"/>
+            <a:ext cx="1188692" cy="580"/>
+          </a:xfrm>
+          <a:prstGeom prst="bentConnector3">
+            <a:avLst>
+              <a:gd name="adj1" fmla="val 50000"/>
+            </a:avLst>
+          </a:prstGeom>
+          <a:ln w="12700">
+            <a:solidFill>
+              <a:srgbClr val="C00000"/>
+            </a:solidFill>
+            <a:prstDash val="sysDash"/>
+            <a:headEnd type="triangle" w="med" len="med"/>
+            <a:tailEnd type="triangle" w="med" len="med"/>
+          </a:ln>
+        </p:spPr>
+        <p:style>
+          <a:lnRef idx="1">
+            <a:schemeClr val="accent1"/>
+          </a:lnRef>
+          <a:fillRef idx="0">
+            <a:schemeClr val="accent1"/>
+          </a:fillRef>
+          <a:effectRef idx="0">
+            <a:schemeClr val="accent1"/>
+          </a:effectRef>
+          <a:fontRef idx="minor">
+            <a:schemeClr val="tx1"/>
+          </a:fontRef>
+        </p:style>
+      </p:cxnSp>
+      <p:sp>
+        <p:nvSpPr>
+          <p:cNvPr id="1044" name="TextBox 1043">
+            <a:extLst>
+              <a:ext uri="{FF2B5EF4-FFF2-40B4-BE49-F238E27FC236}">
+                <a16:creationId xmlns:a16="http://schemas.microsoft.com/office/drawing/2014/main" id="{B9D1D3D3-6B32-E086-0352-A96E675CEB5B}"/>
+              </a:ext>
+            </a:extLst>
+          </p:cNvPr>
+          <p:cNvSpPr txBox="1"/>
+          <p:nvPr/>
+        </p:nvSpPr>
+        <p:spPr>
+          <a:xfrm>
+            <a:off x="2297975" y="3848141"/>
+            <a:ext cx="618211" cy="430887"/>
+          </a:xfrm>
+          <a:prstGeom prst="rect">
+            <a:avLst/>
+          </a:prstGeom>
+          <a:noFill/>
+          <a:ln>
+            <a:noFill/>
+          </a:ln>
+        </p:spPr>
+        <p:txBody>
+          <a:bodyPr wrap="square" rtlCol="0">
+            <a:spAutoFit/>
+          </a:bodyPr>
+          <a:lstStyle/>
+          <a:p>
+            <a:pPr algn="ctr"/>
+            <a:r>
+              <a:rPr lang="es-ES" sz="1100" b="1" dirty="0"/>
+              <a:t>Data </a:t>
+            </a:r>
+          </a:p>
+          <a:p>
+            <a:pPr algn="ctr"/>
+            <a:r>
+              <a:rPr lang="es-ES" sz="1100" b="1" dirty="0" err="1"/>
+              <a:t>Sharing</a:t>
+            </a:r>
+            <a:endParaRPr lang="es-ES" sz="1100" b="1" dirty="0"/>
+          </a:p>
+        </p:txBody>
+      </p:sp>
     </p:spTree>
     <p:extLst>
       <p:ext uri="{BB962C8B-B14F-4D97-AF65-F5344CB8AC3E}">
-        <p14:creationId xmlns:p14="http://schemas.microsoft.com/office/powerpoint/2010/main" val="2333165448"/>
+        <p14:creationId xmlns:p14="http://schemas.microsoft.com/office/powerpoint/2010/main" val="1899501071"/>
       </p:ext>
     </p:extLst>
   </p:cSld>

--- a/Presentation.pptx
+++ b/Presentation.pptx
@@ -6,10 +6,9 @@
   </p:sldMasterIdLst>
   <p:sldIdLst>
     <p:sldId id="256" r:id="rId2"/>
-    <p:sldId id="260" r:id="rId3"/>
-    <p:sldId id="261" r:id="rId4"/>
-    <p:sldId id="257" r:id="rId5"/>
-    <p:sldId id="259" r:id="rId6"/>
+    <p:sldId id="261" r:id="rId3"/>
+    <p:sldId id="262" r:id="rId4"/>
+    <p:sldId id="259" r:id="rId5"/>
   </p:sldIdLst>
   <p:sldSz cx="12192000" cy="6858000"/>
   <p:notesSz cx="6858000" cy="9144000"/>
@@ -265,7 +264,7 @@
           <a:p>
             <a:fld id="{C977482C-776D-400F-AD90-26C29B7353B6}" type="datetimeFigureOut">
               <a:rPr lang="es-ES" smtClean="0"/>
-              <a:t>13/03/2024</a:t>
+              <a:t>15/03/2024</a:t>
             </a:fld>
             <a:endParaRPr lang="es-ES"/>
           </a:p>
@@ -465,7 +464,7 @@
           <a:p>
             <a:fld id="{C977482C-776D-400F-AD90-26C29B7353B6}" type="datetimeFigureOut">
               <a:rPr lang="es-ES" smtClean="0"/>
-              <a:t>13/03/2024</a:t>
+              <a:t>15/03/2024</a:t>
             </a:fld>
             <a:endParaRPr lang="es-ES"/>
           </a:p>
@@ -675,7 +674,7 @@
           <a:p>
             <a:fld id="{C977482C-776D-400F-AD90-26C29B7353B6}" type="datetimeFigureOut">
               <a:rPr lang="es-ES" smtClean="0"/>
-              <a:t>13/03/2024</a:t>
+              <a:t>15/03/2024</a:t>
             </a:fld>
             <a:endParaRPr lang="es-ES"/>
           </a:p>
@@ -875,7 +874,7 @@
           <a:p>
             <a:fld id="{C977482C-776D-400F-AD90-26C29B7353B6}" type="datetimeFigureOut">
               <a:rPr lang="es-ES" smtClean="0"/>
-              <a:t>13/03/2024</a:t>
+              <a:t>15/03/2024</a:t>
             </a:fld>
             <a:endParaRPr lang="es-ES"/>
           </a:p>
@@ -1151,7 +1150,7 @@
           <a:p>
             <a:fld id="{C977482C-776D-400F-AD90-26C29B7353B6}" type="datetimeFigureOut">
               <a:rPr lang="es-ES" smtClean="0"/>
-              <a:t>13/03/2024</a:t>
+              <a:t>15/03/2024</a:t>
             </a:fld>
             <a:endParaRPr lang="es-ES"/>
           </a:p>
@@ -1419,7 +1418,7 @@
           <a:p>
             <a:fld id="{C977482C-776D-400F-AD90-26C29B7353B6}" type="datetimeFigureOut">
               <a:rPr lang="es-ES" smtClean="0"/>
-              <a:t>13/03/2024</a:t>
+              <a:t>15/03/2024</a:t>
             </a:fld>
             <a:endParaRPr lang="es-ES"/>
           </a:p>
@@ -1834,7 +1833,7 @@
           <a:p>
             <a:fld id="{C977482C-776D-400F-AD90-26C29B7353B6}" type="datetimeFigureOut">
               <a:rPr lang="es-ES" smtClean="0"/>
-              <a:t>13/03/2024</a:t>
+              <a:t>15/03/2024</a:t>
             </a:fld>
             <a:endParaRPr lang="es-ES"/>
           </a:p>
@@ -1976,7 +1975,7 @@
           <a:p>
             <a:fld id="{C977482C-776D-400F-AD90-26C29B7353B6}" type="datetimeFigureOut">
               <a:rPr lang="es-ES" smtClean="0"/>
-              <a:t>13/03/2024</a:t>
+              <a:t>15/03/2024</a:t>
             </a:fld>
             <a:endParaRPr lang="es-ES"/>
           </a:p>
@@ -2089,7 +2088,7 @@
           <a:p>
             <a:fld id="{C977482C-776D-400F-AD90-26C29B7353B6}" type="datetimeFigureOut">
               <a:rPr lang="es-ES" smtClean="0"/>
-              <a:t>13/03/2024</a:t>
+              <a:t>15/03/2024</a:t>
             </a:fld>
             <a:endParaRPr lang="es-ES"/>
           </a:p>
@@ -2402,7 +2401,7 @@
           <a:p>
             <a:fld id="{C977482C-776D-400F-AD90-26C29B7353B6}" type="datetimeFigureOut">
               <a:rPr lang="es-ES" smtClean="0"/>
-              <a:t>13/03/2024</a:t>
+              <a:t>15/03/2024</a:t>
             </a:fld>
             <a:endParaRPr lang="es-ES"/>
           </a:p>
@@ -2691,7 +2690,7 @@
           <a:p>
             <a:fld id="{C977482C-776D-400F-AD90-26C29B7353B6}" type="datetimeFigureOut">
               <a:rPr lang="es-ES" smtClean="0"/>
-              <a:t>13/03/2024</a:t>
+              <a:t>15/03/2024</a:t>
             </a:fld>
             <a:endParaRPr lang="es-ES"/>
           </a:p>
@@ -2934,7 +2933,7 @@
           <a:p>
             <a:fld id="{C977482C-776D-400F-AD90-26C29B7353B6}" type="datetimeFigureOut">
               <a:rPr lang="es-ES" smtClean="0"/>
-              <a:t>13/03/2024</a:t>
+              <a:t>15/03/2024</a:t>
             </a:fld>
             <a:endParaRPr lang="es-ES"/>
           </a:p>
@@ -3578,7 +3577,7 @@
         <p:grpSpPr>
           <a:xfrm>
             <a:off x="467022" y="381678"/>
-            <a:ext cx="1601733" cy="346133"/>
+            <a:ext cx="1998592" cy="502496"/>
             <a:chOff x="0" y="0"/>
             <a:chExt cx="3203467" cy="692267"/>
           </a:xfrm>
@@ -3643,7 +3642,7 @@
             <a:bodyPr/>
             <a:lstStyle/>
             <a:p>
-              <a:endParaRPr lang="en-NL" sz="1200"/>
+              <a:endParaRPr lang="en-NL" dirty="0"/>
             </a:p>
           </p:txBody>
         </p:sp>
@@ -3784,7 +3783,7 @@
             <a:bodyPr/>
             <a:lstStyle/>
             <a:p>
-              <a:endParaRPr lang="en-NL" sz="1200"/>
+              <a:endParaRPr lang="en-NL"/>
             </a:p>
           </p:txBody>
         </p:sp>
@@ -3813,7 +3812,7 @@
                 </a:lnSpc>
               </a:pPr>
               <a:r>
-                <a:rPr lang="en-US" sz="1333">
+                <a:rPr lang="en-US" dirty="0">
                   <a:solidFill>
                     <a:srgbClr val="050037"/>
                   </a:solidFill>
@@ -4771,8 +4770,8 @@
         </p:nvSpPr>
         <p:spPr>
           <a:xfrm>
-            <a:off x="847872" y="2882511"/>
-            <a:ext cx="6962628" cy="436017"/>
+            <a:off x="847873" y="2882511"/>
+            <a:ext cx="5197328" cy="654025"/>
           </a:xfrm>
           <a:prstGeom prst="rect">
             <a:avLst/>
@@ -4819,7 +4818,7 @@
         <p:spPr>
           <a:xfrm>
             <a:off x="840276" y="4122625"/>
-            <a:ext cx="6379674" cy="436017"/>
+            <a:ext cx="5001724" cy="436017"/>
           </a:xfrm>
           <a:prstGeom prst="rect">
             <a:avLst/>
@@ -4866,7 +4865,7 @@
         <p:spPr>
           <a:xfrm>
             <a:off x="847873" y="5250771"/>
-            <a:ext cx="6372077" cy="436017"/>
+            <a:ext cx="5095728" cy="436017"/>
           </a:xfrm>
           <a:prstGeom prst="rect">
             <a:avLst/>
@@ -4898,6 +4897,53 @@
           </a:p>
         </p:txBody>
       </p:sp>
+      <p:pic>
+        <p:nvPicPr>
+          <p:cNvPr id="1028" name="Picture 4" descr="What is Machine Learning Course| Its Importance and Types-FORE">
+            <a:extLst>
+              <a:ext uri="{FF2B5EF4-FFF2-40B4-BE49-F238E27FC236}">
+                <a16:creationId xmlns:a16="http://schemas.microsoft.com/office/drawing/2014/main" id="{8BBD41C4-7645-31DF-024A-8D229A2378CD}"/>
+              </a:ext>
+            </a:extLst>
+          </p:cNvPr>
+          <p:cNvPicPr>
+            <a:picLocks noChangeAspect="1" noChangeArrowheads="1"/>
+          </p:cNvPicPr>
+          <p:nvPr/>
+        </p:nvPicPr>
+        <p:blipFill>
+          <a:blip r:embed="rId2">
+            <a:extLst>
+              <a:ext uri="{28A0092B-C50C-407E-A947-70E740481C1C}">
+                <a14:useLocalDpi xmlns:a14="http://schemas.microsoft.com/office/drawing/2010/main" val="0"/>
+              </a:ext>
+            </a:extLst>
+          </a:blip>
+          <a:srcRect/>
+          <a:stretch>
+            <a:fillRect/>
+          </a:stretch>
+        </p:blipFill>
+        <p:spPr bwMode="auto">
+          <a:xfrm>
+            <a:off x="5994400" y="2597746"/>
+            <a:ext cx="5511800" cy="3373222"/>
+          </a:xfrm>
+          <a:prstGeom prst="rect">
+            <a:avLst/>
+          </a:prstGeom>
+          <a:noFill/>
+          <a:extLst>
+            <a:ext uri="{909E8E84-426E-40DD-AFC4-6F175D3DCCD1}">
+              <a14:hiddenFill xmlns:a14="http://schemas.microsoft.com/office/drawing/2010/main">
+                <a:solidFill>
+                  <a:srgbClr val="FFFFFF"/>
+                </a:solidFill>
+              </a14:hiddenFill>
+            </a:ext>
+          </a:extLst>
+        </p:spPr>
+      </p:pic>
     </p:spTree>
   </p:cSld>
   <p:clrMapOvr>
@@ -4925,21 +4971,33 @@
       </p:grpSpPr>
       <p:grpSp>
         <p:nvGrpSpPr>
-          <p:cNvPr id="3" name="Group 3"/>
+          <p:cNvPr id="5" name="Group 3">
+            <a:extLst>
+              <a:ext uri="{FF2B5EF4-FFF2-40B4-BE49-F238E27FC236}">
+                <a16:creationId xmlns:a16="http://schemas.microsoft.com/office/drawing/2014/main" id="{C649FF08-C6B8-350F-AE8E-A766FE7C3EB5}"/>
+              </a:ext>
+            </a:extLst>
+          </p:cNvPr>
           <p:cNvGrpSpPr/>
           <p:nvPr/>
         </p:nvGrpSpPr>
         <p:grpSpPr>
           <a:xfrm>
             <a:off x="467022" y="381678"/>
-            <a:ext cx="1601733" cy="346133"/>
+            <a:ext cx="1998592" cy="502496"/>
             <a:chOff x="0" y="0"/>
             <a:chExt cx="3203467" cy="692267"/>
           </a:xfrm>
         </p:grpSpPr>
         <p:sp>
           <p:nvSpPr>
-            <p:cNvPr id="4" name="Freeform 4"/>
+            <p:cNvPr id="6" name="Freeform 4">
+              <a:extLst>
+                <a:ext uri="{FF2B5EF4-FFF2-40B4-BE49-F238E27FC236}">
+                  <a16:creationId xmlns:a16="http://schemas.microsoft.com/office/drawing/2014/main" id="{5E7C565E-B480-9BE4-BF1D-C94DDF40CE0C}"/>
+                </a:ext>
+              </a:extLst>
+            </p:cNvPr>
             <p:cNvSpPr/>
             <p:nvPr/>
           </p:nvSpPr>
@@ -4997,13 +5055,19 @@
             <a:bodyPr/>
             <a:lstStyle/>
             <a:p>
-              <a:endParaRPr lang="en-NL" sz="1200"/>
+              <a:endParaRPr lang="en-NL" dirty="0"/>
             </a:p>
           </p:txBody>
         </p:sp>
         <p:sp>
           <p:nvSpPr>
-            <p:cNvPr id="5" name="Freeform 5"/>
+            <p:cNvPr id="7" name="Freeform 5">
+              <a:extLst>
+                <a:ext uri="{FF2B5EF4-FFF2-40B4-BE49-F238E27FC236}">
+                  <a16:creationId xmlns:a16="http://schemas.microsoft.com/office/drawing/2014/main" id="{766337FA-FC10-C5C0-5353-CAC75C80E957}"/>
+                </a:ext>
+              </a:extLst>
+            </p:cNvPr>
             <p:cNvSpPr/>
             <p:nvPr/>
           </p:nvSpPr>
@@ -5138,13 +5202,19 @@
             <a:bodyPr/>
             <a:lstStyle/>
             <a:p>
-              <a:endParaRPr lang="en-NL" sz="1200"/>
+              <a:endParaRPr lang="en-NL"/>
             </a:p>
           </p:txBody>
         </p:sp>
         <p:sp>
           <p:nvSpPr>
-            <p:cNvPr id="6" name="TextBox 6"/>
+            <p:cNvPr id="8" name="TextBox 6">
+              <a:extLst>
+                <a:ext uri="{FF2B5EF4-FFF2-40B4-BE49-F238E27FC236}">
+                  <a16:creationId xmlns:a16="http://schemas.microsoft.com/office/drawing/2014/main" id="{7C36CB00-29BE-7EDC-ADC4-380C5A3BFC28}"/>
+                </a:ext>
+              </a:extLst>
+            </p:cNvPr>
             <p:cNvSpPr txBox="1"/>
             <p:nvPr/>
           </p:nvSpPr>
@@ -5167,116 +5237,53 @@
                 </a:lnSpc>
               </a:pPr>
               <a:r>
-                <a:rPr lang="en-US" sz="1333">
+                <a:rPr lang="en-US" dirty="0">
                   <a:solidFill>
                     <a:srgbClr val="050037"/>
                   </a:solidFill>
                   <a:latin typeface="Roboto"/>
                 </a:rPr>
-                <a:t>Problem</a:t>
+                <a:t>Our Solution</a:t>
               </a:r>
             </a:p>
           </p:txBody>
         </p:sp>
       </p:grpSp>
-      <p:sp>
-        <p:nvSpPr>
-          <p:cNvPr id="8" name="TextBox 8"/>
-          <p:cNvSpPr txBox="1"/>
+      <p:pic>
+        <p:nvPicPr>
+          <p:cNvPr id="10" name="Picture 9">
+            <a:extLst>
+              <a:ext uri="{FF2B5EF4-FFF2-40B4-BE49-F238E27FC236}">
+                <a16:creationId xmlns:a16="http://schemas.microsoft.com/office/drawing/2014/main" id="{B88AABAC-4824-147C-004D-D5C5F4DB7F90}"/>
+              </a:ext>
+            </a:extLst>
+          </p:cNvPr>
+          <p:cNvPicPr>
+            <a:picLocks noChangeAspect="1"/>
+          </p:cNvPicPr>
           <p:nvPr/>
-        </p:nvSpPr>
+        </p:nvPicPr>
+        <p:blipFill rotWithShape="1">
+          <a:blip r:embed="rId2"/>
+          <a:srcRect t="15873"/>
+          <a:stretch/>
+        </p:blipFill>
         <p:spPr>
           <a:xfrm>
-            <a:off x="685800" y="1012327"/>
-            <a:ext cx="11234342" cy="820738"/>
+            <a:off x="144181" y="996042"/>
+            <a:ext cx="7244550" cy="5769429"/>
           </a:xfrm>
           <a:prstGeom prst="rect">
             <a:avLst/>
           </a:prstGeom>
         </p:spPr>
-        <p:txBody>
-          <a:bodyPr lIns="0" tIns="0" rIns="0" bIns="0" rtlCol="0" anchor="t">
-            <a:spAutoFit/>
-          </a:bodyPr>
-          <a:lstStyle/>
-          <a:p>
-            <a:pPr algn="ctr">
-              <a:lnSpc>
-                <a:spcPts val="3200"/>
-              </a:lnSpc>
-            </a:pPr>
-            <a:r>
-              <a:rPr lang="en-US" sz="2667" dirty="0">
-                <a:solidFill>
-                  <a:srgbClr val="000000"/>
-                </a:solidFill>
-                <a:latin typeface="Arimo Bold"/>
-              </a:rPr>
-              <a:t> Creating the right Machine Learning model</a:t>
-            </a:r>
-          </a:p>
-          <a:p>
-            <a:pPr algn="ctr">
-              <a:lnSpc>
-                <a:spcPts val="3200"/>
-              </a:lnSpc>
-            </a:pPr>
-            <a:r>
-              <a:rPr lang="en-US" sz="2667" dirty="0">
-                <a:solidFill>
-                  <a:srgbClr val="000000"/>
-                </a:solidFill>
-                <a:latin typeface="Arimo Bold"/>
-              </a:rPr>
-              <a:t>takes time and coding skills</a:t>
-            </a:r>
-          </a:p>
-        </p:txBody>
-      </p:sp>
-      <p:sp>
-        <p:nvSpPr>
-          <p:cNvPr id="13" name="TextBox 13"/>
-          <p:cNvSpPr txBox="1"/>
-          <p:nvPr/>
-        </p:nvSpPr>
-        <p:spPr>
-          <a:xfrm>
-            <a:off x="11506216" y="6188517"/>
-            <a:ext cx="175775" cy="367601"/>
-          </a:xfrm>
-          <a:prstGeom prst="rect">
-            <a:avLst/>
-          </a:prstGeom>
-        </p:spPr>
-        <p:txBody>
-          <a:bodyPr lIns="0" tIns="0" rIns="0" bIns="0" rtlCol="0" anchor="t">
-            <a:spAutoFit/>
-          </a:bodyPr>
-          <a:lstStyle/>
-          <a:p>
-            <a:pPr algn="ctr">
-              <a:lnSpc>
-                <a:spcPts val="2957"/>
-              </a:lnSpc>
-            </a:pPr>
-            <a:r>
-              <a:rPr lang="en-US" sz="2465">
-                <a:solidFill>
-                  <a:srgbClr val="000000"/>
-                </a:solidFill>
-                <a:latin typeface="Roboto"/>
-              </a:rPr>
-              <a:t>1</a:t>
-            </a:r>
-          </a:p>
-        </p:txBody>
-      </p:sp>
+      </p:pic>
       <p:grpSp>
         <p:nvGrpSpPr>
-          <p:cNvPr id="14" name="Group 6">
-            <a:extLst>
-              <a:ext uri="{FF2B5EF4-FFF2-40B4-BE49-F238E27FC236}">
-                <a16:creationId xmlns:a16="http://schemas.microsoft.com/office/drawing/2014/main" id="{D3D67B99-644A-725E-7F84-CEFD00BC84A4}"/>
+          <p:cNvPr id="11" name="Group 6">
+            <a:extLst>
+              <a:ext uri="{FF2B5EF4-FFF2-40B4-BE49-F238E27FC236}">
+                <a16:creationId xmlns:a16="http://schemas.microsoft.com/office/drawing/2014/main" id="{E2BF4817-D578-2EE5-36C6-C9330C35B350}"/>
               </a:ext>
             </a:extLst>
           </p:cNvPr>
@@ -5285,7 +5292,7 @@
         </p:nvGrpSpPr>
         <p:grpSpPr>
           <a:xfrm>
-            <a:off x="685801" y="2464686"/>
+            <a:off x="7451273" y="1735343"/>
             <a:ext cx="1674771" cy="336906"/>
             <a:chOff x="0" y="0"/>
             <a:chExt cx="3349543" cy="673812"/>
@@ -5293,10 +5300,10 @@
         </p:grpSpPr>
         <p:sp>
           <p:nvSpPr>
-            <p:cNvPr id="15" name="Freeform 7">
+            <p:cNvPr id="12" name="Freeform 7">
               <a:extLst>
                 <a:ext uri="{FF2B5EF4-FFF2-40B4-BE49-F238E27FC236}">
-                  <a16:creationId xmlns:a16="http://schemas.microsoft.com/office/drawing/2014/main" id="{897197F3-ACB0-592F-A513-1695EAD6BB41}"/>
+                  <a16:creationId xmlns:a16="http://schemas.microsoft.com/office/drawing/2014/main" id="{5D24CDED-8DC9-26DF-69C6-D4052F4374E0}"/>
                 </a:ext>
               </a:extLst>
             </p:cNvPr>
@@ -5363,10 +5370,10 @@
         </p:sp>
         <p:sp>
           <p:nvSpPr>
-            <p:cNvPr id="16" name="Freeform 8">
+            <p:cNvPr id="13" name="Freeform 8">
               <a:extLst>
                 <a:ext uri="{FF2B5EF4-FFF2-40B4-BE49-F238E27FC236}">
-                  <a16:creationId xmlns:a16="http://schemas.microsoft.com/office/drawing/2014/main" id="{3B1EB6E7-9A81-C807-2F72-7C8A0BA49F38}"/>
+                  <a16:creationId xmlns:a16="http://schemas.microsoft.com/office/drawing/2014/main" id="{26648E8F-40A3-C181-0F1E-50870A7D5C9F}"/>
                 </a:ext>
               </a:extLst>
             </p:cNvPr>
@@ -5510,10 +5517,10 @@
         </p:sp>
         <p:sp>
           <p:nvSpPr>
-            <p:cNvPr id="17" name="TextBox 9">
+            <p:cNvPr id="14" name="TextBox 9">
               <a:extLst>
                 <a:ext uri="{FF2B5EF4-FFF2-40B4-BE49-F238E27FC236}">
-                  <a16:creationId xmlns:a16="http://schemas.microsoft.com/office/drawing/2014/main" id="{25C150EF-A23A-E81C-219D-1BC1A919F7B8}"/>
+                  <a16:creationId xmlns:a16="http://schemas.microsoft.com/office/drawing/2014/main" id="{0CC00B22-DFE2-508A-4D1F-8D9AABA29BA4}"/>
                 </a:ext>
               </a:extLst>
             </p:cNvPr>
@@ -5539,13 +5546,13 @@
                 </a:lnSpc>
               </a:pPr>
               <a:r>
-                <a:rPr lang="en-US" sz="1333">
+                <a:rPr lang="en-US" sz="1333" dirty="0">
                   <a:solidFill>
                     <a:srgbClr val="050037"/>
                   </a:solidFill>
                   <a:latin typeface="Roboto"/>
                 </a:rPr>
-                <a:t>Sub-problem #1</a:t>
+                <a:t>Public</a:t>
               </a:r>
             </a:p>
           </p:txBody>
@@ -5553,10 +5560,10 @@
       </p:grpSp>
       <p:grpSp>
         <p:nvGrpSpPr>
-          <p:cNvPr id="18" name="Group 10">
-            <a:extLst>
-              <a:ext uri="{FF2B5EF4-FFF2-40B4-BE49-F238E27FC236}">
-                <a16:creationId xmlns:a16="http://schemas.microsoft.com/office/drawing/2014/main" id="{791790BF-F0C4-D809-6AAE-07550C9CFA03}"/>
+          <p:cNvPr id="15" name="Group 6">
+            <a:extLst>
+              <a:ext uri="{FF2B5EF4-FFF2-40B4-BE49-F238E27FC236}">
+                <a16:creationId xmlns:a16="http://schemas.microsoft.com/office/drawing/2014/main" id="{83BC4131-C3AC-30A6-10AE-3A6EB24BA3CB}"/>
               </a:ext>
             </a:extLst>
           </p:cNvPr>
@@ -5565,7 +5572,7 @@
         </p:nvGrpSpPr>
         <p:grpSpPr>
           <a:xfrm>
-            <a:off x="685801" y="3657566"/>
+            <a:off x="7442432" y="3983243"/>
             <a:ext cx="1674771" cy="336906"/>
             <a:chOff x="0" y="0"/>
             <a:chExt cx="3349543" cy="673812"/>
@@ -5573,10 +5580,10 @@
         </p:grpSpPr>
         <p:sp>
           <p:nvSpPr>
-            <p:cNvPr id="19" name="Freeform 11">
+            <p:cNvPr id="16" name="Freeform 7">
               <a:extLst>
                 <a:ext uri="{FF2B5EF4-FFF2-40B4-BE49-F238E27FC236}">
-                  <a16:creationId xmlns:a16="http://schemas.microsoft.com/office/drawing/2014/main" id="{D9EB33A1-66E6-CD92-68CF-5A37A59D3D29}"/>
+                  <a16:creationId xmlns:a16="http://schemas.microsoft.com/office/drawing/2014/main" id="{F8E1F441-A828-460D-90D5-4D2F6A7C4140}"/>
                 </a:ext>
               </a:extLst>
             </p:cNvPr>
@@ -5643,10 +5650,10 @@
         </p:sp>
         <p:sp>
           <p:nvSpPr>
-            <p:cNvPr id="20" name="Freeform 12">
+            <p:cNvPr id="17" name="Freeform 8">
               <a:extLst>
                 <a:ext uri="{FF2B5EF4-FFF2-40B4-BE49-F238E27FC236}">
-                  <a16:creationId xmlns:a16="http://schemas.microsoft.com/office/drawing/2014/main" id="{EAFC439D-C826-4695-D015-4FAB6CDE7716}"/>
+                  <a16:creationId xmlns:a16="http://schemas.microsoft.com/office/drawing/2014/main" id="{EF9CA1CC-7F52-C206-47CE-0E024B8BE3B5}"/>
                 </a:ext>
               </a:extLst>
             </p:cNvPr>
@@ -5790,10 +5797,10 @@
         </p:sp>
         <p:sp>
           <p:nvSpPr>
-            <p:cNvPr id="21" name="TextBox 13">
+            <p:cNvPr id="18" name="TextBox 9">
               <a:extLst>
                 <a:ext uri="{FF2B5EF4-FFF2-40B4-BE49-F238E27FC236}">
-                  <a16:creationId xmlns:a16="http://schemas.microsoft.com/office/drawing/2014/main" id="{C99A55AC-E690-2141-E45D-34F9A28E9AD3}"/>
+                  <a16:creationId xmlns:a16="http://schemas.microsoft.com/office/drawing/2014/main" id="{4C034BA5-8875-FD47-C75E-7F3A9399C3F6}"/>
                 </a:ext>
               </a:extLst>
             </p:cNvPr>
@@ -5819,304 +5826,25 @@
                 </a:lnSpc>
               </a:pPr>
               <a:r>
-                <a:rPr lang="en-US" sz="1333">
+                <a:rPr lang="en-US" sz="1333" dirty="0">
                   <a:solidFill>
                     <a:srgbClr val="050037"/>
                   </a:solidFill>
                   <a:latin typeface="Roboto"/>
                 </a:rPr>
-                <a:t>Sub-problem #2</a:t>
+                <a:t>Localhost</a:t>
               </a:r>
             </a:p>
           </p:txBody>
         </p:sp>
       </p:grpSp>
-      <p:grpSp>
-        <p:nvGrpSpPr>
-          <p:cNvPr id="22" name="Group 20">
-            <a:extLst>
-              <a:ext uri="{FF2B5EF4-FFF2-40B4-BE49-F238E27FC236}">
-                <a16:creationId xmlns:a16="http://schemas.microsoft.com/office/drawing/2014/main" id="{18108DC2-7847-F687-BFCF-15080566510C}"/>
-              </a:ext>
-            </a:extLst>
-          </p:cNvPr>
-          <p:cNvGrpSpPr/>
-          <p:nvPr/>
-        </p:nvGrpSpPr>
-        <p:grpSpPr>
-          <a:xfrm>
-            <a:off x="685801" y="4826170"/>
-            <a:ext cx="1674771" cy="336906"/>
-            <a:chOff x="0" y="0"/>
-            <a:chExt cx="3349543" cy="673812"/>
-          </a:xfrm>
-        </p:grpSpPr>
-        <p:sp>
-          <p:nvSpPr>
-            <p:cNvPr id="23" name="Freeform 21">
-              <a:extLst>
-                <a:ext uri="{FF2B5EF4-FFF2-40B4-BE49-F238E27FC236}">
-                  <a16:creationId xmlns:a16="http://schemas.microsoft.com/office/drawing/2014/main" id="{90352A9C-03E5-B968-0768-A0A3EEE40B71}"/>
-                </a:ext>
-              </a:extLst>
-            </p:cNvPr>
-            <p:cNvSpPr/>
-            <p:nvPr/>
-          </p:nvSpPr>
-          <p:spPr>
-            <a:xfrm>
-              <a:off x="17661" y="16441"/>
-              <a:ext cx="3314201" cy="640817"/>
-            </a:xfrm>
-            <a:custGeom>
-              <a:avLst/>
-              <a:gdLst/>
-              <a:ahLst/>
-              <a:cxnLst/>
-              <a:rect l="l" t="t" r="r" b="b"/>
-              <a:pathLst>
-                <a:path w="3314201" h="640817">
-                  <a:moveTo>
-                    <a:pt x="0" y="320408"/>
-                  </a:moveTo>
-                  <a:cubicBezTo>
-                    <a:pt x="0" y="143516"/>
-                    <a:pt x="160412" y="0"/>
-                    <a:pt x="358138" y="0"/>
-                  </a:cubicBezTo>
-                  <a:lnTo>
-                    <a:pt x="2956063" y="0"/>
-                  </a:lnTo>
-                  <a:cubicBezTo>
-                    <a:pt x="3153789" y="0"/>
-                    <a:pt x="3314201" y="143516"/>
-                    <a:pt x="3314201" y="320408"/>
-                  </a:cubicBezTo>
-                  <a:cubicBezTo>
-                    <a:pt x="3314201" y="497300"/>
-                    <a:pt x="3153922" y="640817"/>
-                    <a:pt x="2956063" y="640817"/>
-                  </a:cubicBezTo>
-                  <a:lnTo>
-                    <a:pt x="358138" y="640817"/>
-                  </a:lnTo>
-                  <a:cubicBezTo>
-                    <a:pt x="160412" y="640817"/>
-                    <a:pt x="0" y="497300"/>
-                    <a:pt x="0" y="320408"/>
-                  </a:cubicBezTo>
-                  <a:close/>
-                </a:path>
-              </a:pathLst>
-            </a:custGeom>
-            <a:solidFill>
-              <a:srgbClr val="FFFFFF"/>
-            </a:solidFill>
-          </p:spPr>
-          <p:txBody>
-            <a:bodyPr/>
-            <a:lstStyle/>
-            <a:p>
-              <a:endParaRPr lang="en-NL" sz="1200"/>
-            </a:p>
-          </p:txBody>
-        </p:sp>
-        <p:sp>
-          <p:nvSpPr>
-            <p:cNvPr id="24" name="Freeform 22">
-              <a:extLst>
-                <a:ext uri="{FF2B5EF4-FFF2-40B4-BE49-F238E27FC236}">
-                  <a16:creationId xmlns:a16="http://schemas.microsoft.com/office/drawing/2014/main" id="{DFA159AE-10CF-55A2-BD17-D54BAAF8C9E7}"/>
-                </a:ext>
-              </a:extLst>
-            </p:cNvPr>
-            <p:cNvSpPr/>
-            <p:nvPr/>
-          </p:nvSpPr>
-          <p:spPr>
-            <a:xfrm>
-              <a:off x="0" y="0"/>
-              <a:ext cx="3349523" cy="673822"/>
-            </a:xfrm>
-            <a:custGeom>
-              <a:avLst/>
-              <a:gdLst/>
-              <a:ahLst/>
-              <a:cxnLst/>
-              <a:rect l="l" t="t" r="r" b="b"/>
-              <a:pathLst>
-                <a:path w="3349523" h="673822">
-                  <a:moveTo>
-                    <a:pt x="0" y="336849"/>
-                  </a:moveTo>
-                  <a:cubicBezTo>
-                    <a:pt x="0" y="150191"/>
-                    <a:pt x="168910" y="0"/>
-                    <a:pt x="375799" y="0"/>
-                  </a:cubicBezTo>
-                  <a:lnTo>
-                    <a:pt x="2973724" y="0"/>
-                  </a:lnTo>
-                  <a:lnTo>
-                    <a:pt x="2973724" y="16441"/>
-                  </a:lnTo>
-                  <a:lnTo>
-                    <a:pt x="2973724" y="0"/>
-                  </a:lnTo>
-                  <a:cubicBezTo>
-                    <a:pt x="3180613" y="0"/>
-                    <a:pt x="3349523" y="150191"/>
-                    <a:pt x="3349523" y="336849"/>
-                  </a:cubicBezTo>
-                  <a:lnTo>
-                    <a:pt x="3331862" y="336849"/>
-                  </a:lnTo>
-                  <a:lnTo>
-                    <a:pt x="3349523" y="336849"/>
-                  </a:lnTo>
-                  <a:lnTo>
-                    <a:pt x="3331862" y="336849"/>
-                  </a:lnTo>
-                  <a:lnTo>
-                    <a:pt x="3349523" y="336849"/>
-                  </a:lnTo>
-                  <a:cubicBezTo>
-                    <a:pt x="3349523" y="523507"/>
-                    <a:pt x="3180613" y="673699"/>
-                    <a:pt x="2973724" y="673699"/>
-                  </a:cubicBezTo>
-                  <a:lnTo>
-                    <a:pt x="2973724" y="657381"/>
-                  </a:lnTo>
-                  <a:lnTo>
-                    <a:pt x="2973724" y="673822"/>
-                  </a:lnTo>
-                  <a:lnTo>
-                    <a:pt x="375799" y="673822"/>
-                  </a:lnTo>
-                  <a:lnTo>
-                    <a:pt x="375799" y="657381"/>
-                  </a:lnTo>
-                  <a:lnTo>
-                    <a:pt x="375799" y="673822"/>
-                  </a:lnTo>
-                  <a:cubicBezTo>
-                    <a:pt x="168910" y="673822"/>
-                    <a:pt x="0" y="523631"/>
-                    <a:pt x="0" y="336849"/>
-                  </a:cubicBezTo>
-                  <a:lnTo>
-                    <a:pt x="17661" y="336849"/>
-                  </a:lnTo>
-                  <a:lnTo>
-                    <a:pt x="0" y="336849"/>
-                  </a:lnTo>
-                  <a:moveTo>
-                    <a:pt x="35455" y="336849"/>
-                  </a:moveTo>
-                  <a:lnTo>
-                    <a:pt x="17661" y="336849"/>
-                  </a:lnTo>
-                  <a:lnTo>
-                    <a:pt x="35455" y="336849"/>
-                  </a:lnTo>
-                  <a:cubicBezTo>
-                    <a:pt x="35455" y="504100"/>
-                    <a:pt x="187235" y="640817"/>
-                    <a:pt x="375799" y="640817"/>
-                  </a:cubicBezTo>
-                  <a:lnTo>
-                    <a:pt x="2973724" y="640817"/>
-                  </a:lnTo>
-                  <a:cubicBezTo>
-                    <a:pt x="3162421" y="640817"/>
-                    <a:pt x="3314068" y="504100"/>
-                    <a:pt x="3314068" y="336849"/>
-                  </a:cubicBezTo>
-                  <a:cubicBezTo>
-                    <a:pt x="3314068" y="169599"/>
-                    <a:pt x="3162420" y="33005"/>
-                    <a:pt x="2973724" y="33005"/>
-                  </a:cubicBezTo>
-                  <a:lnTo>
-                    <a:pt x="375799" y="33005"/>
-                  </a:lnTo>
-                  <a:lnTo>
-                    <a:pt x="375799" y="16441"/>
-                  </a:lnTo>
-                  <a:lnTo>
-                    <a:pt x="375799" y="33005"/>
-                  </a:lnTo>
-                  <a:cubicBezTo>
-                    <a:pt x="187103" y="33005"/>
-                    <a:pt x="35455" y="169599"/>
-                    <a:pt x="35455" y="336849"/>
-                  </a:cubicBezTo>
-                  <a:close/>
-                </a:path>
-              </a:pathLst>
-            </a:custGeom>
-            <a:solidFill>
-              <a:srgbClr val="050037"/>
-            </a:solidFill>
-          </p:spPr>
-          <p:txBody>
-            <a:bodyPr/>
-            <a:lstStyle/>
-            <a:p>
-              <a:endParaRPr lang="en-NL" sz="1200"/>
-            </a:p>
-          </p:txBody>
-        </p:sp>
-        <p:sp>
-          <p:nvSpPr>
-            <p:cNvPr id="25" name="TextBox 23">
-              <a:extLst>
-                <a:ext uri="{FF2B5EF4-FFF2-40B4-BE49-F238E27FC236}">
-                  <a16:creationId xmlns:a16="http://schemas.microsoft.com/office/drawing/2014/main" id="{C53FB25D-350A-D746-5F97-54683A2CE04D}"/>
-                </a:ext>
-              </a:extLst>
-            </p:cNvPr>
-            <p:cNvSpPr txBox="1"/>
-            <p:nvPr/>
-          </p:nvSpPr>
-          <p:spPr>
-            <a:xfrm>
-              <a:off x="0" y="-19050"/>
-              <a:ext cx="3349543" cy="692862"/>
-            </a:xfrm>
-            <a:prstGeom prst="rect">
-              <a:avLst/>
-            </a:prstGeom>
-          </p:spPr>
-          <p:txBody>
-            <a:bodyPr lIns="33867" tIns="33867" rIns="33867" bIns="33867" rtlCol="0" anchor="ctr"/>
-            <a:lstStyle/>
-            <a:p>
-              <a:pPr algn="ctr">
-                <a:lnSpc>
-                  <a:spcPts val="1600"/>
-                </a:lnSpc>
-              </a:pPr>
-              <a:r>
-                <a:rPr lang="en-US" sz="1333">
-                  <a:solidFill>
-                    <a:srgbClr val="050037"/>
-                  </a:solidFill>
-                  <a:latin typeface="Roboto"/>
-                </a:rPr>
-                <a:t>Sub-problem #3</a:t>
-              </a:r>
-            </a:p>
-          </p:txBody>
-        </p:sp>
-      </p:grpSp>
-      <p:sp>
-        <p:nvSpPr>
-          <p:cNvPr id="26" name="TextBox 25">
-            <a:extLst>
-              <a:ext uri="{FF2B5EF4-FFF2-40B4-BE49-F238E27FC236}">
-                <a16:creationId xmlns:a16="http://schemas.microsoft.com/office/drawing/2014/main" id="{3A7D2504-6429-3687-3E85-11EF22F82EC4}"/>
+      <p:sp>
+        <p:nvSpPr>
+          <p:cNvPr id="20" name="TextBox 19">
+            <a:hlinkClick r:id="rId3"/>
+            <a:extLst>
+              <a:ext uri="{FF2B5EF4-FFF2-40B4-BE49-F238E27FC236}">
+                <a16:creationId xmlns:a16="http://schemas.microsoft.com/office/drawing/2014/main" id="{34D54ED1-09F9-B56F-DE09-916263C5F058}"/>
               </a:ext>
             </a:extLst>
           </p:cNvPr>
@@ -6125,2573 +5853,75 @@
         </p:nvSpPr>
         <p:spPr>
           <a:xfrm>
-            <a:off x="847873" y="2882511"/>
-            <a:ext cx="5197328" cy="654025"/>
-          </a:xfrm>
-          <a:prstGeom prst="rect">
-            <a:avLst/>
-          </a:prstGeom>
-        </p:spPr>
-        <p:txBody>
-          <a:bodyPr wrap="square" lIns="0" tIns="0" rIns="0" bIns="0" rtlCol="0" anchor="t">
-            <a:spAutoFit/>
-          </a:bodyPr>
-          <a:lstStyle/>
-          <a:p>
-            <a:pPr>
-              <a:lnSpc>
-                <a:spcPts val="1742"/>
-              </a:lnSpc>
-              <a:spcBef>
-                <a:spcPct val="0"/>
-              </a:spcBef>
-            </a:pPr>
-            <a:r>
-              <a:rPr lang="en-US" sz="1451" dirty="0">
-                <a:solidFill>
-                  <a:srgbClr val="000000"/>
-                </a:solidFill>
-                <a:latin typeface="Roboto"/>
-              </a:rPr>
-              <a:t>A machine learning pipeline requires multiple iterations over every step of the process to find the right combination to maximize the model performance.</a:t>
-            </a:r>
-          </a:p>
-        </p:txBody>
-      </p:sp>
-      <p:sp>
-        <p:nvSpPr>
-          <p:cNvPr id="27" name="TextBox 34">
-            <a:extLst>
-              <a:ext uri="{FF2B5EF4-FFF2-40B4-BE49-F238E27FC236}">
-                <a16:creationId xmlns:a16="http://schemas.microsoft.com/office/drawing/2014/main" id="{C59E850A-3179-B40E-5A12-B5CEC5CF86D3}"/>
-              </a:ext>
-            </a:extLst>
-          </p:cNvPr>
-          <p:cNvSpPr txBox="1"/>
-          <p:nvPr/>
-        </p:nvSpPr>
-        <p:spPr>
-          <a:xfrm>
-            <a:off x="840276" y="4122625"/>
-            <a:ext cx="5001724" cy="436017"/>
-          </a:xfrm>
-          <a:prstGeom prst="rect">
-            <a:avLst/>
-          </a:prstGeom>
-        </p:spPr>
-        <p:txBody>
-          <a:bodyPr wrap="square" lIns="0" tIns="0" rIns="0" bIns="0" rtlCol="0" anchor="t">
-            <a:spAutoFit/>
-          </a:bodyPr>
-          <a:lstStyle/>
-          <a:p>
-            <a:pPr>
-              <a:lnSpc>
-                <a:spcPts val="1742"/>
-              </a:lnSpc>
-              <a:spcBef>
-                <a:spcPct val="0"/>
-              </a:spcBef>
-            </a:pPr>
-            <a:r>
-              <a:rPr lang="en-US" sz="1451" dirty="0">
-                <a:solidFill>
-                  <a:srgbClr val="000000"/>
-                </a:solidFill>
-                <a:latin typeface="Roboto"/>
-              </a:rPr>
-              <a:t>It is hard to keep track of all the modifications of the pipeline when creating a model </a:t>
-            </a:r>
-          </a:p>
-        </p:txBody>
-      </p:sp>
-      <p:sp>
-        <p:nvSpPr>
-          <p:cNvPr id="28" name="TextBox 36">
-            <a:extLst>
-              <a:ext uri="{FF2B5EF4-FFF2-40B4-BE49-F238E27FC236}">
-                <a16:creationId xmlns:a16="http://schemas.microsoft.com/office/drawing/2014/main" id="{02D777A7-4BB5-0470-F982-AFB456695DE3}"/>
-              </a:ext>
-            </a:extLst>
-          </p:cNvPr>
-          <p:cNvSpPr txBox="1"/>
-          <p:nvPr/>
-        </p:nvSpPr>
-        <p:spPr>
-          <a:xfrm>
-            <a:off x="847873" y="5250771"/>
-            <a:ext cx="5095728" cy="436017"/>
-          </a:xfrm>
-          <a:prstGeom prst="rect">
-            <a:avLst/>
-          </a:prstGeom>
-        </p:spPr>
-        <p:txBody>
-          <a:bodyPr wrap="square" lIns="0" tIns="0" rIns="0" bIns="0" rtlCol="0" anchor="t">
-            <a:spAutoFit/>
-          </a:bodyPr>
-          <a:lstStyle/>
-          <a:p>
-            <a:pPr>
-              <a:lnSpc>
-                <a:spcPts val="1742"/>
-              </a:lnSpc>
-              <a:spcBef>
-                <a:spcPct val="0"/>
-              </a:spcBef>
-            </a:pPr>
-            <a:r>
-              <a:rPr lang="en-US" sz="1451" dirty="0">
-                <a:solidFill>
-                  <a:srgbClr val="000000"/>
-                </a:solidFill>
-                <a:latin typeface="Roboto"/>
-              </a:rPr>
-              <a:t>Model creators tend to use Generative AI tools but without integration with their data</a:t>
-            </a:r>
-          </a:p>
-        </p:txBody>
-      </p:sp>
-      <p:pic>
-        <p:nvPicPr>
-          <p:cNvPr id="1028" name="Picture 4" descr="What is Machine Learning Course| Its Importance and Types-FORE">
-            <a:extLst>
-              <a:ext uri="{FF2B5EF4-FFF2-40B4-BE49-F238E27FC236}">
-                <a16:creationId xmlns:a16="http://schemas.microsoft.com/office/drawing/2014/main" id="{8BBD41C4-7645-31DF-024A-8D229A2378CD}"/>
-              </a:ext>
-            </a:extLst>
-          </p:cNvPr>
-          <p:cNvPicPr>
-            <a:picLocks noChangeAspect="1" noChangeArrowheads="1"/>
-          </p:cNvPicPr>
-          <p:nvPr/>
-        </p:nvPicPr>
-        <p:blipFill>
-          <a:blip r:embed="rId2">
-            <a:extLst>
-              <a:ext uri="{28A0092B-C50C-407E-A947-70E740481C1C}">
-                <a14:useLocalDpi xmlns:a14="http://schemas.microsoft.com/office/drawing/2010/main" val="0"/>
-              </a:ext>
-            </a:extLst>
-          </a:blip>
-          <a:srcRect/>
-          <a:stretch>
-            <a:fillRect/>
-          </a:stretch>
-        </p:blipFill>
-        <p:spPr bwMode="auto">
-          <a:xfrm>
-            <a:off x="5994400" y="2597746"/>
-            <a:ext cx="5511800" cy="3373222"/>
+            <a:off x="8205160" y="4616470"/>
+            <a:ext cx="2604354" cy="338554"/>
           </a:xfrm>
           <a:prstGeom prst="rect">
             <a:avLst/>
           </a:prstGeom>
           <a:noFill/>
-          <a:extLst>
-            <a:ext uri="{909E8E84-426E-40DD-AFC4-6F175D3DCCD1}">
-              <a14:hiddenFill xmlns:a14="http://schemas.microsoft.com/office/drawing/2010/main">
+        </p:spPr>
+        <p:txBody>
+          <a:bodyPr wrap="square">
+            <a:spAutoFit/>
+          </a:bodyPr>
+          <a:lstStyle/>
+          <a:p>
+            <a:r>
+              <a:rPr lang="es-ES" sz="1600" dirty="0">
                 <a:solidFill>
-                  <a:srgbClr val="FFFFFF"/>
+                  <a:srgbClr val="7086A4"/>
                 </a:solidFill>
-              </a14:hiddenFill>
-            </a:ext>
-          </a:extLst>
-        </p:spPr>
-      </p:pic>
-    </p:spTree>
-  </p:cSld>
-  <p:clrMapOvr>
-    <a:masterClrMapping/>
-  </p:clrMapOvr>
-</p:sld>
-</file>
-
-<file path=ppt/slides/slide4.xml><?xml version="1.0" encoding="utf-8"?>
-<p:sld xmlns:a="http://schemas.openxmlformats.org/drawingml/2006/main" xmlns:r="http://schemas.openxmlformats.org/officeDocument/2006/relationships" xmlns:p="http://schemas.openxmlformats.org/presentationml/2006/main">
-  <p:cSld>
-    <p:spTree>
-      <p:nvGrpSpPr>
-        <p:cNvPr id="1" name=""/>
-        <p:cNvGrpSpPr/>
-        <p:nvPr/>
-      </p:nvGrpSpPr>
-      <p:grpSpPr>
-        <a:xfrm>
-          <a:off x="0" y="0"/>
-          <a:ext cx="0" cy="0"/>
-          <a:chOff x="0" y="0"/>
-          <a:chExt cx="0" cy="0"/>
-        </a:xfrm>
-      </p:grpSpPr>
-      <p:pic>
-        <p:nvPicPr>
-          <p:cNvPr id="1028" name="Picture 4" descr="Ironhack - All Iron">
-            <a:extLst>
-              <a:ext uri="{FF2B5EF4-FFF2-40B4-BE49-F238E27FC236}">
-                <a16:creationId xmlns:a16="http://schemas.microsoft.com/office/drawing/2014/main" id="{14B08E7C-C4EC-C9DD-A444-88A20E5FA72E}"/>
-              </a:ext>
-            </a:extLst>
-          </p:cNvPr>
-          <p:cNvPicPr>
-            <a:picLocks noChangeAspect="1" noChangeArrowheads="1"/>
-          </p:cNvPicPr>
+              </a:rPr>
+              <a:t>http://localhost:8501/</a:t>
+            </a:r>
+          </a:p>
+        </p:txBody>
+      </p:sp>
+      <p:sp>
+        <p:nvSpPr>
+          <p:cNvPr id="21" name="TextBox 20">
+            <a:hlinkClick r:id="rId3"/>
+            <a:extLst>
+              <a:ext uri="{FF2B5EF4-FFF2-40B4-BE49-F238E27FC236}">
+                <a16:creationId xmlns:a16="http://schemas.microsoft.com/office/drawing/2014/main" id="{7C158C6D-C870-A8CF-6115-3689610E0C4B}"/>
+              </a:ext>
+            </a:extLst>
+          </p:cNvPr>
+          <p:cNvSpPr txBox="1"/>
           <p:nvPr/>
-        </p:nvPicPr>
-        <p:blipFill rotWithShape="1">
-          <a:blip r:embed="rId2">
-            <a:extLst>
-              <a:ext uri="{28A0092B-C50C-407E-A947-70E740481C1C}">
-                <a14:useLocalDpi xmlns:a14="http://schemas.microsoft.com/office/drawing/2010/main" val="0"/>
-              </a:ext>
-            </a:extLst>
-          </a:blip>
-          <a:srcRect l="19693" t="23077" r="21538" b="21846"/>
-          <a:stretch/>
-        </p:blipFill>
-        <p:spPr bwMode="auto">
-          <a:xfrm>
-            <a:off x="10479314" y="231443"/>
-            <a:ext cx="1349818" cy="1265011"/>
+        </p:nvSpPr>
+        <p:spPr>
+          <a:xfrm>
+            <a:off x="8139846" y="2360289"/>
+            <a:ext cx="2604354" cy="338554"/>
           </a:xfrm>
           <a:prstGeom prst="rect">
             <a:avLst/>
           </a:prstGeom>
           <a:noFill/>
-          <a:extLst>
-            <a:ext uri="{909E8E84-426E-40DD-AFC4-6F175D3DCCD1}">
-              <a14:hiddenFill xmlns:a14="http://schemas.microsoft.com/office/drawing/2010/main">
-                <a:solidFill>
-                  <a:srgbClr val="FFFFFF"/>
-                </a:solidFill>
-              </a14:hiddenFill>
-            </a:ext>
-          </a:extLst>
-        </p:spPr>
-      </p:pic>
-      <p:sp>
-        <p:nvSpPr>
-          <p:cNvPr id="2" name="Rectangle: Rounded Corners 1">
-            <a:extLst>
-              <a:ext uri="{FF2B5EF4-FFF2-40B4-BE49-F238E27FC236}">
-                <a16:creationId xmlns:a16="http://schemas.microsoft.com/office/drawing/2014/main" id="{0078C757-91C6-80C5-8AEA-2065191A6FF0}"/>
-              </a:ext>
-            </a:extLst>
-          </p:cNvPr>
-          <p:cNvSpPr/>
-          <p:nvPr/>
-        </p:nvSpPr>
-        <p:spPr>
-          <a:xfrm>
-            <a:off x="2603066" y="2351500"/>
-            <a:ext cx="6690341" cy="2006329"/>
-          </a:xfrm>
-          <a:prstGeom prst="roundRect">
-            <a:avLst/>
-          </a:prstGeom>
-          <a:noFill/>
-          <a:ln>
-            <a:prstDash val="solid"/>
-          </a:ln>
-        </p:spPr>
-        <p:style>
-          <a:lnRef idx="2">
-            <a:schemeClr val="accent1">
-              <a:shade val="15000"/>
-            </a:schemeClr>
-          </a:lnRef>
-          <a:fillRef idx="1">
-            <a:schemeClr val="accent1"/>
-          </a:fillRef>
-          <a:effectRef idx="0">
-            <a:schemeClr val="accent1"/>
-          </a:effectRef>
-          <a:fontRef idx="minor">
-            <a:schemeClr val="lt1"/>
-          </a:fontRef>
-        </p:style>
-        <p:txBody>
-          <a:bodyPr rtlCol="0" anchor="ctr"/>
-          <a:lstStyle/>
-          <a:p>
-            <a:pPr algn="ctr"/>
-            <a:endParaRPr lang="es-ES"/>
-          </a:p>
-        </p:txBody>
-      </p:sp>
-      <p:sp>
-        <p:nvSpPr>
-          <p:cNvPr id="3" name="Rectangle: Rounded Corners 2">
-            <a:extLst>
-              <a:ext uri="{FF2B5EF4-FFF2-40B4-BE49-F238E27FC236}">
-                <a16:creationId xmlns:a16="http://schemas.microsoft.com/office/drawing/2014/main" id="{CA3547B8-521F-4A64-C9D5-62D04EBBA1FC}"/>
-              </a:ext>
-            </a:extLst>
-          </p:cNvPr>
-          <p:cNvSpPr/>
-          <p:nvPr/>
-        </p:nvSpPr>
-        <p:spPr>
-          <a:xfrm>
-            <a:off x="4583604" y="313238"/>
-            <a:ext cx="2729264" cy="800472"/>
-          </a:xfrm>
-          <a:prstGeom prst="roundRect">
-            <a:avLst/>
-          </a:prstGeom>
-          <a:noFill/>
-          <a:ln>
-            <a:prstDash val="solid"/>
-          </a:ln>
-        </p:spPr>
-        <p:style>
-          <a:lnRef idx="2">
-            <a:schemeClr val="accent1">
-              <a:shade val="15000"/>
-            </a:schemeClr>
-          </a:lnRef>
-          <a:fillRef idx="1">
-            <a:schemeClr val="accent1"/>
-          </a:fillRef>
-          <a:effectRef idx="0">
-            <a:schemeClr val="accent1"/>
-          </a:effectRef>
-          <a:fontRef idx="minor">
-            <a:schemeClr val="lt1"/>
-          </a:fontRef>
-        </p:style>
-        <p:txBody>
-          <a:bodyPr rtlCol="0" anchor="ctr"/>
-          <a:lstStyle/>
-          <a:p>
-            <a:pPr algn="ctr"/>
-            <a:endParaRPr lang="es-ES"/>
-          </a:p>
-        </p:txBody>
-      </p:sp>
-      <p:sp>
-        <p:nvSpPr>
-          <p:cNvPr id="5" name="Rectangle: Rounded Corners 4">
-            <a:extLst>
-              <a:ext uri="{FF2B5EF4-FFF2-40B4-BE49-F238E27FC236}">
-                <a16:creationId xmlns:a16="http://schemas.microsoft.com/office/drawing/2014/main" id="{00FA9BCC-603D-2E9F-CF45-CAE7EE6C3BA6}"/>
-              </a:ext>
-            </a:extLst>
-          </p:cNvPr>
-          <p:cNvSpPr/>
-          <p:nvPr/>
-        </p:nvSpPr>
-        <p:spPr>
-          <a:xfrm>
-            <a:off x="1310120" y="5313745"/>
-            <a:ext cx="5575099" cy="1157818"/>
-          </a:xfrm>
-          <a:prstGeom prst="roundRect">
-            <a:avLst/>
-          </a:prstGeom>
-          <a:noFill/>
-          <a:ln>
-            <a:prstDash val="sysDash"/>
-          </a:ln>
-        </p:spPr>
-        <p:style>
-          <a:lnRef idx="2">
-            <a:schemeClr val="accent1">
-              <a:shade val="15000"/>
-            </a:schemeClr>
-          </a:lnRef>
-          <a:fillRef idx="1">
-            <a:schemeClr val="accent1"/>
-          </a:fillRef>
-          <a:effectRef idx="0">
-            <a:schemeClr val="accent1"/>
-          </a:effectRef>
-          <a:fontRef idx="minor">
-            <a:schemeClr val="lt1"/>
-          </a:fontRef>
-        </p:style>
-        <p:txBody>
-          <a:bodyPr rtlCol="0" anchor="ctr"/>
-          <a:lstStyle/>
-          <a:p>
-            <a:pPr algn="ctr"/>
-            <a:endParaRPr lang="es-ES" dirty="0"/>
-          </a:p>
-        </p:txBody>
-      </p:sp>
-      <p:pic>
-        <p:nvPicPr>
-          <p:cNvPr id="2050" name="Picture 2">
-            <a:extLst>
-              <a:ext uri="{FF2B5EF4-FFF2-40B4-BE49-F238E27FC236}">
-                <a16:creationId xmlns:a16="http://schemas.microsoft.com/office/drawing/2014/main" id="{A041A1B4-4D24-74FB-E575-99EC0D22C12B}"/>
-              </a:ext>
-            </a:extLst>
-          </p:cNvPr>
-          <p:cNvPicPr>
-            <a:picLocks noChangeAspect="1" noChangeArrowheads="1"/>
-          </p:cNvPicPr>
-          <p:nvPr/>
-        </p:nvPicPr>
-        <p:blipFill>
-          <a:blip r:embed="rId3">
-            <a:extLst>
-              <a:ext uri="{28A0092B-C50C-407E-A947-70E740481C1C}">
-                <a14:useLocalDpi xmlns:a14="http://schemas.microsoft.com/office/drawing/2010/main" val="0"/>
-              </a:ext>
-            </a:extLst>
-          </a:blip>
-          <a:srcRect/>
-          <a:stretch>
-            <a:fillRect/>
-          </a:stretch>
-        </p:blipFill>
-        <p:spPr bwMode="auto">
-          <a:xfrm>
-            <a:off x="2062608" y="5681571"/>
-            <a:ext cx="1420070" cy="672870"/>
-          </a:xfrm>
-          <a:prstGeom prst="rect">
-            <a:avLst/>
-          </a:prstGeom>
-          <a:noFill/>
-          <a:extLst>
-            <a:ext uri="{909E8E84-426E-40DD-AFC4-6F175D3DCCD1}">
-              <a14:hiddenFill xmlns:a14="http://schemas.microsoft.com/office/drawing/2010/main">
-                <a:solidFill>
-                  <a:srgbClr val="FFFFFF"/>
-                </a:solidFill>
-              </a14:hiddenFill>
-            </a:ext>
-          </a:extLst>
-        </p:spPr>
-      </p:pic>
-      <p:sp>
-        <p:nvSpPr>
-          <p:cNvPr id="6" name="Rectangle: Rounded Corners 5">
-            <a:extLst>
-              <a:ext uri="{FF2B5EF4-FFF2-40B4-BE49-F238E27FC236}">
-                <a16:creationId xmlns:a16="http://schemas.microsoft.com/office/drawing/2014/main" id="{61B9BF89-D072-2F4C-03E2-CE43DB2E124C}"/>
-              </a:ext>
-            </a:extLst>
-          </p:cNvPr>
-          <p:cNvSpPr/>
-          <p:nvPr/>
-        </p:nvSpPr>
-        <p:spPr>
-          <a:xfrm>
-            <a:off x="1233866" y="2351500"/>
-            <a:ext cx="1132718" cy="2021648"/>
-          </a:xfrm>
-          <a:prstGeom prst="roundRect">
-            <a:avLst/>
-          </a:prstGeom>
-          <a:noFill/>
-          <a:ln>
-            <a:prstDash val="sysDash"/>
-          </a:ln>
-        </p:spPr>
-        <p:style>
-          <a:lnRef idx="2">
-            <a:schemeClr val="accent1">
-              <a:shade val="15000"/>
-            </a:schemeClr>
-          </a:lnRef>
-          <a:fillRef idx="1">
-            <a:schemeClr val="accent1"/>
-          </a:fillRef>
-          <a:effectRef idx="0">
-            <a:schemeClr val="accent1"/>
-          </a:effectRef>
-          <a:fontRef idx="minor">
-            <a:schemeClr val="lt1"/>
-          </a:fontRef>
-        </p:style>
-        <p:txBody>
-          <a:bodyPr rtlCol="0" anchor="ctr"/>
-          <a:lstStyle/>
-          <a:p>
-            <a:pPr algn="ctr"/>
-            <a:endParaRPr lang="es-ES"/>
-          </a:p>
-        </p:txBody>
-      </p:sp>
-      <p:sp>
-        <p:nvSpPr>
-          <p:cNvPr id="11" name="Rectangle: Rounded Corners 10">
-            <a:extLst>
-              <a:ext uri="{FF2B5EF4-FFF2-40B4-BE49-F238E27FC236}">
-                <a16:creationId xmlns:a16="http://schemas.microsoft.com/office/drawing/2014/main" id="{27E11335-0BFE-6979-52DC-9755A041EA79}"/>
-              </a:ext>
-            </a:extLst>
-          </p:cNvPr>
-          <p:cNvSpPr/>
-          <p:nvPr/>
-        </p:nvSpPr>
-        <p:spPr>
-          <a:xfrm>
-            <a:off x="9576406" y="2281712"/>
-            <a:ext cx="1132718" cy="2076118"/>
-          </a:xfrm>
-          <a:prstGeom prst="roundRect">
-            <a:avLst/>
-          </a:prstGeom>
-          <a:noFill/>
-          <a:ln>
-            <a:prstDash val="sysDash"/>
-          </a:ln>
-        </p:spPr>
-        <p:style>
-          <a:lnRef idx="2">
-            <a:schemeClr val="accent1">
-              <a:shade val="15000"/>
-            </a:schemeClr>
-          </a:lnRef>
-          <a:fillRef idx="1">
-            <a:schemeClr val="accent1"/>
-          </a:fillRef>
-          <a:effectRef idx="0">
-            <a:schemeClr val="accent1"/>
-          </a:effectRef>
-          <a:fontRef idx="minor">
-            <a:schemeClr val="lt1"/>
-          </a:fontRef>
-        </p:style>
-        <p:txBody>
-          <a:bodyPr rtlCol="0" anchor="ctr"/>
-          <a:lstStyle/>
-          <a:p>
-            <a:pPr algn="ctr"/>
-            <a:endParaRPr lang="es-ES"/>
-          </a:p>
-        </p:txBody>
-      </p:sp>
-      <p:pic>
-        <p:nvPicPr>
-          <p:cNvPr id="2056" name="Picture 8" descr="OpenAI Logo PNG vector in SVG, PDF, AI, CDR format">
-            <a:extLst>
-              <a:ext uri="{FF2B5EF4-FFF2-40B4-BE49-F238E27FC236}">
-                <a16:creationId xmlns:a16="http://schemas.microsoft.com/office/drawing/2014/main" id="{24986B89-F872-0075-3BC1-38AC8DC9AD36}"/>
-              </a:ext>
-            </a:extLst>
-          </p:cNvPr>
-          <p:cNvPicPr>
-            <a:picLocks noChangeAspect="1" noChangeArrowheads="1"/>
-          </p:cNvPicPr>
-          <p:nvPr/>
-        </p:nvPicPr>
-        <p:blipFill rotWithShape="1">
-          <a:blip r:embed="rId4">
-            <a:extLst>
-              <a:ext uri="{28A0092B-C50C-407E-A947-70E740481C1C}">
-                <a14:useLocalDpi xmlns:a14="http://schemas.microsoft.com/office/drawing/2010/main" val="0"/>
-              </a:ext>
-            </a:extLst>
-          </a:blip>
-          <a:srcRect l="14566" t="40505" r="14302" b="40769"/>
-          <a:stretch/>
-        </p:blipFill>
-        <p:spPr bwMode="auto">
-          <a:xfrm>
-            <a:off x="7216096" y="5536897"/>
-            <a:ext cx="3011634" cy="595065"/>
-          </a:xfrm>
-          <a:prstGeom prst="rect">
-            <a:avLst/>
-          </a:prstGeom>
-          <a:noFill/>
-          <a:extLst>
-            <a:ext uri="{909E8E84-426E-40DD-AFC4-6F175D3DCCD1}">
-              <a14:hiddenFill xmlns:a14="http://schemas.microsoft.com/office/drawing/2010/main">
-                <a:solidFill>
-                  <a:srgbClr val="FFFFFF"/>
-                </a:solidFill>
-              </a14:hiddenFill>
-            </a:ext>
-          </a:extLst>
-        </p:spPr>
-      </p:pic>
-      <p:pic>
-        <p:nvPicPr>
-          <p:cNvPr id="2058" name="Picture 10" descr="Streamlit • A faster way to build and share data apps">
-            <a:extLst>
-              <a:ext uri="{FF2B5EF4-FFF2-40B4-BE49-F238E27FC236}">
-                <a16:creationId xmlns:a16="http://schemas.microsoft.com/office/drawing/2014/main" id="{57B7DF15-3576-5849-EEBF-3E06E48C35C0}"/>
-              </a:ext>
-            </a:extLst>
-          </p:cNvPr>
-          <p:cNvPicPr>
-            <a:picLocks noChangeAspect="1" noChangeArrowheads="1"/>
-          </p:cNvPicPr>
-          <p:nvPr/>
-        </p:nvPicPr>
-        <p:blipFill>
-          <a:blip r:embed="rId5">
-            <a:extLst>
-              <a:ext uri="{28A0092B-C50C-407E-A947-70E740481C1C}">
-                <a14:useLocalDpi xmlns:a14="http://schemas.microsoft.com/office/drawing/2010/main" val="0"/>
-              </a:ext>
-            </a:extLst>
-          </a:blip>
-          <a:srcRect/>
-          <a:stretch>
-            <a:fillRect/>
-          </a:stretch>
-        </p:blipFill>
-        <p:spPr bwMode="auto">
-          <a:xfrm>
-            <a:off x="1164771" y="1678611"/>
-            <a:ext cx="1796726" cy="498780"/>
-          </a:xfrm>
-          <a:prstGeom prst="rect">
-            <a:avLst/>
-          </a:prstGeom>
-          <a:noFill/>
-          <a:extLst>
-            <a:ext uri="{909E8E84-426E-40DD-AFC4-6F175D3DCCD1}">
-              <a14:hiddenFill xmlns:a14="http://schemas.microsoft.com/office/drawing/2010/main">
-                <a:solidFill>
-                  <a:srgbClr val="FFFFFF"/>
-                </a:solidFill>
-              </a14:hiddenFill>
-            </a:ext>
-          </a:extLst>
-        </p:spPr>
-      </p:pic>
-      <p:pic>
-        <p:nvPicPr>
-          <p:cNvPr id="2060" name="Picture 12" descr="pandas - Python Data Analysis Library">
-            <a:extLst>
-              <a:ext uri="{FF2B5EF4-FFF2-40B4-BE49-F238E27FC236}">
-                <a16:creationId xmlns:a16="http://schemas.microsoft.com/office/drawing/2014/main" id="{4C62CA79-8E46-01DD-DF99-37AA4679142D}"/>
-              </a:ext>
-            </a:extLst>
-          </p:cNvPr>
-          <p:cNvPicPr>
-            <a:picLocks noChangeAspect="1" noChangeArrowheads="1"/>
-          </p:cNvPicPr>
-          <p:nvPr/>
-        </p:nvPicPr>
-        <p:blipFill>
-          <a:blip r:embed="rId6">
-            <a:extLst>
-              <a:ext uri="{28A0092B-C50C-407E-A947-70E740481C1C}">
-                <a14:useLocalDpi xmlns:a14="http://schemas.microsoft.com/office/drawing/2010/main" val="0"/>
-              </a:ext>
-            </a:extLst>
-          </a:blip>
-          <a:srcRect/>
-          <a:stretch>
-            <a:fillRect/>
-          </a:stretch>
-        </p:blipFill>
-        <p:spPr bwMode="auto">
-          <a:xfrm>
-            <a:off x="1433397" y="2944375"/>
-            <a:ext cx="751346" cy="531853"/>
-          </a:xfrm>
-          <a:prstGeom prst="rect">
-            <a:avLst/>
-          </a:prstGeom>
-          <a:noFill/>
-          <a:extLst>
-            <a:ext uri="{909E8E84-426E-40DD-AFC4-6F175D3DCCD1}">
-              <a14:hiddenFill xmlns:a14="http://schemas.microsoft.com/office/drawing/2010/main">
-                <a:solidFill>
-                  <a:srgbClr val="FFFFFF"/>
-                </a:solidFill>
-              </a14:hiddenFill>
-            </a:ext>
-          </a:extLst>
-        </p:spPr>
-      </p:pic>
-      <p:pic>
-        <p:nvPicPr>
-          <p:cNvPr id="14" name="Picture 12" descr="pandas - Python Data Analysis Library">
-            <a:extLst>
-              <a:ext uri="{FF2B5EF4-FFF2-40B4-BE49-F238E27FC236}">
-                <a16:creationId xmlns:a16="http://schemas.microsoft.com/office/drawing/2014/main" id="{6C4CC7F2-8BE9-CBE9-BF1C-E6D118511B78}"/>
-              </a:ext>
-            </a:extLst>
-          </p:cNvPr>
-          <p:cNvPicPr>
-            <a:picLocks noChangeAspect="1" noChangeArrowheads="1"/>
-          </p:cNvPicPr>
-          <p:nvPr/>
-        </p:nvPicPr>
-        <p:blipFill>
-          <a:blip r:embed="rId6">
-            <a:extLst>
-              <a:ext uri="{28A0092B-C50C-407E-A947-70E740481C1C}">
-                <a14:useLocalDpi xmlns:a14="http://schemas.microsoft.com/office/drawing/2010/main" val="0"/>
-              </a:ext>
-            </a:extLst>
-          </a:blip>
-          <a:srcRect/>
-          <a:stretch>
-            <a:fillRect/>
-          </a:stretch>
-        </p:blipFill>
-        <p:spPr bwMode="auto">
-          <a:xfrm>
-            <a:off x="5292791" y="2973379"/>
-            <a:ext cx="685850" cy="485491"/>
-          </a:xfrm>
-          <a:prstGeom prst="rect">
-            <a:avLst/>
-          </a:prstGeom>
-          <a:noFill/>
-          <a:extLst>
-            <a:ext uri="{909E8E84-426E-40DD-AFC4-6F175D3DCCD1}">
-              <a14:hiddenFill xmlns:a14="http://schemas.microsoft.com/office/drawing/2010/main">
-                <a:solidFill>
-                  <a:srgbClr val="FFFFFF"/>
-                </a:solidFill>
-              </a14:hiddenFill>
-            </a:ext>
-          </a:extLst>
-        </p:spPr>
-      </p:pic>
-      <p:pic>
-        <p:nvPicPr>
-          <p:cNvPr id="2062" name="Picture 14" descr="x sqlite3&quot; Icon - Download for free – Iconduck">
-            <a:extLst>
-              <a:ext uri="{FF2B5EF4-FFF2-40B4-BE49-F238E27FC236}">
-                <a16:creationId xmlns:a16="http://schemas.microsoft.com/office/drawing/2014/main" id="{7555E4A0-0670-B6C4-5BF4-6F3CD2863596}"/>
-              </a:ext>
-            </a:extLst>
-          </p:cNvPr>
-          <p:cNvPicPr>
-            <a:picLocks noChangeAspect="1" noChangeArrowheads="1"/>
-          </p:cNvPicPr>
-          <p:nvPr/>
-        </p:nvPicPr>
-        <p:blipFill>
-          <a:blip r:embed="rId7">
-            <a:extLst>
-              <a:ext uri="{28A0092B-C50C-407E-A947-70E740481C1C}">
-                <a14:useLocalDpi xmlns:a14="http://schemas.microsoft.com/office/drawing/2010/main" val="0"/>
-              </a:ext>
-            </a:extLst>
-          </a:blip>
-          <a:srcRect/>
-          <a:stretch>
-            <a:fillRect/>
-          </a:stretch>
-        </p:blipFill>
-        <p:spPr bwMode="auto">
-          <a:xfrm>
-            <a:off x="1522130" y="3603922"/>
-            <a:ext cx="575733" cy="672224"/>
-          </a:xfrm>
-          <a:prstGeom prst="rect">
-            <a:avLst/>
-          </a:prstGeom>
-          <a:noFill/>
-          <a:extLst>
-            <a:ext uri="{909E8E84-426E-40DD-AFC4-6F175D3DCCD1}">
-              <a14:hiddenFill xmlns:a14="http://schemas.microsoft.com/office/drawing/2010/main">
-                <a:solidFill>
-                  <a:srgbClr val="FFFFFF"/>
-                </a:solidFill>
-              </a14:hiddenFill>
-            </a:ext>
-          </a:extLst>
-        </p:spPr>
-      </p:pic>
-      <p:pic>
-        <p:nvPicPr>
-          <p:cNvPr id="15" name="Picture 12" descr="pandas - Python Data Analysis Library">
-            <a:extLst>
-              <a:ext uri="{FF2B5EF4-FFF2-40B4-BE49-F238E27FC236}">
-                <a16:creationId xmlns:a16="http://schemas.microsoft.com/office/drawing/2014/main" id="{2DBDF48C-13B8-42A3-3BF5-582F053DE575}"/>
-              </a:ext>
-            </a:extLst>
-          </p:cNvPr>
-          <p:cNvPicPr>
-            <a:picLocks noChangeAspect="1" noChangeArrowheads="1"/>
-          </p:cNvPicPr>
-          <p:nvPr/>
-        </p:nvPicPr>
-        <p:blipFill>
-          <a:blip r:embed="rId6">
-            <a:extLst>
-              <a:ext uri="{28A0092B-C50C-407E-A947-70E740481C1C}">
-                <a14:useLocalDpi xmlns:a14="http://schemas.microsoft.com/office/drawing/2010/main" val="0"/>
-              </a:ext>
-            </a:extLst>
-          </a:blip>
-          <a:srcRect/>
-          <a:stretch>
-            <a:fillRect/>
-          </a:stretch>
-        </p:blipFill>
-        <p:spPr bwMode="auto">
-          <a:xfrm>
-            <a:off x="3145207" y="2982627"/>
-            <a:ext cx="659723" cy="466995"/>
-          </a:xfrm>
-          <a:prstGeom prst="rect">
-            <a:avLst/>
-          </a:prstGeom>
-          <a:noFill/>
-          <a:extLst>
-            <a:ext uri="{909E8E84-426E-40DD-AFC4-6F175D3DCCD1}">
-              <a14:hiddenFill xmlns:a14="http://schemas.microsoft.com/office/drawing/2010/main">
-                <a:solidFill>
-                  <a:srgbClr val="FFFFFF"/>
-                </a:solidFill>
-              </a14:hiddenFill>
-            </a:ext>
-          </a:extLst>
-        </p:spPr>
-      </p:pic>
-      <p:sp>
-        <p:nvSpPr>
-          <p:cNvPr id="16" name="AutoShape 16" descr="Citing and logo — seaborn 0.13.2 documentation">
-            <a:extLst>
-              <a:ext uri="{FF2B5EF4-FFF2-40B4-BE49-F238E27FC236}">
-                <a16:creationId xmlns:a16="http://schemas.microsoft.com/office/drawing/2014/main" id="{0B447746-AE36-DF61-2B5A-334993794364}"/>
-              </a:ext>
-            </a:extLst>
-          </p:cNvPr>
-          <p:cNvSpPr>
-            <a:spLocks noChangeAspect="1" noChangeArrowheads="1"/>
-          </p:cNvSpPr>
-          <p:nvPr/>
-        </p:nvSpPr>
-        <p:spPr bwMode="auto">
-          <a:xfrm>
-            <a:off x="5943600" y="3276600"/>
-            <a:ext cx="304800" cy="304800"/>
-          </a:xfrm>
-          <a:prstGeom prst="rect">
-            <a:avLst/>
-          </a:prstGeom>
-          <a:noFill/>
-          <a:extLst>
-            <a:ext uri="{909E8E84-426E-40DD-AFC4-6F175D3DCCD1}">
-              <a14:hiddenFill xmlns:a14="http://schemas.microsoft.com/office/drawing/2010/main">
-                <a:solidFill>
-                  <a:srgbClr val="FFFFFF"/>
-                </a:solidFill>
-              </a14:hiddenFill>
-            </a:ext>
-          </a:extLst>
-        </p:spPr>
-        <p:txBody>
-          <a:bodyPr vert="horz" wrap="square" lIns="91440" tIns="45720" rIns="91440" bIns="45720" numCol="1" anchor="t" anchorCtr="0" compatLnSpc="1">
-            <a:prstTxWarp prst="textNoShape">
-              <a:avLst/>
-            </a:prstTxWarp>
-          </a:bodyPr>
-          <a:lstStyle/>
-          <a:p>
-            <a:endParaRPr lang="es-ES"/>
-          </a:p>
-        </p:txBody>
-      </p:sp>
-      <p:pic>
-        <p:nvPicPr>
-          <p:cNvPr id="18" name="Graphic 17">
-            <a:extLst>
-              <a:ext uri="{FF2B5EF4-FFF2-40B4-BE49-F238E27FC236}">
-                <a16:creationId xmlns:a16="http://schemas.microsoft.com/office/drawing/2014/main" id="{D1C0E6B7-D276-413D-71E4-F91C71B13132}"/>
-              </a:ext>
-            </a:extLst>
-          </p:cNvPr>
-          <p:cNvPicPr>
-            <a:picLocks noChangeAspect="1"/>
-          </p:cNvPicPr>
-          <p:nvPr/>
-        </p:nvPicPr>
-        <p:blipFill>
-          <a:blip r:embed="rId8">
-            <a:extLst>
-              <a:ext uri="{28A0092B-C50C-407E-A947-70E740481C1C}">
-                <a14:useLocalDpi xmlns:a14="http://schemas.microsoft.com/office/drawing/2010/main" val="0"/>
-              </a:ext>
-              <a:ext uri="{96DAC541-7B7A-43D3-8B79-37D633B846F1}">
-                <asvg:svgBlip xmlns:asvg="http://schemas.microsoft.com/office/drawing/2016/SVG/main" r:embed="rId9"/>
-              </a:ext>
-            </a:extLst>
-          </a:blip>
-          <a:stretch>
-            <a:fillRect/>
-          </a:stretch>
-        </p:blipFill>
-        <p:spPr>
-          <a:xfrm>
-            <a:off x="4525021" y="2927631"/>
-            <a:ext cx="479309" cy="576986"/>
-          </a:xfrm>
-          <a:prstGeom prst="rect">
-            <a:avLst/>
-          </a:prstGeom>
-        </p:spPr>
-      </p:pic>
-      <p:pic>
-        <p:nvPicPr>
-          <p:cNvPr id="22" name="Picture 21">
-            <a:extLst>
-              <a:ext uri="{FF2B5EF4-FFF2-40B4-BE49-F238E27FC236}">
-                <a16:creationId xmlns:a16="http://schemas.microsoft.com/office/drawing/2014/main" id="{A7E21205-42EB-7D20-4F61-568793A29193}"/>
-              </a:ext>
-            </a:extLst>
-          </p:cNvPr>
-          <p:cNvPicPr>
-            <a:picLocks noChangeAspect="1"/>
-          </p:cNvPicPr>
-          <p:nvPr/>
-        </p:nvPicPr>
-        <p:blipFill>
-          <a:blip r:embed="rId10">
-            <a:extLst>
-              <a:ext uri="{BEBA8EAE-BF5A-486C-A8C5-ECC9F3942E4B}">
-                <a14:imgProps xmlns:a14="http://schemas.microsoft.com/office/drawing/2010/main">
-                  <a14:imgLayer r:embed="rId11">
-                    <a14:imgEffect>
-                      <a14:backgroundRemoval t="10000" b="90000" l="10000" r="90000">
-                        <a14:foregroundMark x1="20000" y1="59583" x2="20000" y2="59583"/>
-                        <a14:foregroundMark x1="25000" y1="60417" x2="25000" y2="60417"/>
-                        <a14:foregroundMark x1="22917" y1="54583" x2="22917" y2="54583"/>
-                      </a14:backgroundRemoval>
-                    </a14:imgEffect>
-                  </a14:imgLayer>
-                </a14:imgProps>
-              </a:ext>
-              <a:ext uri="{28A0092B-C50C-407E-A947-70E740481C1C}">
-                <a14:useLocalDpi xmlns:a14="http://schemas.microsoft.com/office/drawing/2010/main" val="0"/>
-              </a:ext>
-            </a:extLst>
-          </a:blip>
-          <a:stretch>
-            <a:fillRect/>
-          </a:stretch>
-        </p:blipFill>
-        <p:spPr>
-          <a:xfrm>
-            <a:off x="6562947" y="2920581"/>
-            <a:ext cx="591086" cy="591086"/>
-          </a:xfrm>
-          <a:prstGeom prst="rect">
-            <a:avLst/>
-          </a:prstGeom>
-        </p:spPr>
-      </p:pic>
-      <p:pic>
-        <p:nvPicPr>
-          <p:cNvPr id="24" name="Picture 23">
-            <a:extLst>
-              <a:ext uri="{FF2B5EF4-FFF2-40B4-BE49-F238E27FC236}">
-                <a16:creationId xmlns:a16="http://schemas.microsoft.com/office/drawing/2014/main" id="{0F7A930C-2F7B-17E7-95FB-57A4A5F53AA3}"/>
-              </a:ext>
-            </a:extLst>
-          </p:cNvPr>
-          <p:cNvPicPr>
-            <a:picLocks noChangeAspect="1"/>
-          </p:cNvPicPr>
-          <p:nvPr/>
-        </p:nvPicPr>
-        <p:blipFill>
-          <a:blip r:embed="rId10">
-            <a:extLst>
-              <a:ext uri="{BEBA8EAE-BF5A-486C-A8C5-ECC9F3942E4B}">
-                <a14:imgProps xmlns:a14="http://schemas.microsoft.com/office/drawing/2010/main">
-                  <a14:imgLayer r:embed="rId11">
-                    <a14:imgEffect>
-                      <a14:backgroundRemoval t="10000" b="90000" l="10000" r="90000">
-                        <a14:foregroundMark x1="20000" y1="59583" x2="20000" y2="59583"/>
-                        <a14:foregroundMark x1="25000" y1="60417" x2="25000" y2="60417"/>
-                        <a14:foregroundMark x1="22917" y1="54583" x2="22917" y2="54583"/>
-                      </a14:backgroundRemoval>
-                    </a14:imgEffect>
-                  </a14:imgLayer>
-                </a14:imgProps>
-              </a:ext>
-              <a:ext uri="{28A0092B-C50C-407E-A947-70E740481C1C}">
-                <a14:useLocalDpi xmlns:a14="http://schemas.microsoft.com/office/drawing/2010/main" val="0"/>
-              </a:ext>
-            </a:extLst>
-          </a:blip>
-          <a:stretch>
-            <a:fillRect/>
-          </a:stretch>
-        </p:blipFill>
-        <p:spPr>
-          <a:xfrm>
-            <a:off x="8136857" y="2951393"/>
-            <a:ext cx="529462" cy="529462"/>
-          </a:xfrm>
-          <a:prstGeom prst="rect">
-            <a:avLst/>
-          </a:prstGeom>
-        </p:spPr>
-      </p:pic>
-      <p:pic>
-        <p:nvPicPr>
-          <p:cNvPr id="2072" name="Picture 24">
-            <a:extLst>
-              <a:ext uri="{FF2B5EF4-FFF2-40B4-BE49-F238E27FC236}">
-                <a16:creationId xmlns:a16="http://schemas.microsoft.com/office/drawing/2014/main" id="{A18B987A-9869-C710-A986-8BBA3D9DEDC2}"/>
-              </a:ext>
-            </a:extLst>
-          </p:cNvPr>
-          <p:cNvPicPr>
-            <a:picLocks noChangeAspect="1" noChangeArrowheads="1"/>
-          </p:cNvPicPr>
-          <p:nvPr/>
-        </p:nvPicPr>
-        <p:blipFill>
-          <a:blip r:embed="rId12">
-            <a:extLst>
-              <a:ext uri="{28A0092B-C50C-407E-A947-70E740481C1C}">
-                <a14:useLocalDpi xmlns:a14="http://schemas.microsoft.com/office/drawing/2010/main" val="0"/>
-              </a:ext>
-            </a:extLst>
-          </a:blip>
-          <a:srcRect/>
-          <a:stretch>
-            <a:fillRect/>
-          </a:stretch>
-        </p:blipFill>
-        <p:spPr bwMode="auto">
-          <a:xfrm>
-            <a:off x="4991785" y="305289"/>
-            <a:ext cx="816368" cy="816368"/>
-          </a:xfrm>
-          <a:prstGeom prst="rect">
-            <a:avLst/>
-          </a:prstGeom>
-          <a:noFill/>
-          <a:extLst>
-            <a:ext uri="{909E8E84-426E-40DD-AFC4-6F175D3DCCD1}">
-              <a14:hiddenFill xmlns:a14="http://schemas.microsoft.com/office/drawing/2010/main">
-                <a:solidFill>
-                  <a:srgbClr val="FFFFFF"/>
-                </a:solidFill>
-              </a14:hiddenFill>
-            </a:ext>
-          </a:extLst>
-        </p:spPr>
-      </p:pic>
-      <p:pic>
-        <p:nvPicPr>
-          <p:cNvPr id="2074" name="Picture 26" descr="Web Icon Logo PNG Vector (EPS) Free Download">
-            <a:extLst>
-              <a:ext uri="{FF2B5EF4-FFF2-40B4-BE49-F238E27FC236}">
-                <a16:creationId xmlns:a16="http://schemas.microsoft.com/office/drawing/2014/main" id="{0B4D4FF1-63F4-376B-6079-7F9BDCDB1298}"/>
-              </a:ext>
-            </a:extLst>
-          </p:cNvPr>
-          <p:cNvPicPr>
-            <a:picLocks noChangeAspect="1" noChangeArrowheads="1"/>
-          </p:cNvPicPr>
-          <p:nvPr/>
-        </p:nvPicPr>
-        <p:blipFill>
-          <a:blip r:embed="rId13">
-            <a:extLst>
-              <a:ext uri="{28A0092B-C50C-407E-A947-70E740481C1C}">
-                <a14:useLocalDpi xmlns:a14="http://schemas.microsoft.com/office/drawing/2010/main" val="0"/>
-              </a:ext>
-            </a:extLst>
-          </a:blip>
-          <a:srcRect/>
-          <a:stretch>
-            <a:fillRect/>
-          </a:stretch>
-        </p:blipFill>
-        <p:spPr bwMode="auto">
-          <a:xfrm>
-            <a:off x="6213762" y="398093"/>
-            <a:ext cx="630761" cy="630761"/>
-          </a:xfrm>
-          <a:prstGeom prst="rect">
-            <a:avLst/>
-          </a:prstGeom>
-          <a:noFill/>
-          <a:extLst>
-            <a:ext uri="{909E8E84-426E-40DD-AFC4-6F175D3DCCD1}">
-              <a14:hiddenFill xmlns:a14="http://schemas.microsoft.com/office/drawing/2010/main">
-                <a:solidFill>
-                  <a:srgbClr val="FFFFFF"/>
-                </a:solidFill>
-              </a14:hiddenFill>
-            </a:ext>
-          </a:extLst>
-        </p:spPr>
-      </p:pic>
-      <p:sp>
-        <p:nvSpPr>
-          <p:cNvPr id="4" name="Rectangle: Rounded Corners 3">
-            <a:extLst>
-              <a:ext uri="{FF2B5EF4-FFF2-40B4-BE49-F238E27FC236}">
-                <a16:creationId xmlns:a16="http://schemas.microsoft.com/office/drawing/2014/main" id="{70D75A45-BE64-8D1F-B9F7-CE8D054CBB4B}"/>
-              </a:ext>
-            </a:extLst>
-          </p:cNvPr>
-          <p:cNvSpPr/>
-          <p:nvPr/>
-        </p:nvSpPr>
-        <p:spPr>
-          <a:xfrm>
-            <a:off x="869244" y="1676478"/>
-            <a:ext cx="10157985" cy="3074836"/>
-          </a:xfrm>
-          <a:prstGeom prst="roundRect">
-            <a:avLst/>
-          </a:prstGeom>
-          <a:noFill/>
-          <a:ln>
-            <a:prstDash val="sysDash"/>
-          </a:ln>
-        </p:spPr>
-        <p:style>
-          <a:lnRef idx="2">
-            <a:schemeClr val="accent1">
-              <a:shade val="15000"/>
-            </a:schemeClr>
-          </a:lnRef>
-          <a:fillRef idx="1">
-            <a:schemeClr val="accent1"/>
-          </a:fillRef>
-          <a:effectRef idx="0">
-            <a:schemeClr val="accent1"/>
-          </a:effectRef>
-          <a:fontRef idx="minor">
-            <a:schemeClr val="lt1"/>
-          </a:fontRef>
-        </p:style>
-        <p:txBody>
-          <a:bodyPr rtlCol="0" anchor="ctr"/>
-          <a:lstStyle/>
-          <a:p>
-            <a:pPr algn="ctr"/>
-            <a:endParaRPr lang="es-ES"/>
-          </a:p>
-        </p:txBody>
-      </p:sp>
-      <p:sp>
-        <p:nvSpPr>
-          <p:cNvPr id="12" name="TextBox 11">
-            <a:extLst>
-              <a:ext uri="{FF2B5EF4-FFF2-40B4-BE49-F238E27FC236}">
-                <a16:creationId xmlns:a16="http://schemas.microsoft.com/office/drawing/2014/main" id="{646C1D15-BF48-1665-E5D5-18A20A99801E}"/>
-              </a:ext>
-            </a:extLst>
-          </p:cNvPr>
-          <p:cNvSpPr txBox="1"/>
-          <p:nvPr/>
-        </p:nvSpPr>
-        <p:spPr>
-          <a:xfrm>
-            <a:off x="2918911" y="3555103"/>
-            <a:ext cx="1132718" cy="584775"/>
-          </a:xfrm>
-          <a:prstGeom prst="rect">
-            <a:avLst/>
-          </a:prstGeom>
-          <a:noFill/>
-          <a:ln>
-            <a:solidFill>
-              <a:schemeClr val="bg2">
-                <a:lumMod val="10000"/>
-              </a:schemeClr>
-            </a:solidFill>
-          </a:ln>
-        </p:spPr>
-        <p:txBody>
-          <a:bodyPr wrap="square" rtlCol="0">
+        </p:spPr>
+        <p:txBody>
+          <a:bodyPr wrap="square">
             <a:spAutoFit/>
           </a:bodyPr>
           <a:lstStyle/>
           <a:p>
-            <a:pPr algn="ctr"/>
-            <a:r>
-              <a:rPr lang="es-ES" sz="1600" b="1" dirty="0"/>
-              <a:t>Data </a:t>
-            </a:r>
-            <a:r>
-              <a:rPr lang="es-ES" sz="1600" b="1" dirty="0" err="1"/>
-              <a:t>Ingestion</a:t>
-            </a:r>
-            <a:endParaRPr lang="es-ES" sz="1600" b="1" dirty="0"/>
-          </a:p>
-        </p:txBody>
-      </p:sp>
-      <p:sp>
-        <p:nvSpPr>
-          <p:cNvPr id="13" name="TextBox 12">
-            <a:extLst>
-              <a:ext uri="{FF2B5EF4-FFF2-40B4-BE49-F238E27FC236}">
-                <a16:creationId xmlns:a16="http://schemas.microsoft.com/office/drawing/2014/main" id="{EF30969C-9533-F3BA-69E9-150AA8CB41D8}"/>
-              </a:ext>
-            </a:extLst>
-          </p:cNvPr>
-          <p:cNvSpPr txBox="1"/>
-          <p:nvPr/>
-        </p:nvSpPr>
-        <p:spPr>
-          <a:xfrm>
-            <a:off x="4450358" y="3555103"/>
-            <a:ext cx="1494175" cy="584775"/>
-          </a:xfrm>
-          <a:prstGeom prst="rect">
-            <a:avLst/>
-          </a:prstGeom>
-          <a:noFill/>
-          <a:ln>
-            <a:solidFill>
-              <a:schemeClr val="bg2">
-                <a:lumMod val="10000"/>
-              </a:schemeClr>
-            </a:solidFill>
-          </a:ln>
-        </p:spPr>
-        <p:txBody>
-          <a:bodyPr wrap="square" rtlCol="0">
-            <a:spAutoFit/>
-          </a:bodyPr>
-          <a:lstStyle/>
-          <a:p>
-            <a:pPr algn="ctr"/>
-            <a:r>
-              <a:rPr lang="es-ES" sz="1600" b="1" dirty="0"/>
-              <a:t>EDA &amp; </a:t>
-            </a:r>
-            <a:r>
-              <a:rPr lang="es-ES" sz="1600" b="1" dirty="0" err="1"/>
-              <a:t>Prepprocessing</a:t>
-            </a:r>
-            <a:endParaRPr lang="es-ES" sz="1600" b="1" dirty="0"/>
-          </a:p>
-        </p:txBody>
-      </p:sp>
-      <p:sp>
-        <p:nvSpPr>
-          <p:cNvPr id="17" name="TextBox 16">
-            <a:extLst>
-              <a:ext uri="{FF2B5EF4-FFF2-40B4-BE49-F238E27FC236}">
-                <a16:creationId xmlns:a16="http://schemas.microsoft.com/office/drawing/2014/main" id="{6067639E-44F3-9E7E-2282-94D946ECE718}"/>
-              </a:ext>
-            </a:extLst>
-          </p:cNvPr>
-          <p:cNvSpPr txBox="1"/>
-          <p:nvPr/>
-        </p:nvSpPr>
-        <p:spPr>
-          <a:xfrm>
-            <a:off x="6343262" y="3555103"/>
-            <a:ext cx="1132719" cy="584775"/>
-          </a:xfrm>
-          <a:prstGeom prst="rect">
-            <a:avLst/>
-          </a:prstGeom>
-          <a:noFill/>
-          <a:ln>
-            <a:solidFill>
-              <a:schemeClr val="bg2">
-                <a:lumMod val="10000"/>
-              </a:schemeClr>
-            </a:solidFill>
-          </a:ln>
-        </p:spPr>
-        <p:txBody>
-          <a:bodyPr wrap="square" rtlCol="0">
-            <a:spAutoFit/>
-          </a:bodyPr>
-          <a:lstStyle/>
-          <a:p>
-            <a:pPr algn="ctr"/>
-            <a:r>
-              <a:rPr lang="es-ES" sz="1600" b="1" dirty="0" err="1"/>
-              <a:t>Model</a:t>
-            </a:r>
-            <a:r>
-              <a:rPr lang="es-ES" sz="1600" b="1" dirty="0"/>
-              <a:t> </a:t>
-            </a:r>
-            <a:r>
-              <a:rPr lang="es-ES" sz="1600" b="1" dirty="0" err="1"/>
-              <a:t>Selection</a:t>
-            </a:r>
-            <a:endParaRPr lang="es-ES" sz="1600" b="1" dirty="0"/>
-          </a:p>
-        </p:txBody>
-      </p:sp>
-      <p:sp>
-        <p:nvSpPr>
-          <p:cNvPr id="20" name="TextBox 19">
-            <a:extLst>
-              <a:ext uri="{FF2B5EF4-FFF2-40B4-BE49-F238E27FC236}">
-                <a16:creationId xmlns:a16="http://schemas.microsoft.com/office/drawing/2014/main" id="{D75C7BF1-C825-69DE-5014-CE021DFD86CD}"/>
-              </a:ext>
-            </a:extLst>
-          </p:cNvPr>
-          <p:cNvSpPr txBox="1"/>
-          <p:nvPr/>
-        </p:nvSpPr>
-        <p:spPr>
-          <a:xfrm>
-            <a:off x="7874710" y="3555103"/>
-            <a:ext cx="1132719" cy="584775"/>
-          </a:xfrm>
-          <a:prstGeom prst="rect">
-            <a:avLst/>
-          </a:prstGeom>
-          <a:noFill/>
-          <a:ln>
-            <a:solidFill>
-              <a:schemeClr val="bg2">
-                <a:lumMod val="10000"/>
-              </a:schemeClr>
-            </a:solidFill>
-          </a:ln>
-        </p:spPr>
-        <p:txBody>
-          <a:bodyPr wrap="square" rtlCol="0">
-            <a:spAutoFit/>
-          </a:bodyPr>
-          <a:lstStyle/>
-          <a:p>
-            <a:pPr algn="ctr"/>
-            <a:r>
-              <a:rPr lang="es-ES" sz="1600" b="1" dirty="0" err="1"/>
-              <a:t>Model</a:t>
-            </a:r>
-            <a:endParaRPr lang="es-ES" sz="1600" b="1" dirty="0"/>
-          </a:p>
-          <a:p>
-            <a:pPr algn="ctr"/>
-            <a:r>
-              <a:rPr lang="es-ES" sz="1600" b="1" dirty="0" err="1"/>
-              <a:t>Testing</a:t>
-            </a:r>
-            <a:endParaRPr lang="es-ES" sz="1600" b="1" dirty="0"/>
-          </a:p>
-        </p:txBody>
-      </p:sp>
-      <p:sp>
-        <p:nvSpPr>
-          <p:cNvPr id="21" name="TextBox 20">
-            <a:extLst>
-              <a:ext uri="{FF2B5EF4-FFF2-40B4-BE49-F238E27FC236}">
-                <a16:creationId xmlns:a16="http://schemas.microsoft.com/office/drawing/2014/main" id="{DA7229C9-11C8-6D6B-4758-24AD07E6F74D}"/>
-              </a:ext>
-            </a:extLst>
-          </p:cNvPr>
-          <p:cNvSpPr txBox="1"/>
-          <p:nvPr/>
-        </p:nvSpPr>
-        <p:spPr>
-          <a:xfrm>
-            <a:off x="9582741" y="2469436"/>
-            <a:ext cx="1132719" cy="338554"/>
-          </a:xfrm>
-          <a:prstGeom prst="rect">
-            <a:avLst/>
-          </a:prstGeom>
-          <a:noFill/>
-          <a:ln>
-            <a:noFill/>
-          </a:ln>
-        </p:spPr>
-        <p:txBody>
-          <a:bodyPr wrap="square" rtlCol="0">
-            <a:spAutoFit/>
-          </a:bodyPr>
-          <a:lstStyle/>
-          <a:p>
-            <a:pPr algn="ctr"/>
-            <a:r>
-              <a:rPr lang="es-ES" sz="1600" b="1" dirty="0"/>
-              <a:t>CHATBOT</a:t>
-            </a:r>
-          </a:p>
-        </p:txBody>
-      </p:sp>
-      <p:sp>
-        <p:nvSpPr>
-          <p:cNvPr id="23" name="TextBox 22">
-            <a:extLst>
-              <a:ext uri="{FF2B5EF4-FFF2-40B4-BE49-F238E27FC236}">
-                <a16:creationId xmlns:a16="http://schemas.microsoft.com/office/drawing/2014/main" id="{143E5409-991C-5E22-4782-50D8F1ED48C8}"/>
-              </a:ext>
-            </a:extLst>
-          </p:cNvPr>
-          <p:cNvSpPr txBox="1"/>
-          <p:nvPr/>
-        </p:nvSpPr>
-        <p:spPr>
-          <a:xfrm>
-            <a:off x="1247764" y="2351500"/>
-            <a:ext cx="1132719" cy="577081"/>
-          </a:xfrm>
-          <a:prstGeom prst="rect">
-            <a:avLst/>
-          </a:prstGeom>
-          <a:noFill/>
-          <a:ln>
-            <a:noFill/>
-          </a:ln>
-        </p:spPr>
-        <p:txBody>
-          <a:bodyPr wrap="square" rtlCol="0">
-            <a:spAutoFit/>
-          </a:bodyPr>
-          <a:lstStyle/>
-          <a:p>
-            <a:pPr algn="ctr"/>
-            <a:r>
-              <a:rPr lang="es-ES" sz="1050" b="1" dirty="0"/>
-              <a:t>USER &amp; PROJECTS</a:t>
-            </a:r>
-          </a:p>
-          <a:p>
-            <a:pPr algn="ctr"/>
-            <a:r>
-              <a:rPr lang="es-ES" sz="1050" b="1" dirty="0"/>
-              <a:t>MANAGEMENT</a:t>
-            </a:r>
-          </a:p>
-        </p:txBody>
-      </p:sp>
-      <p:pic>
-        <p:nvPicPr>
-          <p:cNvPr id="1026" name="Picture 2" descr="Python logo and symbol, meaning, history, PNG">
-            <a:extLst>
-              <a:ext uri="{FF2B5EF4-FFF2-40B4-BE49-F238E27FC236}">
-                <a16:creationId xmlns:a16="http://schemas.microsoft.com/office/drawing/2014/main" id="{FBD398B5-12AD-BAC8-882C-0EA3EB99C701}"/>
-              </a:ext>
-            </a:extLst>
-          </p:cNvPr>
-          <p:cNvPicPr>
-            <a:picLocks noChangeAspect="1" noChangeArrowheads="1"/>
-          </p:cNvPicPr>
-          <p:nvPr/>
-        </p:nvPicPr>
-        <p:blipFill rotWithShape="1">
-          <a:blip r:embed="rId14">
-            <a:extLst>
-              <a:ext uri="{28A0092B-C50C-407E-A947-70E740481C1C}">
-                <a14:useLocalDpi xmlns:a14="http://schemas.microsoft.com/office/drawing/2010/main" val="0"/>
-              </a:ext>
-            </a:extLst>
-          </a:blip>
-          <a:srcRect t="25450" b="27282"/>
-          <a:stretch/>
-        </p:blipFill>
-        <p:spPr bwMode="auto">
-          <a:xfrm>
-            <a:off x="2973341" y="2409815"/>
-            <a:ext cx="924308" cy="273065"/>
-          </a:xfrm>
-          <a:prstGeom prst="rect">
-            <a:avLst/>
-          </a:prstGeom>
-          <a:noFill/>
-          <a:extLst>
-            <a:ext uri="{909E8E84-426E-40DD-AFC4-6F175D3DCCD1}">
-              <a14:hiddenFill xmlns:a14="http://schemas.microsoft.com/office/drawing/2010/main">
+            <a:r>
+              <a:rPr lang="es-ES" sz="1600" dirty="0">
                 <a:solidFill>
-                  <a:srgbClr val="FFFFFF"/>
-                </a:solidFill>
-              </a14:hiddenFill>
-            </a:ext>
-          </a:extLst>
-        </p:spPr>
-      </p:pic>
-      <p:sp>
-        <p:nvSpPr>
-          <p:cNvPr id="25" name="TextBox 24">
-            <a:extLst>
-              <a:ext uri="{FF2B5EF4-FFF2-40B4-BE49-F238E27FC236}">
-                <a16:creationId xmlns:a16="http://schemas.microsoft.com/office/drawing/2014/main" id="{E19415E9-F053-4FD0-5D38-4D035BB89DA9}"/>
-              </a:ext>
-            </a:extLst>
-          </p:cNvPr>
-          <p:cNvSpPr txBox="1"/>
-          <p:nvPr/>
-        </p:nvSpPr>
-        <p:spPr>
-          <a:xfrm>
-            <a:off x="4329150" y="2334867"/>
-            <a:ext cx="3238172" cy="338554"/>
-          </a:xfrm>
-          <a:prstGeom prst="rect">
-            <a:avLst/>
-          </a:prstGeom>
-          <a:noFill/>
-          <a:ln>
-            <a:noFill/>
-          </a:ln>
-        </p:spPr>
-        <p:txBody>
-          <a:bodyPr wrap="square" rtlCol="0">
-            <a:spAutoFit/>
-          </a:bodyPr>
-          <a:lstStyle/>
-          <a:p>
-            <a:pPr algn="ctr"/>
-            <a:r>
-              <a:rPr lang="es-ES" sz="1600" b="1" dirty="0">
-                <a:solidFill>
-                  <a:srgbClr val="1FB35B"/>
+                  <a:srgbClr val="7086A4"/>
                 </a:solidFill>
               </a:rPr>
-              <a:t>ML LEARNING PIPELINE</a:t>
-            </a:r>
-          </a:p>
-        </p:txBody>
-      </p:sp>
-      <p:pic>
-        <p:nvPicPr>
-          <p:cNvPr id="26" name="Picture 4" descr="Chatbot - Free technology icons">
-            <a:extLst>
-              <a:ext uri="{FF2B5EF4-FFF2-40B4-BE49-F238E27FC236}">
-                <a16:creationId xmlns:a16="http://schemas.microsoft.com/office/drawing/2014/main" id="{A7D499FA-2B87-E570-17CE-B3C41122F678}"/>
-              </a:ext>
-            </a:extLst>
-          </p:cNvPr>
-          <p:cNvPicPr>
-            <a:picLocks noChangeAspect="1" noChangeArrowheads="1"/>
-          </p:cNvPicPr>
-          <p:nvPr/>
-        </p:nvPicPr>
-        <p:blipFill>
-          <a:blip r:embed="rId15">
-            <a:extLst>
-              <a:ext uri="{28A0092B-C50C-407E-A947-70E740481C1C}">
-                <a14:useLocalDpi xmlns:a14="http://schemas.microsoft.com/office/drawing/2010/main" val="0"/>
-              </a:ext>
-            </a:extLst>
-          </a:blip>
-          <a:srcRect/>
-          <a:stretch>
-            <a:fillRect/>
-          </a:stretch>
-        </p:blipFill>
-        <p:spPr bwMode="auto">
-          <a:xfrm>
-            <a:off x="9609252" y="2996661"/>
-            <a:ext cx="1012371" cy="1012371"/>
-          </a:xfrm>
-          <a:prstGeom prst="rect">
-            <a:avLst/>
-          </a:prstGeom>
-          <a:noFill/>
-          <a:extLst>
-            <a:ext uri="{909E8E84-426E-40DD-AFC4-6F175D3DCCD1}">
-              <a14:hiddenFill xmlns:a14="http://schemas.microsoft.com/office/drawing/2010/main">
-                <a:solidFill>
-                  <a:srgbClr val="FFFFFF"/>
-                </a:solidFill>
-              </a14:hiddenFill>
-            </a:ext>
-          </a:extLst>
-        </p:spPr>
-      </p:pic>
-      <p:pic>
-        <p:nvPicPr>
-          <p:cNvPr id="1030" name="Picture 6" descr="Csv - Free files and folders icons">
-            <a:extLst>
-              <a:ext uri="{FF2B5EF4-FFF2-40B4-BE49-F238E27FC236}">
-                <a16:creationId xmlns:a16="http://schemas.microsoft.com/office/drawing/2014/main" id="{4B00B249-2032-2758-B58A-C7C76A4DEDBC}"/>
-              </a:ext>
-            </a:extLst>
-          </p:cNvPr>
-          <p:cNvPicPr>
-            <a:picLocks noChangeAspect="1" noChangeArrowheads="1"/>
-          </p:cNvPicPr>
-          <p:nvPr/>
-        </p:nvPicPr>
-        <p:blipFill>
-          <a:blip r:embed="rId16">
-            <a:extLst>
-              <a:ext uri="{28A0092B-C50C-407E-A947-70E740481C1C}">
-                <a14:useLocalDpi xmlns:a14="http://schemas.microsoft.com/office/drawing/2010/main" val="0"/>
-              </a:ext>
-            </a:extLst>
-          </a:blip>
-          <a:srcRect/>
-          <a:stretch>
-            <a:fillRect/>
-          </a:stretch>
-        </p:blipFill>
-        <p:spPr bwMode="auto">
-          <a:xfrm>
-            <a:off x="4580084" y="5693377"/>
-            <a:ext cx="649259" cy="649259"/>
-          </a:xfrm>
-          <a:prstGeom prst="rect">
-            <a:avLst/>
-          </a:prstGeom>
-          <a:noFill/>
-          <a:extLst>
-            <a:ext uri="{909E8E84-426E-40DD-AFC4-6F175D3DCCD1}">
-              <a14:hiddenFill xmlns:a14="http://schemas.microsoft.com/office/drawing/2010/main">
-                <a:solidFill>
-                  <a:srgbClr val="FFFFFF"/>
-                </a:solidFill>
-              </a14:hiddenFill>
-            </a:ext>
-          </a:extLst>
-        </p:spPr>
-      </p:pic>
-      <p:sp>
-        <p:nvSpPr>
-          <p:cNvPr id="28" name="TextBox 27">
-            <a:extLst>
-              <a:ext uri="{FF2B5EF4-FFF2-40B4-BE49-F238E27FC236}">
-                <a16:creationId xmlns:a16="http://schemas.microsoft.com/office/drawing/2014/main" id="{BBEBF47C-21EF-D8AE-7F33-52C5C1AC9959}"/>
-              </a:ext>
-            </a:extLst>
-          </p:cNvPr>
-          <p:cNvSpPr txBox="1"/>
-          <p:nvPr/>
-        </p:nvSpPr>
-        <p:spPr>
-          <a:xfrm>
-            <a:off x="5198450" y="5802563"/>
-            <a:ext cx="1244982" cy="430887"/>
-          </a:xfrm>
-          <a:prstGeom prst="rect">
-            <a:avLst/>
-          </a:prstGeom>
-          <a:noFill/>
-          <a:ln>
-            <a:noFill/>
-          </a:ln>
-        </p:spPr>
-        <p:txBody>
-          <a:bodyPr wrap="square" rtlCol="0">
-            <a:spAutoFit/>
-          </a:bodyPr>
-          <a:lstStyle/>
-          <a:p>
-            <a:pPr marL="171450" indent="-171450">
-              <a:buFont typeface="Arial" panose="020B0604020202020204" pitchFamily="34" charset="0"/>
-              <a:buChar char="•"/>
-            </a:pPr>
-            <a:r>
-              <a:rPr lang="es-ES" sz="1100" b="1" dirty="0"/>
-              <a:t>Raw </a:t>
-            </a:r>
-            <a:r>
-              <a:rPr lang="es-ES" sz="1100" b="1" dirty="0" err="1"/>
-              <a:t>Dataset</a:t>
-            </a:r>
-            <a:endParaRPr lang="es-ES" sz="1100" b="1" dirty="0"/>
-          </a:p>
-          <a:p>
-            <a:pPr marL="171450" indent="-171450">
-              <a:buFont typeface="Arial" panose="020B0604020202020204" pitchFamily="34" charset="0"/>
-              <a:buChar char="•"/>
-            </a:pPr>
-            <a:r>
-              <a:rPr lang="es-ES" sz="1100" b="1" dirty="0" err="1"/>
-              <a:t>Processed</a:t>
-            </a:r>
-            <a:r>
-              <a:rPr lang="es-ES" sz="1100" b="1" dirty="0"/>
-              <a:t> Data</a:t>
-            </a:r>
-          </a:p>
-        </p:txBody>
-      </p:sp>
-      <p:sp>
-        <p:nvSpPr>
-          <p:cNvPr id="29" name="TextBox 28">
-            <a:extLst>
-              <a:ext uri="{FF2B5EF4-FFF2-40B4-BE49-F238E27FC236}">
-                <a16:creationId xmlns:a16="http://schemas.microsoft.com/office/drawing/2014/main" id="{2D47D9C2-8A07-EE0D-140E-21F8ECB495E4}"/>
-              </a:ext>
-            </a:extLst>
-          </p:cNvPr>
-          <p:cNvSpPr txBox="1"/>
-          <p:nvPr/>
-        </p:nvSpPr>
-        <p:spPr>
-          <a:xfrm>
-            <a:off x="3482678" y="5717924"/>
-            <a:ext cx="1244982" cy="600164"/>
-          </a:xfrm>
-          <a:prstGeom prst="rect">
-            <a:avLst/>
-          </a:prstGeom>
-          <a:noFill/>
-          <a:ln>
-            <a:noFill/>
-          </a:ln>
-        </p:spPr>
-        <p:txBody>
-          <a:bodyPr wrap="square" rtlCol="0">
-            <a:spAutoFit/>
-          </a:bodyPr>
-          <a:lstStyle/>
-          <a:p>
-            <a:pPr marL="171450" indent="-171450">
-              <a:buFont typeface="Arial" panose="020B0604020202020204" pitchFamily="34" charset="0"/>
-              <a:buChar char="•"/>
-            </a:pPr>
-            <a:r>
-              <a:rPr lang="es-ES" sz="1100" b="1" dirty="0" err="1"/>
-              <a:t>Users</a:t>
-            </a:r>
-            <a:endParaRPr lang="es-ES" sz="1100" b="1" dirty="0"/>
-          </a:p>
-          <a:p>
-            <a:pPr marL="171450" indent="-171450">
-              <a:buFont typeface="Arial" panose="020B0604020202020204" pitchFamily="34" charset="0"/>
-              <a:buChar char="•"/>
-            </a:pPr>
-            <a:r>
-              <a:rPr lang="es-ES" sz="1100" b="1" dirty="0" err="1"/>
-              <a:t>Projects</a:t>
-            </a:r>
-            <a:endParaRPr lang="es-ES" sz="1100" b="1" dirty="0"/>
-          </a:p>
-          <a:p>
-            <a:pPr marL="171450" indent="-171450">
-              <a:buFont typeface="Arial" panose="020B0604020202020204" pitchFamily="34" charset="0"/>
-              <a:buChar char="•"/>
-            </a:pPr>
-            <a:r>
-              <a:rPr lang="es-ES" sz="1100" b="1" dirty="0" err="1"/>
-              <a:t>Models</a:t>
-            </a:r>
-            <a:endParaRPr lang="es-ES" sz="1100" b="1" dirty="0"/>
-          </a:p>
-        </p:txBody>
-      </p:sp>
-      <p:cxnSp>
-        <p:nvCxnSpPr>
-          <p:cNvPr id="31" name="Straight Arrow Connector 30">
-            <a:extLst>
-              <a:ext uri="{FF2B5EF4-FFF2-40B4-BE49-F238E27FC236}">
-                <a16:creationId xmlns:a16="http://schemas.microsoft.com/office/drawing/2014/main" id="{711789E1-64BA-BDB7-8A73-FEB530DB113A}"/>
-              </a:ext>
-            </a:extLst>
-          </p:cNvPr>
-          <p:cNvCxnSpPr>
-            <a:stCxn id="12" idx="3"/>
-            <a:endCxn id="13" idx="1"/>
-          </p:cNvCxnSpPr>
-          <p:nvPr/>
-        </p:nvCxnSpPr>
-        <p:spPr>
-          <a:xfrm>
-            <a:off x="4051629" y="3847491"/>
-            <a:ext cx="398729" cy="0"/>
-          </a:xfrm>
-          <a:prstGeom prst="straightConnector1">
-            <a:avLst/>
-          </a:prstGeom>
-          <a:ln w="12700">
-            <a:solidFill>
-              <a:schemeClr val="tx1">
-                <a:lumMod val="95000"/>
-                <a:lumOff val="5000"/>
-              </a:schemeClr>
-            </a:solidFill>
-            <a:tailEnd type="triangle"/>
-          </a:ln>
-        </p:spPr>
-        <p:style>
-          <a:lnRef idx="1">
-            <a:schemeClr val="accent1"/>
-          </a:lnRef>
-          <a:fillRef idx="0">
-            <a:schemeClr val="accent1"/>
-          </a:fillRef>
-          <a:effectRef idx="0">
-            <a:schemeClr val="accent1"/>
-          </a:effectRef>
-          <a:fontRef idx="minor">
-            <a:schemeClr val="tx1"/>
-          </a:fontRef>
-        </p:style>
-      </p:cxnSp>
-      <p:cxnSp>
-        <p:nvCxnSpPr>
-          <p:cNvPr id="32" name="Straight Arrow Connector 31">
-            <a:extLst>
-              <a:ext uri="{FF2B5EF4-FFF2-40B4-BE49-F238E27FC236}">
-                <a16:creationId xmlns:a16="http://schemas.microsoft.com/office/drawing/2014/main" id="{8838A32C-770A-6EC3-1F89-B4C65637A16C}"/>
-              </a:ext>
-            </a:extLst>
-          </p:cNvPr>
-          <p:cNvCxnSpPr/>
-          <p:nvPr/>
-        </p:nvCxnSpPr>
-        <p:spPr>
-          <a:xfrm>
-            <a:off x="5943600" y="3847490"/>
-            <a:ext cx="398729" cy="0"/>
-          </a:xfrm>
-          <a:prstGeom prst="straightConnector1">
-            <a:avLst/>
-          </a:prstGeom>
-          <a:ln w="12700">
-            <a:solidFill>
-              <a:schemeClr val="tx1">
-                <a:lumMod val="95000"/>
-                <a:lumOff val="5000"/>
-              </a:schemeClr>
-            </a:solidFill>
-            <a:tailEnd type="triangle"/>
-          </a:ln>
-        </p:spPr>
-        <p:style>
-          <a:lnRef idx="1">
-            <a:schemeClr val="accent1"/>
-          </a:lnRef>
-          <a:fillRef idx="0">
-            <a:schemeClr val="accent1"/>
-          </a:fillRef>
-          <a:effectRef idx="0">
-            <a:schemeClr val="accent1"/>
-          </a:effectRef>
-          <a:fontRef idx="minor">
-            <a:schemeClr val="tx1"/>
-          </a:fontRef>
-        </p:style>
-      </p:cxnSp>
-      <p:cxnSp>
-        <p:nvCxnSpPr>
-          <p:cNvPr id="33" name="Straight Arrow Connector 32">
-            <a:extLst>
-              <a:ext uri="{FF2B5EF4-FFF2-40B4-BE49-F238E27FC236}">
-                <a16:creationId xmlns:a16="http://schemas.microsoft.com/office/drawing/2014/main" id="{AF70A478-B448-4D77-6071-EC75401A2183}"/>
-              </a:ext>
-            </a:extLst>
-          </p:cNvPr>
-          <p:cNvCxnSpPr>
-            <a:cxnSpLocks/>
-            <a:stCxn id="17" idx="3"/>
-          </p:cNvCxnSpPr>
-          <p:nvPr/>
-        </p:nvCxnSpPr>
-        <p:spPr>
-          <a:xfrm flipV="1">
-            <a:off x="7475981" y="3847490"/>
-            <a:ext cx="398729" cy="1"/>
-          </a:xfrm>
-          <a:prstGeom prst="straightConnector1">
-            <a:avLst/>
-          </a:prstGeom>
-          <a:ln w="12700">
-            <a:solidFill>
-              <a:schemeClr val="tx1">
-                <a:lumMod val="95000"/>
-                <a:lumOff val="5000"/>
-              </a:schemeClr>
-            </a:solidFill>
-            <a:tailEnd type="triangle"/>
-          </a:ln>
-        </p:spPr>
-        <p:style>
-          <a:lnRef idx="1">
-            <a:schemeClr val="accent1"/>
-          </a:lnRef>
-          <a:fillRef idx="0">
-            <a:schemeClr val="accent1"/>
-          </a:fillRef>
-          <a:effectRef idx="0">
-            <a:schemeClr val="accent1"/>
-          </a:effectRef>
-          <a:fontRef idx="minor">
-            <a:schemeClr val="tx1"/>
-          </a:fontRef>
-        </p:style>
-      </p:cxnSp>
-      <p:cxnSp>
-        <p:nvCxnSpPr>
-          <p:cNvPr id="36" name="Connector: Elbow 35">
-            <a:extLst>
-              <a:ext uri="{FF2B5EF4-FFF2-40B4-BE49-F238E27FC236}">
-                <a16:creationId xmlns:a16="http://schemas.microsoft.com/office/drawing/2014/main" id="{619A9F08-CB44-E08A-9845-4E920DFC4853}"/>
-              </a:ext>
-            </a:extLst>
-          </p:cNvPr>
-          <p:cNvCxnSpPr>
-            <a:stCxn id="3" idx="1"/>
-          </p:cNvCxnSpPr>
-          <p:nvPr/>
-        </p:nvCxnSpPr>
-        <p:spPr>
-          <a:xfrm rot="10800000" flipV="1">
-            <a:off x="3325586" y="713474"/>
-            <a:ext cx="1258018" cy="963004"/>
-          </a:xfrm>
-          <a:prstGeom prst="bentConnector3">
-            <a:avLst>
-              <a:gd name="adj1" fmla="val 100620"/>
-            </a:avLst>
-          </a:prstGeom>
-          <a:ln w="12700">
-            <a:solidFill>
-              <a:srgbClr val="C00000"/>
-            </a:solidFill>
-            <a:prstDash val="sysDash"/>
-            <a:tailEnd type="triangle"/>
-          </a:ln>
-        </p:spPr>
-        <p:style>
-          <a:lnRef idx="1">
-            <a:schemeClr val="accent1"/>
-          </a:lnRef>
-          <a:fillRef idx="0">
-            <a:schemeClr val="accent1"/>
-          </a:fillRef>
-          <a:effectRef idx="0">
-            <a:schemeClr val="accent1"/>
-          </a:effectRef>
-          <a:fontRef idx="minor">
-            <a:schemeClr val="tx1"/>
-          </a:fontRef>
-        </p:style>
-      </p:cxnSp>
-      <p:cxnSp>
-        <p:nvCxnSpPr>
-          <p:cNvPr id="37" name="Connector: Elbow 36">
-            <a:extLst>
-              <a:ext uri="{FF2B5EF4-FFF2-40B4-BE49-F238E27FC236}">
-                <a16:creationId xmlns:a16="http://schemas.microsoft.com/office/drawing/2014/main" id="{21212613-BBD2-19D8-28F7-4653C01E6FFF}"/>
-              </a:ext>
-            </a:extLst>
-          </p:cNvPr>
-          <p:cNvCxnSpPr>
-            <a:cxnSpLocks/>
-            <a:endCxn id="3" idx="3"/>
-          </p:cNvCxnSpPr>
-          <p:nvPr/>
-        </p:nvCxnSpPr>
-        <p:spPr>
-          <a:xfrm rot="10800000">
-            <a:off x="7312868" y="713474"/>
-            <a:ext cx="971162" cy="965178"/>
-          </a:xfrm>
-          <a:prstGeom prst="bentConnector3">
-            <a:avLst>
-              <a:gd name="adj1" fmla="val -30634"/>
-            </a:avLst>
-          </a:prstGeom>
-          <a:ln w="12700">
-            <a:solidFill>
-              <a:srgbClr val="C00000"/>
-            </a:solidFill>
-            <a:prstDash val="sysDash"/>
-            <a:tailEnd type="triangle"/>
-          </a:ln>
-        </p:spPr>
-        <p:style>
-          <a:lnRef idx="1">
-            <a:schemeClr val="accent1"/>
-          </a:lnRef>
-          <a:fillRef idx="0">
-            <a:schemeClr val="accent1"/>
-          </a:fillRef>
-          <a:effectRef idx="0">
-            <a:schemeClr val="accent1"/>
-          </a:effectRef>
-          <a:fontRef idx="minor">
-            <a:schemeClr val="tx1"/>
-          </a:fontRef>
-        </p:style>
-      </p:cxnSp>
-      <p:pic>
-        <p:nvPicPr>
-          <p:cNvPr id="43" name="Picture 6" descr="Csv - Free files and folders icons">
-            <a:extLst>
-              <a:ext uri="{FF2B5EF4-FFF2-40B4-BE49-F238E27FC236}">
-                <a16:creationId xmlns:a16="http://schemas.microsoft.com/office/drawing/2014/main" id="{FF3E1090-02D6-96D5-601E-12F1B2A0D99C}"/>
-              </a:ext>
-            </a:extLst>
-          </p:cNvPr>
-          <p:cNvPicPr>
-            <a:picLocks noChangeAspect="1" noChangeArrowheads="1"/>
-          </p:cNvPicPr>
-          <p:nvPr/>
-        </p:nvPicPr>
-        <p:blipFill>
-          <a:blip r:embed="rId16">
-            <a:extLst>
-              <a:ext uri="{28A0092B-C50C-407E-A947-70E740481C1C}">
-                <a14:useLocalDpi xmlns:a14="http://schemas.microsoft.com/office/drawing/2010/main" val="0"/>
-              </a:ext>
-            </a:extLst>
-          </a:blip>
-          <a:srcRect/>
-          <a:stretch>
-            <a:fillRect/>
-          </a:stretch>
-        </p:blipFill>
-        <p:spPr bwMode="auto">
-          <a:xfrm>
-            <a:off x="3155197" y="1135761"/>
-            <a:ext cx="324630" cy="324630"/>
-          </a:xfrm>
-          <a:prstGeom prst="rect">
-            <a:avLst/>
-          </a:prstGeom>
-          <a:noFill/>
-          <a:extLst>
-            <a:ext uri="{909E8E84-426E-40DD-AFC4-6F175D3DCCD1}">
-              <a14:hiddenFill xmlns:a14="http://schemas.microsoft.com/office/drawing/2010/main">
-                <a:solidFill>
-                  <a:srgbClr val="FFFFFF"/>
-                </a:solidFill>
-              </a14:hiddenFill>
-            </a:ext>
-          </a:extLst>
-        </p:spPr>
-      </p:pic>
-      <p:pic>
-        <p:nvPicPr>
-          <p:cNvPr id="1032" name="Picture 8" descr="How To Generate Parquet Files in Java | The ContactSunny Blog">
-            <a:extLst>
-              <a:ext uri="{FF2B5EF4-FFF2-40B4-BE49-F238E27FC236}">
-                <a16:creationId xmlns:a16="http://schemas.microsoft.com/office/drawing/2014/main" id="{8931742A-BFAA-B10A-D6C0-F4F85A0C1429}"/>
-              </a:ext>
-            </a:extLst>
-          </p:cNvPr>
-          <p:cNvPicPr>
-            <a:picLocks noChangeAspect="1" noChangeArrowheads="1"/>
-          </p:cNvPicPr>
-          <p:nvPr/>
-        </p:nvPicPr>
-        <p:blipFill rotWithShape="1">
-          <a:blip r:embed="rId17">
-            <a:extLst>
-              <a:ext uri="{28A0092B-C50C-407E-A947-70E740481C1C}">
-                <a14:useLocalDpi xmlns:a14="http://schemas.microsoft.com/office/drawing/2010/main" val="0"/>
-              </a:ext>
-            </a:extLst>
-          </a:blip>
-          <a:srcRect l="4574" t="12384" r="5906" b="11368"/>
-          <a:stretch/>
-        </p:blipFill>
-        <p:spPr bwMode="auto">
-          <a:xfrm>
-            <a:off x="3163271" y="816525"/>
-            <a:ext cx="324630" cy="276502"/>
-          </a:xfrm>
-          <a:prstGeom prst="rect">
-            <a:avLst/>
-          </a:prstGeom>
-          <a:noFill/>
-          <a:extLst>
-            <a:ext uri="{909E8E84-426E-40DD-AFC4-6F175D3DCCD1}">
-              <a14:hiddenFill xmlns:a14="http://schemas.microsoft.com/office/drawing/2010/main">
-                <a:solidFill>
-                  <a:srgbClr val="FFFFFF"/>
-                </a:solidFill>
-              </a14:hiddenFill>
-            </a:ext>
-          </a:extLst>
-        </p:spPr>
-      </p:pic>
-      <p:pic>
-        <p:nvPicPr>
-          <p:cNvPr id="45" name="Picture 6" descr="Csv - Free files and folders icons">
-            <a:extLst>
-              <a:ext uri="{FF2B5EF4-FFF2-40B4-BE49-F238E27FC236}">
-                <a16:creationId xmlns:a16="http://schemas.microsoft.com/office/drawing/2014/main" id="{A82A51F5-1FEB-F17E-8965-59DCDDEE6108}"/>
-              </a:ext>
-            </a:extLst>
-          </p:cNvPr>
-          <p:cNvPicPr>
-            <a:picLocks noChangeAspect="1" noChangeArrowheads="1"/>
-          </p:cNvPicPr>
-          <p:nvPr/>
-        </p:nvPicPr>
-        <p:blipFill>
-          <a:blip r:embed="rId16">
-            <a:extLst>
-              <a:ext uri="{28A0092B-C50C-407E-A947-70E740481C1C}">
-                <a14:useLocalDpi xmlns:a14="http://schemas.microsoft.com/office/drawing/2010/main" val="0"/>
-              </a:ext>
-            </a:extLst>
-          </a:blip>
-          <a:srcRect/>
-          <a:stretch>
-            <a:fillRect/>
-          </a:stretch>
-        </p:blipFill>
-        <p:spPr bwMode="auto">
-          <a:xfrm>
-            <a:off x="8441069" y="954776"/>
-            <a:ext cx="324630" cy="324630"/>
-          </a:xfrm>
-          <a:prstGeom prst="rect">
-            <a:avLst/>
-          </a:prstGeom>
-          <a:noFill/>
-          <a:extLst>
-            <a:ext uri="{909E8E84-426E-40DD-AFC4-6F175D3DCCD1}">
-              <a14:hiddenFill xmlns:a14="http://schemas.microsoft.com/office/drawing/2010/main">
-                <a:solidFill>
-                  <a:srgbClr val="FFFFFF"/>
-                </a:solidFill>
-              </a14:hiddenFill>
-            </a:ext>
-          </a:extLst>
-        </p:spPr>
-      </p:pic>
-      <p:sp>
-        <p:nvSpPr>
-          <p:cNvPr id="46" name="TextBox 45">
-            <a:extLst>
-              <a:ext uri="{FF2B5EF4-FFF2-40B4-BE49-F238E27FC236}">
-                <a16:creationId xmlns:a16="http://schemas.microsoft.com/office/drawing/2014/main" id="{D0BE87A2-57A6-EF39-5F97-A021E1113EFA}"/>
-              </a:ext>
-            </a:extLst>
-          </p:cNvPr>
-          <p:cNvSpPr txBox="1"/>
-          <p:nvPr/>
-        </p:nvSpPr>
-        <p:spPr>
-          <a:xfrm>
-            <a:off x="2929765" y="442513"/>
-            <a:ext cx="855217" cy="261610"/>
-          </a:xfrm>
-          <a:prstGeom prst="rect">
-            <a:avLst/>
-          </a:prstGeom>
-          <a:noFill/>
-          <a:ln>
-            <a:noFill/>
-          </a:ln>
-        </p:spPr>
-        <p:txBody>
-          <a:bodyPr wrap="square" rtlCol="0">
-            <a:spAutoFit/>
-          </a:bodyPr>
-          <a:lstStyle/>
-          <a:p>
-            <a:r>
-              <a:rPr lang="es-ES" sz="1100" b="1" dirty="0"/>
-              <a:t>Data Input</a:t>
-            </a:r>
-          </a:p>
-        </p:txBody>
-      </p:sp>
-      <p:sp>
-        <p:nvSpPr>
-          <p:cNvPr id="47" name="TextBox 46">
-            <a:extLst>
-              <a:ext uri="{FF2B5EF4-FFF2-40B4-BE49-F238E27FC236}">
-                <a16:creationId xmlns:a16="http://schemas.microsoft.com/office/drawing/2014/main" id="{BAE56147-027F-30ED-A6EF-B71C02B66056}"/>
-              </a:ext>
-            </a:extLst>
-          </p:cNvPr>
-          <p:cNvSpPr txBox="1"/>
-          <p:nvPr/>
-        </p:nvSpPr>
-        <p:spPr>
-          <a:xfrm>
-            <a:off x="8114821" y="464428"/>
-            <a:ext cx="917425" cy="261610"/>
-          </a:xfrm>
-          <a:prstGeom prst="rect">
-            <a:avLst/>
-          </a:prstGeom>
-          <a:noFill/>
-          <a:ln>
-            <a:noFill/>
-          </a:ln>
-        </p:spPr>
-        <p:txBody>
-          <a:bodyPr wrap="square" rtlCol="0">
-            <a:spAutoFit/>
-          </a:bodyPr>
-          <a:lstStyle/>
-          <a:p>
-            <a:r>
-              <a:rPr lang="es-ES" sz="1100" b="1" dirty="0"/>
-              <a:t>Data Output</a:t>
-            </a:r>
-          </a:p>
-        </p:txBody>
-      </p:sp>
-      <p:pic>
-        <p:nvPicPr>
-          <p:cNvPr id="1034" name="Picture 10" descr="GitHub Logo and symbol, meaning, history, PNG, brand">
-            <a:extLst>
-              <a:ext uri="{FF2B5EF4-FFF2-40B4-BE49-F238E27FC236}">
-                <a16:creationId xmlns:a16="http://schemas.microsoft.com/office/drawing/2014/main" id="{65E92381-E2CA-F091-91A7-4475BF8B4017}"/>
-              </a:ext>
-            </a:extLst>
-          </p:cNvPr>
-          <p:cNvPicPr>
-            <a:picLocks noChangeAspect="1" noChangeArrowheads="1"/>
-          </p:cNvPicPr>
-          <p:nvPr/>
-        </p:nvPicPr>
-        <p:blipFill>
-          <a:blip r:embed="rId18">
-            <a:extLst>
-              <a:ext uri="{28A0092B-C50C-407E-A947-70E740481C1C}">
-                <a14:useLocalDpi xmlns:a14="http://schemas.microsoft.com/office/drawing/2010/main" val="0"/>
-              </a:ext>
-            </a:extLst>
-          </a:blip>
-          <a:srcRect/>
-          <a:stretch>
-            <a:fillRect/>
-          </a:stretch>
-        </p:blipFill>
-        <p:spPr bwMode="auto">
-          <a:xfrm>
-            <a:off x="1315805" y="5416384"/>
-            <a:ext cx="745671" cy="419440"/>
-          </a:xfrm>
-          <a:prstGeom prst="rect">
-            <a:avLst/>
-          </a:prstGeom>
-          <a:noFill/>
-          <a:extLst>
-            <a:ext uri="{909E8E84-426E-40DD-AFC4-6F175D3DCCD1}">
-              <a14:hiddenFill xmlns:a14="http://schemas.microsoft.com/office/drawing/2010/main">
-                <a:solidFill>
-                  <a:srgbClr val="FFFFFF"/>
-                </a:solidFill>
-              </a14:hiddenFill>
-            </a:ext>
-          </a:extLst>
-        </p:spPr>
-      </p:pic>
-      <p:cxnSp>
-        <p:nvCxnSpPr>
-          <p:cNvPr id="7" name="Connector: Elbow 6">
-            <a:extLst>
-              <a:ext uri="{FF2B5EF4-FFF2-40B4-BE49-F238E27FC236}">
-                <a16:creationId xmlns:a16="http://schemas.microsoft.com/office/drawing/2014/main" id="{70A85098-0431-149F-C5C1-ED27354DEBD3}"/>
-              </a:ext>
-            </a:extLst>
-          </p:cNvPr>
-          <p:cNvCxnSpPr>
-            <a:cxnSpLocks/>
-            <a:stCxn id="5" idx="0"/>
-          </p:cNvCxnSpPr>
-          <p:nvPr/>
-        </p:nvCxnSpPr>
-        <p:spPr>
-          <a:xfrm rot="5400000" flipH="1" flipV="1">
-            <a:off x="3816455" y="5032530"/>
-            <a:ext cx="562431" cy="1"/>
-          </a:xfrm>
-          <a:prstGeom prst="bentConnector3">
-            <a:avLst>
-              <a:gd name="adj1" fmla="val 50000"/>
-            </a:avLst>
-          </a:prstGeom>
-          <a:ln w="12700">
-            <a:solidFill>
-              <a:srgbClr val="C00000"/>
-            </a:solidFill>
-            <a:prstDash val="sysDash"/>
-            <a:headEnd type="triangle" w="med" len="med"/>
-            <a:tailEnd type="triangle" w="med" len="med"/>
-          </a:ln>
-        </p:spPr>
-        <p:style>
-          <a:lnRef idx="1">
-            <a:schemeClr val="accent1"/>
-          </a:lnRef>
-          <a:fillRef idx="0">
-            <a:schemeClr val="accent1"/>
-          </a:fillRef>
-          <a:effectRef idx="0">
-            <a:schemeClr val="accent1"/>
-          </a:effectRef>
-          <a:fontRef idx="minor">
-            <a:schemeClr val="tx1"/>
-          </a:fontRef>
-        </p:style>
-      </p:cxnSp>
-      <p:sp>
-        <p:nvSpPr>
-          <p:cNvPr id="27" name="TextBox 26">
-            <a:extLst>
-              <a:ext uri="{FF2B5EF4-FFF2-40B4-BE49-F238E27FC236}">
-                <a16:creationId xmlns:a16="http://schemas.microsoft.com/office/drawing/2014/main" id="{6A0F5B28-ECD9-A9AE-68C6-DE427C357CF3}"/>
-              </a:ext>
-            </a:extLst>
-          </p:cNvPr>
-          <p:cNvSpPr txBox="1"/>
-          <p:nvPr/>
-        </p:nvSpPr>
-        <p:spPr>
-          <a:xfrm>
-            <a:off x="3204983" y="4899872"/>
-            <a:ext cx="1024585" cy="261610"/>
-          </a:xfrm>
-          <a:prstGeom prst="rect">
-            <a:avLst/>
-          </a:prstGeom>
-          <a:noFill/>
-          <a:ln>
-            <a:noFill/>
-          </a:ln>
-        </p:spPr>
-        <p:txBody>
-          <a:bodyPr wrap="square" rtlCol="0">
-            <a:spAutoFit/>
-          </a:bodyPr>
-          <a:lstStyle/>
-          <a:p>
-            <a:r>
-              <a:rPr lang="es-ES" sz="1100" b="1" dirty="0"/>
-              <a:t>Data </a:t>
-            </a:r>
-            <a:r>
-              <a:rPr lang="es-ES" sz="1100" b="1" dirty="0" err="1"/>
-              <a:t>Sharing</a:t>
-            </a:r>
-            <a:endParaRPr lang="es-ES" sz="1100" b="1" dirty="0"/>
-          </a:p>
-        </p:txBody>
-      </p:sp>
-      <p:cxnSp>
-        <p:nvCxnSpPr>
-          <p:cNvPr id="30" name="Connector: Elbow 29">
-            <a:extLst>
-              <a:ext uri="{FF2B5EF4-FFF2-40B4-BE49-F238E27FC236}">
-                <a16:creationId xmlns:a16="http://schemas.microsoft.com/office/drawing/2014/main" id="{92DEC871-4BF1-898B-D477-FC9F2D5E9490}"/>
-              </a:ext>
-            </a:extLst>
-          </p:cNvPr>
-          <p:cNvCxnSpPr>
-            <a:cxnSpLocks/>
-            <a:stCxn id="2056" idx="0"/>
-            <a:endCxn id="20" idx="2"/>
-          </p:cNvCxnSpPr>
-          <p:nvPr/>
-        </p:nvCxnSpPr>
-        <p:spPr>
-          <a:xfrm rot="16200000" flipV="1">
-            <a:off x="7882983" y="4697966"/>
-            <a:ext cx="1397019" cy="280843"/>
-          </a:xfrm>
-          <a:prstGeom prst="bentConnector3">
-            <a:avLst>
-              <a:gd name="adj1" fmla="val 50000"/>
-            </a:avLst>
-          </a:prstGeom>
-          <a:ln w="12700">
-            <a:solidFill>
-              <a:srgbClr val="C00000"/>
-            </a:solidFill>
-            <a:prstDash val="dash"/>
-            <a:tailEnd type="triangle"/>
-          </a:ln>
-        </p:spPr>
-        <p:style>
-          <a:lnRef idx="1">
-            <a:schemeClr val="accent1"/>
-          </a:lnRef>
-          <a:fillRef idx="0">
-            <a:schemeClr val="accent1"/>
-          </a:fillRef>
-          <a:effectRef idx="0">
-            <a:schemeClr val="accent1"/>
-          </a:effectRef>
-          <a:fontRef idx="minor">
-            <a:schemeClr val="tx1"/>
-          </a:fontRef>
-        </p:style>
-      </p:cxnSp>
-      <p:cxnSp>
-        <p:nvCxnSpPr>
-          <p:cNvPr id="38" name="Connector: Elbow 37">
-            <a:extLst>
-              <a:ext uri="{FF2B5EF4-FFF2-40B4-BE49-F238E27FC236}">
-                <a16:creationId xmlns:a16="http://schemas.microsoft.com/office/drawing/2014/main" id="{6E3026F8-855B-E341-83AC-DF2E4E7A2712}"/>
-              </a:ext>
-            </a:extLst>
-          </p:cNvPr>
-          <p:cNvCxnSpPr>
-            <a:cxnSpLocks/>
-            <a:stCxn id="2056" idx="0"/>
-            <a:endCxn id="17" idx="2"/>
-          </p:cNvCxnSpPr>
-          <p:nvPr/>
-        </p:nvCxnSpPr>
-        <p:spPr>
-          <a:xfrm rot="16200000" flipV="1">
-            <a:off x="7117259" y="3932242"/>
-            <a:ext cx="1397019" cy="1812291"/>
-          </a:xfrm>
-          <a:prstGeom prst="bentConnector3">
-            <a:avLst>
-              <a:gd name="adj1" fmla="val 50000"/>
-            </a:avLst>
-          </a:prstGeom>
-          <a:ln w="12700">
-            <a:solidFill>
-              <a:srgbClr val="C00000"/>
-            </a:solidFill>
-            <a:prstDash val="dash"/>
-            <a:tailEnd type="triangle"/>
-          </a:ln>
-        </p:spPr>
-        <p:style>
-          <a:lnRef idx="1">
-            <a:schemeClr val="accent1"/>
-          </a:lnRef>
-          <a:fillRef idx="0">
-            <a:schemeClr val="accent1"/>
-          </a:fillRef>
-          <a:effectRef idx="0">
-            <a:schemeClr val="accent1"/>
-          </a:effectRef>
-          <a:fontRef idx="minor">
-            <a:schemeClr val="tx1"/>
-          </a:fontRef>
-        </p:style>
-      </p:cxnSp>
-      <p:cxnSp>
-        <p:nvCxnSpPr>
-          <p:cNvPr id="54" name="Connector: Elbow 53">
-            <a:extLst>
-              <a:ext uri="{FF2B5EF4-FFF2-40B4-BE49-F238E27FC236}">
-                <a16:creationId xmlns:a16="http://schemas.microsoft.com/office/drawing/2014/main" id="{1FFFCEAD-9C9D-1D29-BEF4-72488AA31321}"/>
-              </a:ext>
-            </a:extLst>
-          </p:cNvPr>
-          <p:cNvCxnSpPr>
-            <a:cxnSpLocks/>
-            <a:stCxn id="2056" idx="0"/>
-            <a:endCxn id="11" idx="2"/>
-          </p:cNvCxnSpPr>
-          <p:nvPr/>
-        </p:nvCxnSpPr>
-        <p:spPr>
-          <a:xfrm rot="5400000" flipH="1" flipV="1">
-            <a:off x="8842806" y="4236938"/>
-            <a:ext cx="1179067" cy="1420852"/>
-          </a:xfrm>
-          <a:prstGeom prst="bentConnector3">
-            <a:avLst>
-              <a:gd name="adj1" fmla="val 58887"/>
-            </a:avLst>
-          </a:prstGeom>
-          <a:ln w="12700">
-            <a:solidFill>
-              <a:srgbClr val="C00000"/>
-            </a:solidFill>
-            <a:prstDash val="dash"/>
-            <a:headEnd type="triangle" w="med" len="med"/>
-            <a:tailEnd type="triangle" w="med" len="med"/>
-          </a:ln>
-        </p:spPr>
-        <p:style>
-          <a:lnRef idx="1">
-            <a:schemeClr val="accent1"/>
-          </a:lnRef>
-          <a:fillRef idx="0">
-            <a:schemeClr val="accent1"/>
-          </a:fillRef>
-          <a:effectRef idx="0">
-            <a:schemeClr val="accent1"/>
-          </a:effectRef>
-          <a:fontRef idx="minor">
-            <a:schemeClr val="tx1"/>
-          </a:fontRef>
-        </p:style>
-      </p:cxnSp>
-      <p:sp>
-        <p:nvSpPr>
-          <p:cNvPr id="60" name="TextBox 59">
-            <a:extLst>
-              <a:ext uri="{FF2B5EF4-FFF2-40B4-BE49-F238E27FC236}">
-                <a16:creationId xmlns:a16="http://schemas.microsoft.com/office/drawing/2014/main" id="{8FE65A2F-BF5B-7CEF-5697-8E53902C2DA2}"/>
-              </a:ext>
-            </a:extLst>
-          </p:cNvPr>
-          <p:cNvSpPr txBox="1"/>
-          <p:nvPr/>
-        </p:nvSpPr>
-        <p:spPr>
-          <a:xfrm>
-            <a:off x="8182392" y="5013300"/>
-            <a:ext cx="1079045" cy="261610"/>
-          </a:xfrm>
-          <a:prstGeom prst="rect">
-            <a:avLst/>
-          </a:prstGeom>
-          <a:solidFill>
-            <a:schemeClr val="bg1"/>
-          </a:solidFill>
-          <a:ln>
-            <a:noFill/>
-          </a:ln>
-        </p:spPr>
-        <p:txBody>
-          <a:bodyPr wrap="square" rtlCol="0">
-            <a:spAutoFit/>
-          </a:bodyPr>
-          <a:lstStyle/>
-          <a:p>
-            <a:r>
-              <a:rPr lang="es-ES" sz="1100" b="1" dirty="0"/>
-              <a:t>API </a:t>
-            </a:r>
-            <a:r>
-              <a:rPr lang="es-ES" sz="1100" b="1" dirty="0" err="1"/>
-              <a:t>Integration</a:t>
-            </a:r>
-            <a:endParaRPr lang="es-ES" sz="1100" b="1" dirty="0"/>
-          </a:p>
-        </p:txBody>
-      </p:sp>
-      <p:sp>
-        <p:nvSpPr>
-          <p:cNvPr id="1024" name="TextBox 1023">
-            <a:extLst>
-              <a:ext uri="{FF2B5EF4-FFF2-40B4-BE49-F238E27FC236}">
-                <a16:creationId xmlns:a16="http://schemas.microsoft.com/office/drawing/2014/main" id="{5547652E-65AF-EBF2-A1EA-94FEC048656B}"/>
-              </a:ext>
-            </a:extLst>
-          </p:cNvPr>
-          <p:cNvSpPr txBox="1"/>
-          <p:nvPr/>
-        </p:nvSpPr>
-        <p:spPr>
-          <a:xfrm>
-            <a:off x="132120" y="37928"/>
-            <a:ext cx="4347029" cy="523220"/>
-          </a:xfrm>
-          <a:prstGeom prst="rect">
-            <a:avLst/>
-          </a:prstGeom>
-          <a:noFill/>
-        </p:spPr>
-        <p:txBody>
-          <a:bodyPr wrap="square" rtlCol="0">
-            <a:spAutoFit/>
-          </a:bodyPr>
-          <a:lstStyle/>
-          <a:p>
-            <a:r>
-              <a:rPr lang="es-ES" sz="2800" u="sng" dirty="0" err="1">
-                <a:latin typeface="+mj-lt"/>
-              </a:rPr>
-              <a:t>Architecture</a:t>
-            </a:r>
-            <a:endParaRPr lang="es-ES" sz="2800" u="sng" dirty="0">
-              <a:latin typeface="+mj-lt"/>
-            </a:endParaRPr>
+              <a:t>http://localhost:8501/</a:t>
+            </a:r>
           </a:p>
         </p:txBody>
       </p:sp>
     </p:spTree>
     <p:extLst>
       <p:ext uri="{BB962C8B-B14F-4D97-AF65-F5344CB8AC3E}">
-        <p14:creationId xmlns:p14="http://schemas.microsoft.com/office/powerpoint/2010/main" val="2333165448"/>
+        <p14:creationId xmlns:p14="http://schemas.microsoft.com/office/powerpoint/2010/main" val="3469387065"/>
       </p:ext>
     </p:extLst>
   </p:cSld>
@@ -8701,7 +5931,7 @@
 </p:sld>
 </file>
 
-<file path=ppt/slides/slide5.xml><?xml version="1.0" encoding="utf-8"?>
+<file path=ppt/slides/slide4.xml><?xml version="1.0" encoding="utf-8"?>
 <p:sld xmlns:a="http://schemas.openxmlformats.org/drawingml/2006/main" xmlns:r="http://schemas.openxmlformats.org/officeDocument/2006/relationships" xmlns:p="http://schemas.openxmlformats.org/presentationml/2006/main">
   <p:cSld>
     <p:spTree>

--- a/Presentation.pptx
+++ b/Presentation.pptx
@@ -5865,6 +5865,57 @@
           <a:bodyPr wrap="square">
             <a:spAutoFit/>
           </a:bodyPr>
+          <a:lstStyle>
+            <a:defPPr>
+              <a:defRPr lang="es-ES"/>
+            </a:defPPr>
+            <a:lvl1pPr>
+              <a:defRPr sz="1600">
+                <a:solidFill>
+                  <a:srgbClr val="7086A4"/>
+                </a:solidFill>
+              </a:defRPr>
+            </a:lvl1pPr>
+          </a:lstStyle>
+          <a:p>
+            <a:r>
+              <a:rPr lang="es-ES" u="sng" dirty="0">
+                <a:solidFill>
+                  <a:srgbClr val="0070C0"/>
+                </a:solidFill>
+              </a:rPr>
+              <a:t>http://localhost:8501/</a:t>
+            </a:r>
+          </a:p>
+        </p:txBody>
+      </p:sp>
+      <p:sp>
+        <p:nvSpPr>
+          <p:cNvPr id="21" name="TextBox 20">
+            <a:hlinkClick r:id="rId3"/>
+            <a:extLst>
+              <a:ext uri="{FF2B5EF4-FFF2-40B4-BE49-F238E27FC236}">
+                <a16:creationId xmlns:a16="http://schemas.microsoft.com/office/drawing/2014/main" id="{7C158C6D-C870-A8CF-6115-3689610E0C4B}"/>
+              </a:ext>
+            </a:extLst>
+          </p:cNvPr>
+          <p:cNvSpPr txBox="1"/>
+          <p:nvPr/>
+        </p:nvSpPr>
+        <p:spPr>
+          <a:xfrm>
+            <a:off x="8139846" y="2360289"/>
+            <a:ext cx="2604354" cy="584775"/>
+          </a:xfrm>
+          <a:prstGeom prst="rect">
+            <a:avLst/>
+          </a:prstGeom>
+          <a:noFill/>
+        </p:spPr>
+        <p:txBody>
+          <a:bodyPr wrap="square">
+            <a:spAutoFit/>
+          </a:bodyPr>
           <a:lstStyle/>
           <a:p>
             <a:r>
@@ -5872,49 +5923,15 @@
                 <a:solidFill>
                   <a:srgbClr val="7086A4"/>
                 </a:solidFill>
+                <a:hlinkClick r:id="rId4"/>
               </a:rPr>
-              <a:t>http://localhost:8501/</a:t>
-            </a:r>
-          </a:p>
-        </p:txBody>
-      </p:sp>
-      <p:sp>
-        <p:nvSpPr>
-          <p:cNvPr id="21" name="TextBox 20">
-            <a:hlinkClick r:id="rId3"/>
-            <a:extLst>
-              <a:ext uri="{FF2B5EF4-FFF2-40B4-BE49-F238E27FC236}">
-                <a16:creationId xmlns:a16="http://schemas.microsoft.com/office/drawing/2014/main" id="{7C158C6D-C870-A8CF-6115-3689610E0C4B}"/>
-              </a:ext>
-            </a:extLst>
-          </p:cNvPr>
-          <p:cNvSpPr txBox="1"/>
-          <p:nvPr/>
-        </p:nvSpPr>
-        <p:spPr>
-          <a:xfrm>
-            <a:off x="8139846" y="2360289"/>
-            <a:ext cx="2604354" cy="338554"/>
-          </a:xfrm>
-          <a:prstGeom prst="rect">
-            <a:avLst/>
-          </a:prstGeom>
-          <a:noFill/>
-        </p:spPr>
-        <p:txBody>
-          <a:bodyPr wrap="square">
-            <a:spAutoFit/>
-          </a:bodyPr>
-          <a:lstStyle/>
-          <a:p>
-            <a:r>
-              <a:rPr lang="es-ES" sz="1600" dirty="0">
-                <a:solidFill>
-                  <a:srgbClr val="7086A4"/>
-                </a:solidFill>
-              </a:rPr>
-              <a:t>http://localhost:8501/</a:t>
-            </a:r>
+              <a:t>https://mlassistant.streamlit.app/</a:t>
+            </a:r>
+            <a:endParaRPr lang="es-ES" sz="1600" dirty="0">
+              <a:solidFill>
+                <a:srgbClr val="7086A4"/>
+              </a:solidFill>
+            </a:endParaRPr>
           </a:p>
         </p:txBody>
       </p:sp>
